--- a/Documentation/cs308_2012_team14_final_pres.pptx
+++ b/Documentation/cs308_2012_team14_final_pres.pptx
@@ -5,7 +5,7 @@
     <p:sldMasterId id="2147483660" r:id="rId1"/>
   </p:sldMasterIdLst>
   <p:notesMasterIdLst>
-    <p:notesMasterId r:id="rId7"/>
+    <p:notesMasterId r:id="rId16"/>
   </p:notesMasterIdLst>
   <p:sldIdLst>
     <p:sldId id="256" r:id="rId2"/>
@@ -13,6 +13,15 @@
     <p:sldId id="258" r:id="rId4"/>
     <p:sldId id="259" r:id="rId5"/>
     <p:sldId id="260" r:id="rId6"/>
+    <p:sldId id="261" r:id="rId7"/>
+    <p:sldId id="262" r:id="rId8"/>
+    <p:sldId id="263" r:id="rId9"/>
+    <p:sldId id="264" r:id="rId10"/>
+    <p:sldId id="265" r:id="rId11"/>
+    <p:sldId id="266" r:id="rId12"/>
+    <p:sldId id="267" r:id="rId13"/>
+    <p:sldId id="268" r:id="rId14"/>
+    <p:sldId id="269" r:id="rId15"/>
   </p:sldIdLst>
   <p:sldSz cx="9144000" cy="6858000" type="screen4x3"/>
   <p:notesSz cx="6858000" cy="9144000"/>
@@ -548,6 +557,426 @@
 </p:notes>
 </file>
 
+<file path=ppt/notesSlides/notesSlide10.xml><?xml version="1.0" encoding="utf-8"?>
+<p:notes xmlns:a="http://schemas.openxmlformats.org/drawingml/2006/main" xmlns:r="http://schemas.openxmlformats.org/officeDocument/2006/relationships" xmlns:p="http://schemas.openxmlformats.org/presentationml/2006/main">
+  <p:cSld>
+    <p:spTree>
+      <p:nvGrpSpPr>
+        <p:cNvPr id="1" name=""/>
+        <p:cNvGrpSpPr/>
+        <p:nvPr/>
+      </p:nvGrpSpPr>
+      <p:grpSpPr>
+        <a:xfrm>
+          <a:off x="0" y="0"/>
+          <a:ext cx="0" cy="0"/>
+          <a:chOff x="0" y="0"/>
+          <a:chExt cx="0" cy="0"/>
+        </a:xfrm>
+      </p:grpSpPr>
+      <p:sp>
+        <p:nvSpPr>
+          <p:cNvPr id="2" name="Slide Image Placeholder 1"/>
+          <p:cNvSpPr>
+            <a:spLocks noGrp="1" noRot="1" noChangeAspect="1"/>
+          </p:cNvSpPr>
+          <p:nvPr>
+            <p:ph type="sldImg"/>
+          </p:nvPr>
+        </p:nvSpPr>
+        <p:spPr/>
+      </p:sp>
+      <p:sp>
+        <p:nvSpPr>
+          <p:cNvPr id="3" name="Notes Placeholder 2"/>
+          <p:cNvSpPr>
+            <a:spLocks noGrp="1"/>
+          </p:cNvSpPr>
+          <p:nvPr>
+            <p:ph type="body" idx="1"/>
+          </p:nvPr>
+        </p:nvSpPr>
+        <p:spPr/>
+        <p:txBody>
+          <a:bodyPr/>
+          <a:lstStyle/>
+          <a:p>
+            <a:endParaRPr lang="en-US"/>
+          </a:p>
+        </p:txBody>
+      </p:sp>
+      <p:sp>
+        <p:nvSpPr>
+          <p:cNvPr id="4" name="Slide Number Placeholder 3"/>
+          <p:cNvSpPr>
+            <a:spLocks noGrp="1"/>
+          </p:cNvSpPr>
+          <p:nvPr>
+            <p:ph type="sldNum" sz="quarter" idx="10"/>
+          </p:nvPr>
+        </p:nvSpPr>
+        <p:spPr/>
+        <p:txBody>
+          <a:bodyPr/>
+          <a:lstStyle/>
+          <a:p>
+            <a:fld id="{7755B56D-450F-4392-A26B-213930B4580E}" type="slidenum">
+              <a:rPr lang="en-US" smtClean="0"/>
+              <a:t>10</a:t>
+            </a:fld>
+            <a:endParaRPr lang="en-US"/>
+          </a:p>
+        </p:txBody>
+      </p:sp>
+    </p:spTree>
+    <p:extLst>
+      <p:ext uri="{BB962C8B-B14F-4D97-AF65-F5344CB8AC3E}">
+        <p14:creationId xmlns:p14="http://schemas.microsoft.com/office/powerpoint/2010/main" val="1154857096"/>
+      </p:ext>
+    </p:extLst>
+  </p:cSld>
+  <p:clrMapOvr>
+    <a:masterClrMapping/>
+  </p:clrMapOvr>
+</p:notes>
+</file>
+
+<file path=ppt/notesSlides/notesSlide11.xml><?xml version="1.0" encoding="utf-8"?>
+<p:notes xmlns:a="http://schemas.openxmlformats.org/drawingml/2006/main" xmlns:r="http://schemas.openxmlformats.org/officeDocument/2006/relationships" xmlns:p="http://schemas.openxmlformats.org/presentationml/2006/main">
+  <p:cSld>
+    <p:spTree>
+      <p:nvGrpSpPr>
+        <p:cNvPr id="1" name=""/>
+        <p:cNvGrpSpPr/>
+        <p:nvPr/>
+      </p:nvGrpSpPr>
+      <p:grpSpPr>
+        <a:xfrm>
+          <a:off x="0" y="0"/>
+          <a:ext cx="0" cy="0"/>
+          <a:chOff x="0" y="0"/>
+          <a:chExt cx="0" cy="0"/>
+        </a:xfrm>
+      </p:grpSpPr>
+      <p:sp>
+        <p:nvSpPr>
+          <p:cNvPr id="2" name="Slide Image Placeholder 1"/>
+          <p:cNvSpPr>
+            <a:spLocks noGrp="1" noRot="1" noChangeAspect="1"/>
+          </p:cNvSpPr>
+          <p:nvPr>
+            <p:ph type="sldImg"/>
+          </p:nvPr>
+        </p:nvSpPr>
+        <p:spPr/>
+      </p:sp>
+      <p:sp>
+        <p:nvSpPr>
+          <p:cNvPr id="3" name="Notes Placeholder 2"/>
+          <p:cNvSpPr>
+            <a:spLocks noGrp="1"/>
+          </p:cNvSpPr>
+          <p:nvPr>
+            <p:ph type="body" idx="1"/>
+          </p:nvPr>
+        </p:nvSpPr>
+        <p:spPr/>
+        <p:txBody>
+          <a:bodyPr/>
+          <a:lstStyle/>
+          <a:p>
+            <a:endParaRPr lang="en-US"/>
+          </a:p>
+        </p:txBody>
+      </p:sp>
+      <p:sp>
+        <p:nvSpPr>
+          <p:cNvPr id="4" name="Slide Number Placeholder 3"/>
+          <p:cNvSpPr>
+            <a:spLocks noGrp="1"/>
+          </p:cNvSpPr>
+          <p:nvPr>
+            <p:ph type="sldNum" sz="quarter" idx="10"/>
+          </p:nvPr>
+        </p:nvSpPr>
+        <p:spPr/>
+        <p:txBody>
+          <a:bodyPr/>
+          <a:lstStyle/>
+          <a:p>
+            <a:fld id="{7755B56D-450F-4392-A26B-213930B4580E}" type="slidenum">
+              <a:rPr lang="en-US" smtClean="0"/>
+              <a:t>11</a:t>
+            </a:fld>
+            <a:endParaRPr lang="en-US"/>
+          </a:p>
+        </p:txBody>
+      </p:sp>
+    </p:spTree>
+    <p:extLst>
+      <p:ext uri="{BB962C8B-B14F-4D97-AF65-F5344CB8AC3E}">
+        <p14:creationId xmlns:p14="http://schemas.microsoft.com/office/powerpoint/2010/main" val="2855482947"/>
+      </p:ext>
+    </p:extLst>
+  </p:cSld>
+  <p:clrMapOvr>
+    <a:masterClrMapping/>
+  </p:clrMapOvr>
+</p:notes>
+</file>
+
+<file path=ppt/notesSlides/notesSlide12.xml><?xml version="1.0" encoding="utf-8"?>
+<p:notes xmlns:a="http://schemas.openxmlformats.org/drawingml/2006/main" xmlns:r="http://schemas.openxmlformats.org/officeDocument/2006/relationships" xmlns:p="http://schemas.openxmlformats.org/presentationml/2006/main">
+  <p:cSld>
+    <p:spTree>
+      <p:nvGrpSpPr>
+        <p:cNvPr id="1" name=""/>
+        <p:cNvGrpSpPr/>
+        <p:nvPr/>
+      </p:nvGrpSpPr>
+      <p:grpSpPr>
+        <a:xfrm>
+          <a:off x="0" y="0"/>
+          <a:ext cx="0" cy="0"/>
+          <a:chOff x="0" y="0"/>
+          <a:chExt cx="0" cy="0"/>
+        </a:xfrm>
+      </p:grpSpPr>
+      <p:sp>
+        <p:nvSpPr>
+          <p:cNvPr id="2" name="Slide Image Placeholder 1"/>
+          <p:cNvSpPr>
+            <a:spLocks noGrp="1" noRot="1" noChangeAspect="1"/>
+          </p:cNvSpPr>
+          <p:nvPr>
+            <p:ph type="sldImg"/>
+          </p:nvPr>
+        </p:nvSpPr>
+        <p:spPr/>
+      </p:sp>
+      <p:sp>
+        <p:nvSpPr>
+          <p:cNvPr id="3" name="Notes Placeholder 2"/>
+          <p:cNvSpPr>
+            <a:spLocks noGrp="1"/>
+          </p:cNvSpPr>
+          <p:nvPr>
+            <p:ph type="body" idx="1"/>
+          </p:nvPr>
+        </p:nvSpPr>
+        <p:spPr/>
+        <p:txBody>
+          <a:bodyPr/>
+          <a:lstStyle/>
+          <a:p>
+            <a:endParaRPr lang="en-US"/>
+          </a:p>
+        </p:txBody>
+      </p:sp>
+      <p:sp>
+        <p:nvSpPr>
+          <p:cNvPr id="4" name="Slide Number Placeholder 3"/>
+          <p:cNvSpPr>
+            <a:spLocks noGrp="1"/>
+          </p:cNvSpPr>
+          <p:nvPr>
+            <p:ph type="sldNum" sz="quarter" idx="10"/>
+          </p:nvPr>
+        </p:nvSpPr>
+        <p:spPr/>
+        <p:txBody>
+          <a:bodyPr/>
+          <a:lstStyle/>
+          <a:p>
+            <a:fld id="{7755B56D-450F-4392-A26B-213930B4580E}" type="slidenum">
+              <a:rPr lang="en-US" smtClean="0"/>
+              <a:t>12</a:t>
+            </a:fld>
+            <a:endParaRPr lang="en-US"/>
+          </a:p>
+        </p:txBody>
+      </p:sp>
+    </p:spTree>
+    <p:extLst>
+      <p:ext uri="{BB962C8B-B14F-4D97-AF65-F5344CB8AC3E}">
+        <p14:creationId xmlns:p14="http://schemas.microsoft.com/office/powerpoint/2010/main" val="1726585263"/>
+      </p:ext>
+    </p:extLst>
+  </p:cSld>
+  <p:clrMapOvr>
+    <a:masterClrMapping/>
+  </p:clrMapOvr>
+</p:notes>
+</file>
+
+<file path=ppt/notesSlides/notesSlide13.xml><?xml version="1.0" encoding="utf-8"?>
+<p:notes xmlns:a="http://schemas.openxmlformats.org/drawingml/2006/main" xmlns:r="http://schemas.openxmlformats.org/officeDocument/2006/relationships" xmlns:p="http://schemas.openxmlformats.org/presentationml/2006/main">
+  <p:cSld>
+    <p:spTree>
+      <p:nvGrpSpPr>
+        <p:cNvPr id="1" name=""/>
+        <p:cNvGrpSpPr/>
+        <p:nvPr/>
+      </p:nvGrpSpPr>
+      <p:grpSpPr>
+        <a:xfrm>
+          <a:off x="0" y="0"/>
+          <a:ext cx="0" cy="0"/>
+          <a:chOff x="0" y="0"/>
+          <a:chExt cx="0" cy="0"/>
+        </a:xfrm>
+      </p:grpSpPr>
+      <p:sp>
+        <p:nvSpPr>
+          <p:cNvPr id="2" name="Slide Image Placeholder 1"/>
+          <p:cNvSpPr>
+            <a:spLocks noGrp="1" noRot="1" noChangeAspect="1"/>
+          </p:cNvSpPr>
+          <p:nvPr>
+            <p:ph type="sldImg"/>
+          </p:nvPr>
+        </p:nvSpPr>
+        <p:spPr/>
+      </p:sp>
+      <p:sp>
+        <p:nvSpPr>
+          <p:cNvPr id="3" name="Notes Placeholder 2"/>
+          <p:cNvSpPr>
+            <a:spLocks noGrp="1"/>
+          </p:cNvSpPr>
+          <p:nvPr>
+            <p:ph type="body" idx="1"/>
+          </p:nvPr>
+        </p:nvSpPr>
+        <p:spPr/>
+        <p:txBody>
+          <a:bodyPr/>
+          <a:lstStyle/>
+          <a:p>
+            <a:endParaRPr lang="en-US"/>
+          </a:p>
+        </p:txBody>
+      </p:sp>
+      <p:sp>
+        <p:nvSpPr>
+          <p:cNvPr id="4" name="Slide Number Placeholder 3"/>
+          <p:cNvSpPr>
+            <a:spLocks noGrp="1"/>
+          </p:cNvSpPr>
+          <p:nvPr>
+            <p:ph type="sldNum" sz="quarter" idx="10"/>
+          </p:nvPr>
+        </p:nvSpPr>
+        <p:spPr/>
+        <p:txBody>
+          <a:bodyPr/>
+          <a:lstStyle/>
+          <a:p>
+            <a:fld id="{7755B56D-450F-4392-A26B-213930B4580E}" type="slidenum">
+              <a:rPr lang="en-US" smtClean="0"/>
+              <a:t>13</a:t>
+            </a:fld>
+            <a:endParaRPr lang="en-US"/>
+          </a:p>
+        </p:txBody>
+      </p:sp>
+    </p:spTree>
+    <p:extLst>
+      <p:ext uri="{BB962C8B-B14F-4D97-AF65-F5344CB8AC3E}">
+        <p14:creationId xmlns:p14="http://schemas.microsoft.com/office/powerpoint/2010/main" val="928026298"/>
+      </p:ext>
+    </p:extLst>
+  </p:cSld>
+  <p:clrMapOvr>
+    <a:masterClrMapping/>
+  </p:clrMapOvr>
+</p:notes>
+</file>
+
+<file path=ppt/notesSlides/notesSlide14.xml><?xml version="1.0" encoding="utf-8"?>
+<p:notes xmlns:a="http://schemas.openxmlformats.org/drawingml/2006/main" xmlns:r="http://schemas.openxmlformats.org/officeDocument/2006/relationships" xmlns:p="http://schemas.openxmlformats.org/presentationml/2006/main">
+  <p:cSld>
+    <p:spTree>
+      <p:nvGrpSpPr>
+        <p:cNvPr id="1" name=""/>
+        <p:cNvGrpSpPr/>
+        <p:nvPr/>
+      </p:nvGrpSpPr>
+      <p:grpSpPr>
+        <a:xfrm>
+          <a:off x="0" y="0"/>
+          <a:ext cx="0" cy="0"/>
+          <a:chOff x="0" y="0"/>
+          <a:chExt cx="0" cy="0"/>
+        </a:xfrm>
+      </p:grpSpPr>
+      <p:sp>
+        <p:nvSpPr>
+          <p:cNvPr id="2" name="Slide Image Placeholder 1"/>
+          <p:cNvSpPr>
+            <a:spLocks noGrp="1" noRot="1" noChangeAspect="1"/>
+          </p:cNvSpPr>
+          <p:nvPr>
+            <p:ph type="sldImg"/>
+          </p:nvPr>
+        </p:nvSpPr>
+        <p:spPr/>
+      </p:sp>
+      <p:sp>
+        <p:nvSpPr>
+          <p:cNvPr id="3" name="Notes Placeholder 2"/>
+          <p:cNvSpPr>
+            <a:spLocks noGrp="1"/>
+          </p:cNvSpPr>
+          <p:nvPr>
+            <p:ph type="body" idx="1"/>
+          </p:nvPr>
+        </p:nvSpPr>
+        <p:spPr/>
+        <p:txBody>
+          <a:bodyPr/>
+          <a:lstStyle/>
+          <a:p>
+            <a:endParaRPr lang="en-US"/>
+          </a:p>
+        </p:txBody>
+      </p:sp>
+      <p:sp>
+        <p:nvSpPr>
+          <p:cNvPr id="4" name="Slide Number Placeholder 3"/>
+          <p:cNvSpPr>
+            <a:spLocks noGrp="1"/>
+          </p:cNvSpPr>
+          <p:nvPr>
+            <p:ph type="sldNum" sz="quarter" idx="10"/>
+          </p:nvPr>
+        </p:nvSpPr>
+        <p:spPr/>
+        <p:txBody>
+          <a:bodyPr/>
+          <a:lstStyle/>
+          <a:p>
+            <a:fld id="{7755B56D-450F-4392-A26B-213930B4580E}" type="slidenum">
+              <a:rPr lang="en-US" smtClean="0"/>
+              <a:t>14</a:t>
+            </a:fld>
+            <a:endParaRPr lang="en-US"/>
+          </a:p>
+        </p:txBody>
+      </p:sp>
+    </p:spTree>
+    <p:extLst>
+      <p:ext uri="{BB962C8B-B14F-4D97-AF65-F5344CB8AC3E}">
+        <p14:creationId xmlns:p14="http://schemas.microsoft.com/office/powerpoint/2010/main" val="2289083398"/>
+      </p:ext>
+    </p:extLst>
+  </p:cSld>
+  <p:clrMapOvr>
+    <a:masterClrMapping/>
+  </p:clrMapOvr>
+</p:notes>
+</file>
+
 <file path=ppt/notesSlides/notesSlide2.xml><?xml version="1.0" encoding="utf-8"?>
 <p:notes xmlns:a="http://schemas.openxmlformats.org/drawingml/2006/main" xmlns:r="http://schemas.openxmlformats.org/officeDocument/2006/relationships" xmlns:p="http://schemas.openxmlformats.org/presentationml/2006/main">
   <p:cSld>
@@ -875,6 +1304,342 @@
     <p:extLst>
       <p:ext uri="{BB962C8B-B14F-4D97-AF65-F5344CB8AC3E}">
         <p14:creationId xmlns:p14="http://schemas.microsoft.com/office/powerpoint/2010/main" val="636125972"/>
+      </p:ext>
+    </p:extLst>
+  </p:cSld>
+  <p:clrMapOvr>
+    <a:masterClrMapping/>
+  </p:clrMapOvr>
+</p:notes>
+</file>
+
+<file path=ppt/notesSlides/notesSlide6.xml><?xml version="1.0" encoding="utf-8"?>
+<p:notes xmlns:a="http://schemas.openxmlformats.org/drawingml/2006/main" xmlns:r="http://schemas.openxmlformats.org/officeDocument/2006/relationships" xmlns:p="http://schemas.openxmlformats.org/presentationml/2006/main">
+  <p:cSld>
+    <p:spTree>
+      <p:nvGrpSpPr>
+        <p:cNvPr id="1" name=""/>
+        <p:cNvGrpSpPr/>
+        <p:nvPr/>
+      </p:nvGrpSpPr>
+      <p:grpSpPr>
+        <a:xfrm>
+          <a:off x="0" y="0"/>
+          <a:ext cx="0" cy="0"/>
+          <a:chOff x="0" y="0"/>
+          <a:chExt cx="0" cy="0"/>
+        </a:xfrm>
+      </p:grpSpPr>
+      <p:sp>
+        <p:nvSpPr>
+          <p:cNvPr id="2" name="Slide Image Placeholder 1"/>
+          <p:cNvSpPr>
+            <a:spLocks noGrp="1" noRot="1" noChangeAspect="1"/>
+          </p:cNvSpPr>
+          <p:nvPr>
+            <p:ph type="sldImg"/>
+          </p:nvPr>
+        </p:nvSpPr>
+        <p:spPr/>
+      </p:sp>
+      <p:sp>
+        <p:nvSpPr>
+          <p:cNvPr id="3" name="Notes Placeholder 2"/>
+          <p:cNvSpPr>
+            <a:spLocks noGrp="1"/>
+          </p:cNvSpPr>
+          <p:nvPr>
+            <p:ph type="body" idx="1"/>
+          </p:nvPr>
+        </p:nvSpPr>
+        <p:spPr/>
+        <p:txBody>
+          <a:bodyPr/>
+          <a:lstStyle/>
+          <a:p>
+            <a:endParaRPr lang="en-US"/>
+          </a:p>
+        </p:txBody>
+      </p:sp>
+      <p:sp>
+        <p:nvSpPr>
+          <p:cNvPr id="4" name="Slide Number Placeholder 3"/>
+          <p:cNvSpPr>
+            <a:spLocks noGrp="1"/>
+          </p:cNvSpPr>
+          <p:nvPr>
+            <p:ph type="sldNum" sz="quarter" idx="10"/>
+          </p:nvPr>
+        </p:nvSpPr>
+        <p:spPr/>
+        <p:txBody>
+          <a:bodyPr/>
+          <a:lstStyle/>
+          <a:p>
+            <a:fld id="{7755B56D-450F-4392-A26B-213930B4580E}" type="slidenum">
+              <a:rPr lang="en-US" smtClean="0"/>
+              <a:t>6</a:t>
+            </a:fld>
+            <a:endParaRPr lang="en-US"/>
+          </a:p>
+        </p:txBody>
+      </p:sp>
+    </p:spTree>
+    <p:extLst>
+      <p:ext uri="{BB962C8B-B14F-4D97-AF65-F5344CB8AC3E}">
+        <p14:creationId xmlns:p14="http://schemas.microsoft.com/office/powerpoint/2010/main" val="1750808204"/>
+      </p:ext>
+    </p:extLst>
+  </p:cSld>
+  <p:clrMapOvr>
+    <a:masterClrMapping/>
+  </p:clrMapOvr>
+</p:notes>
+</file>
+
+<file path=ppt/notesSlides/notesSlide7.xml><?xml version="1.0" encoding="utf-8"?>
+<p:notes xmlns:a="http://schemas.openxmlformats.org/drawingml/2006/main" xmlns:r="http://schemas.openxmlformats.org/officeDocument/2006/relationships" xmlns:p="http://schemas.openxmlformats.org/presentationml/2006/main">
+  <p:cSld>
+    <p:spTree>
+      <p:nvGrpSpPr>
+        <p:cNvPr id="1" name=""/>
+        <p:cNvGrpSpPr/>
+        <p:nvPr/>
+      </p:nvGrpSpPr>
+      <p:grpSpPr>
+        <a:xfrm>
+          <a:off x="0" y="0"/>
+          <a:ext cx="0" cy="0"/>
+          <a:chOff x="0" y="0"/>
+          <a:chExt cx="0" cy="0"/>
+        </a:xfrm>
+      </p:grpSpPr>
+      <p:sp>
+        <p:nvSpPr>
+          <p:cNvPr id="2" name="Slide Image Placeholder 1"/>
+          <p:cNvSpPr>
+            <a:spLocks noGrp="1" noRot="1" noChangeAspect="1"/>
+          </p:cNvSpPr>
+          <p:nvPr>
+            <p:ph type="sldImg"/>
+          </p:nvPr>
+        </p:nvSpPr>
+        <p:spPr/>
+      </p:sp>
+      <p:sp>
+        <p:nvSpPr>
+          <p:cNvPr id="3" name="Notes Placeholder 2"/>
+          <p:cNvSpPr>
+            <a:spLocks noGrp="1"/>
+          </p:cNvSpPr>
+          <p:nvPr>
+            <p:ph type="body" idx="1"/>
+          </p:nvPr>
+        </p:nvSpPr>
+        <p:spPr/>
+        <p:txBody>
+          <a:bodyPr/>
+          <a:lstStyle/>
+          <a:p>
+            <a:endParaRPr lang="en-US"/>
+          </a:p>
+        </p:txBody>
+      </p:sp>
+      <p:sp>
+        <p:nvSpPr>
+          <p:cNvPr id="4" name="Slide Number Placeholder 3"/>
+          <p:cNvSpPr>
+            <a:spLocks noGrp="1"/>
+          </p:cNvSpPr>
+          <p:nvPr>
+            <p:ph type="sldNum" sz="quarter" idx="10"/>
+          </p:nvPr>
+        </p:nvSpPr>
+        <p:spPr/>
+        <p:txBody>
+          <a:bodyPr/>
+          <a:lstStyle/>
+          <a:p>
+            <a:fld id="{7755B56D-450F-4392-A26B-213930B4580E}" type="slidenum">
+              <a:rPr lang="en-US" smtClean="0"/>
+              <a:t>7</a:t>
+            </a:fld>
+            <a:endParaRPr lang="en-US"/>
+          </a:p>
+        </p:txBody>
+      </p:sp>
+    </p:spTree>
+    <p:extLst>
+      <p:ext uri="{BB962C8B-B14F-4D97-AF65-F5344CB8AC3E}">
+        <p14:creationId xmlns:p14="http://schemas.microsoft.com/office/powerpoint/2010/main" val="3342564899"/>
+      </p:ext>
+    </p:extLst>
+  </p:cSld>
+  <p:clrMapOvr>
+    <a:masterClrMapping/>
+  </p:clrMapOvr>
+</p:notes>
+</file>
+
+<file path=ppt/notesSlides/notesSlide8.xml><?xml version="1.0" encoding="utf-8"?>
+<p:notes xmlns:a="http://schemas.openxmlformats.org/drawingml/2006/main" xmlns:r="http://schemas.openxmlformats.org/officeDocument/2006/relationships" xmlns:p="http://schemas.openxmlformats.org/presentationml/2006/main">
+  <p:cSld>
+    <p:spTree>
+      <p:nvGrpSpPr>
+        <p:cNvPr id="1" name=""/>
+        <p:cNvGrpSpPr/>
+        <p:nvPr/>
+      </p:nvGrpSpPr>
+      <p:grpSpPr>
+        <a:xfrm>
+          <a:off x="0" y="0"/>
+          <a:ext cx="0" cy="0"/>
+          <a:chOff x="0" y="0"/>
+          <a:chExt cx="0" cy="0"/>
+        </a:xfrm>
+      </p:grpSpPr>
+      <p:sp>
+        <p:nvSpPr>
+          <p:cNvPr id="2" name="Slide Image Placeholder 1"/>
+          <p:cNvSpPr>
+            <a:spLocks noGrp="1" noRot="1" noChangeAspect="1"/>
+          </p:cNvSpPr>
+          <p:nvPr>
+            <p:ph type="sldImg"/>
+          </p:nvPr>
+        </p:nvSpPr>
+        <p:spPr/>
+      </p:sp>
+      <p:sp>
+        <p:nvSpPr>
+          <p:cNvPr id="3" name="Notes Placeholder 2"/>
+          <p:cNvSpPr>
+            <a:spLocks noGrp="1"/>
+          </p:cNvSpPr>
+          <p:nvPr>
+            <p:ph type="body" idx="1"/>
+          </p:nvPr>
+        </p:nvSpPr>
+        <p:spPr/>
+        <p:txBody>
+          <a:bodyPr/>
+          <a:lstStyle/>
+          <a:p>
+            <a:endParaRPr lang="en-US"/>
+          </a:p>
+        </p:txBody>
+      </p:sp>
+      <p:sp>
+        <p:nvSpPr>
+          <p:cNvPr id="4" name="Slide Number Placeholder 3"/>
+          <p:cNvSpPr>
+            <a:spLocks noGrp="1"/>
+          </p:cNvSpPr>
+          <p:nvPr>
+            <p:ph type="sldNum" sz="quarter" idx="10"/>
+          </p:nvPr>
+        </p:nvSpPr>
+        <p:spPr/>
+        <p:txBody>
+          <a:bodyPr/>
+          <a:lstStyle/>
+          <a:p>
+            <a:fld id="{7755B56D-450F-4392-A26B-213930B4580E}" type="slidenum">
+              <a:rPr lang="en-US" smtClean="0"/>
+              <a:t>8</a:t>
+            </a:fld>
+            <a:endParaRPr lang="en-US"/>
+          </a:p>
+        </p:txBody>
+      </p:sp>
+    </p:spTree>
+    <p:extLst>
+      <p:ext uri="{BB962C8B-B14F-4D97-AF65-F5344CB8AC3E}">
+        <p14:creationId xmlns:p14="http://schemas.microsoft.com/office/powerpoint/2010/main" val="2022523703"/>
+      </p:ext>
+    </p:extLst>
+  </p:cSld>
+  <p:clrMapOvr>
+    <a:masterClrMapping/>
+  </p:clrMapOvr>
+</p:notes>
+</file>
+
+<file path=ppt/notesSlides/notesSlide9.xml><?xml version="1.0" encoding="utf-8"?>
+<p:notes xmlns:a="http://schemas.openxmlformats.org/drawingml/2006/main" xmlns:r="http://schemas.openxmlformats.org/officeDocument/2006/relationships" xmlns:p="http://schemas.openxmlformats.org/presentationml/2006/main">
+  <p:cSld>
+    <p:spTree>
+      <p:nvGrpSpPr>
+        <p:cNvPr id="1" name=""/>
+        <p:cNvGrpSpPr/>
+        <p:nvPr/>
+      </p:nvGrpSpPr>
+      <p:grpSpPr>
+        <a:xfrm>
+          <a:off x="0" y="0"/>
+          <a:ext cx="0" cy="0"/>
+          <a:chOff x="0" y="0"/>
+          <a:chExt cx="0" cy="0"/>
+        </a:xfrm>
+      </p:grpSpPr>
+      <p:sp>
+        <p:nvSpPr>
+          <p:cNvPr id="2" name="Slide Image Placeholder 1"/>
+          <p:cNvSpPr>
+            <a:spLocks noGrp="1" noRot="1" noChangeAspect="1"/>
+          </p:cNvSpPr>
+          <p:nvPr>
+            <p:ph type="sldImg"/>
+          </p:nvPr>
+        </p:nvSpPr>
+        <p:spPr/>
+      </p:sp>
+      <p:sp>
+        <p:nvSpPr>
+          <p:cNvPr id="3" name="Notes Placeholder 2"/>
+          <p:cNvSpPr>
+            <a:spLocks noGrp="1"/>
+          </p:cNvSpPr>
+          <p:nvPr>
+            <p:ph type="body" idx="1"/>
+          </p:nvPr>
+        </p:nvSpPr>
+        <p:spPr/>
+        <p:txBody>
+          <a:bodyPr/>
+          <a:lstStyle/>
+          <a:p>
+            <a:endParaRPr lang="en-US"/>
+          </a:p>
+        </p:txBody>
+      </p:sp>
+      <p:sp>
+        <p:nvSpPr>
+          <p:cNvPr id="4" name="Slide Number Placeholder 3"/>
+          <p:cNvSpPr>
+            <a:spLocks noGrp="1"/>
+          </p:cNvSpPr>
+          <p:nvPr>
+            <p:ph type="sldNum" sz="quarter" idx="10"/>
+          </p:nvPr>
+        </p:nvSpPr>
+        <p:spPr/>
+        <p:txBody>
+          <a:bodyPr/>
+          <a:lstStyle/>
+          <a:p>
+            <a:fld id="{7755B56D-450F-4392-A26B-213930B4580E}" type="slidenum">
+              <a:rPr lang="en-US" smtClean="0"/>
+              <a:t>9</a:t>
+            </a:fld>
+            <a:endParaRPr lang="en-US"/>
+          </a:p>
+        </p:txBody>
+      </p:sp>
+    </p:spTree>
+    <p:extLst>
+      <p:ext uri="{BB962C8B-B14F-4D97-AF65-F5344CB8AC3E}">
+        <p14:creationId xmlns:p14="http://schemas.microsoft.com/office/powerpoint/2010/main" val="3804972589"/>
       </p:ext>
     </p:extLst>
   </p:cSld>
@@ -4407,6 +5172,2662 @@
 </p:sld>
 </file>
 
+<file path=ppt/slides/slide10.xml><?xml version="1.0" encoding="utf-8"?>
+<p:sld xmlns:a="http://schemas.openxmlformats.org/drawingml/2006/main" xmlns:r="http://schemas.openxmlformats.org/officeDocument/2006/relationships" xmlns:p="http://schemas.openxmlformats.org/presentationml/2006/main">
+  <p:cSld>
+    <p:spTree>
+      <p:nvGrpSpPr>
+        <p:cNvPr id="1" name=""/>
+        <p:cNvGrpSpPr/>
+        <p:nvPr/>
+      </p:nvGrpSpPr>
+      <p:grpSpPr>
+        <a:xfrm>
+          <a:off x="0" y="0"/>
+          <a:ext cx="0" cy="0"/>
+          <a:chOff x="0" y="0"/>
+          <a:chExt cx="0" cy="0"/>
+        </a:xfrm>
+      </p:grpSpPr>
+      <p:sp>
+        <p:nvSpPr>
+          <p:cNvPr id="2" name="Title 1"/>
+          <p:cNvSpPr>
+            <a:spLocks noGrp="1"/>
+          </p:cNvSpPr>
+          <p:nvPr>
+            <p:ph type="title"/>
+          </p:nvPr>
+        </p:nvSpPr>
+        <p:spPr/>
+        <p:txBody>
+          <a:bodyPr/>
+          <a:lstStyle/>
+          <a:p>
+            <a:r>
+              <a:rPr lang="en-US" dirty="0"/>
+              <a:t>Tasks, Challenges &amp; Innovation</a:t>
+            </a:r>
+          </a:p>
+        </p:txBody>
+      </p:sp>
+      <p:sp>
+        <p:nvSpPr>
+          <p:cNvPr id="3" name="Content Placeholder 2"/>
+          <p:cNvSpPr>
+            <a:spLocks noGrp="1"/>
+          </p:cNvSpPr>
+          <p:nvPr>
+            <p:ph idx="1"/>
+          </p:nvPr>
+        </p:nvSpPr>
+        <p:spPr/>
+        <p:txBody>
+          <a:bodyPr/>
+          <a:lstStyle/>
+          <a:p>
+            <a:r>
+              <a:rPr lang="en-US" dirty="0" smtClean="0"/>
+              <a:t>Bluetooth Setup</a:t>
+            </a:r>
+            <a:endParaRPr lang="en-US" dirty="0"/>
+          </a:p>
+          <a:p>
+            <a:pPr lvl="1"/>
+            <a:r>
+              <a:rPr lang="en-US" dirty="0"/>
+              <a:t>Identification &amp; </a:t>
+            </a:r>
+            <a:r>
+              <a:rPr lang="en-US" dirty="0" smtClean="0"/>
+              <a:t>Procurement</a:t>
+            </a:r>
+            <a:endParaRPr lang="en-US" dirty="0"/>
+          </a:p>
+          <a:p>
+            <a:pPr lvl="2"/>
+            <a:r>
+              <a:rPr lang="en-US" dirty="0"/>
+              <a:t>Help from </a:t>
+            </a:r>
+            <a:r>
+              <a:rPr lang="en-US" dirty="0" err="1"/>
+              <a:t>Piyush</a:t>
+            </a:r>
+            <a:r>
+              <a:rPr lang="en-US" dirty="0"/>
+              <a:t>, Lab Asst.</a:t>
+            </a:r>
+          </a:p>
+          <a:p>
+            <a:pPr lvl="1"/>
+            <a:r>
+              <a:rPr lang="en-US" dirty="0" smtClean="0"/>
+              <a:t>Programming</a:t>
+            </a:r>
+          </a:p>
+          <a:p>
+            <a:r>
+              <a:rPr lang="en-US" dirty="0" smtClean="0"/>
+              <a:t>Firebird Logic Implementation</a:t>
+            </a:r>
+          </a:p>
+          <a:p>
+            <a:pPr lvl="1"/>
+            <a:r>
+              <a:rPr lang="en-US" dirty="0" smtClean="0"/>
+              <a:t>Identifying the correct sensor(s) reading under which the gripper arm should be signaled to pick the ball</a:t>
+            </a:r>
+          </a:p>
+          <a:p>
+            <a:pPr lvl="1"/>
+            <a:r>
+              <a:rPr lang="en-US" dirty="0" smtClean="0"/>
+              <a:t>Understanding ( and fixing the gripper arm ) the </a:t>
+            </a:r>
+            <a:r>
+              <a:rPr lang="en-US" dirty="0" err="1" smtClean="0"/>
+              <a:t>behaviour</a:t>
+            </a:r>
+            <a:r>
+              <a:rPr lang="en-US" dirty="0" smtClean="0"/>
+              <a:t> of gripper arm for various values servo motor</a:t>
+            </a:r>
+          </a:p>
+          <a:p>
+            <a:pPr lvl="1"/>
+            <a:endParaRPr lang="en-US" dirty="0" smtClean="0"/>
+          </a:p>
+          <a:p>
+            <a:pPr lvl="1"/>
+            <a:endParaRPr lang="en-US" dirty="0" smtClean="0"/>
+          </a:p>
+          <a:p>
+            <a:pPr lvl="1"/>
+            <a:endParaRPr lang="en-US" dirty="0" smtClean="0"/>
+          </a:p>
+        </p:txBody>
+      </p:sp>
+    </p:spTree>
+    <p:extLst>
+      <p:ext uri="{BB962C8B-B14F-4D97-AF65-F5344CB8AC3E}">
+        <p14:creationId xmlns:p14="http://schemas.microsoft.com/office/powerpoint/2010/main" val="2391874587"/>
+      </p:ext>
+    </p:extLst>
+  </p:cSld>
+  <p:clrMapOvr>
+    <a:masterClrMapping/>
+  </p:clrMapOvr>
+  <p:timing>
+    <p:tnLst>
+      <p:par>
+        <p:cTn id="1" dur="indefinite" restart="never" nodeType="tmRoot">
+          <p:childTnLst>
+            <p:seq concurrent="1" nextAc="seek">
+              <p:cTn id="2" dur="indefinite" nodeType="mainSeq">
+                <p:childTnLst>
+                  <p:par>
+                    <p:cTn id="3" fill="hold">
+                      <p:stCondLst>
+                        <p:cond delay="indefinite"/>
+                        <p:cond evt="onBegin" delay="0">
+                          <p:tn val="2"/>
+                        </p:cond>
+                      </p:stCondLst>
+                      <p:childTnLst>
+                        <p:par>
+                          <p:cTn id="4" fill="hold">
+                            <p:stCondLst>
+                              <p:cond delay="0"/>
+                            </p:stCondLst>
+                            <p:childTnLst>
+                              <p:par>
+                                <p:cTn id="5" presetID="1" presetClass="entr" presetSubtype="0" fill="hold" nodeType="withEffect">
+                                  <p:stCondLst>
+                                    <p:cond delay="0"/>
+                                  </p:stCondLst>
+                                  <p:childTnLst>
+                                    <p:set>
+                                      <p:cBhvr>
+                                        <p:cTn id="6" dur="1" fill="hold">
+                                          <p:stCondLst>
+                                            <p:cond delay="0"/>
+                                          </p:stCondLst>
+                                        </p:cTn>
+                                        <p:tgtEl>
+                                          <p:spTgt spid="3">
+                                            <p:txEl>
+                                              <p:pRg st="0" end="0"/>
+                                            </p:txEl>
+                                          </p:spTgt>
+                                        </p:tgtEl>
+                                        <p:attrNameLst>
+                                          <p:attrName>style.visibility</p:attrName>
+                                        </p:attrNameLst>
+                                      </p:cBhvr>
+                                      <p:to>
+                                        <p:strVal val="visible"/>
+                                      </p:to>
+                                    </p:set>
+                                  </p:childTnLst>
+                                </p:cTn>
+                              </p:par>
+                              <p:par>
+                                <p:cTn id="7" presetID="1" presetClass="entr" presetSubtype="0" fill="hold" nodeType="withEffect">
+                                  <p:stCondLst>
+                                    <p:cond delay="0"/>
+                                  </p:stCondLst>
+                                  <p:childTnLst>
+                                    <p:set>
+                                      <p:cBhvr>
+                                        <p:cTn id="8" dur="1" fill="hold">
+                                          <p:stCondLst>
+                                            <p:cond delay="0"/>
+                                          </p:stCondLst>
+                                        </p:cTn>
+                                        <p:tgtEl>
+                                          <p:spTgt spid="3">
+                                            <p:txEl>
+                                              <p:pRg st="1" end="1"/>
+                                            </p:txEl>
+                                          </p:spTgt>
+                                        </p:tgtEl>
+                                        <p:attrNameLst>
+                                          <p:attrName>style.visibility</p:attrName>
+                                        </p:attrNameLst>
+                                      </p:cBhvr>
+                                      <p:to>
+                                        <p:strVal val="visible"/>
+                                      </p:to>
+                                    </p:set>
+                                  </p:childTnLst>
+                                </p:cTn>
+                              </p:par>
+                              <p:par>
+                                <p:cTn id="9" presetID="1" presetClass="entr" presetSubtype="0" fill="hold" nodeType="withEffect">
+                                  <p:stCondLst>
+                                    <p:cond delay="0"/>
+                                  </p:stCondLst>
+                                  <p:childTnLst>
+                                    <p:set>
+                                      <p:cBhvr>
+                                        <p:cTn id="10" dur="1" fill="hold">
+                                          <p:stCondLst>
+                                            <p:cond delay="0"/>
+                                          </p:stCondLst>
+                                        </p:cTn>
+                                        <p:tgtEl>
+                                          <p:spTgt spid="3">
+                                            <p:txEl>
+                                              <p:pRg st="2" end="2"/>
+                                            </p:txEl>
+                                          </p:spTgt>
+                                        </p:tgtEl>
+                                        <p:attrNameLst>
+                                          <p:attrName>style.visibility</p:attrName>
+                                        </p:attrNameLst>
+                                      </p:cBhvr>
+                                      <p:to>
+                                        <p:strVal val="visible"/>
+                                      </p:to>
+                                    </p:set>
+                                  </p:childTnLst>
+                                </p:cTn>
+                              </p:par>
+                              <p:par>
+                                <p:cTn id="11" presetID="1" presetClass="entr" presetSubtype="0" fill="hold" nodeType="withEffect">
+                                  <p:stCondLst>
+                                    <p:cond delay="0"/>
+                                  </p:stCondLst>
+                                  <p:childTnLst>
+                                    <p:set>
+                                      <p:cBhvr>
+                                        <p:cTn id="12" dur="1" fill="hold">
+                                          <p:stCondLst>
+                                            <p:cond delay="0"/>
+                                          </p:stCondLst>
+                                        </p:cTn>
+                                        <p:tgtEl>
+                                          <p:spTgt spid="3">
+                                            <p:txEl>
+                                              <p:pRg st="3" end="3"/>
+                                            </p:txEl>
+                                          </p:spTgt>
+                                        </p:tgtEl>
+                                        <p:attrNameLst>
+                                          <p:attrName>style.visibility</p:attrName>
+                                        </p:attrNameLst>
+                                      </p:cBhvr>
+                                      <p:to>
+                                        <p:strVal val="visible"/>
+                                      </p:to>
+                                    </p:set>
+                                  </p:childTnLst>
+                                </p:cTn>
+                              </p:par>
+                            </p:childTnLst>
+                          </p:cTn>
+                        </p:par>
+                      </p:childTnLst>
+                    </p:cTn>
+                  </p:par>
+                  <p:par>
+                    <p:cTn id="13" fill="hold">
+                      <p:stCondLst>
+                        <p:cond delay="indefinite"/>
+                      </p:stCondLst>
+                      <p:childTnLst>
+                        <p:par>
+                          <p:cTn id="14" fill="hold">
+                            <p:stCondLst>
+                              <p:cond delay="0"/>
+                            </p:stCondLst>
+                            <p:childTnLst>
+                              <p:par>
+                                <p:cTn id="15" presetID="1" presetClass="entr" presetSubtype="0" fill="hold" nodeType="clickEffect">
+                                  <p:stCondLst>
+                                    <p:cond delay="0"/>
+                                  </p:stCondLst>
+                                  <p:childTnLst>
+                                    <p:set>
+                                      <p:cBhvr>
+                                        <p:cTn id="16" dur="1" fill="hold">
+                                          <p:stCondLst>
+                                            <p:cond delay="0"/>
+                                          </p:stCondLst>
+                                        </p:cTn>
+                                        <p:tgtEl>
+                                          <p:spTgt spid="3">
+                                            <p:txEl>
+                                              <p:pRg st="4" end="4"/>
+                                            </p:txEl>
+                                          </p:spTgt>
+                                        </p:tgtEl>
+                                        <p:attrNameLst>
+                                          <p:attrName>style.visibility</p:attrName>
+                                        </p:attrNameLst>
+                                      </p:cBhvr>
+                                      <p:to>
+                                        <p:strVal val="visible"/>
+                                      </p:to>
+                                    </p:set>
+                                  </p:childTnLst>
+                                </p:cTn>
+                              </p:par>
+                              <p:par>
+                                <p:cTn id="17" presetID="1" presetClass="entr" presetSubtype="0" fill="hold" nodeType="withEffect">
+                                  <p:stCondLst>
+                                    <p:cond delay="0"/>
+                                  </p:stCondLst>
+                                  <p:childTnLst>
+                                    <p:set>
+                                      <p:cBhvr>
+                                        <p:cTn id="18" dur="1" fill="hold">
+                                          <p:stCondLst>
+                                            <p:cond delay="0"/>
+                                          </p:stCondLst>
+                                        </p:cTn>
+                                        <p:tgtEl>
+                                          <p:spTgt spid="3">
+                                            <p:txEl>
+                                              <p:pRg st="5" end="5"/>
+                                            </p:txEl>
+                                          </p:spTgt>
+                                        </p:tgtEl>
+                                        <p:attrNameLst>
+                                          <p:attrName>style.visibility</p:attrName>
+                                        </p:attrNameLst>
+                                      </p:cBhvr>
+                                      <p:to>
+                                        <p:strVal val="visible"/>
+                                      </p:to>
+                                    </p:set>
+                                  </p:childTnLst>
+                                </p:cTn>
+                              </p:par>
+                              <p:par>
+                                <p:cTn id="19" presetID="1" presetClass="entr" presetSubtype="0" fill="hold" nodeType="withEffect">
+                                  <p:stCondLst>
+                                    <p:cond delay="0"/>
+                                  </p:stCondLst>
+                                  <p:childTnLst>
+                                    <p:set>
+                                      <p:cBhvr>
+                                        <p:cTn id="20" dur="1" fill="hold">
+                                          <p:stCondLst>
+                                            <p:cond delay="0"/>
+                                          </p:stCondLst>
+                                        </p:cTn>
+                                        <p:tgtEl>
+                                          <p:spTgt spid="3">
+                                            <p:txEl>
+                                              <p:pRg st="6" end="6"/>
+                                            </p:txEl>
+                                          </p:spTgt>
+                                        </p:tgtEl>
+                                        <p:attrNameLst>
+                                          <p:attrName>style.visibility</p:attrName>
+                                        </p:attrNameLst>
+                                      </p:cBhvr>
+                                      <p:to>
+                                        <p:strVal val="visible"/>
+                                      </p:to>
+                                    </p:set>
+                                  </p:childTnLst>
+                                </p:cTn>
+                              </p:par>
+                            </p:childTnLst>
+                          </p:cTn>
+                        </p:par>
+                      </p:childTnLst>
+                    </p:cTn>
+                  </p:par>
+                </p:childTnLst>
+              </p:cTn>
+              <p:prevCondLst>
+                <p:cond evt="onPrev" delay="0">
+                  <p:tgtEl>
+                    <p:sldTgt/>
+                  </p:tgtEl>
+                </p:cond>
+              </p:prevCondLst>
+              <p:nextCondLst>
+                <p:cond evt="onNext" delay="0">
+                  <p:tgtEl>
+                    <p:sldTgt/>
+                  </p:tgtEl>
+                </p:cond>
+              </p:nextCondLst>
+            </p:seq>
+          </p:childTnLst>
+        </p:cTn>
+      </p:par>
+    </p:tnLst>
+  </p:timing>
+</p:sld>
+</file>
+
+<file path=ppt/slides/slide11.xml><?xml version="1.0" encoding="utf-8"?>
+<p:sld xmlns:a="http://schemas.openxmlformats.org/drawingml/2006/main" xmlns:r="http://schemas.openxmlformats.org/officeDocument/2006/relationships" xmlns:p="http://schemas.openxmlformats.org/presentationml/2006/main">
+  <p:cSld>
+    <p:spTree>
+      <p:nvGrpSpPr>
+        <p:cNvPr id="1" name=""/>
+        <p:cNvGrpSpPr/>
+        <p:nvPr/>
+      </p:nvGrpSpPr>
+      <p:grpSpPr>
+        <a:xfrm>
+          <a:off x="0" y="0"/>
+          <a:ext cx="0" cy="0"/>
+          <a:chOff x="0" y="0"/>
+          <a:chExt cx="0" cy="0"/>
+        </a:xfrm>
+      </p:grpSpPr>
+      <p:sp>
+        <p:nvSpPr>
+          <p:cNvPr id="2" name="Title 1"/>
+          <p:cNvSpPr>
+            <a:spLocks noGrp="1"/>
+          </p:cNvSpPr>
+          <p:nvPr>
+            <p:ph type="title"/>
+          </p:nvPr>
+        </p:nvSpPr>
+        <p:spPr/>
+        <p:txBody>
+          <a:bodyPr/>
+          <a:lstStyle/>
+          <a:p>
+            <a:r>
+              <a:rPr lang="en-US" dirty="0" smtClean="0"/>
+              <a:t>Assumptions &amp; Limitations</a:t>
+            </a:r>
+            <a:endParaRPr lang="en-US" dirty="0"/>
+          </a:p>
+        </p:txBody>
+      </p:sp>
+      <p:sp>
+        <p:nvSpPr>
+          <p:cNvPr id="3" name="Content Placeholder 2"/>
+          <p:cNvSpPr>
+            <a:spLocks noGrp="1"/>
+          </p:cNvSpPr>
+          <p:nvPr>
+            <p:ph idx="1"/>
+          </p:nvPr>
+        </p:nvSpPr>
+        <p:spPr/>
+        <p:txBody>
+          <a:bodyPr/>
+          <a:lstStyle/>
+          <a:p>
+            <a:r>
+              <a:rPr lang="en-US" dirty="0" smtClean="0"/>
+              <a:t>Only orange colored objects in view are TT balls</a:t>
+            </a:r>
+          </a:p>
+          <a:p>
+            <a:r>
+              <a:rPr lang="en-US" dirty="0" smtClean="0"/>
+              <a:t>Only one ball in the bots view</a:t>
+            </a:r>
+            <a:endParaRPr lang="en-US" dirty="0"/>
+          </a:p>
+          <a:p>
+            <a:pPr lvl="1"/>
+            <a:r>
+              <a:rPr lang="en-US" dirty="0"/>
+              <a:t>Though our </a:t>
+            </a:r>
+            <a:r>
+              <a:rPr lang="en-US" dirty="0" err="1"/>
+              <a:t>openCV</a:t>
+            </a:r>
+            <a:r>
+              <a:rPr lang="en-US" dirty="0"/>
+              <a:t> code can distinguish and identify one of the balls, bot might get confused in few cases</a:t>
+            </a:r>
+          </a:p>
+          <a:p>
+            <a:r>
+              <a:rPr lang="en-US" dirty="0" smtClean="0"/>
+              <a:t>Sensor value might change with hardware</a:t>
+            </a:r>
+          </a:p>
+          <a:p>
+            <a:r>
+              <a:rPr lang="en-US" dirty="0" smtClean="0"/>
+              <a:t>Hardware</a:t>
+            </a:r>
+          </a:p>
+          <a:p>
+            <a:pPr lvl="1"/>
+            <a:r>
+              <a:rPr lang="en-US" dirty="0" smtClean="0"/>
+              <a:t>Android : </a:t>
+            </a:r>
+          </a:p>
+          <a:p>
+            <a:pPr lvl="2"/>
+            <a:r>
+              <a:rPr lang="en-US" dirty="0" smtClean="0"/>
+              <a:t>armv7 </a:t>
+            </a:r>
+            <a:r>
+              <a:rPr lang="en-US" dirty="0"/>
+              <a:t>processor is recommended, because </a:t>
+            </a:r>
+            <a:r>
+              <a:rPr lang="en-US" dirty="0" smtClean="0"/>
+              <a:t>of have a floating </a:t>
+            </a:r>
+            <a:r>
+              <a:rPr lang="en-US" dirty="0"/>
+              <a:t>point </a:t>
+            </a:r>
+            <a:r>
+              <a:rPr lang="en-US" dirty="0" smtClean="0"/>
+              <a:t>preprocessor (Open CV).</a:t>
+            </a:r>
+          </a:p>
+          <a:p>
+            <a:pPr lvl="2"/>
+            <a:r>
+              <a:rPr lang="en-US" dirty="0" smtClean="0"/>
+              <a:t>Touch enabled – by design</a:t>
+            </a:r>
+          </a:p>
+          <a:p>
+            <a:pPr lvl="2"/>
+            <a:r>
+              <a:rPr lang="en-US" dirty="0" smtClean="0"/>
+              <a:t>Bluetooth and Wi-Fi capability – most smart phones have it</a:t>
+            </a:r>
+          </a:p>
+          <a:p>
+            <a:pPr marL="274320" lvl="1" indent="0">
+              <a:buNone/>
+            </a:pPr>
+            <a:endParaRPr lang="en-US" dirty="0" smtClean="0"/>
+          </a:p>
+          <a:p>
+            <a:endParaRPr lang="en-US" dirty="0"/>
+          </a:p>
+        </p:txBody>
+      </p:sp>
+    </p:spTree>
+    <p:extLst>
+      <p:ext uri="{BB962C8B-B14F-4D97-AF65-F5344CB8AC3E}">
+        <p14:creationId xmlns:p14="http://schemas.microsoft.com/office/powerpoint/2010/main" val="1022320622"/>
+      </p:ext>
+    </p:extLst>
+  </p:cSld>
+  <p:clrMapOvr>
+    <a:masterClrMapping/>
+  </p:clrMapOvr>
+  <p:timing>
+    <p:tnLst>
+      <p:par>
+        <p:cTn id="1" dur="indefinite" restart="never" nodeType="tmRoot">
+          <p:childTnLst>
+            <p:seq concurrent="1" nextAc="seek">
+              <p:cTn id="2" dur="indefinite" nodeType="mainSeq">
+                <p:childTnLst>
+                  <p:par>
+                    <p:cTn id="3" fill="hold">
+                      <p:stCondLst>
+                        <p:cond delay="indefinite"/>
+                      </p:stCondLst>
+                      <p:childTnLst>
+                        <p:par>
+                          <p:cTn id="4" fill="hold">
+                            <p:stCondLst>
+                              <p:cond delay="0"/>
+                            </p:stCondLst>
+                            <p:childTnLst>
+                              <p:par>
+                                <p:cTn id="5" presetID="1" presetClass="entr" presetSubtype="0" fill="hold" nodeType="clickEffect">
+                                  <p:stCondLst>
+                                    <p:cond delay="0"/>
+                                  </p:stCondLst>
+                                  <p:childTnLst>
+                                    <p:set>
+                                      <p:cBhvr>
+                                        <p:cTn id="6" dur="1" fill="hold">
+                                          <p:stCondLst>
+                                            <p:cond delay="0"/>
+                                          </p:stCondLst>
+                                        </p:cTn>
+                                        <p:tgtEl>
+                                          <p:spTgt spid="3">
+                                            <p:txEl>
+                                              <p:pRg st="0" end="0"/>
+                                            </p:txEl>
+                                          </p:spTgt>
+                                        </p:tgtEl>
+                                        <p:attrNameLst>
+                                          <p:attrName>style.visibility</p:attrName>
+                                        </p:attrNameLst>
+                                      </p:cBhvr>
+                                      <p:to>
+                                        <p:strVal val="visible"/>
+                                      </p:to>
+                                    </p:set>
+                                  </p:childTnLst>
+                                </p:cTn>
+                              </p:par>
+                            </p:childTnLst>
+                          </p:cTn>
+                        </p:par>
+                      </p:childTnLst>
+                    </p:cTn>
+                  </p:par>
+                  <p:par>
+                    <p:cTn id="7" fill="hold">
+                      <p:stCondLst>
+                        <p:cond delay="indefinite"/>
+                      </p:stCondLst>
+                      <p:childTnLst>
+                        <p:par>
+                          <p:cTn id="8" fill="hold">
+                            <p:stCondLst>
+                              <p:cond delay="0"/>
+                            </p:stCondLst>
+                            <p:childTnLst>
+                              <p:par>
+                                <p:cTn id="9" presetID="1" presetClass="entr" presetSubtype="0" fill="hold" nodeType="clickEffect">
+                                  <p:stCondLst>
+                                    <p:cond delay="0"/>
+                                  </p:stCondLst>
+                                  <p:childTnLst>
+                                    <p:set>
+                                      <p:cBhvr>
+                                        <p:cTn id="10" dur="1" fill="hold">
+                                          <p:stCondLst>
+                                            <p:cond delay="0"/>
+                                          </p:stCondLst>
+                                        </p:cTn>
+                                        <p:tgtEl>
+                                          <p:spTgt spid="3">
+                                            <p:txEl>
+                                              <p:pRg st="1" end="1"/>
+                                            </p:txEl>
+                                          </p:spTgt>
+                                        </p:tgtEl>
+                                        <p:attrNameLst>
+                                          <p:attrName>style.visibility</p:attrName>
+                                        </p:attrNameLst>
+                                      </p:cBhvr>
+                                      <p:to>
+                                        <p:strVal val="visible"/>
+                                      </p:to>
+                                    </p:set>
+                                  </p:childTnLst>
+                                </p:cTn>
+                              </p:par>
+                              <p:par>
+                                <p:cTn id="11" presetID="1" presetClass="entr" presetSubtype="0" fill="hold" nodeType="withEffect">
+                                  <p:stCondLst>
+                                    <p:cond delay="0"/>
+                                  </p:stCondLst>
+                                  <p:childTnLst>
+                                    <p:set>
+                                      <p:cBhvr>
+                                        <p:cTn id="12" dur="1" fill="hold">
+                                          <p:stCondLst>
+                                            <p:cond delay="0"/>
+                                          </p:stCondLst>
+                                        </p:cTn>
+                                        <p:tgtEl>
+                                          <p:spTgt spid="3">
+                                            <p:txEl>
+                                              <p:pRg st="2" end="2"/>
+                                            </p:txEl>
+                                          </p:spTgt>
+                                        </p:tgtEl>
+                                        <p:attrNameLst>
+                                          <p:attrName>style.visibility</p:attrName>
+                                        </p:attrNameLst>
+                                      </p:cBhvr>
+                                      <p:to>
+                                        <p:strVal val="visible"/>
+                                      </p:to>
+                                    </p:set>
+                                  </p:childTnLst>
+                                </p:cTn>
+                              </p:par>
+                            </p:childTnLst>
+                          </p:cTn>
+                        </p:par>
+                      </p:childTnLst>
+                    </p:cTn>
+                  </p:par>
+                  <p:par>
+                    <p:cTn id="13" fill="hold">
+                      <p:stCondLst>
+                        <p:cond delay="indefinite"/>
+                      </p:stCondLst>
+                      <p:childTnLst>
+                        <p:par>
+                          <p:cTn id="14" fill="hold">
+                            <p:stCondLst>
+                              <p:cond delay="0"/>
+                            </p:stCondLst>
+                            <p:childTnLst>
+                              <p:par>
+                                <p:cTn id="15" presetID="1" presetClass="entr" presetSubtype="0" fill="hold" nodeType="clickEffect">
+                                  <p:stCondLst>
+                                    <p:cond delay="0"/>
+                                  </p:stCondLst>
+                                  <p:childTnLst>
+                                    <p:set>
+                                      <p:cBhvr>
+                                        <p:cTn id="16" dur="1" fill="hold">
+                                          <p:stCondLst>
+                                            <p:cond delay="0"/>
+                                          </p:stCondLst>
+                                        </p:cTn>
+                                        <p:tgtEl>
+                                          <p:spTgt spid="3">
+                                            <p:txEl>
+                                              <p:pRg st="3" end="3"/>
+                                            </p:txEl>
+                                          </p:spTgt>
+                                        </p:tgtEl>
+                                        <p:attrNameLst>
+                                          <p:attrName>style.visibility</p:attrName>
+                                        </p:attrNameLst>
+                                      </p:cBhvr>
+                                      <p:to>
+                                        <p:strVal val="visible"/>
+                                      </p:to>
+                                    </p:set>
+                                  </p:childTnLst>
+                                </p:cTn>
+                              </p:par>
+                            </p:childTnLst>
+                          </p:cTn>
+                        </p:par>
+                      </p:childTnLst>
+                    </p:cTn>
+                  </p:par>
+                  <p:par>
+                    <p:cTn id="17" fill="hold">
+                      <p:stCondLst>
+                        <p:cond delay="indefinite"/>
+                      </p:stCondLst>
+                      <p:childTnLst>
+                        <p:par>
+                          <p:cTn id="18" fill="hold">
+                            <p:stCondLst>
+                              <p:cond delay="0"/>
+                            </p:stCondLst>
+                            <p:childTnLst>
+                              <p:par>
+                                <p:cTn id="19" presetID="1" presetClass="entr" presetSubtype="0" fill="hold" nodeType="clickEffect">
+                                  <p:stCondLst>
+                                    <p:cond delay="0"/>
+                                  </p:stCondLst>
+                                  <p:childTnLst>
+                                    <p:set>
+                                      <p:cBhvr>
+                                        <p:cTn id="20" dur="1" fill="hold">
+                                          <p:stCondLst>
+                                            <p:cond delay="0"/>
+                                          </p:stCondLst>
+                                        </p:cTn>
+                                        <p:tgtEl>
+                                          <p:spTgt spid="3">
+                                            <p:txEl>
+                                              <p:pRg st="4" end="4"/>
+                                            </p:txEl>
+                                          </p:spTgt>
+                                        </p:tgtEl>
+                                        <p:attrNameLst>
+                                          <p:attrName>style.visibility</p:attrName>
+                                        </p:attrNameLst>
+                                      </p:cBhvr>
+                                      <p:to>
+                                        <p:strVal val="visible"/>
+                                      </p:to>
+                                    </p:set>
+                                  </p:childTnLst>
+                                </p:cTn>
+                              </p:par>
+                              <p:par>
+                                <p:cTn id="21" presetID="1" presetClass="entr" presetSubtype="0" fill="hold" nodeType="withEffect">
+                                  <p:stCondLst>
+                                    <p:cond delay="0"/>
+                                  </p:stCondLst>
+                                  <p:childTnLst>
+                                    <p:set>
+                                      <p:cBhvr>
+                                        <p:cTn id="22" dur="1" fill="hold">
+                                          <p:stCondLst>
+                                            <p:cond delay="0"/>
+                                          </p:stCondLst>
+                                        </p:cTn>
+                                        <p:tgtEl>
+                                          <p:spTgt spid="3">
+                                            <p:txEl>
+                                              <p:pRg st="5" end="5"/>
+                                            </p:txEl>
+                                          </p:spTgt>
+                                        </p:tgtEl>
+                                        <p:attrNameLst>
+                                          <p:attrName>style.visibility</p:attrName>
+                                        </p:attrNameLst>
+                                      </p:cBhvr>
+                                      <p:to>
+                                        <p:strVal val="visible"/>
+                                      </p:to>
+                                    </p:set>
+                                  </p:childTnLst>
+                                </p:cTn>
+                              </p:par>
+                              <p:par>
+                                <p:cTn id="23" presetID="1" presetClass="entr" presetSubtype="0" fill="hold" nodeType="withEffect">
+                                  <p:stCondLst>
+                                    <p:cond delay="0"/>
+                                  </p:stCondLst>
+                                  <p:childTnLst>
+                                    <p:set>
+                                      <p:cBhvr>
+                                        <p:cTn id="24" dur="1" fill="hold">
+                                          <p:stCondLst>
+                                            <p:cond delay="0"/>
+                                          </p:stCondLst>
+                                        </p:cTn>
+                                        <p:tgtEl>
+                                          <p:spTgt spid="3">
+                                            <p:txEl>
+                                              <p:pRg st="6" end="6"/>
+                                            </p:txEl>
+                                          </p:spTgt>
+                                        </p:tgtEl>
+                                        <p:attrNameLst>
+                                          <p:attrName>style.visibility</p:attrName>
+                                        </p:attrNameLst>
+                                      </p:cBhvr>
+                                      <p:to>
+                                        <p:strVal val="visible"/>
+                                      </p:to>
+                                    </p:set>
+                                  </p:childTnLst>
+                                </p:cTn>
+                              </p:par>
+                              <p:par>
+                                <p:cTn id="25" presetID="1" presetClass="entr" presetSubtype="0" fill="hold" nodeType="withEffect">
+                                  <p:stCondLst>
+                                    <p:cond delay="0"/>
+                                  </p:stCondLst>
+                                  <p:childTnLst>
+                                    <p:set>
+                                      <p:cBhvr>
+                                        <p:cTn id="26" dur="1" fill="hold">
+                                          <p:stCondLst>
+                                            <p:cond delay="0"/>
+                                          </p:stCondLst>
+                                        </p:cTn>
+                                        <p:tgtEl>
+                                          <p:spTgt spid="3">
+                                            <p:txEl>
+                                              <p:pRg st="7" end="7"/>
+                                            </p:txEl>
+                                          </p:spTgt>
+                                        </p:tgtEl>
+                                        <p:attrNameLst>
+                                          <p:attrName>style.visibility</p:attrName>
+                                        </p:attrNameLst>
+                                      </p:cBhvr>
+                                      <p:to>
+                                        <p:strVal val="visible"/>
+                                      </p:to>
+                                    </p:set>
+                                  </p:childTnLst>
+                                </p:cTn>
+                              </p:par>
+                              <p:par>
+                                <p:cTn id="27" presetID="1" presetClass="entr" presetSubtype="0" fill="hold" nodeType="withEffect">
+                                  <p:stCondLst>
+                                    <p:cond delay="0"/>
+                                  </p:stCondLst>
+                                  <p:childTnLst>
+                                    <p:set>
+                                      <p:cBhvr>
+                                        <p:cTn id="28" dur="1" fill="hold">
+                                          <p:stCondLst>
+                                            <p:cond delay="0"/>
+                                          </p:stCondLst>
+                                        </p:cTn>
+                                        <p:tgtEl>
+                                          <p:spTgt spid="3">
+                                            <p:txEl>
+                                              <p:pRg st="8" end="8"/>
+                                            </p:txEl>
+                                          </p:spTgt>
+                                        </p:tgtEl>
+                                        <p:attrNameLst>
+                                          <p:attrName>style.visibility</p:attrName>
+                                        </p:attrNameLst>
+                                      </p:cBhvr>
+                                      <p:to>
+                                        <p:strVal val="visible"/>
+                                      </p:to>
+                                    </p:set>
+                                  </p:childTnLst>
+                                </p:cTn>
+                              </p:par>
+                            </p:childTnLst>
+                          </p:cTn>
+                        </p:par>
+                      </p:childTnLst>
+                    </p:cTn>
+                  </p:par>
+                </p:childTnLst>
+              </p:cTn>
+              <p:prevCondLst>
+                <p:cond evt="onPrev" delay="0">
+                  <p:tgtEl>
+                    <p:sldTgt/>
+                  </p:tgtEl>
+                </p:cond>
+              </p:prevCondLst>
+              <p:nextCondLst>
+                <p:cond evt="onNext" delay="0">
+                  <p:tgtEl>
+                    <p:sldTgt/>
+                  </p:tgtEl>
+                </p:cond>
+              </p:nextCondLst>
+            </p:seq>
+          </p:childTnLst>
+        </p:cTn>
+      </p:par>
+    </p:tnLst>
+  </p:timing>
+</p:sld>
+</file>
+
+<file path=ppt/slides/slide12.xml><?xml version="1.0" encoding="utf-8"?>
+<p:sld xmlns:a="http://schemas.openxmlformats.org/drawingml/2006/main" xmlns:r="http://schemas.openxmlformats.org/officeDocument/2006/relationships" xmlns:p="http://schemas.openxmlformats.org/presentationml/2006/main">
+  <p:cSld>
+    <p:spTree>
+      <p:nvGrpSpPr>
+        <p:cNvPr id="1" name=""/>
+        <p:cNvGrpSpPr/>
+        <p:nvPr/>
+      </p:nvGrpSpPr>
+      <p:grpSpPr>
+        <a:xfrm>
+          <a:off x="0" y="0"/>
+          <a:ext cx="0" cy="0"/>
+          <a:chOff x="0" y="0"/>
+          <a:chExt cx="0" cy="0"/>
+        </a:xfrm>
+      </p:grpSpPr>
+      <p:sp>
+        <p:nvSpPr>
+          <p:cNvPr id="2" name="Title 1"/>
+          <p:cNvSpPr>
+            <a:spLocks noGrp="1"/>
+          </p:cNvSpPr>
+          <p:nvPr>
+            <p:ph type="title"/>
+          </p:nvPr>
+        </p:nvSpPr>
+        <p:spPr/>
+        <p:txBody>
+          <a:bodyPr/>
+          <a:lstStyle/>
+          <a:p>
+            <a:r>
+              <a:rPr lang="en-US" dirty="0" smtClean="0"/>
+              <a:t>Test Criteria and Delays involved</a:t>
+            </a:r>
+            <a:endParaRPr lang="en-US" dirty="0"/>
+          </a:p>
+        </p:txBody>
+      </p:sp>
+      <p:sp>
+        <p:nvSpPr>
+          <p:cNvPr id="3" name="Content Placeholder 2"/>
+          <p:cNvSpPr>
+            <a:spLocks noGrp="1"/>
+          </p:cNvSpPr>
+          <p:nvPr>
+            <p:ph idx="1"/>
+          </p:nvPr>
+        </p:nvSpPr>
+        <p:spPr/>
+        <p:txBody>
+          <a:bodyPr>
+            <a:normAutofit fontScale="92500" lnSpcReduction="10000"/>
+          </a:bodyPr>
+          <a:lstStyle/>
+          <a:p>
+            <a:r>
+              <a:rPr lang="en-US" dirty="0" smtClean="0"/>
+              <a:t>Introduced a delay of 1s between any two consecutive communication.</a:t>
+            </a:r>
+          </a:p>
+          <a:p>
+            <a:pPr lvl="1"/>
+            <a:r>
+              <a:rPr lang="en-US" dirty="0" smtClean="0"/>
+              <a:t>Android (Sony MT11i) takes about 0.5 – 1s to download, process and transmit the signal</a:t>
+            </a:r>
+          </a:p>
+          <a:p>
+            <a:pPr lvl="1"/>
+            <a:r>
+              <a:rPr lang="en-US" dirty="0" smtClean="0"/>
+              <a:t>Share your PCs network with the WLAN setup,</a:t>
+            </a:r>
+          </a:p>
+          <a:p>
+            <a:pPr lvl="2"/>
+            <a:r>
+              <a:rPr lang="en-US" dirty="0" smtClean="0"/>
+              <a:t>Otherwise, the download seemed to be very slow (20 s), apparently no reason which we could find</a:t>
+            </a:r>
+            <a:endParaRPr lang="en-US" dirty="0"/>
+          </a:p>
+          <a:p>
+            <a:r>
+              <a:rPr lang="en-US" dirty="0" smtClean="0"/>
+              <a:t>Once the ball is picked in auto mode, cannot pick any more balls until reset.</a:t>
+            </a:r>
+          </a:p>
+          <a:p>
+            <a:pPr lvl="1"/>
+            <a:r>
+              <a:rPr lang="en-US" dirty="0" smtClean="0"/>
+              <a:t>By design</a:t>
+            </a:r>
+          </a:p>
+          <a:p>
+            <a:r>
+              <a:rPr lang="en-US" dirty="0"/>
+              <a:t>Drawbacks</a:t>
+            </a:r>
+          </a:p>
+          <a:p>
+            <a:pPr lvl="1"/>
+            <a:r>
+              <a:rPr lang="en-US" dirty="0" smtClean="0"/>
+              <a:t>Android application seemed to crash when many other applications are running simultaneously.</a:t>
+            </a:r>
+          </a:p>
+          <a:p>
+            <a:pPr lvl="2"/>
+            <a:r>
+              <a:rPr lang="en-US" dirty="0" smtClean="0"/>
+              <a:t>May be using more runtime memory</a:t>
+            </a:r>
+          </a:p>
+          <a:p>
+            <a:pPr lvl="2"/>
+            <a:r>
+              <a:rPr lang="en-US" dirty="0" smtClean="0"/>
+              <a:t>Close all other applications before you start the app</a:t>
+            </a:r>
+            <a:endParaRPr lang="en-US" dirty="0"/>
+          </a:p>
+          <a:p>
+            <a:pPr lvl="1"/>
+            <a:endParaRPr lang="en-US" dirty="0"/>
+          </a:p>
+        </p:txBody>
+      </p:sp>
+    </p:spTree>
+    <p:extLst>
+      <p:ext uri="{BB962C8B-B14F-4D97-AF65-F5344CB8AC3E}">
+        <p14:creationId xmlns:p14="http://schemas.microsoft.com/office/powerpoint/2010/main" val="1742270422"/>
+      </p:ext>
+    </p:extLst>
+  </p:cSld>
+  <p:clrMapOvr>
+    <a:masterClrMapping/>
+  </p:clrMapOvr>
+  <p:timing>
+    <p:tnLst>
+      <p:par>
+        <p:cTn id="1" dur="indefinite" restart="never" nodeType="tmRoot">
+          <p:childTnLst>
+            <p:seq concurrent="1" nextAc="seek">
+              <p:cTn id="2" dur="indefinite" nodeType="mainSeq">
+                <p:childTnLst>
+                  <p:par>
+                    <p:cTn id="3" fill="hold">
+                      <p:stCondLst>
+                        <p:cond delay="indefinite"/>
+                      </p:stCondLst>
+                      <p:childTnLst>
+                        <p:par>
+                          <p:cTn id="4" fill="hold">
+                            <p:stCondLst>
+                              <p:cond delay="0"/>
+                            </p:stCondLst>
+                            <p:childTnLst>
+                              <p:par>
+                                <p:cTn id="5" presetID="1" presetClass="entr" presetSubtype="0" fill="hold" nodeType="clickEffect">
+                                  <p:stCondLst>
+                                    <p:cond delay="0"/>
+                                  </p:stCondLst>
+                                  <p:childTnLst>
+                                    <p:set>
+                                      <p:cBhvr>
+                                        <p:cTn id="6" dur="1" fill="hold">
+                                          <p:stCondLst>
+                                            <p:cond delay="0"/>
+                                          </p:stCondLst>
+                                        </p:cTn>
+                                        <p:tgtEl>
+                                          <p:spTgt spid="3">
+                                            <p:txEl>
+                                              <p:pRg st="0" end="0"/>
+                                            </p:txEl>
+                                          </p:spTgt>
+                                        </p:tgtEl>
+                                        <p:attrNameLst>
+                                          <p:attrName>style.visibility</p:attrName>
+                                        </p:attrNameLst>
+                                      </p:cBhvr>
+                                      <p:to>
+                                        <p:strVal val="visible"/>
+                                      </p:to>
+                                    </p:set>
+                                  </p:childTnLst>
+                                </p:cTn>
+                              </p:par>
+                              <p:par>
+                                <p:cTn id="7" presetID="1" presetClass="entr" presetSubtype="0" fill="hold" nodeType="withEffect">
+                                  <p:stCondLst>
+                                    <p:cond delay="0"/>
+                                  </p:stCondLst>
+                                  <p:childTnLst>
+                                    <p:set>
+                                      <p:cBhvr>
+                                        <p:cTn id="8" dur="1" fill="hold">
+                                          <p:stCondLst>
+                                            <p:cond delay="0"/>
+                                          </p:stCondLst>
+                                        </p:cTn>
+                                        <p:tgtEl>
+                                          <p:spTgt spid="3">
+                                            <p:txEl>
+                                              <p:pRg st="1" end="1"/>
+                                            </p:txEl>
+                                          </p:spTgt>
+                                        </p:tgtEl>
+                                        <p:attrNameLst>
+                                          <p:attrName>style.visibility</p:attrName>
+                                        </p:attrNameLst>
+                                      </p:cBhvr>
+                                      <p:to>
+                                        <p:strVal val="visible"/>
+                                      </p:to>
+                                    </p:set>
+                                  </p:childTnLst>
+                                </p:cTn>
+                              </p:par>
+                              <p:par>
+                                <p:cTn id="9" presetID="1" presetClass="entr" presetSubtype="0" fill="hold" nodeType="withEffect">
+                                  <p:stCondLst>
+                                    <p:cond delay="0"/>
+                                  </p:stCondLst>
+                                  <p:childTnLst>
+                                    <p:set>
+                                      <p:cBhvr>
+                                        <p:cTn id="10" dur="1" fill="hold">
+                                          <p:stCondLst>
+                                            <p:cond delay="0"/>
+                                          </p:stCondLst>
+                                        </p:cTn>
+                                        <p:tgtEl>
+                                          <p:spTgt spid="3">
+                                            <p:txEl>
+                                              <p:pRg st="2" end="2"/>
+                                            </p:txEl>
+                                          </p:spTgt>
+                                        </p:tgtEl>
+                                        <p:attrNameLst>
+                                          <p:attrName>style.visibility</p:attrName>
+                                        </p:attrNameLst>
+                                      </p:cBhvr>
+                                      <p:to>
+                                        <p:strVal val="visible"/>
+                                      </p:to>
+                                    </p:set>
+                                  </p:childTnLst>
+                                </p:cTn>
+                              </p:par>
+                              <p:par>
+                                <p:cTn id="11" presetID="1" presetClass="entr" presetSubtype="0" fill="hold" nodeType="withEffect">
+                                  <p:stCondLst>
+                                    <p:cond delay="0"/>
+                                  </p:stCondLst>
+                                  <p:childTnLst>
+                                    <p:set>
+                                      <p:cBhvr>
+                                        <p:cTn id="12" dur="1" fill="hold">
+                                          <p:stCondLst>
+                                            <p:cond delay="0"/>
+                                          </p:stCondLst>
+                                        </p:cTn>
+                                        <p:tgtEl>
+                                          <p:spTgt spid="3">
+                                            <p:txEl>
+                                              <p:pRg st="3" end="3"/>
+                                            </p:txEl>
+                                          </p:spTgt>
+                                        </p:tgtEl>
+                                        <p:attrNameLst>
+                                          <p:attrName>style.visibility</p:attrName>
+                                        </p:attrNameLst>
+                                      </p:cBhvr>
+                                      <p:to>
+                                        <p:strVal val="visible"/>
+                                      </p:to>
+                                    </p:set>
+                                  </p:childTnLst>
+                                </p:cTn>
+                              </p:par>
+                            </p:childTnLst>
+                          </p:cTn>
+                        </p:par>
+                      </p:childTnLst>
+                    </p:cTn>
+                  </p:par>
+                  <p:par>
+                    <p:cTn id="13" fill="hold">
+                      <p:stCondLst>
+                        <p:cond delay="indefinite"/>
+                      </p:stCondLst>
+                      <p:childTnLst>
+                        <p:par>
+                          <p:cTn id="14" fill="hold">
+                            <p:stCondLst>
+                              <p:cond delay="0"/>
+                            </p:stCondLst>
+                            <p:childTnLst>
+                              <p:par>
+                                <p:cTn id="15" presetID="1" presetClass="entr" presetSubtype="0" fill="hold" nodeType="clickEffect">
+                                  <p:stCondLst>
+                                    <p:cond delay="0"/>
+                                  </p:stCondLst>
+                                  <p:childTnLst>
+                                    <p:set>
+                                      <p:cBhvr>
+                                        <p:cTn id="16" dur="1" fill="hold">
+                                          <p:stCondLst>
+                                            <p:cond delay="0"/>
+                                          </p:stCondLst>
+                                        </p:cTn>
+                                        <p:tgtEl>
+                                          <p:spTgt spid="3">
+                                            <p:txEl>
+                                              <p:pRg st="4" end="4"/>
+                                            </p:txEl>
+                                          </p:spTgt>
+                                        </p:tgtEl>
+                                        <p:attrNameLst>
+                                          <p:attrName>style.visibility</p:attrName>
+                                        </p:attrNameLst>
+                                      </p:cBhvr>
+                                      <p:to>
+                                        <p:strVal val="visible"/>
+                                      </p:to>
+                                    </p:set>
+                                  </p:childTnLst>
+                                </p:cTn>
+                              </p:par>
+                              <p:par>
+                                <p:cTn id="17" presetID="1" presetClass="entr" presetSubtype="0" fill="hold" nodeType="withEffect">
+                                  <p:stCondLst>
+                                    <p:cond delay="0"/>
+                                  </p:stCondLst>
+                                  <p:childTnLst>
+                                    <p:set>
+                                      <p:cBhvr>
+                                        <p:cTn id="18" dur="1" fill="hold">
+                                          <p:stCondLst>
+                                            <p:cond delay="0"/>
+                                          </p:stCondLst>
+                                        </p:cTn>
+                                        <p:tgtEl>
+                                          <p:spTgt spid="3">
+                                            <p:txEl>
+                                              <p:pRg st="5" end="5"/>
+                                            </p:txEl>
+                                          </p:spTgt>
+                                        </p:tgtEl>
+                                        <p:attrNameLst>
+                                          <p:attrName>style.visibility</p:attrName>
+                                        </p:attrNameLst>
+                                      </p:cBhvr>
+                                      <p:to>
+                                        <p:strVal val="visible"/>
+                                      </p:to>
+                                    </p:set>
+                                  </p:childTnLst>
+                                </p:cTn>
+                              </p:par>
+                            </p:childTnLst>
+                          </p:cTn>
+                        </p:par>
+                      </p:childTnLst>
+                    </p:cTn>
+                  </p:par>
+                  <p:par>
+                    <p:cTn id="19" fill="hold">
+                      <p:stCondLst>
+                        <p:cond delay="indefinite"/>
+                      </p:stCondLst>
+                      <p:childTnLst>
+                        <p:par>
+                          <p:cTn id="20" fill="hold">
+                            <p:stCondLst>
+                              <p:cond delay="0"/>
+                            </p:stCondLst>
+                            <p:childTnLst>
+                              <p:par>
+                                <p:cTn id="21" presetID="1" presetClass="entr" presetSubtype="0" fill="hold" nodeType="clickEffect">
+                                  <p:stCondLst>
+                                    <p:cond delay="0"/>
+                                  </p:stCondLst>
+                                  <p:childTnLst>
+                                    <p:set>
+                                      <p:cBhvr>
+                                        <p:cTn id="22" dur="1" fill="hold">
+                                          <p:stCondLst>
+                                            <p:cond delay="0"/>
+                                          </p:stCondLst>
+                                        </p:cTn>
+                                        <p:tgtEl>
+                                          <p:spTgt spid="3">
+                                            <p:txEl>
+                                              <p:pRg st="6" end="6"/>
+                                            </p:txEl>
+                                          </p:spTgt>
+                                        </p:tgtEl>
+                                        <p:attrNameLst>
+                                          <p:attrName>style.visibility</p:attrName>
+                                        </p:attrNameLst>
+                                      </p:cBhvr>
+                                      <p:to>
+                                        <p:strVal val="visible"/>
+                                      </p:to>
+                                    </p:set>
+                                  </p:childTnLst>
+                                </p:cTn>
+                              </p:par>
+                              <p:par>
+                                <p:cTn id="23" presetID="1" presetClass="entr" presetSubtype="0" fill="hold" nodeType="withEffect">
+                                  <p:stCondLst>
+                                    <p:cond delay="0"/>
+                                  </p:stCondLst>
+                                  <p:childTnLst>
+                                    <p:set>
+                                      <p:cBhvr>
+                                        <p:cTn id="24" dur="1" fill="hold">
+                                          <p:stCondLst>
+                                            <p:cond delay="0"/>
+                                          </p:stCondLst>
+                                        </p:cTn>
+                                        <p:tgtEl>
+                                          <p:spTgt spid="3">
+                                            <p:txEl>
+                                              <p:pRg st="7" end="7"/>
+                                            </p:txEl>
+                                          </p:spTgt>
+                                        </p:tgtEl>
+                                        <p:attrNameLst>
+                                          <p:attrName>style.visibility</p:attrName>
+                                        </p:attrNameLst>
+                                      </p:cBhvr>
+                                      <p:to>
+                                        <p:strVal val="visible"/>
+                                      </p:to>
+                                    </p:set>
+                                  </p:childTnLst>
+                                </p:cTn>
+                              </p:par>
+                              <p:par>
+                                <p:cTn id="25" presetID="1" presetClass="entr" presetSubtype="0" fill="hold" nodeType="withEffect">
+                                  <p:stCondLst>
+                                    <p:cond delay="0"/>
+                                  </p:stCondLst>
+                                  <p:childTnLst>
+                                    <p:set>
+                                      <p:cBhvr>
+                                        <p:cTn id="26" dur="1" fill="hold">
+                                          <p:stCondLst>
+                                            <p:cond delay="0"/>
+                                          </p:stCondLst>
+                                        </p:cTn>
+                                        <p:tgtEl>
+                                          <p:spTgt spid="3">
+                                            <p:txEl>
+                                              <p:pRg st="8" end="8"/>
+                                            </p:txEl>
+                                          </p:spTgt>
+                                        </p:tgtEl>
+                                        <p:attrNameLst>
+                                          <p:attrName>style.visibility</p:attrName>
+                                        </p:attrNameLst>
+                                      </p:cBhvr>
+                                      <p:to>
+                                        <p:strVal val="visible"/>
+                                      </p:to>
+                                    </p:set>
+                                  </p:childTnLst>
+                                </p:cTn>
+                              </p:par>
+                              <p:par>
+                                <p:cTn id="27" presetID="1" presetClass="entr" presetSubtype="0" fill="hold" nodeType="withEffect">
+                                  <p:stCondLst>
+                                    <p:cond delay="0"/>
+                                  </p:stCondLst>
+                                  <p:childTnLst>
+                                    <p:set>
+                                      <p:cBhvr>
+                                        <p:cTn id="28" dur="1" fill="hold">
+                                          <p:stCondLst>
+                                            <p:cond delay="0"/>
+                                          </p:stCondLst>
+                                        </p:cTn>
+                                        <p:tgtEl>
+                                          <p:spTgt spid="3">
+                                            <p:txEl>
+                                              <p:pRg st="9" end="9"/>
+                                            </p:txEl>
+                                          </p:spTgt>
+                                        </p:tgtEl>
+                                        <p:attrNameLst>
+                                          <p:attrName>style.visibility</p:attrName>
+                                        </p:attrNameLst>
+                                      </p:cBhvr>
+                                      <p:to>
+                                        <p:strVal val="visible"/>
+                                      </p:to>
+                                    </p:set>
+                                  </p:childTnLst>
+                                </p:cTn>
+                              </p:par>
+                            </p:childTnLst>
+                          </p:cTn>
+                        </p:par>
+                      </p:childTnLst>
+                    </p:cTn>
+                  </p:par>
+                </p:childTnLst>
+              </p:cTn>
+              <p:prevCondLst>
+                <p:cond evt="onPrev" delay="0">
+                  <p:tgtEl>
+                    <p:sldTgt/>
+                  </p:tgtEl>
+                </p:cond>
+              </p:prevCondLst>
+              <p:nextCondLst>
+                <p:cond evt="onNext" delay="0">
+                  <p:tgtEl>
+                    <p:sldTgt/>
+                  </p:tgtEl>
+                </p:cond>
+              </p:nextCondLst>
+            </p:seq>
+          </p:childTnLst>
+        </p:cTn>
+      </p:par>
+    </p:tnLst>
+  </p:timing>
+</p:sld>
+</file>
+
+<file path=ppt/slides/slide13.xml><?xml version="1.0" encoding="utf-8"?>
+<p:sld xmlns:a="http://schemas.openxmlformats.org/drawingml/2006/main" xmlns:r="http://schemas.openxmlformats.org/officeDocument/2006/relationships" xmlns:p="http://schemas.openxmlformats.org/presentationml/2006/main">
+  <p:cSld>
+    <p:spTree>
+      <p:nvGrpSpPr>
+        <p:cNvPr id="1" name=""/>
+        <p:cNvGrpSpPr/>
+        <p:nvPr/>
+      </p:nvGrpSpPr>
+      <p:grpSpPr>
+        <a:xfrm>
+          <a:off x="0" y="0"/>
+          <a:ext cx="0" cy="0"/>
+          <a:chOff x="0" y="0"/>
+          <a:chExt cx="0" cy="0"/>
+        </a:xfrm>
+      </p:grpSpPr>
+      <p:sp>
+        <p:nvSpPr>
+          <p:cNvPr id="2" name="Title 1"/>
+          <p:cNvSpPr>
+            <a:spLocks noGrp="1"/>
+          </p:cNvSpPr>
+          <p:nvPr>
+            <p:ph type="title"/>
+          </p:nvPr>
+        </p:nvSpPr>
+        <p:spPr/>
+        <p:txBody>
+          <a:bodyPr/>
+          <a:lstStyle/>
+          <a:p>
+            <a:r>
+              <a:rPr lang="en-US" dirty="0" smtClean="0"/>
+              <a:t>Re-usability</a:t>
+            </a:r>
+            <a:endParaRPr lang="en-US" dirty="0"/>
+          </a:p>
+        </p:txBody>
+      </p:sp>
+      <p:sp>
+        <p:nvSpPr>
+          <p:cNvPr id="3" name="Content Placeholder 2"/>
+          <p:cNvSpPr>
+            <a:spLocks noGrp="1"/>
+          </p:cNvSpPr>
+          <p:nvPr>
+            <p:ph idx="1"/>
+          </p:nvPr>
+        </p:nvSpPr>
+        <p:spPr/>
+        <p:txBody>
+          <a:bodyPr/>
+          <a:lstStyle/>
+          <a:p>
+            <a:r>
+              <a:rPr lang="en-US" dirty="0" smtClean="0"/>
+              <a:t>Have provided brief documentation and references to </a:t>
+            </a:r>
+            <a:r>
+              <a:rPr lang="en-US" i="1" dirty="0" smtClean="0"/>
+              <a:t>Open CV in android </a:t>
+            </a:r>
+            <a:r>
+              <a:rPr lang="en-US" dirty="0" smtClean="0"/>
+              <a:t>setup and usage</a:t>
+            </a:r>
+            <a:endParaRPr lang="en-US" dirty="0"/>
+          </a:p>
+          <a:p>
+            <a:pPr lvl="1"/>
+            <a:r>
+              <a:rPr lang="en-US" dirty="0"/>
+              <a:t>Could save a lot of effort</a:t>
+            </a:r>
+          </a:p>
+          <a:p>
+            <a:pPr lvl="1"/>
+            <a:r>
+              <a:rPr lang="en-US" dirty="0"/>
+              <a:t>Also included the </a:t>
+            </a:r>
+            <a:r>
+              <a:rPr lang="en-US" dirty="0" err="1"/>
+              <a:t>jni</a:t>
+            </a:r>
+            <a:r>
+              <a:rPr lang="en-US" dirty="0"/>
+              <a:t> </a:t>
+            </a:r>
+            <a:r>
+              <a:rPr lang="en-US" dirty="0" smtClean="0"/>
+              <a:t>resources – cross compilation and linking</a:t>
+            </a:r>
+            <a:endParaRPr lang="en-US" dirty="0"/>
+          </a:p>
+          <a:p>
+            <a:r>
+              <a:rPr lang="en-US" dirty="0" smtClean="0"/>
+              <a:t>Modular nature</a:t>
+            </a:r>
+            <a:endParaRPr lang="en-US" dirty="0"/>
+          </a:p>
+          <a:p>
+            <a:pPr lvl="1"/>
+            <a:r>
+              <a:rPr lang="en-US" dirty="0"/>
+              <a:t>Image Downloading</a:t>
+            </a:r>
+          </a:p>
+          <a:p>
+            <a:pPr lvl="1"/>
+            <a:r>
+              <a:rPr lang="en-US" dirty="0"/>
+              <a:t>Image Processing</a:t>
+            </a:r>
+          </a:p>
+          <a:p>
+            <a:pPr lvl="1"/>
+            <a:r>
+              <a:rPr lang="en-US" dirty="0"/>
+              <a:t>Communication</a:t>
+            </a:r>
+          </a:p>
+          <a:p>
+            <a:pPr lvl="1"/>
+            <a:r>
+              <a:rPr lang="en-US" dirty="0"/>
+              <a:t>Application </a:t>
+            </a:r>
+          </a:p>
+          <a:p>
+            <a:pPr marL="274320" lvl="1" indent="0">
+              <a:buNone/>
+            </a:pPr>
+            <a:r>
+              <a:rPr lang="en-US" dirty="0"/>
+              <a:t>codes are all separated </a:t>
+            </a:r>
+            <a:r>
+              <a:rPr lang="en-US" dirty="0" smtClean="0"/>
+              <a:t>via </a:t>
+            </a:r>
+            <a:r>
+              <a:rPr lang="en-US" dirty="0"/>
+              <a:t>different </a:t>
+            </a:r>
+            <a:r>
+              <a:rPr lang="en-US" dirty="0" smtClean="0"/>
+              <a:t>classes.</a:t>
+            </a:r>
+          </a:p>
+          <a:p>
+            <a:r>
+              <a:rPr lang="en-US" dirty="0" smtClean="0"/>
+              <a:t>In code documentation standards</a:t>
+            </a:r>
+          </a:p>
+          <a:p>
+            <a:pPr lvl="1"/>
+            <a:r>
+              <a:rPr lang="en-US" dirty="0" smtClean="0"/>
+              <a:t>Followed the usual Java commenting style (eclipse friendly)</a:t>
+            </a:r>
+            <a:endParaRPr lang="en-US" dirty="0"/>
+          </a:p>
+        </p:txBody>
+      </p:sp>
+    </p:spTree>
+    <p:extLst>
+      <p:ext uri="{BB962C8B-B14F-4D97-AF65-F5344CB8AC3E}">
+        <p14:creationId xmlns:p14="http://schemas.microsoft.com/office/powerpoint/2010/main" val="1847606016"/>
+      </p:ext>
+    </p:extLst>
+  </p:cSld>
+  <p:clrMapOvr>
+    <a:masterClrMapping/>
+  </p:clrMapOvr>
+  <p:timing>
+    <p:tnLst>
+      <p:par>
+        <p:cTn id="1" dur="indefinite" restart="never" nodeType="tmRoot">
+          <p:childTnLst>
+            <p:seq concurrent="1" nextAc="seek">
+              <p:cTn id="2" dur="indefinite" nodeType="mainSeq">
+                <p:childTnLst>
+                  <p:par>
+                    <p:cTn id="3" fill="hold">
+                      <p:stCondLst>
+                        <p:cond delay="indefinite"/>
+                      </p:stCondLst>
+                      <p:childTnLst>
+                        <p:par>
+                          <p:cTn id="4" fill="hold">
+                            <p:stCondLst>
+                              <p:cond delay="0"/>
+                            </p:stCondLst>
+                            <p:childTnLst>
+                              <p:par>
+                                <p:cTn id="5" presetID="1" presetClass="entr" presetSubtype="0" fill="hold" nodeType="clickEffect">
+                                  <p:stCondLst>
+                                    <p:cond delay="0"/>
+                                  </p:stCondLst>
+                                  <p:childTnLst>
+                                    <p:set>
+                                      <p:cBhvr>
+                                        <p:cTn id="6" dur="1" fill="hold">
+                                          <p:stCondLst>
+                                            <p:cond delay="0"/>
+                                          </p:stCondLst>
+                                        </p:cTn>
+                                        <p:tgtEl>
+                                          <p:spTgt spid="3">
+                                            <p:txEl>
+                                              <p:pRg st="0" end="0"/>
+                                            </p:txEl>
+                                          </p:spTgt>
+                                        </p:tgtEl>
+                                        <p:attrNameLst>
+                                          <p:attrName>style.visibility</p:attrName>
+                                        </p:attrNameLst>
+                                      </p:cBhvr>
+                                      <p:to>
+                                        <p:strVal val="visible"/>
+                                      </p:to>
+                                    </p:set>
+                                  </p:childTnLst>
+                                </p:cTn>
+                              </p:par>
+                              <p:par>
+                                <p:cTn id="7" presetID="1" presetClass="entr" presetSubtype="0" fill="hold" nodeType="withEffect">
+                                  <p:stCondLst>
+                                    <p:cond delay="0"/>
+                                  </p:stCondLst>
+                                  <p:childTnLst>
+                                    <p:set>
+                                      <p:cBhvr>
+                                        <p:cTn id="8" dur="1" fill="hold">
+                                          <p:stCondLst>
+                                            <p:cond delay="0"/>
+                                          </p:stCondLst>
+                                        </p:cTn>
+                                        <p:tgtEl>
+                                          <p:spTgt spid="3">
+                                            <p:txEl>
+                                              <p:pRg st="1" end="1"/>
+                                            </p:txEl>
+                                          </p:spTgt>
+                                        </p:tgtEl>
+                                        <p:attrNameLst>
+                                          <p:attrName>style.visibility</p:attrName>
+                                        </p:attrNameLst>
+                                      </p:cBhvr>
+                                      <p:to>
+                                        <p:strVal val="visible"/>
+                                      </p:to>
+                                    </p:set>
+                                  </p:childTnLst>
+                                </p:cTn>
+                              </p:par>
+                              <p:par>
+                                <p:cTn id="9" presetID="1" presetClass="entr" presetSubtype="0" fill="hold" nodeType="withEffect">
+                                  <p:stCondLst>
+                                    <p:cond delay="0"/>
+                                  </p:stCondLst>
+                                  <p:childTnLst>
+                                    <p:set>
+                                      <p:cBhvr>
+                                        <p:cTn id="10" dur="1" fill="hold">
+                                          <p:stCondLst>
+                                            <p:cond delay="0"/>
+                                          </p:stCondLst>
+                                        </p:cTn>
+                                        <p:tgtEl>
+                                          <p:spTgt spid="3">
+                                            <p:txEl>
+                                              <p:pRg st="2" end="2"/>
+                                            </p:txEl>
+                                          </p:spTgt>
+                                        </p:tgtEl>
+                                        <p:attrNameLst>
+                                          <p:attrName>style.visibility</p:attrName>
+                                        </p:attrNameLst>
+                                      </p:cBhvr>
+                                      <p:to>
+                                        <p:strVal val="visible"/>
+                                      </p:to>
+                                    </p:set>
+                                  </p:childTnLst>
+                                </p:cTn>
+                              </p:par>
+                            </p:childTnLst>
+                          </p:cTn>
+                        </p:par>
+                      </p:childTnLst>
+                    </p:cTn>
+                  </p:par>
+                  <p:par>
+                    <p:cTn id="11" fill="hold">
+                      <p:stCondLst>
+                        <p:cond delay="indefinite"/>
+                      </p:stCondLst>
+                      <p:childTnLst>
+                        <p:par>
+                          <p:cTn id="12" fill="hold">
+                            <p:stCondLst>
+                              <p:cond delay="0"/>
+                            </p:stCondLst>
+                            <p:childTnLst>
+                              <p:par>
+                                <p:cTn id="13" presetID="1" presetClass="entr" presetSubtype="0" fill="hold" nodeType="clickEffect">
+                                  <p:stCondLst>
+                                    <p:cond delay="0"/>
+                                  </p:stCondLst>
+                                  <p:childTnLst>
+                                    <p:set>
+                                      <p:cBhvr>
+                                        <p:cTn id="14" dur="1" fill="hold">
+                                          <p:stCondLst>
+                                            <p:cond delay="0"/>
+                                          </p:stCondLst>
+                                        </p:cTn>
+                                        <p:tgtEl>
+                                          <p:spTgt spid="3">
+                                            <p:txEl>
+                                              <p:pRg st="3" end="3"/>
+                                            </p:txEl>
+                                          </p:spTgt>
+                                        </p:tgtEl>
+                                        <p:attrNameLst>
+                                          <p:attrName>style.visibility</p:attrName>
+                                        </p:attrNameLst>
+                                      </p:cBhvr>
+                                      <p:to>
+                                        <p:strVal val="visible"/>
+                                      </p:to>
+                                    </p:set>
+                                  </p:childTnLst>
+                                </p:cTn>
+                              </p:par>
+                              <p:par>
+                                <p:cTn id="15" presetID="1" presetClass="entr" presetSubtype="0" fill="hold" nodeType="withEffect">
+                                  <p:stCondLst>
+                                    <p:cond delay="0"/>
+                                  </p:stCondLst>
+                                  <p:childTnLst>
+                                    <p:set>
+                                      <p:cBhvr>
+                                        <p:cTn id="16" dur="1" fill="hold">
+                                          <p:stCondLst>
+                                            <p:cond delay="0"/>
+                                          </p:stCondLst>
+                                        </p:cTn>
+                                        <p:tgtEl>
+                                          <p:spTgt spid="3">
+                                            <p:txEl>
+                                              <p:pRg st="4" end="4"/>
+                                            </p:txEl>
+                                          </p:spTgt>
+                                        </p:tgtEl>
+                                        <p:attrNameLst>
+                                          <p:attrName>style.visibility</p:attrName>
+                                        </p:attrNameLst>
+                                      </p:cBhvr>
+                                      <p:to>
+                                        <p:strVal val="visible"/>
+                                      </p:to>
+                                    </p:set>
+                                  </p:childTnLst>
+                                </p:cTn>
+                              </p:par>
+                              <p:par>
+                                <p:cTn id="17" presetID="1" presetClass="entr" presetSubtype="0" fill="hold" nodeType="withEffect">
+                                  <p:stCondLst>
+                                    <p:cond delay="0"/>
+                                  </p:stCondLst>
+                                  <p:childTnLst>
+                                    <p:set>
+                                      <p:cBhvr>
+                                        <p:cTn id="18" dur="1" fill="hold">
+                                          <p:stCondLst>
+                                            <p:cond delay="0"/>
+                                          </p:stCondLst>
+                                        </p:cTn>
+                                        <p:tgtEl>
+                                          <p:spTgt spid="3">
+                                            <p:txEl>
+                                              <p:pRg st="5" end="5"/>
+                                            </p:txEl>
+                                          </p:spTgt>
+                                        </p:tgtEl>
+                                        <p:attrNameLst>
+                                          <p:attrName>style.visibility</p:attrName>
+                                        </p:attrNameLst>
+                                      </p:cBhvr>
+                                      <p:to>
+                                        <p:strVal val="visible"/>
+                                      </p:to>
+                                    </p:set>
+                                  </p:childTnLst>
+                                </p:cTn>
+                              </p:par>
+                              <p:par>
+                                <p:cTn id="19" presetID="1" presetClass="entr" presetSubtype="0" fill="hold" nodeType="withEffect">
+                                  <p:stCondLst>
+                                    <p:cond delay="0"/>
+                                  </p:stCondLst>
+                                  <p:childTnLst>
+                                    <p:set>
+                                      <p:cBhvr>
+                                        <p:cTn id="20" dur="1" fill="hold">
+                                          <p:stCondLst>
+                                            <p:cond delay="0"/>
+                                          </p:stCondLst>
+                                        </p:cTn>
+                                        <p:tgtEl>
+                                          <p:spTgt spid="3">
+                                            <p:txEl>
+                                              <p:pRg st="6" end="6"/>
+                                            </p:txEl>
+                                          </p:spTgt>
+                                        </p:tgtEl>
+                                        <p:attrNameLst>
+                                          <p:attrName>style.visibility</p:attrName>
+                                        </p:attrNameLst>
+                                      </p:cBhvr>
+                                      <p:to>
+                                        <p:strVal val="visible"/>
+                                      </p:to>
+                                    </p:set>
+                                  </p:childTnLst>
+                                </p:cTn>
+                              </p:par>
+                              <p:par>
+                                <p:cTn id="21" presetID="1" presetClass="entr" presetSubtype="0" fill="hold" nodeType="withEffect">
+                                  <p:stCondLst>
+                                    <p:cond delay="0"/>
+                                  </p:stCondLst>
+                                  <p:childTnLst>
+                                    <p:set>
+                                      <p:cBhvr>
+                                        <p:cTn id="22" dur="1" fill="hold">
+                                          <p:stCondLst>
+                                            <p:cond delay="0"/>
+                                          </p:stCondLst>
+                                        </p:cTn>
+                                        <p:tgtEl>
+                                          <p:spTgt spid="3">
+                                            <p:txEl>
+                                              <p:pRg st="7" end="7"/>
+                                            </p:txEl>
+                                          </p:spTgt>
+                                        </p:tgtEl>
+                                        <p:attrNameLst>
+                                          <p:attrName>style.visibility</p:attrName>
+                                        </p:attrNameLst>
+                                      </p:cBhvr>
+                                      <p:to>
+                                        <p:strVal val="visible"/>
+                                      </p:to>
+                                    </p:set>
+                                  </p:childTnLst>
+                                </p:cTn>
+                              </p:par>
+                              <p:par>
+                                <p:cTn id="23" presetID="1" presetClass="entr" presetSubtype="0" fill="hold" nodeType="withEffect">
+                                  <p:stCondLst>
+                                    <p:cond delay="0"/>
+                                  </p:stCondLst>
+                                  <p:childTnLst>
+                                    <p:set>
+                                      <p:cBhvr>
+                                        <p:cTn id="24" dur="1" fill="hold">
+                                          <p:stCondLst>
+                                            <p:cond delay="0"/>
+                                          </p:stCondLst>
+                                        </p:cTn>
+                                        <p:tgtEl>
+                                          <p:spTgt spid="3">
+                                            <p:txEl>
+                                              <p:pRg st="8" end="8"/>
+                                            </p:txEl>
+                                          </p:spTgt>
+                                        </p:tgtEl>
+                                        <p:attrNameLst>
+                                          <p:attrName>style.visibility</p:attrName>
+                                        </p:attrNameLst>
+                                      </p:cBhvr>
+                                      <p:to>
+                                        <p:strVal val="visible"/>
+                                      </p:to>
+                                    </p:set>
+                                  </p:childTnLst>
+                                </p:cTn>
+                              </p:par>
+                            </p:childTnLst>
+                          </p:cTn>
+                        </p:par>
+                      </p:childTnLst>
+                    </p:cTn>
+                  </p:par>
+                  <p:par>
+                    <p:cTn id="25" fill="hold">
+                      <p:stCondLst>
+                        <p:cond delay="indefinite"/>
+                      </p:stCondLst>
+                      <p:childTnLst>
+                        <p:par>
+                          <p:cTn id="26" fill="hold">
+                            <p:stCondLst>
+                              <p:cond delay="0"/>
+                            </p:stCondLst>
+                            <p:childTnLst>
+                              <p:par>
+                                <p:cTn id="27" presetID="1" presetClass="entr" presetSubtype="0" fill="hold" nodeType="clickEffect">
+                                  <p:stCondLst>
+                                    <p:cond delay="0"/>
+                                  </p:stCondLst>
+                                  <p:childTnLst>
+                                    <p:set>
+                                      <p:cBhvr>
+                                        <p:cTn id="28" dur="1" fill="hold">
+                                          <p:stCondLst>
+                                            <p:cond delay="0"/>
+                                          </p:stCondLst>
+                                        </p:cTn>
+                                        <p:tgtEl>
+                                          <p:spTgt spid="3">
+                                            <p:txEl>
+                                              <p:pRg st="9" end="9"/>
+                                            </p:txEl>
+                                          </p:spTgt>
+                                        </p:tgtEl>
+                                        <p:attrNameLst>
+                                          <p:attrName>style.visibility</p:attrName>
+                                        </p:attrNameLst>
+                                      </p:cBhvr>
+                                      <p:to>
+                                        <p:strVal val="visible"/>
+                                      </p:to>
+                                    </p:set>
+                                  </p:childTnLst>
+                                </p:cTn>
+                              </p:par>
+                              <p:par>
+                                <p:cTn id="29" presetID="1" presetClass="entr" presetSubtype="0" fill="hold" nodeType="withEffect">
+                                  <p:stCondLst>
+                                    <p:cond delay="0"/>
+                                  </p:stCondLst>
+                                  <p:childTnLst>
+                                    <p:set>
+                                      <p:cBhvr>
+                                        <p:cTn id="30" dur="1" fill="hold">
+                                          <p:stCondLst>
+                                            <p:cond delay="0"/>
+                                          </p:stCondLst>
+                                        </p:cTn>
+                                        <p:tgtEl>
+                                          <p:spTgt spid="3">
+                                            <p:txEl>
+                                              <p:pRg st="10" end="10"/>
+                                            </p:txEl>
+                                          </p:spTgt>
+                                        </p:tgtEl>
+                                        <p:attrNameLst>
+                                          <p:attrName>style.visibility</p:attrName>
+                                        </p:attrNameLst>
+                                      </p:cBhvr>
+                                      <p:to>
+                                        <p:strVal val="visible"/>
+                                      </p:to>
+                                    </p:set>
+                                  </p:childTnLst>
+                                </p:cTn>
+                              </p:par>
+                            </p:childTnLst>
+                          </p:cTn>
+                        </p:par>
+                      </p:childTnLst>
+                    </p:cTn>
+                  </p:par>
+                </p:childTnLst>
+              </p:cTn>
+              <p:prevCondLst>
+                <p:cond evt="onPrev" delay="0">
+                  <p:tgtEl>
+                    <p:sldTgt/>
+                  </p:tgtEl>
+                </p:cond>
+              </p:prevCondLst>
+              <p:nextCondLst>
+                <p:cond evt="onNext" delay="0">
+                  <p:tgtEl>
+                    <p:sldTgt/>
+                  </p:tgtEl>
+                </p:cond>
+              </p:nextCondLst>
+            </p:seq>
+          </p:childTnLst>
+        </p:cTn>
+      </p:par>
+    </p:tnLst>
+  </p:timing>
+</p:sld>
+</file>
+
+<file path=ppt/slides/slide14.xml><?xml version="1.0" encoding="utf-8"?>
+<p:sld xmlns:a="http://schemas.openxmlformats.org/drawingml/2006/main" xmlns:r="http://schemas.openxmlformats.org/officeDocument/2006/relationships" xmlns:p="http://schemas.openxmlformats.org/presentationml/2006/main">
+  <p:cSld>
+    <p:spTree>
+      <p:nvGrpSpPr>
+        <p:cNvPr id="1" name=""/>
+        <p:cNvGrpSpPr/>
+        <p:nvPr/>
+      </p:nvGrpSpPr>
+      <p:grpSpPr>
+        <a:xfrm>
+          <a:off x="0" y="0"/>
+          <a:ext cx="0" cy="0"/>
+          <a:chOff x="0" y="0"/>
+          <a:chExt cx="0" cy="0"/>
+        </a:xfrm>
+      </p:grpSpPr>
+      <p:sp>
+        <p:nvSpPr>
+          <p:cNvPr id="2" name="Title 1"/>
+          <p:cNvSpPr>
+            <a:spLocks noGrp="1"/>
+          </p:cNvSpPr>
+          <p:nvPr>
+            <p:ph type="title"/>
+          </p:nvPr>
+        </p:nvSpPr>
+        <p:spPr/>
+        <p:txBody>
+          <a:bodyPr/>
+          <a:lstStyle/>
+          <a:p>
+            <a:r>
+              <a:rPr lang="en-US" dirty="0" smtClean="0"/>
+              <a:t>Future Enhancement</a:t>
+            </a:r>
+            <a:endParaRPr lang="en-US" dirty="0"/>
+          </a:p>
+        </p:txBody>
+      </p:sp>
+      <p:sp>
+        <p:nvSpPr>
+          <p:cNvPr id="3" name="Content Placeholder 2"/>
+          <p:cNvSpPr>
+            <a:spLocks noGrp="1"/>
+          </p:cNvSpPr>
+          <p:nvPr>
+            <p:ph idx="1"/>
+          </p:nvPr>
+        </p:nvSpPr>
+        <p:spPr/>
+        <p:txBody>
+          <a:bodyPr/>
+          <a:lstStyle/>
+          <a:p>
+            <a:r>
+              <a:rPr lang="en-US" dirty="0" smtClean="0"/>
+              <a:t>Replace the </a:t>
+            </a:r>
+            <a:r>
+              <a:rPr lang="en-US" dirty="0"/>
+              <a:t>B</a:t>
+            </a:r>
+            <a:r>
+              <a:rPr lang="en-US" dirty="0" smtClean="0"/>
+              <a:t>luetooth communication with Wi-Fi </a:t>
+            </a:r>
+            <a:r>
+              <a:rPr lang="en-US" dirty="0" err="1" smtClean="0"/>
+              <a:t>sheild</a:t>
+            </a:r>
+            <a:endParaRPr lang="en-US" dirty="0"/>
+          </a:p>
+          <a:p>
+            <a:pPr lvl="1"/>
+            <a:r>
+              <a:rPr lang="en-US" sz="1400" dirty="0">
+                <a:hlinkClick r:id="rId3"/>
+              </a:rPr>
+              <a:t>http://www.instructables.com/id/How-to-build-an-Arduino-WiFi-4x4-with-Android-Cont</a:t>
+            </a:r>
+            <a:r>
+              <a:rPr lang="en-US" sz="1400" dirty="0" smtClean="0">
+                <a:hlinkClick r:id="rId3"/>
+              </a:rPr>
+              <a:t>/</a:t>
+            </a:r>
+            <a:endParaRPr lang="en-US" sz="1400" dirty="0" smtClean="0"/>
+          </a:p>
+          <a:p>
+            <a:pPr lvl="1"/>
+            <a:r>
+              <a:rPr lang="en-US" sz="1400" dirty="0">
+                <a:hlinkClick r:id="rId4"/>
+              </a:rPr>
+              <a:t>http://</a:t>
+            </a:r>
+            <a:r>
+              <a:rPr lang="en-US" sz="1400" dirty="0" smtClean="0">
+                <a:hlinkClick r:id="rId4"/>
+              </a:rPr>
+              <a:t>asynclabs.com/store?page=shop.product_details&amp;product_id=26&amp;vmcchk=1</a:t>
+            </a:r>
+            <a:endParaRPr lang="en-US" sz="1400" dirty="0" smtClean="0"/>
+          </a:p>
+          <a:p>
+            <a:pPr lvl="1"/>
+            <a:r>
+              <a:rPr lang="en-US" dirty="0" smtClean="0"/>
+              <a:t>Will make the whole application really remote</a:t>
+            </a:r>
+            <a:endParaRPr lang="en-US" dirty="0"/>
+          </a:p>
+          <a:p>
+            <a:r>
+              <a:rPr lang="en-US" dirty="0" smtClean="0"/>
+              <a:t>Use an existing or write an Open CV wrapper for android</a:t>
+            </a:r>
+          </a:p>
+          <a:p>
+            <a:pPr lvl="1"/>
+            <a:r>
+              <a:rPr lang="en-US" sz="1400" dirty="0">
+                <a:hlinkClick r:id="rId5"/>
+              </a:rPr>
+              <a:t>http://code.google.com/p/javacv/</a:t>
+            </a:r>
+            <a:endParaRPr lang="en-US" sz="1400" dirty="0" smtClean="0"/>
+          </a:p>
+          <a:p>
+            <a:r>
+              <a:rPr lang="en-US" dirty="0" smtClean="0"/>
+              <a:t>Improve the UI control – use joystick </a:t>
+            </a:r>
+            <a:endParaRPr lang="en-US" dirty="0"/>
+          </a:p>
+          <a:p>
+            <a:pPr lvl="1"/>
+            <a:r>
+              <a:rPr lang="en-US" dirty="0"/>
+              <a:t>Good project </a:t>
+            </a:r>
+          </a:p>
+          <a:p>
+            <a:pPr lvl="2"/>
+            <a:r>
+              <a:rPr lang="en-US" sz="1200" dirty="0">
+                <a:hlinkClick r:id="rId6"/>
+              </a:rPr>
+              <a:t>http://www.instructables.com/id/JabberBot-The-Arduino-robot-with-an-ATMega-brain-/</a:t>
+            </a:r>
+            <a:endParaRPr lang="en-US" sz="1200" dirty="0"/>
+          </a:p>
+          <a:p>
+            <a:endParaRPr lang="en-US" dirty="0" smtClean="0"/>
+          </a:p>
+        </p:txBody>
+      </p:sp>
+    </p:spTree>
+    <p:extLst>
+      <p:ext uri="{BB962C8B-B14F-4D97-AF65-F5344CB8AC3E}">
+        <p14:creationId xmlns:p14="http://schemas.microsoft.com/office/powerpoint/2010/main" val="852996019"/>
+      </p:ext>
+    </p:extLst>
+  </p:cSld>
+  <p:clrMapOvr>
+    <a:masterClrMapping/>
+  </p:clrMapOvr>
+  <p:timing>
+    <p:tnLst>
+      <p:par>
+        <p:cTn id="1" dur="indefinite" restart="never" nodeType="tmRoot">
+          <p:childTnLst>
+            <p:seq concurrent="1" nextAc="seek">
+              <p:cTn id="2" dur="indefinite" nodeType="mainSeq">
+                <p:childTnLst>
+                  <p:par>
+                    <p:cTn id="3" fill="hold">
+                      <p:stCondLst>
+                        <p:cond delay="indefinite"/>
+                      </p:stCondLst>
+                      <p:childTnLst>
+                        <p:par>
+                          <p:cTn id="4" fill="hold">
+                            <p:stCondLst>
+                              <p:cond delay="0"/>
+                            </p:stCondLst>
+                            <p:childTnLst>
+                              <p:par>
+                                <p:cTn id="5" presetID="1" presetClass="entr" presetSubtype="0" fill="hold" nodeType="clickEffect">
+                                  <p:stCondLst>
+                                    <p:cond delay="0"/>
+                                  </p:stCondLst>
+                                  <p:childTnLst>
+                                    <p:set>
+                                      <p:cBhvr>
+                                        <p:cTn id="6" dur="1" fill="hold">
+                                          <p:stCondLst>
+                                            <p:cond delay="0"/>
+                                          </p:stCondLst>
+                                        </p:cTn>
+                                        <p:tgtEl>
+                                          <p:spTgt spid="3">
+                                            <p:txEl>
+                                              <p:pRg st="0" end="0"/>
+                                            </p:txEl>
+                                          </p:spTgt>
+                                        </p:tgtEl>
+                                        <p:attrNameLst>
+                                          <p:attrName>style.visibility</p:attrName>
+                                        </p:attrNameLst>
+                                      </p:cBhvr>
+                                      <p:to>
+                                        <p:strVal val="visible"/>
+                                      </p:to>
+                                    </p:set>
+                                  </p:childTnLst>
+                                </p:cTn>
+                              </p:par>
+                              <p:par>
+                                <p:cTn id="7" presetID="1" presetClass="entr" presetSubtype="0" fill="hold" nodeType="withEffect">
+                                  <p:stCondLst>
+                                    <p:cond delay="0"/>
+                                  </p:stCondLst>
+                                  <p:childTnLst>
+                                    <p:set>
+                                      <p:cBhvr>
+                                        <p:cTn id="8" dur="1" fill="hold">
+                                          <p:stCondLst>
+                                            <p:cond delay="0"/>
+                                          </p:stCondLst>
+                                        </p:cTn>
+                                        <p:tgtEl>
+                                          <p:spTgt spid="3">
+                                            <p:txEl>
+                                              <p:pRg st="1" end="1"/>
+                                            </p:txEl>
+                                          </p:spTgt>
+                                        </p:tgtEl>
+                                        <p:attrNameLst>
+                                          <p:attrName>style.visibility</p:attrName>
+                                        </p:attrNameLst>
+                                      </p:cBhvr>
+                                      <p:to>
+                                        <p:strVal val="visible"/>
+                                      </p:to>
+                                    </p:set>
+                                  </p:childTnLst>
+                                </p:cTn>
+                              </p:par>
+                              <p:par>
+                                <p:cTn id="9" presetID="1" presetClass="entr" presetSubtype="0" fill="hold" nodeType="withEffect">
+                                  <p:stCondLst>
+                                    <p:cond delay="0"/>
+                                  </p:stCondLst>
+                                  <p:childTnLst>
+                                    <p:set>
+                                      <p:cBhvr>
+                                        <p:cTn id="10" dur="1" fill="hold">
+                                          <p:stCondLst>
+                                            <p:cond delay="0"/>
+                                          </p:stCondLst>
+                                        </p:cTn>
+                                        <p:tgtEl>
+                                          <p:spTgt spid="3">
+                                            <p:txEl>
+                                              <p:pRg st="2" end="2"/>
+                                            </p:txEl>
+                                          </p:spTgt>
+                                        </p:tgtEl>
+                                        <p:attrNameLst>
+                                          <p:attrName>style.visibility</p:attrName>
+                                        </p:attrNameLst>
+                                      </p:cBhvr>
+                                      <p:to>
+                                        <p:strVal val="visible"/>
+                                      </p:to>
+                                    </p:set>
+                                  </p:childTnLst>
+                                </p:cTn>
+                              </p:par>
+                              <p:par>
+                                <p:cTn id="11" presetID="1" presetClass="entr" presetSubtype="0" fill="hold" nodeType="withEffect">
+                                  <p:stCondLst>
+                                    <p:cond delay="0"/>
+                                  </p:stCondLst>
+                                  <p:childTnLst>
+                                    <p:set>
+                                      <p:cBhvr>
+                                        <p:cTn id="12" dur="1" fill="hold">
+                                          <p:stCondLst>
+                                            <p:cond delay="0"/>
+                                          </p:stCondLst>
+                                        </p:cTn>
+                                        <p:tgtEl>
+                                          <p:spTgt spid="3">
+                                            <p:txEl>
+                                              <p:pRg st="3" end="3"/>
+                                            </p:txEl>
+                                          </p:spTgt>
+                                        </p:tgtEl>
+                                        <p:attrNameLst>
+                                          <p:attrName>style.visibility</p:attrName>
+                                        </p:attrNameLst>
+                                      </p:cBhvr>
+                                      <p:to>
+                                        <p:strVal val="visible"/>
+                                      </p:to>
+                                    </p:set>
+                                  </p:childTnLst>
+                                </p:cTn>
+                              </p:par>
+                            </p:childTnLst>
+                          </p:cTn>
+                        </p:par>
+                      </p:childTnLst>
+                    </p:cTn>
+                  </p:par>
+                  <p:par>
+                    <p:cTn id="13" fill="hold">
+                      <p:stCondLst>
+                        <p:cond delay="indefinite"/>
+                      </p:stCondLst>
+                      <p:childTnLst>
+                        <p:par>
+                          <p:cTn id="14" fill="hold">
+                            <p:stCondLst>
+                              <p:cond delay="0"/>
+                            </p:stCondLst>
+                            <p:childTnLst>
+                              <p:par>
+                                <p:cTn id="15" presetID="1" presetClass="entr" presetSubtype="0" fill="hold" nodeType="clickEffect">
+                                  <p:stCondLst>
+                                    <p:cond delay="0"/>
+                                  </p:stCondLst>
+                                  <p:childTnLst>
+                                    <p:set>
+                                      <p:cBhvr>
+                                        <p:cTn id="16" dur="1" fill="hold">
+                                          <p:stCondLst>
+                                            <p:cond delay="0"/>
+                                          </p:stCondLst>
+                                        </p:cTn>
+                                        <p:tgtEl>
+                                          <p:spTgt spid="3">
+                                            <p:txEl>
+                                              <p:pRg st="4" end="4"/>
+                                            </p:txEl>
+                                          </p:spTgt>
+                                        </p:tgtEl>
+                                        <p:attrNameLst>
+                                          <p:attrName>style.visibility</p:attrName>
+                                        </p:attrNameLst>
+                                      </p:cBhvr>
+                                      <p:to>
+                                        <p:strVal val="visible"/>
+                                      </p:to>
+                                    </p:set>
+                                  </p:childTnLst>
+                                </p:cTn>
+                              </p:par>
+                              <p:par>
+                                <p:cTn id="17" presetID="1" presetClass="entr" presetSubtype="0" fill="hold" nodeType="withEffect">
+                                  <p:stCondLst>
+                                    <p:cond delay="0"/>
+                                  </p:stCondLst>
+                                  <p:childTnLst>
+                                    <p:set>
+                                      <p:cBhvr>
+                                        <p:cTn id="18" dur="1" fill="hold">
+                                          <p:stCondLst>
+                                            <p:cond delay="0"/>
+                                          </p:stCondLst>
+                                        </p:cTn>
+                                        <p:tgtEl>
+                                          <p:spTgt spid="3">
+                                            <p:txEl>
+                                              <p:pRg st="5" end="5"/>
+                                            </p:txEl>
+                                          </p:spTgt>
+                                        </p:tgtEl>
+                                        <p:attrNameLst>
+                                          <p:attrName>style.visibility</p:attrName>
+                                        </p:attrNameLst>
+                                      </p:cBhvr>
+                                      <p:to>
+                                        <p:strVal val="visible"/>
+                                      </p:to>
+                                    </p:set>
+                                  </p:childTnLst>
+                                </p:cTn>
+                              </p:par>
+                            </p:childTnLst>
+                          </p:cTn>
+                        </p:par>
+                      </p:childTnLst>
+                    </p:cTn>
+                  </p:par>
+                  <p:par>
+                    <p:cTn id="19" fill="hold">
+                      <p:stCondLst>
+                        <p:cond delay="indefinite"/>
+                      </p:stCondLst>
+                      <p:childTnLst>
+                        <p:par>
+                          <p:cTn id="20" fill="hold">
+                            <p:stCondLst>
+                              <p:cond delay="0"/>
+                            </p:stCondLst>
+                            <p:childTnLst>
+                              <p:par>
+                                <p:cTn id="21" presetID="1" presetClass="entr" presetSubtype="0" fill="hold" nodeType="clickEffect">
+                                  <p:stCondLst>
+                                    <p:cond delay="0"/>
+                                  </p:stCondLst>
+                                  <p:childTnLst>
+                                    <p:set>
+                                      <p:cBhvr>
+                                        <p:cTn id="22" dur="1" fill="hold">
+                                          <p:stCondLst>
+                                            <p:cond delay="0"/>
+                                          </p:stCondLst>
+                                        </p:cTn>
+                                        <p:tgtEl>
+                                          <p:spTgt spid="3">
+                                            <p:txEl>
+                                              <p:pRg st="6" end="6"/>
+                                            </p:txEl>
+                                          </p:spTgt>
+                                        </p:tgtEl>
+                                        <p:attrNameLst>
+                                          <p:attrName>style.visibility</p:attrName>
+                                        </p:attrNameLst>
+                                      </p:cBhvr>
+                                      <p:to>
+                                        <p:strVal val="visible"/>
+                                      </p:to>
+                                    </p:set>
+                                  </p:childTnLst>
+                                </p:cTn>
+                              </p:par>
+                              <p:par>
+                                <p:cTn id="23" presetID="1" presetClass="entr" presetSubtype="0" fill="hold" nodeType="withEffect">
+                                  <p:stCondLst>
+                                    <p:cond delay="0"/>
+                                  </p:stCondLst>
+                                  <p:childTnLst>
+                                    <p:set>
+                                      <p:cBhvr>
+                                        <p:cTn id="24" dur="1" fill="hold">
+                                          <p:stCondLst>
+                                            <p:cond delay="0"/>
+                                          </p:stCondLst>
+                                        </p:cTn>
+                                        <p:tgtEl>
+                                          <p:spTgt spid="3">
+                                            <p:txEl>
+                                              <p:pRg st="7" end="7"/>
+                                            </p:txEl>
+                                          </p:spTgt>
+                                        </p:tgtEl>
+                                        <p:attrNameLst>
+                                          <p:attrName>style.visibility</p:attrName>
+                                        </p:attrNameLst>
+                                      </p:cBhvr>
+                                      <p:to>
+                                        <p:strVal val="visible"/>
+                                      </p:to>
+                                    </p:set>
+                                  </p:childTnLst>
+                                </p:cTn>
+                              </p:par>
+                              <p:par>
+                                <p:cTn id="25" presetID="1" presetClass="entr" presetSubtype="0" fill="hold" nodeType="withEffect">
+                                  <p:stCondLst>
+                                    <p:cond delay="0"/>
+                                  </p:stCondLst>
+                                  <p:childTnLst>
+                                    <p:set>
+                                      <p:cBhvr>
+                                        <p:cTn id="26" dur="1" fill="hold">
+                                          <p:stCondLst>
+                                            <p:cond delay="0"/>
+                                          </p:stCondLst>
+                                        </p:cTn>
+                                        <p:tgtEl>
+                                          <p:spTgt spid="3">
+                                            <p:txEl>
+                                              <p:pRg st="8" end="8"/>
+                                            </p:txEl>
+                                          </p:spTgt>
+                                        </p:tgtEl>
+                                        <p:attrNameLst>
+                                          <p:attrName>style.visibility</p:attrName>
+                                        </p:attrNameLst>
+                                      </p:cBhvr>
+                                      <p:to>
+                                        <p:strVal val="visible"/>
+                                      </p:to>
+                                    </p:set>
+                                  </p:childTnLst>
+                                </p:cTn>
+                              </p:par>
+                            </p:childTnLst>
+                          </p:cTn>
+                        </p:par>
+                      </p:childTnLst>
+                    </p:cTn>
+                  </p:par>
+                </p:childTnLst>
+              </p:cTn>
+              <p:prevCondLst>
+                <p:cond evt="onPrev" delay="0">
+                  <p:tgtEl>
+                    <p:sldTgt/>
+                  </p:tgtEl>
+                </p:cond>
+              </p:prevCondLst>
+              <p:nextCondLst>
+                <p:cond evt="onNext" delay="0">
+                  <p:tgtEl>
+                    <p:sldTgt/>
+                  </p:tgtEl>
+                </p:cond>
+              </p:nextCondLst>
+            </p:seq>
+          </p:childTnLst>
+        </p:cTn>
+      </p:par>
+    </p:tnLst>
+  </p:timing>
+</p:sld>
+</file>
+
 <file path=ppt/slides/slide2.xml><?xml version="1.0" encoding="utf-8"?>
 <p:sld xmlns:a="http://schemas.openxmlformats.org/drawingml/2006/main" xmlns:r="http://schemas.openxmlformats.org/officeDocument/2006/relationships" xmlns:p="http://schemas.openxmlformats.org/presentationml/2006/main">
   <p:cSld>
@@ -4641,9 +8062,381 @@
   <p:timing>
     <p:tnLst>
       <p:par>
-        <p:cTn id="1" dur="indefinite" restart="never" nodeType="tmRoot"/>
+        <p:cTn id="1" dur="indefinite" restart="never" nodeType="tmRoot">
+          <p:childTnLst>
+            <p:seq concurrent="1" nextAc="seek">
+              <p:cTn id="2" dur="indefinite" nodeType="mainSeq">
+                <p:childTnLst>
+                  <p:par>
+                    <p:cTn id="3" fill="hold">
+                      <p:stCondLst>
+                        <p:cond delay="indefinite"/>
+                        <p:cond evt="onBegin" delay="0">
+                          <p:tn val="2"/>
+                        </p:cond>
+                      </p:stCondLst>
+                      <p:childTnLst>
+                        <p:par>
+                          <p:cTn id="4" fill="hold">
+                            <p:stCondLst>
+                              <p:cond delay="0"/>
+                            </p:stCondLst>
+                            <p:childTnLst>
+                              <p:par>
+                                <p:cTn id="5" presetID="1" presetClass="entr" presetSubtype="0" fill="hold" grpId="0" nodeType="withEffect">
+                                  <p:stCondLst>
+                                    <p:cond delay="0"/>
+                                  </p:stCondLst>
+                                  <p:childTnLst>
+                                    <p:set>
+                                      <p:cBhvr>
+                                        <p:cTn id="6" dur="1" fill="hold">
+                                          <p:stCondLst>
+                                            <p:cond delay="0"/>
+                                          </p:stCondLst>
+                                        </p:cTn>
+                                        <p:tgtEl>
+                                          <p:spTgt spid="3">
+                                            <p:txEl>
+                                              <p:pRg st="0" end="0"/>
+                                            </p:txEl>
+                                          </p:spTgt>
+                                        </p:tgtEl>
+                                        <p:attrNameLst>
+                                          <p:attrName>style.visibility</p:attrName>
+                                        </p:attrNameLst>
+                                      </p:cBhvr>
+                                      <p:to>
+                                        <p:strVal val="visible"/>
+                                      </p:to>
+                                    </p:set>
+                                  </p:childTnLst>
+                                </p:cTn>
+                              </p:par>
+                            </p:childTnLst>
+                          </p:cTn>
+                        </p:par>
+                      </p:childTnLst>
+                    </p:cTn>
+                  </p:par>
+                  <p:par>
+                    <p:cTn id="7" fill="hold">
+                      <p:stCondLst>
+                        <p:cond delay="indefinite"/>
+                      </p:stCondLst>
+                      <p:childTnLst>
+                        <p:par>
+                          <p:cTn id="8" fill="hold">
+                            <p:stCondLst>
+                              <p:cond delay="0"/>
+                            </p:stCondLst>
+                            <p:childTnLst>
+                              <p:par>
+                                <p:cTn id="9" presetID="1" presetClass="entr" presetSubtype="0" fill="hold" grpId="0" nodeType="clickEffect">
+                                  <p:stCondLst>
+                                    <p:cond delay="0"/>
+                                  </p:stCondLst>
+                                  <p:childTnLst>
+                                    <p:set>
+                                      <p:cBhvr>
+                                        <p:cTn id="10" dur="1" fill="hold">
+                                          <p:stCondLst>
+                                            <p:cond delay="0"/>
+                                          </p:stCondLst>
+                                        </p:cTn>
+                                        <p:tgtEl>
+                                          <p:spTgt spid="3">
+                                            <p:txEl>
+                                              <p:pRg st="1" end="1"/>
+                                            </p:txEl>
+                                          </p:spTgt>
+                                        </p:tgtEl>
+                                        <p:attrNameLst>
+                                          <p:attrName>style.visibility</p:attrName>
+                                        </p:attrNameLst>
+                                      </p:cBhvr>
+                                      <p:to>
+                                        <p:strVal val="visible"/>
+                                      </p:to>
+                                    </p:set>
+                                  </p:childTnLst>
+                                </p:cTn>
+                              </p:par>
+                            </p:childTnLst>
+                          </p:cTn>
+                        </p:par>
+                      </p:childTnLst>
+                    </p:cTn>
+                  </p:par>
+                  <p:par>
+                    <p:cTn id="11" fill="hold">
+                      <p:stCondLst>
+                        <p:cond delay="indefinite"/>
+                      </p:stCondLst>
+                      <p:childTnLst>
+                        <p:par>
+                          <p:cTn id="12" fill="hold">
+                            <p:stCondLst>
+                              <p:cond delay="0"/>
+                            </p:stCondLst>
+                            <p:childTnLst>
+                              <p:par>
+                                <p:cTn id="13" presetID="1" presetClass="entr" presetSubtype="0" fill="hold" grpId="0" nodeType="clickEffect">
+                                  <p:stCondLst>
+                                    <p:cond delay="0"/>
+                                  </p:stCondLst>
+                                  <p:childTnLst>
+                                    <p:set>
+                                      <p:cBhvr>
+                                        <p:cTn id="14" dur="1" fill="hold">
+                                          <p:stCondLst>
+                                            <p:cond delay="0"/>
+                                          </p:stCondLst>
+                                        </p:cTn>
+                                        <p:tgtEl>
+                                          <p:spTgt spid="3">
+                                            <p:txEl>
+                                              <p:pRg st="2" end="2"/>
+                                            </p:txEl>
+                                          </p:spTgt>
+                                        </p:tgtEl>
+                                        <p:attrNameLst>
+                                          <p:attrName>style.visibility</p:attrName>
+                                        </p:attrNameLst>
+                                      </p:cBhvr>
+                                      <p:to>
+                                        <p:strVal val="visible"/>
+                                      </p:to>
+                                    </p:set>
+                                  </p:childTnLst>
+                                </p:cTn>
+                              </p:par>
+                            </p:childTnLst>
+                          </p:cTn>
+                        </p:par>
+                      </p:childTnLst>
+                    </p:cTn>
+                  </p:par>
+                  <p:par>
+                    <p:cTn id="15" fill="hold">
+                      <p:stCondLst>
+                        <p:cond delay="indefinite"/>
+                      </p:stCondLst>
+                      <p:childTnLst>
+                        <p:par>
+                          <p:cTn id="16" fill="hold">
+                            <p:stCondLst>
+                              <p:cond delay="0"/>
+                            </p:stCondLst>
+                            <p:childTnLst>
+                              <p:par>
+                                <p:cTn id="17" presetID="1" presetClass="entr" presetSubtype="0" fill="hold" grpId="0" nodeType="clickEffect">
+                                  <p:stCondLst>
+                                    <p:cond delay="0"/>
+                                  </p:stCondLst>
+                                  <p:childTnLst>
+                                    <p:set>
+                                      <p:cBhvr>
+                                        <p:cTn id="18" dur="1" fill="hold">
+                                          <p:stCondLst>
+                                            <p:cond delay="0"/>
+                                          </p:stCondLst>
+                                        </p:cTn>
+                                        <p:tgtEl>
+                                          <p:spTgt spid="3">
+                                            <p:txEl>
+                                              <p:pRg st="3" end="3"/>
+                                            </p:txEl>
+                                          </p:spTgt>
+                                        </p:tgtEl>
+                                        <p:attrNameLst>
+                                          <p:attrName>style.visibility</p:attrName>
+                                        </p:attrNameLst>
+                                      </p:cBhvr>
+                                      <p:to>
+                                        <p:strVal val="visible"/>
+                                      </p:to>
+                                    </p:set>
+                                  </p:childTnLst>
+                                </p:cTn>
+                              </p:par>
+                            </p:childTnLst>
+                          </p:cTn>
+                        </p:par>
+                      </p:childTnLst>
+                    </p:cTn>
+                  </p:par>
+                  <p:par>
+                    <p:cTn id="19" fill="hold">
+                      <p:stCondLst>
+                        <p:cond delay="indefinite"/>
+                      </p:stCondLst>
+                      <p:childTnLst>
+                        <p:par>
+                          <p:cTn id="20" fill="hold">
+                            <p:stCondLst>
+                              <p:cond delay="0"/>
+                            </p:stCondLst>
+                            <p:childTnLst>
+                              <p:par>
+                                <p:cTn id="21" presetID="1" presetClass="entr" presetSubtype="0" fill="hold" grpId="0" nodeType="clickEffect">
+                                  <p:stCondLst>
+                                    <p:cond delay="0"/>
+                                  </p:stCondLst>
+                                  <p:childTnLst>
+                                    <p:set>
+                                      <p:cBhvr>
+                                        <p:cTn id="22" dur="1" fill="hold">
+                                          <p:stCondLst>
+                                            <p:cond delay="0"/>
+                                          </p:stCondLst>
+                                        </p:cTn>
+                                        <p:tgtEl>
+                                          <p:spTgt spid="3">
+                                            <p:txEl>
+                                              <p:pRg st="4" end="4"/>
+                                            </p:txEl>
+                                          </p:spTgt>
+                                        </p:tgtEl>
+                                        <p:attrNameLst>
+                                          <p:attrName>style.visibility</p:attrName>
+                                        </p:attrNameLst>
+                                      </p:cBhvr>
+                                      <p:to>
+                                        <p:strVal val="visible"/>
+                                      </p:to>
+                                    </p:set>
+                                  </p:childTnLst>
+                                </p:cTn>
+                              </p:par>
+                            </p:childTnLst>
+                          </p:cTn>
+                        </p:par>
+                      </p:childTnLst>
+                    </p:cTn>
+                  </p:par>
+                  <p:par>
+                    <p:cTn id="23" fill="hold">
+                      <p:stCondLst>
+                        <p:cond delay="indefinite"/>
+                      </p:stCondLst>
+                      <p:childTnLst>
+                        <p:par>
+                          <p:cTn id="24" fill="hold">
+                            <p:stCondLst>
+                              <p:cond delay="0"/>
+                            </p:stCondLst>
+                            <p:childTnLst>
+                              <p:par>
+                                <p:cTn id="25" presetID="1" presetClass="entr" presetSubtype="0" fill="hold" grpId="0" nodeType="clickEffect">
+                                  <p:stCondLst>
+                                    <p:cond delay="0"/>
+                                  </p:stCondLst>
+                                  <p:childTnLst>
+                                    <p:set>
+                                      <p:cBhvr>
+                                        <p:cTn id="26" dur="1" fill="hold">
+                                          <p:stCondLst>
+                                            <p:cond delay="0"/>
+                                          </p:stCondLst>
+                                        </p:cTn>
+                                        <p:tgtEl>
+                                          <p:spTgt spid="3">
+                                            <p:txEl>
+                                              <p:pRg st="5" end="5"/>
+                                            </p:txEl>
+                                          </p:spTgt>
+                                        </p:tgtEl>
+                                        <p:attrNameLst>
+                                          <p:attrName>style.visibility</p:attrName>
+                                        </p:attrNameLst>
+                                      </p:cBhvr>
+                                      <p:to>
+                                        <p:strVal val="visible"/>
+                                      </p:to>
+                                    </p:set>
+                                  </p:childTnLst>
+                                </p:cTn>
+                              </p:par>
+                            </p:childTnLst>
+                          </p:cTn>
+                        </p:par>
+                      </p:childTnLst>
+                    </p:cTn>
+                  </p:par>
+                  <p:par>
+                    <p:cTn id="27" fill="hold">
+                      <p:stCondLst>
+                        <p:cond delay="indefinite"/>
+                      </p:stCondLst>
+                      <p:childTnLst>
+                        <p:par>
+                          <p:cTn id="28" fill="hold">
+                            <p:stCondLst>
+                              <p:cond delay="0"/>
+                            </p:stCondLst>
+                            <p:childTnLst>
+                              <p:par>
+                                <p:cTn id="29" presetID="1" presetClass="entr" presetSubtype="0" fill="hold" grpId="0" nodeType="clickEffect">
+                                  <p:stCondLst>
+                                    <p:cond delay="0"/>
+                                  </p:stCondLst>
+                                  <p:childTnLst>
+                                    <p:set>
+                                      <p:cBhvr>
+                                        <p:cTn id="30" dur="1" fill="hold">
+                                          <p:stCondLst>
+                                            <p:cond delay="0"/>
+                                          </p:stCondLst>
+                                        </p:cTn>
+                                        <p:tgtEl>
+                                          <p:spTgt spid="3">
+                                            <p:txEl>
+                                              <p:pRg st="6" end="6"/>
+                                            </p:txEl>
+                                          </p:spTgt>
+                                        </p:tgtEl>
+                                        <p:attrNameLst>
+                                          <p:attrName>style.visibility</p:attrName>
+                                        </p:attrNameLst>
+                                      </p:cBhvr>
+                                      <p:to>
+                                        <p:strVal val="visible"/>
+                                      </p:to>
+                                    </p:set>
+                                  </p:childTnLst>
+                                </p:cTn>
+                              </p:par>
+                            </p:childTnLst>
+                          </p:cTn>
+                        </p:par>
+                      </p:childTnLst>
+                    </p:cTn>
+                  </p:par>
+                </p:childTnLst>
+              </p:cTn>
+              <p:prevCondLst>
+                <p:cond evt="onPrev" delay="0">
+                  <p:tgtEl>
+                    <p:sldTgt/>
+                  </p:tgtEl>
+                </p:cond>
+              </p:prevCondLst>
+              <p:nextCondLst>
+                <p:cond evt="onNext" delay="0">
+                  <p:tgtEl>
+                    <p:sldTgt/>
+                  </p:tgtEl>
+                </p:cond>
+              </p:nextCondLst>
+            </p:seq>
+          </p:childTnLst>
+        </p:cTn>
       </p:par>
     </p:tnLst>
+    <p:bldLst>
+      <p:bldP spid="3" grpId="0" uiExpand="1" build="p"/>
+    </p:bldLst>
   </p:timing>
 </p:sld>
 </file>
@@ -4755,7 +8548,162 @@
   <p:timing>
     <p:tnLst>
       <p:par>
-        <p:cTn id="1" dur="indefinite" restart="never" nodeType="tmRoot"/>
+        <p:cTn id="1" dur="indefinite" restart="never" nodeType="tmRoot">
+          <p:childTnLst>
+            <p:seq concurrent="1" nextAc="seek">
+              <p:cTn id="2" dur="indefinite" nodeType="mainSeq">
+                <p:childTnLst>
+                  <p:par>
+                    <p:cTn id="3" fill="hold">
+                      <p:stCondLst>
+                        <p:cond delay="indefinite"/>
+                        <p:cond evt="onBegin" delay="0">
+                          <p:tn val="2"/>
+                        </p:cond>
+                      </p:stCondLst>
+                      <p:childTnLst>
+                        <p:par>
+                          <p:cTn id="4" fill="hold">
+                            <p:stCondLst>
+                              <p:cond delay="0"/>
+                            </p:stCondLst>
+                            <p:childTnLst>
+                              <p:par>
+                                <p:cTn id="5" presetID="1" presetClass="entr" presetSubtype="0" fill="hold" nodeType="withEffect">
+                                  <p:stCondLst>
+                                    <p:cond delay="0"/>
+                                  </p:stCondLst>
+                                  <p:childTnLst>
+                                    <p:set>
+                                      <p:cBhvr>
+                                        <p:cTn id="6" dur="1" fill="hold">
+                                          <p:stCondLst>
+                                            <p:cond delay="0"/>
+                                          </p:stCondLst>
+                                        </p:cTn>
+                                        <p:tgtEl>
+                                          <p:spTgt spid="3">
+                                            <p:txEl>
+                                              <p:pRg st="0" end="0"/>
+                                            </p:txEl>
+                                          </p:spTgt>
+                                        </p:tgtEl>
+                                        <p:attrNameLst>
+                                          <p:attrName>style.visibility</p:attrName>
+                                        </p:attrNameLst>
+                                      </p:cBhvr>
+                                      <p:to>
+                                        <p:strVal val="visible"/>
+                                      </p:to>
+                                    </p:set>
+                                  </p:childTnLst>
+                                </p:cTn>
+                              </p:par>
+                            </p:childTnLst>
+                          </p:cTn>
+                        </p:par>
+                      </p:childTnLst>
+                    </p:cTn>
+                  </p:par>
+                  <p:par>
+                    <p:cTn id="7" fill="hold">
+                      <p:stCondLst>
+                        <p:cond delay="indefinite"/>
+                      </p:stCondLst>
+                      <p:childTnLst>
+                        <p:par>
+                          <p:cTn id="8" fill="hold">
+                            <p:stCondLst>
+                              <p:cond delay="0"/>
+                            </p:stCondLst>
+                            <p:childTnLst>
+                              <p:par>
+                                <p:cTn id="9" presetID="1" presetClass="entr" presetSubtype="0" fill="hold" nodeType="clickEffect">
+                                  <p:stCondLst>
+                                    <p:cond delay="0"/>
+                                  </p:stCondLst>
+                                  <p:childTnLst>
+                                    <p:set>
+                                      <p:cBhvr>
+                                        <p:cTn id="10" dur="1" fill="hold">
+                                          <p:stCondLst>
+                                            <p:cond delay="0"/>
+                                          </p:stCondLst>
+                                        </p:cTn>
+                                        <p:tgtEl>
+                                          <p:spTgt spid="3">
+                                            <p:txEl>
+                                              <p:pRg st="2" end="2"/>
+                                            </p:txEl>
+                                          </p:spTgt>
+                                        </p:tgtEl>
+                                        <p:attrNameLst>
+                                          <p:attrName>style.visibility</p:attrName>
+                                        </p:attrNameLst>
+                                      </p:cBhvr>
+                                      <p:to>
+                                        <p:strVal val="visible"/>
+                                      </p:to>
+                                    </p:set>
+                                  </p:childTnLst>
+                                </p:cTn>
+                              </p:par>
+                              <p:par>
+                                <p:cTn id="11" presetID="1" presetClass="entr" presetSubtype="0" fill="hold" nodeType="withEffect">
+                                  <p:stCondLst>
+                                    <p:cond delay="0"/>
+                                  </p:stCondLst>
+                                  <p:childTnLst>
+                                    <p:set>
+                                      <p:cBhvr>
+                                        <p:cTn id="12" dur="1" fill="hold">
+                                          <p:stCondLst>
+                                            <p:cond delay="0"/>
+                                          </p:stCondLst>
+                                        </p:cTn>
+                                        <p:tgtEl>
+                                          <p:spTgt spid="3">
+                                            <p:txEl>
+                                              <p:pRg st="3" end="3"/>
+                                            </p:txEl>
+                                          </p:spTgt>
+                                        </p:tgtEl>
+                                        <p:attrNameLst>
+                                          <p:attrName>style.visibility</p:attrName>
+                                        </p:attrNameLst>
+                                      </p:cBhvr>
+                                      <p:to>
+                                        <p:strVal val="visible"/>
+                                      </p:to>
+                                    </p:set>
+                                  </p:childTnLst>
+                                </p:cTn>
+                              </p:par>
+                            </p:childTnLst>
+                          </p:cTn>
+                        </p:par>
+                      </p:childTnLst>
+                    </p:cTn>
+                  </p:par>
+                </p:childTnLst>
+              </p:cTn>
+              <p:prevCondLst>
+                <p:cond evt="onPrev" delay="0">
+                  <p:tgtEl>
+                    <p:sldTgt/>
+                  </p:tgtEl>
+                </p:cond>
+              </p:prevCondLst>
+              <p:nextCondLst>
+                <p:cond evt="onNext" delay="0">
+                  <p:tgtEl>
+                    <p:sldTgt/>
+                  </p:tgtEl>
+                </p:cond>
+              </p:nextCondLst>
+            </p:seq>
+          </p:childTnLst>
+        </p:cTn>
       </p:par>
     </p:tnLst>
   </p:timing>
@@ -5278,21 +9226,924 @@
             <p:ph idx="1"/>
           </p:nvPr>
         </p:nvSpPr>
-        <p:spPr/>
+        <p:spPr>
+          <a:xfrm>
+            <a:off x="381000" y="6267718"/>
+            <a:ext cx="8305800" cy="437882"/>
+          </a:xfrm>
+        </p:spPr>
         <p:txBody>
-          <a:bodyPr/>
+          <a:bodyPr>
+            <a:normAutofit/>
+          </a:bodyPr>
           <a:lstStyle/>
           <a:p>
             <a:r>
-              <a:rPr lang="en-US" dirty="0" smtClean="0"/>
-              <a:t>Weekly team-meet and work review.</a:t>
-            </a:r>
-          </a:p>
-          <a:p>
-            <a:endParaRPr lang="en-US" dirty="0"/>
+              <a:rPr lang="en-US" sz="1200" dirty="0" smtClean="0"/>
+              <a:t>Weekly </a:t>
+            </a:r>
+            <a:r>
+              <a:rPr lang="en-US" sz="1200" dirty="0"/>
+              <a:t>team-meet and work </a:t>
+            </a:r>
+            <a:r>
+              <a:rPr lang="en-US" sz="1200" dirty="0" smtClean="0"/>
+              <a:t>review - Not </a:t>
+            </a:r>
+            <a:r>
+              <a:rPr lang="en-US" sz="1200" dirty="0"/>
+              <a:t>strictly followed</a:t>
+            </a:r>
+            <a:r>
+              <a:rPr lang="en-US" sz="1200" dirty="0" smtClean="0"/>
+              <a:t>.</a:t>
+            </a:r>
+            <a:endParaRPr lang="en-US" sz="1200" dirty="0"/>
           </a:p>
         </p:txBody>
       </p:sp>
+      <p:graphicFrame>
+        <p:nvGraphicFramePr>
+          <p:cNvPr id="4" name="Table 3"/>
+          <p:cNvGraphicFramePr>
+            <a:graphicFrameLocks noGrp="1"/>
+          </p:cNvGraphicFramePr>
+          <p:nvPr>
+            <p:extLst>
+              <p:ext uri="{D42A27DB-BD31-4B8C-83A1-F6EECF244321}">
+                <p14:modId xmlns:p14="http://schemas.microsoft.com/office/powerpoint/2010/main" val="3016222695"/>
+              </p:ext>
+            </p:extLst>
+          </p:nvPr>
+        </p:nvGraphicFramePr>
+        <p:xfrm>
+          <a:off x="762000" y="1524000"/>
+          <a:ext cx="7543800" cy="4762725"/>
+        </p:xfrm>
+        <a:graphic>
+          <a:graphicData uri="http://schemas.openxmlformats.org/drawingml/2006/table">
+            <a:tbl>
+              <a:tblPr firstRow="1" bandRow="1">
+                <a:tableStyleId>{5C22544A-7EE6-4342-B048-85BDC9FD1C3A}</a:tableStyleId>
+              </a:tblPr>
+              <a:tblGrid>
+                <a:gridCol w="678942"/>
+                <a:gridCol w="3470148"/>
+                <a:gridCol w="1659636"/>
+                <a:gridCol w="1735074"/>
+              </a:tblGrid>
+              <a:tr h="447545">
+                <a:tc>
+                  <a:txBody>
+                    <a:bodyPr/>
+                    <a:lstStyle/>
+                    <a:p>
+                      <a:r>
+                        <a:rPr lang="en-US" sz="1400" dirty="0" err="1" smtClean="0"/>
+                        <a:t>S.No</a:t>
+                      </a:r>
+                      <a:r>
+                        <a:rPr lang="en-US" sz="1400" dirty="0" smtClean="0"/>
+                        <a:t>.</a:t>
+                      </a:r>
+                      <a:endParaRPr lang="en-US" sz="1400" dirty="0"/>
+                    </a:p>
+                  </a:txBody>
+                  <a:tcPr/>
+                </a:tc>
+                <a:tc>
+                  <a:txBody>
+                    <a:bodyPr/>
+                    <a:lstStyle/>
+                    <a:p>
+                      <a:r>
+                        <a:rPr lang="en-US" sz="1600" dirty="0" smtClean="0"/>
+                        <a:t>Milestone</a:t>
+                      </a:r>
+                      <a:endParaRPr lang="en-US" sz="1600" dirty="0"/>
+                    </a:p>
+                  </a:txBody>
+                  <a:tcPr/>
+                </a:tc>
+                <a:tc>
+                  <a:txBody>
+                    <a:bodyPr/>
+                    <a:lstStyle/>
+                    <a:p>
+                      <a:r>
+                        <a:rPr lang="en-US" sz="1600" dirty="0" err="1" smtClean="0"/>
+                        <a:t>Alloted</a:t>
+                      </a:r>
+                      <a:r>
+                        <a:rPr lang="en-US" sz="1600" dirty="0" smtClean="0"/>
+                        <a:t> to</a:t>
+                      </a:r>
+                      <a:endParaRPr lang="en-US" sz="1600" dirty="0"/>
+                    </a:p>
+                  </a:txBody>
+                  <a:tcPr/>
+                </a:tc>
+                <a:tc>
+                  <a:txBody>
+                    <a:bodyPr/>
+                    <a:lstStyle/>
+                    <a:p>
+                      <a:r>
+                        <a:rPr lang="en-US" sz="1600" dirty="0" smtClean="0"/>
+                        <a:t>Completed On</a:t>
+                      </a:r>
+                      <a:endParaRPr lang="en-US" sz="1600" dirty="0"/>
+                    </a:p>
+                  </a:txBody>
+                  <a:tcPr/>
+                </a:tc>
+              </a:tr>
+              <a:tr h="373606">
+                <a:tc>
+                  <a:txBody>
+                    <a:bodyPr/>
+                    <a:lstStyle/>
+                    <a:p>
+                      <a:r>
+                        <a:rPr lang="en-US" sz="1600" dirty="0" smtClean="0"/>
+                        <a:t>1.</a:t>
+                      </a:r>
+                      <a:endParaRPr lang="en-US" sz="1600" dirty="0"/>
+                    </a:p>
+                  </a:txBody>
+                  <a:tcPr/>
+                </a:tc>
+                <a:tc>
+                  <a:txBody>
+                    <a:bodyPr/>
+                    <a:lstStyle/>
+                    <a:p>
+                      <a:r>
+                        <a:rPr lang="en-US" sz="1600" dirty="0" smtClean="0"/>
+                        <a:t>Project</a:t>
+                      </a:r>
+                      <a:r>
+                        <a:rPr lang="en-US" sz="1600" baseline="0" dirty="0" smtClean="0"/>
+                        <a:t> Presentation</a:t>
+                      </a:r>
+                      <a:endParaRPr lang="en-US" sz="1600" dirty="0"/>
+                    </a:p>
+                  </a:txBody>
+                  <a:tcPr/>
+                </a:tc>
+                <a:tc>
+                  <a:txBody>
+                    <a:bodyPr/>
+                    <a:lstStyle/>
+                    <a:p>
+                      <a:r>
+                        <a:rPr lang="en-US" sz="1600" dirty="0" err="1" smtClean="0"/>
+                        <a:t>Vinod</a:t>
+                      </a:r>
+                      <a:r>
+                        <a:rPr lang="en-US" sz="1600" dirty="0" smtClean="0"/>
+                        <a:t>,</a:t>
+                      </a:r>
+                      <a:r>
+                        <a:rPr lang="en-US" sz="1600" baseline="0" dirty="0" smtClean="0"/>
+                        <a:t> </a:t>
+                      </a:r>
+                      <a:r>
+                        <a:rPr lang="en-US" sz="1600" baseline="0" dirty="0" err="1" smtClean="0"/>
+                        <a:t>Hasan</a:t>
+                      </a:r>
+                      <a:endParaRPr lang="en-US" sz="1600" dirty="0"/>
+                    </a:p>
+                  </a:txBody>
+                  <a:tcPr/>
+                </a:tc>
+                <a:tc>
+                  <a:txBody>
+                    <a:bodyPr/>
+                    <a:lstStyle/>
+                    <a:p>
+                      <a:r>
+                        <a:rPr lang="en-US" sz="1600" dirty="0" smtClean="0"/>
+                        <a:t>7</a:t>
+                      </a:r>
+                      <a:r>
+                        <a:rPr lang="en-US" sz="1600" baseline="30000" dirty="0" smtClean="0"/>
+                        <a:t>th</a:t>
+                      </a:r>
+                      <a:r>
+                        <a:rPr lang="en-US" sz="1600" dirty="0" smtClean="0"/>
+                        <a:t> March</a:t>
+                      </a:r>
+                      <a:endParaRPr lang="en-US" sz="1600" dirty="0"/>
+                    </a:p>
+                  </a:txBody>
+                  <a:tcPr/>
+                </a:tc>
+              </a:tr>
+              <a:tr h="373606">
+                <a:tc>
+                  <a:txBody>
+                    <a:bodyPr/>
+                    <a:lstStyle/>
+                    <a:p>
+                      <a:r>
+                        <a:rPr lang="en-US" sz="1600" dirty="0" smtClean="0"/>
+                        <a:t>2.</a:t>
+                      </a:r>
+                      <a:endParaRPr lang="en-US" sz="1600" dirty="0"/>
+                    </a:p>
+                  </a:txBody>
+                  <a:tcPr/>
+                </a:tc>
+                <a:tc>
+                  <a:txBody>
+                    <a:bodyPr/>
+                    <a:lstStyle/>
+                    <a:p>
+                      <a:r>
+                        <a:rPr lang="en-US" sz="1600" dirty="0" smtClean="0"/>
+                        <a:t>Identifying</a:t>
+                      </a:r>
+                      <a:r>
+                        <a:rPr lang="en-US" sz="1600" baseline="0" dirty="0" smtClean="0"/>
+                        <a:t> modules and allotment</a:t>
+                      </a:r>
+                      <a:endParaRPr lang="en-US" sz="1600" dirty="0"/>
+                    </a:p>
+                  </a:txBody>
+                  <a:tcPr/>
+                </a:tc>
+                <a:tc>
+                  <a:txBody>
+                    <a:bodyPr/>
+                    <a:lstStyle/>
+                    <a:p>
+                      <a:r>
+                        <a:rPr lang="en-US" sz="1600" dirty="0" smtClean="0"/>
+                        <a:t>All</a:t>
+                      </a:r>
+                      <a:endParaRPr lang="en-US" sz="1600" dirty="0"/>
+                    </a:p>
+                  </a:txBody>
+                  <a:tcPr/>
+                </a:tc>
+                <a:tc>
+                  <a:txBody>
+                    <a:bodyPr/>
+                    <a:lstStyle/>
+                    <a:p>
+                      <a:r>
+                        <a:rPr lang="en-US" sz="1600" dirty="0" smtClean="0"/>
+                        <a:t>16</a:t>
+                      </a:r>
+                      <a:r>
+                        <a:rPr lang="en-US" sz="1600" baseline="30000" dirty="0" smtClean="0"/>
+                        <a:t>th</a:t>
+                      </a:r>
+                      <a:r>
+                        <a:rPr lang="en-US" sz="1600" dirty="0" smtClean="0"/>
+                        <a:t> March</a:t>
+                      </a:r>
+                      <a:endParaRPr lang="en-US" sz="1600" dirty="0"/>
+                    </a:p>
+                  </a:txBody>
+                  <a:tcPr/>
+                </a:tc>
+              </a:tr>
+              <a:tr h="373606">
+                <a:tc>
+                  <a:txBody>
+                    <a:bodyPr/>
+                    <a:lstStyle/>
+                    <a:p>
+                      <a:r>
+                        <a:rPr lang="en-US" sz="1600" dirty="0" smtClean="0"/>
+                        <a:t>3.</a:t>
+                      </a:r>
+                      <a:endParaRPr lang="en-US" sz="1600" dirty="0"/>
+                    </a:p>
+                  </a:txBody>
+                  <a:tcPr/>
+                </a:tc>
+                <a:tc>
+                  <a:txBody>
+                    <a:bodyPr/>
+                    <a:lstStyle/>
+                    <a:p>
+                      <a:r>
+                        <a:rPr lang="en-US" sz="1600" dirty="0" smtClean="0"/>
+                        <a:t>Setting up the Wi-Fi</a:t>
+                      </a:r>
+                      <a:r>
+                        <a:rPr lang="en-US" sz="1600" baseline="0" dirty="0" smtClean="0"/>
+                        <a:t> Camera</a:t>
+                      </a:r>
+                      <a:endParaRPr lang="en-US" sz="1600" dirty="0"/>
+                    </a:p>
+                  </a:txBody>
+                  <a:tcPr/>
+                </a:tc>
+                <a:tc>
+                  <a:txBody>
+                    <a:bodyPr/>
+                    <a:lstStyle/>
+                    <a:p>
+                      <a:r>
+                        <a:rPr lang="en-US" sz="1600" dirty="0" err="1" smtClean="0"/>
+                        <a:t>Hasan</a:t>
+                      </a:r>
+                      <a:endParaRPr lang="en-US" sz="1600" dirty="0"/>
+                    </a:p>
+                  </a:txBody>
+                  <a:tcPr/>
+                </a:tc>
+                <a:tc>
+                  <a:txBody>
+                    <a:bodyPr/>
+                    <a:lstStyle/>
+                    <a:p>
+                      <a:r>
+                        <a:rPr lang="en-US" sz="1600" dirty="0" smtClean="0"/>
+                        <a:t>29</a:t>
+                      </a:r>
+                      <a:r>
+                        <a:rPr lang="en-US" sz="1600" baseline="30000" dirty="0" smtClean="0"/>
+                        <a:t>th</a:t>
+                      </a:r>
+                      <a:r>
+                        <a:rPr lang="en-US" sz="1600" dirty="0" smtClean="0"/>
+                        <a:t> March</a:t>
+                      </a:r>
+                      <a:endParaRPr lang="en-US" sz="1600" dirty="0"/>
+                    </a:p>
+                  </a:txBody>
+                  <a:tcPr/>
+                </a:tc>
+              </a:tr>
+              <a:tr h="373606">
+                <a:tc>
+                  <a:txBody>
+                    <a:bodyPr/>
+                    <a:lstStyle/>
+                    <a:p>
+                      <a:r>
+                        <a:rPr lang="en-US" sz="1600" dirty="0" smtClean="0"/>
+                        <a:t>4.</a:t>
+                      </a:r>
+                      <a:endParaRPr lang="en-US" sz="1600" dirty="0"/>
+                    </a:p>
+                  </a:txBody>
+                  <a:tcPr/>
+                </a:tc>
+                <a:tc>
+                  <a:txBody>
+                    <a:bodyPr/>
+                    <a:lstStyle/>
+                    <a:p>
+                      <a:r>
+                        <a:rPr lang="en-US" sz="1600" dirty="0" smtClean="0"/>
+                        <a:t>Received</a:t>
+                      </a:r>
+                      <a:r>
+                        <a:rPr lang="en-US" sz="1600" baseline="0" dirty="0" smtClean="0"/>
+                        <a:t> our order for Bluetooth module</a:t>
+                      </a:r>
+                      <a:endParaRPr lang="en-US" sz="1600" dirty="0"/>
+                    </a:p>
+                  </a:txBody>
+                  <a:tcPr/>
+                </a:tc>
+                <a:tc>
+                  <a:txBody>
+                    <a:bodyPr/>
+                    <a:lstStyle/>
+                    <a:p>
+                      <a:endParaRPr lang="en-US" sz="1600" dirty="0"/>
+                    </a:p>
+                  </a:txBody>
+                  <a:tcPr/>
+                </a:tc>
+                <a:tc>
+                  <a:txBody>
+                    <a:bodyPr/>
+                    <a:lstStyle/>
+                    <a:p>
+                      <a:r>
+                        <a:rPr lang="en-US" sz="1600" dirty="0" smtClean="0"/>
+                        <a:t>3</a:t>
+                      </a:r>
+                      <a:r>
+                        <a:rPr lang="en-US" sz="1600" baseline="30000" dirty="0" smtClean="0"/>
+                        <a:t>rd</a:t>
+                      </a:r>
+                      <a:r>
+                        <a:rPr lang="en-US" sz="1600" dirty="0" smtClean="0"/>
+                        <a:t> April</a:t>
+                      </a:r>
+                      <a:endParaRPr lang="en-US" sz="1600" dirty="0"/>
+                    </a:p>
+                  </a:txBody>
+                  <a:tcPr/>
+                </a:tc>
+              </a:tr>
+              <a:tr h="373606">
+                <a:tc>
+                  <a:txBody>
+                    <a:bodyPr/>
+                    <a:lstStyle/>
+                    <a:p>
+                      <a:r>
+                        <a:rPr lang="en-US" sz="1600" dirty="0" smtClean="0"/>
+                        <a:t>5.</a:t>
+                      </a:r>
+                      <a:endParaRPr lang="en-US" sz="1600" dirty="0"/>
+                    </a:p>
+                  </a:txBody>
+                  <a:tcPr/>
+                </a:tc>
+                <a:tc>
+                  <a:txBody>
+                    <a:bodyPr/>
+                    <a:lstStyle/>
+                    <a:p>
+                      <a:r>
+                        <a:rPr lang="en-US" sz="1600" dirty="0" smtClean="0"/>
+                        <a:t>Android  Application</a:t>
+                      </a:r>
+                      <a:endParaRPr lang="en-US" sz="1600" dirty="0"/>
+                    </a:p>
+                  </a:txBody>
+                  <a:tcPr/>
+                </a:tc>
+                <a:tc>
+                  <a:txBody>
+                    <a:bodyPr/>
+                    <a:lstStyle/>
+                    <a:p>
+                      <a:r>
+                        <a:rPr lang="en-US" sz="1600" dirty="0" err="1" smtClean="0"/>
+                        <a:t>Hasan</a:t>
+                      </a:r>
+                      <a:endParaRPr lang="en-US" sz="1600" dirty="0"/>
+                    </a:p>
+                  </a:txBody>
+                  <a:tcPr/>
+                </a:tc>
+                <a:tc>
+                  <a:txBody>
+                    <a:bodyPr/>
+                    <a:lstStyle/>
+                    <a:p>
+                      <a:r>
+                        <a:rPr lang="en-US" sz="1600" dirty="0" smtClean="0"/>
+                        <a:t>7</a:t>
+                      </a:r>
+                      <a:r>
+                        <a:rPr lang="en-US" sz="1600" baseline="30000" dirty="0" smtClean="0"/>
+                        <a:t>th</a:t>
+                      </a:r>
+                      <a:r>
+                        <a:rPr lang="en-US" sz="1600" dirty="0" smtClean="0"/>
+                        <a:t> April</a:t>
+                      </a:r>
+                      <a:endParaRPr lang="en-US" sz="1600" dirty="0"/>
+                    </a:p>
+                  </a:txBody>
+                  <a:tcPr/>
+                </a:tc>
+              </a:tr>
+              <a:tr h="373606">
+                <a:tc>
+                  <a:txBody>
+                    <a:bodyPr/>
+                    <a:lstStyle/>
+                    <a:p>
+                      <a:r>
+                        <a:rPr lang="en-US" sz="1600" dirty="0" smtClean="0"/>
+                        <a:t>6.</a:t>
+                      </a:r>
+                      <a:r>
+                        <a:rPr lang="en-US" sz="1600" baseline="0" dirty="0" smtClean="0"/>
+                        <a:t> </a:t>
+                      </a:r>
+                      <a:endParaRPr lang="en-US" sz="1600" dirty="0"/>
+                    </a:p>
+                  </a:txBody>
+                  <a:tcPr/>
+                </a:tc>
+                <a:tc>
+                  <a:txBody>
+                    <a:bodyPr/>
+                    <a:lstStyle/>
+                    <a:p>
+                      <a:r>
+                        <a:rPr lang="en-US" sz="1600" dirty="0" smtClean="0"/>
+                        <a:t>Image Processing Code</a:t>
+                      </a:r>
+                      <a:endParaRPr lang="en-US" sz="1600" dirty="0"/>
+                    </a:p>
+                  </a:txBody>
+                  <a:tcPr/>
+                </a:tc>
+                <a:tc>
+                  <a:txBody>
+                    <a:bodyPr/>
+                    <a:lstStyle/>
+                    <a:p>
+                      <a:r>
+                        <a:rPr lang="en-US" sz="1600" dirty="0" err="1" smtClean="0"/>
+                        <a:t>Vinod</a:t>
+                      </a:r>
+                      <a:endParaRPr lang="en-US" sz="1600" dirty="0"/>
+                    </a:p>
+                  </a:txBody>
+                  <a:tcPr/>
+                </a:tc>
+                <a:tc>
+                  <a:txBody>
+                    <a:bodyPr/>
+                    <a:lstStyle/>
+                    <a:p>
+                      <a:r>
+                        <a:rPr lang="en-US" sz="1600" dirty="0" smtClean="0"/>
+                        <a:t>9</a:t>
+                      </a:r>
+                      <a:r>
+                        <a:rPr lang="en-US" sz="1600" baseline="30000" dirty="0" smtClean="0"/>
+                        <a:t>th</a:t>
+                      </a:r>
+                      <a:r>
+                        <a:rPr lang="en-US" sz="1600" dirty="0" smtClean="0"/>
+                        <a:t> April</a:t>
+                      </a:r>
+                      <a:endParaRPr lang="en-US" sz="1600" dirty="0"/>
+                    </a:p>
+                  </a:txBody>
+                  <a:tcPr/>
+                </a:tc>
+              </a:tr>
+              <a:tr h="373606">
+                <a:tc>
+                  <a:txBody>
+                    <a:bodyPr/>
+                    <a:lstStyle/>
+                    <a:p>
+                      <a:r>
+                        <a:rPr lang="en-US" sz="1600" dirty="0" smtClean="0"/>
+                        <a:t>7.</a:t>
+                      </a:r>
+                      <a:endParaRPr lang="en-US" sz="1600" dirty="0"/>
+                    </a:p>
+                  </a:txBody>
+                  <a:tcPr/>
+                </a:tc>
+                <a:tc>
+                  <a:txBody>
+                    <a:bodyPr/>
+                    <a:lstStyle/>
+                    <a:p>
+                      <a:r>
+                        <a:rPr lang="en-US" sz="1600" dirty="0" smtClean="0"/>
+                        <a:t>Firebird  Application Logic</a:t>
+                      </a:r>
+                      <a:endParaRPr lang="en-US" sz="1600" dirty="0"/>
+                    </a:p>
+                  </a:txBody>
+                  <a:tcPr/>
+                </a:tc>
+                <a:tc>
+                  <a:txBody>
+                    <a:bodyPr/>
+                    <a:lstStyle/>
+                    <a:p>
+                      <a:r>
+                        <a:rPr lang="en-US" sz="1600" dirty="0" err="1" smtClean="0"/>
+                        <a:t>Bhanu</a:t>
+                      </a:r>
+                      <a:endParaRPr lang="en-US" sz="1600" dirty="0"/>
+                    </a:p>
+                  </a:txBody>
+                  <a:tcPr/>
+                </a:tc>
+                <a:tc>
+                  <a:txBody>
+                    <a:bodyPr/>
+                    <a:lstStyle/>
+                    <a:p>
+                      <a:r>
+                        <a:rPr lang="en-US" sz="1600" dirty="0" smtClean="0"/>
+                        <a:t>8</a:t>
+                      </a:r>
+                      <a:r>
+                        <a:rPr lang="en-US" sz="1600" baseline="30000" dirty="0" smtClean="0"/>
+                        <a:t>th</a:t>
+                      </a:r>
+                      <a:r>
+                        <a:rPr lang="en-US" sz="1600" dirty="0" smtClean="0"/>
+                        <a:t> April</a:t>
+                      </a:r>
+                      <a:endParaRPr lang="en-US" sz="1600" dirty="0"/>
+                    </a:p>
+                  </a:txBody>
+                  <a:tcPr/>
+                </a:tc>
+              </a:tr>
+              <a:tr h="373606">
+                <a:tc>
+                  <a:txBody>
+                    <a:bodyPr/>
+                    <a:lstStyle/>
+                    <a:p>
+                      <a:r>
+                        <a:rPr lang="en-US" sz="1600" dirty="0" smtClean="0"/>
+                        <a:t>8.</a:t>
+                      </a:r>
+                      <a:endParaRPr lang="en-US" sz="1600" dirty="0"/>
+                    </a:p>
+                  </a:txBody>
+                  <a:tcPr/>
+                </a:tc>
+                <a:tc>
+                  <a:txBody>
+                    <a:bodyPr/>
+                    <a:lstStyle/>
+                    <a:p>
+                      <a:r>
+                        <a:rPr lang="en-US" sz="1600" dirty="0" smtClean="0"/>
+                        <a:t>Fixing Arm on Bot</a:t>
+                      </a:r>
+                      <a:endParaRPr lang="en-US" sz="1600" dirty="0"/>
+                    </a:p>
+                  </a:txBody>
+                  <a:tcPr/>
+                </a:tc>
+                <a:tc>
+                  <a:txBody>
+                    <a:bodyPr/>
+                    <a:lstStyle/>
+                    <a:p>
+                      <a:r>
+                        <a:rPr lang="en-US" sz="1600" dirty="0" err="1" smtClean="0"/>
+                        <a:t>Avinash</a:t>
+                      </a:r>
+                      <a:endParaRPr lang="en-US" sz="1600" dirty="0"/>
+                    </a:p>
+                  </a:txBody>
+                  <a:tcPr/>
+                </a:tc>
+                <a:tc>
+                  <a:txBody>
+                    <a:bodyPr/>
+                    <a:lstStyle/>
+                    <a:p>
+                      <a:r>
+                        <a:rPr lang="en-US" sz="1600" dirty="0" smtClean="0"/>
+                        <a:t>9</a:t>
+                      </a:r>
+                      <a:r>
+                        <a:rPr lang="en-US" sz="1600" baseline="30000" dirty="0" smtClean="0"/>
+                        <a:t>th</a:t>
+                      </a:r>
+                      <a:r>
+                        <a:rPr lang="en-US" sz="1600" dirty="0" smtClean="0"/>
+                        <a:t> April</a:t>
+                      </a:r>
+                      <a:endParaRPr lang="en-US" sz="1600" dirty="0"/>
+                    </a:p>
+                  </a:txBody>
+                  <a:tcPr/>
+                </a:tc>
+              </a:tr>
+              <a:tr h="373606">
+                <a:tc>
+                  <a:txBody>
+                    <a:bodyPr/>
+                    <a:lstStyle/>
+                    <a:p>
+                      <a:r>
+                        <a:rPr lang="en-US" sz="1600" dirty="0" smtClean="0"/>
+                        <a:t>9.</a:t>
+                      </a:r>
+                      <a:endParaRPr lang="en-US" sz="1600" dirty="0"/>
+                    </a:p>
+                  </a:txBody>
+                  <a:tcPr/>
+                </a:tc>
+                <a:tc>
+                  <a:txBody>
+                    <a:bodyPr/>
+                    <a:lstStyle/>
+                    <a:p>
+                      <a:r>
+                        <a:rPr lang="en-US" sz="1600" dirty="0" smtClean="0"/>
+                        <a:t>Bluetooth</a:t>
+                      </a:r>
+                      <a:r>
+                        <a:rPr lang="en-US" sz="1600" baseline="0" dirty="0" smtClean="0"/>
+                        <a:t> Transmission</a:t>
+                      </a:r>
+                      <a:endParaRPr lang="en-US" sz="1600" dirty="0"/>
+                    </a:p>
+                  </a:txBody>
+                  <a:tcPr/>
+                </a:tc>
+                <a:tc>
+                  <a:txBody>
+                    <a:bodyPr/>
+                    <a:lstStyle/>
+                    <a:p>
+                      <a:r>
+                        <a:rPr lang="en-US" sz="1600" dirty="0" err="1" smtClean="0"/>
+                        <a:t>Avinash</a:t>
+                      </a:r>
+                      <a:r>
+                        <a:rPr lang="en-US" sz="1600" dirty="0" smtClean="0"/>
+                        <a:t>, </a:t>
+                      </a:r>
+                      <a:r>
+                        <a:rPr lang="en-US" sz="1600" dirty="0" err="1" smtClean="0"/>
+                        <a:t>Hasan</a:t>
+                      </a:r>
+                      <a:endParaRPr lang="en-US" sz="1600" dirty="0"/>
+                    </a:p>
+                  </a:txBody>
+                  <a:tcPr/>
+                </a:tc>
+                <a:tc>
+                  <a:txBody>
+                    <a:bodyPr/>
+                    <a:lstStyle/>
+                    <a:p>
+                      <a:r>
+                        <a:rPr lang="en-US" sz="1600" dirty="0" smtClean="0"/>
+                        <a:t>10</a:t>
+                      </a:r>
+                      <a:r>
+                        <a:rPr lang="en-US" sz="1600" baseline="30000" dirty="0" smtClean="0"/>
+                        <a:t>th</a:t>
+                      </a:r>
+                      <a:r>
+                        <a:rPr lang="en-US" sz="1600" dirty="0" smtClean="0"/>
+                        <a:t> April</a:t>
+                      </a:r>
+                      <a:endParaRPr lang="en-US" sz="1600" dirty="0"/>
+                    </a:p>
+                  </a:txBody>
+                  <a:tcPr/>
+                </a:tc>
+              </a:tr>
+              <a:tr h="373606">
+                <a:tc>
+                  <a:txBody>
+                    <a:bodyPr/>
+                    <a:lstStyle/>
+                    <a:p>
+                      <a:r>
+                        <a:rPr lang="en-US" sz="1600" dirty="0" smtClean="0"/>
+                        <a:t>10.</a:t>
+                      </a:r>
+                      <a:endParaRPr lang="en-US" sz="1600" dirty="0"/>
+                    </a:p>
+                  </a:txBody>
+                  <a:tcPr/>
+                </a:tc>
+                <a:tc>
+                  <a:txBody>
+                    <a:bodyPr/>
+                    <a:lstStyle/>
+                    <a:p>
+                      <a:r>
+                        <a:rPr lang="en-US" sz="1600" dirty="0" smtClean="0"/>
+                        <a:t>Bluetooth</a:t>
+                      </a:r>
+                      <a:r>
+                        <a:rPr lang="en-US" sz="1600" baseline="0" dirty="0" smtClean="0"/>
+                        <a:t> Receiving</a:t>
+                      </a:r>
+                      <a:endParaRPr lang="en-US" sz="1600" dirty="0"/>
+                    </a:p>
+                  </a:txBody>
+                  <a:tcPr/>
+                </a:tc>
+                <a:tc>
+                  <a:txBody>
+                    <a:bodyPr/>
+                    <a:lstStyle/>
+                    <a:p>
+                      <a:r>
+                        <a:rPr lang="en-US" sz="1600" dirty="0" err="1" smtClean="0"/>
+                        <a:t>Bhanu</a:t>
+                      </a:r>
+                      <a:r>
+                        <a:rPr lang="en-US" sz="1600" dirty="0" smtClean="0"/>
+                        <a:t>, </a:t>
+                      </a:r>
+                      <a:r>
+                        <a:rPr lang="en-US" sz="1600" dirty="0" err="1" smtClean="0"/>
+                        <a:t>Vinod</a:t>
+                      </a:r>
+                      <a:endParaRPr lang="en-US" sz="1600" dirty="0"/>
+                    </a:p>
+                  </a:txBody>
+                  <a:tcPr/>
+                </a:tc>
+                <a:tc>
+                  <a:txBody>
+                    <a:bodyPr/>
+                    <a:lstStyle/>
+                    <a:p>
+                      <a:r>
+                        <a:rPr lang="en-US" sz="1600" dirty="0" smtClean="0"/>
+                        <a:t>10</a:t>
+                      </a:r>
+                      <a:r>
+                        <a:rPr lang="en-US" sz="1600" baseline="30000" dirty="0" smtClean="0"/>
+                        <a:t>th</a:t>
+                      </a:r>
+                      <a:r>
+                        <a:rPr lang="en-US" sz="1600" dirty="0" smtClean="0"/>
+                        <a:t> April</a:t>
+                      </a:r>
+                      <a:endParaRPr lang="en-US" sz="1600" dirty="0"/>
+                    </a:p>
+                  </a:txBody>
+                  <a:tcPr/>
+                </a:tc>
+              </a:tr>
+              <a:tr h="373606">
+                <a:tc>
+                  <a:txBody>
+                    <a:bodyPr/>
+                    <a:lstStyle/>
+                    <a:p>
+                      <a:r>
+                        <a:rPr lang="en-US" sz="1600" dirty="0" smtClean="0"/>
+                        <a:t>11.</a:t>
+                      </a:r>
+                      <a:endParaRPr lang="en-US" sz="1600" dirty="0"/>
+                    </a:p>
+                  </a:txBody>
+                  <a:tcPr/>
+                </a:tc>
+                <a:tc>
+                  <a:txBody>
+                    <a:bodyPr/>
+                    <a:lstStyle/>
+                    <a:p>
+                      <a:r>
+                        <a:rPr lang="en-US" sz="1600" dirty="0" smtClean="0"/>
+                        <a:t>Project</a:t>
+                      </a:r>
+                      <a:r>
+                        <a:rPr lang="en-US" sz="1600" baseline="0" dirty="0" smtClean="0"/>
+                        <a:t> Integration</a:t>
+                      </a:r>
+                      <a:endParaRPr lang="en-US" sz="1600" dirty="0"/>
+                    </a:p>
+                  </a:txBody>
+                  <a:tcPr/>
+                </a:tc>
+                <a:tc>
+                  <a:txBody>
+                    <a:bodyPr/>
+                    <a:lstStyle/>
+                    <a:p>
+                      <a:r>
+                        <a:rPr lang="en-US" sz="1600" dirty="0" smtClean="0"/>
+                        <a:t>All</a:t>
+                      </a:r>
+                      <a:endParaRPr lang="en-US" sz="1600" dirty="0"/>
+                    </a:p>
+                  </a:txBody>
+                  <a:tcPr/>
+                </a:tc>
+                <a:tc>
+                  <a:txBody>
+                    <a:bodyPr/>
+                    <a:lstStyle/>
+                    <a:p>
+                      <a:r>
+                        <a:rPr lang="en-US" sz="1600" dirty="0" smtClean="0"/>
+                        <a:t>11</a:t>
+                      </a:r>
+                      <a:r>
+                        <a:rPr lang="en-US" sz="1600" baseline="30000" dirty="0" smtClean="0"/>
+                        <a:t>th</a:t>
+                      </a:r>
+                      <a:r>
+                        <a:rPr lang="en-US" sz="1600" dirty="0" smtClean="0"/>
+                        <a:t> April</a:t>
+                      </a:r>
+                      <a:endParaRPr lang="en-US" sz="1600" dirty="0"/>
+                    </a:p>
+                  </a:txBody>
+                  <a:tcPr/>
+                </a:tc>
+              </a:tr>
+            </a:tbl>
+          </a:graphicData>
+        </a:graphic>
+      </p:graphicFrame>
     </p:spTree>
     <p:extLst>
       <p:ext uri="{BB962C8B-B14F-4D97-AF65-F5344CB8AC3E}">
@@ -5307,6 +10158,2350 @@
     <p:tnLst>
       <p:par>
         <p:cTn id="1" dur="indefinite" restart="never" nodeType="tmRoot"/>
+      </p:par>
+    </p:tnLst>
+  </p:timing>
+</p:sld>
+</file>
+
+<file path=ppt/slides/slide6.xml><?xml version="1.0" encoding="utf-8"?>
+<p:sld xmlns:a="http://schemas.openxmlformats.org/drawingml/2006/main" xmlns:r="http://schemas.openxmlformats.org/officeDocument/2006/relationships" xmlns:p="http://schemas.openxmlformats.org/presentationml/2006/main">
+  <p:cSld>
+    <p:spTree>
+      <p:nvGrpSpPr>
+        <p:cNvPr id="1" name=""/>
+        <p:cNvGrpSpPr/>
+        <p:nvPr/>
+      </p:nvGrpSpPr>
+      <p:grpSpPr>
+        <a:xfrm>
+          <a:off x="0" y="0"/>
+          <a:ext cx="0" cy="0"/>
+          <a:chOff x="0" y="0"/>
+          <a:chExt cx="0" cy="0"/>
+        </a:xfrm>
+      </p:grpSpPr>
+      <p:sp>
+        <p:nvSpPr>
+          <p:cNvPr id="2" name="Title 1"/>
+          <p:cNvSpPr>
+            <a:spLocks noGrp="1"/>
+          </p:cNvSpPr>
+          <p:nvPr>
+            <p:ph type="title"/>
+          </p:nvPr>
+        </p:nvSpPr>
+        <p:spPr/>
+        <p:txBody>
+          <a:bodyPr/>
+          <a:lstStyle/>
+          <a:p>
+            <a:r>
+              <a:rPr lang="en-US" dirty="0" smtClean="0"/>
+              <a:t>Finite State Machine</a:t>
+            </a:r>
+            <a:endParaRPr lang="en-US" dirty="0"/>
+          </a:p>
+        </p:txBody>
+      </p:sp>
+      <p:sp>
+        <p:nvSpPr>
+          <p:cNvPr id="3" name="Content Placeholder 2"/>
+          <p:cNvSpPr>
+            <a:spLocks noGrp="1"/>
+          </p:cNvSpPr>
+          <p:nvPr>
+            <p:ph idx="1"/>
+          </p:nvPr>
+        </p:nvSpPr>
+        <p:spPr/>
+        <p:txBody>
+          <a:bodyPr/>
+          <a:lstStyle/>
+          <a:p>
+            <a:r>
+              <a:rPr lang="en-US" dirty="0" smtClean="0"/>
+              <a:t>Do Animation</a:t>
+            </a:r>
+            <a:endParaRPr lang="en-US" dirty="0"/>
+          </a:p>
+        </p:txBody>
+      </p:sp>
+    </p:spTree>
+    <p:extLst>
+      <p:ext uri="{BB962C8B-B14F-4D97-AF65-F5344CB8AC3E}">
+        <p14:creationId xmlns:p14="http://schemas.microsoft.com/office/powerpoint/2010/main" val="2680238254"/>
+      </p:ext>
+    </p:extLst>
+  </p:cSld>
+  <p:clrMapOvr>
+    <a:masterClrMapping/>
+  </p:clrMapOvr>
+  <p:timing>
+    <p:tnLst>
+      <p:par>
+        <p:cTn id="1" dur="indefinite" restart="never" nodeType="tmRoot"/>
+      </p:par>
+    </p:tnLst>
+  </p:timing>
+</p:sld>
+</file>
+
+<file path=ppt/slides/slide7.xml><?xml version="1.0" encoding="utf-8"?>
+<p:sld xmlns:a="http://schemas.openxmlformats.org/drawingml/2006/main" xmlns:r="http://schemas.openxmlformats.org/officeDocument/2006/relationships" xmlns:p="http://schemas.openxmlformats.org/presentationml/2006/main">
+  <p:cSld>
+    <p:spTree>
+      <p:nvGrpSpPr>
+        <p:cNvPr id="1" name=""/>
+        <p:cNvGrpSpPr/>
+        <p:nvPr/>
+      </p:nvGrpSpPr>
+      <p:grpSpPr>
+        <a:xfrm>
+          <a:off x="0" y="0"/>
+          <a:ext cx="0" cy="0"/>
+          <a:chOff x="0" y="0"/>
+          <a:chExt cx="0" cy="0"/>
+        </a:xfrm>
+      </p:grpSpPr>
+      <p:sp>
+        <p:nvSpPr>
+          <p:cNvPr id="2" name="Title 1"/>
+          <p:cNvSpPr>
+            <a:spLocks noGrp="1"/>
+          </p:cNvSpPr>
+          <p:nvPr>
+            <p:ph type="title"/>
+          </p:nvPr>
+        </p:nvSpPr>
+        <p:spPr/>
+        <p:txBody>
+          <a:bodyPr/>
+          <a:lstStyle/>
+          <a:p>
+            <a:r>
+              <a:rPr lang="en-US" dirty="0" smtClean="0"/>
+              <a:t>Tasks, Challenges &amp; Innovation</a:t>
+            </a:r>
+            <a:endParaRPr lang="en-US" dirty="0"/>
+          </a:p>
+        </p:txBody>
+      </p:sp>
+      <p:sp>
+        <p:nvSpPr>
+          <p:cNvPr id="3" name="Content Placeholder 2"/>
+          <p:cNvSpPr>
+            <a:spLocks noGrp="1"/>
+          </p:cNvSpPr>
+          <p:nvPr>
+            <p:ph idx="1"/>
+          </p:nvPr>
+        </p:nvSpPr>
+        <p:spPr/>
+        <p:txBody>
+          <a:bodyPr/>
+          <a:lstStyle/>
+          <a:p>
+            <a:r>
+              <a:rPr lang="en-US" dirty="0" smtClean="0"/>
+              <a:t>Video Transmission</a:t>
+            </a:r>
+          </a:p>
+          <a:p>
+            <a:pPr lvl="1"/>
+            <a:r>
+              <a:rPr lang="en-US" dirty="0" smtClean="0"/>
+              <a:t>Android doesn’t recognize the usual Ad-hoc network setup by PC</a:t>
+            </a:r>
+          </a:p>
+          <a:p>
+            <a:pPr lvl="1"/>
+            <a:r>
+              <a:rPr lang="en-US" dirty="0" smtClean="0"/>
+              <a:t>Tried</a:t>
+            </a:r>
+          </a:p>
+          <a:p>
+            <a:pPr lvl="2"/>
+            <a:r>
+              <a:rPr lang="en-US" dirty="0" smtClean="0"/>
+              <a:t>Rooting mobile, using various apps.</a:t>
+            </a:r>
+          </a:p>
+          <a:p>
+            <a:pPr lvl="2"/>
+            <a:r>
+              <a:rPr lang="en-US" dirty="0" smtClean="0"/>
+              <a:t>Setting up a WLAN network bridge in PC - Worked</a:t>
+            </a:r>
+          </a:p>
+          <a:p>
+            <a:r>
+              <a:rPr lang="en-US" dirty="0" smtClean="0"/>
+              <a:t>Android Application </a:t>
+            </a:r>
+            <a:endParaRPr lang="en-US" dirty="0"/>
+          </a:p>
+          <a:p>
+            <a:pPr lvl="1"/>
+            <a:r>
+              <a:rPr lang="en-US" dirty="0"/>
+              <a:t>Loaded the video in a </a:t>
+            </a:r>
+            <a:r>
+              <a:rPr lang="en-US" dirty="0" err="1" smtClean="0"/>
+              <a:t>webview</a:t>
+            </a:r>
+            <a:r>
+              <a:rPr lang="en-US" dirty="0" smtClean="0"/>
+              <a:t> </a:t>
+            </a:r>
+          </a:p>
+          <a:p>
+            <a:pPr lvl="2"/>
+            <a:r>
+              <a:rPr lang="en-US" dirty="0" smtClean="0"/>
+              <a:t>Default view from IP Camera shows four streams</a:t>
+            </a:r>
+          </a:p>
+          <a:p>
+            <a:pPr lvl="2"/>
+            <a:r>
+              <a:rPr lang="en-US" dirty="0" smtClean="0"/>
+              <a:t>Ran </a:t>
+            </a:r>
+            <a:r>
+              <a:rPr lang="en-US" dirty="0" err="1" smtClean="0"/>
+              <a:t>Javascript</a:t>
+            </a:r>
+            <a:r>
+              <a:rPr lang="en-US" dirty="0" smtClean="0"/>
+              <a:t> </a:t>
+            </a:r>
+            <a:r>
+              <a:rPr lang="en-US" dirty="0"/>
+              <a:t>on top of it to display just the video required</a:t>
+            </a:r>
+            <a:r>
+              <a:rPr lang="en-US" dirty="0" smtClean="0"/>
+              <a:t>.</a:t>
+            </a:r>
+          </a:p>
+          <a:p>
+            <a:pPr lvl="1"/>
+            <a:r>
+              <a:rPr lang="en-US" dirty="0" smtClean="0"/>
+              <a:t>Initially loaded a snapshot and regularly updated it at fixed intervals</a:t>
+            </a:r>
+            <a:endParaRPr lang="en-US" dirty="0"/>
+          </a:p>
+          <a:p>
+            <a:pPr lvl="2"/>
+            <a:r>
+              <a:rPr lang="en-US" dirty="0"/>
+              <a:t>Java timer made the app non-responsive </a:t>
+            </a:r>
+            <a:r>
+              <a:rPr lang="en-US" dirty="0" smtClean="0"/>
+              <a:t>sometimes</a:t>
+            </a:r>
+          </a:p>
+        </p:txBody>
+      </p:sp>
+    </p:spTree>
+    <p:extLst>
+      <p:ext uri="{BB962C8B-B14F-4D97-AF65-F5344CB8AC3E}">
+        <p14:creationId xmlns:p14="http://schemas.microsoft.com/office/powerpoint/2010/main" val="314719788"/>
+      </p:ext>
+    </p:extLst>
+  </p:cSld>
+  <p:clrMapOvr>
+    <a:masterClrMapping/>
+  </p:clrMapOvr>
+  <p:timing>
+    <p:tnLst>
+      <p:par>
+        <p:cTn id="1" dur="indefinite" restart="never" nodeType="tmRoot">
+          <p:childTnLst>
+            <p:seq concurrent="1" nextAc="seek">
+              <p:cTn id="2" dur="indefinite" nodeType="mainSeq">
+                <p:childTnLst>
+                  <p:par>
+                    <p:cTn id="3" fill="hold">
+                      <p:stCondLst>
+                        <p:cond delay="indefinite"/>
+                      </p:stCondLst>
+                      <p:childTnLst>
+                        <p:par>
+                          <p:cTn id="4" fill="hold">
+                            <p:stCondLst>
+                              <p:cond delay="0"/>
+                            </p:stCondLst>
+                            <p:childTnLst>
+                              <p:par>
+                                <p:cTn id="5" presetID="1" presetClass="entr" presetSubtype="0" fill="hold" nodeType="clickEffect">
+                                  <p:stCondLst>
+                                    <p:cond delay="0"/>
+                                  </p:stCondLst>
+                                  <p:childTnLst>
+                                    <p:set>
+                                      <p:cBhvr>
+                                        <p:cTn id="6" dur="1" fill="hold">
+                                          <p:stCondLst>
+                                            <p:cond delay="0"/>
+                                          </p:stCondLst>
+                                        </p:cTn>
+                                        <p:tgtEl>
+                                          <p:spTgt spid="3">
+                                            <p:txEl>
+                                              <p:pRg st="0" end="0"/>
+                                            </p:txEl>
+                                          </p:spTgt>
+                                        </p:tgtEl>
+                                        <p:attrNameLst>
+                                          <p:attrName>style.visibility</p:attrName>
+                                        </p:attrNameLst>
+                                      </p:cBhvr>
+                                      <p:to>
+                                        <p:strVal val="visible"/>
+                                      </p:to>
+                                    </p:set>
+                                  </p:childTnLst>
+                                </p:cTn>
+                              </p:par>
+                            </p:childTnLst>
+                          </p:cTn>
+                        </p:par>
+                      </p:childTnLst>
+                    </p:cTn>
+                  </p:par>
+                  <p:par>
+                    <p:cTn id="7" fill="hold">
+                      <p:stCondLst>
+                        <p:cond delay="indefinite"/>
+                      </p:stCondLst>
+                      <p:childTnLst>
+                        <p:par>
+                          <p:cTn id="8" fill="hold">
+                            <p:stCondLst>
+                              <p:cond delay="0"/>
+                            </p:stCondLst>
+                            <p:childTnLst>
+                              <p:par>
+                                <p:cTn id="9" presetID="1" presetClass="entr" presetSubtype="0" fill="hold" nodeType="clickEffect">
+                                  <p:stCondLst>
+                                    <p:cond delay="0"/>
+                                  </p:stCondLst>
+                                  <p:childTnLst>
+                                    <p:set>
+                                      <p:cBhvr>
+                                        <p:cTn id="10" dur="1" fill="hold">
+                                          <p:stCondLst>
+                                            <p:cond delay="0"/>
+                                          </p:stCondLst>
+                                        </p:cTn>
+                                        <p:tgtEl>
+                                          <p:spTgt spid="3">
+                                            <p:txEl>
+                                              <p:pRg st="1" end="1"/>
+                                            </p:txEl>
+                                          </p:spTgt>
+                                        </p:tgtEl>
+                                        <p:attrNameLst>
+                                          <p:attrName>style.visibility</p:attrName>
+                                        </p:attrNameLst>
+                                      </p:cBhvr>
+                                      <p:to>
+                                        <p:strVal val="visible"/>
+                                      </p:to>
+                                    </p:set>
+                                  </p:childTnLst>
+                                </p:cTn>
+                              </p:par>
+                            </p:childTnLst>
+                          </p:cTn>
+                        </p:par>
+                      </p:childTnLst>
+                    </p:cTn>
+                  </p:par>
+                  <p:par>
+                    <p:cTn id="11" fill="hold">
+                      <p:stCondLst>
+                        <p:cond delay="indefinite"/>
+                      </p:stCondLst>
+                      <p:childTnLst>
+                        <p:par>
+                          <p:cTn id="12" fill="hold">
+                            <p:stCondLst>
+                              <p:cond delay="0"/>
+                            </p:stCondLst>
+                            <p:childTnLst>
+                              <p:par>
+                                <p:cTn id="13" presetID="1" presetClass="entr" presetSubtype="0" fill="hold" nodeType="clickEffect">
+                                  <p:stCondLst>
+                                    <p:cond delay="0"/>
+                                  </p:stCondLst>
+                                  <p:childTnLst>
+                                    <p:set>
+                                      <p:cBhvr>
+                                        <p:cTn id="14" dur="1" fill="hold">
+                                          <p:stCondLst>
+                                            <p:cond delay="0"/>
+                                          </p:stCondLst>
+                                        </p:cTn>
+                                        <p:tgtEl>
+                                          <p:spTgt spid="3">
+                                            <p:txEl>
+                                              <p:pRg st="2" end="2"/>
+                                            </p:txEl>
+                                          </p:spTgt>
+                                        </p:tgtEl>
+                                        <p:attrNameLst>
+                                          <p:attrName>style.visibility</p:attrName>
+                                        </p:attrNameLst>
+                                      </p:cBhvr>
+                                      <p:to>
+                                        <p:strVal val="visible"/>
+                                      </p:to>
+                                    </p:set>
+                                  </p:childTnLst>
+                                </p:cTn>
+                              </p:par>
+                              <p:par>
+                                <p:cTn id="15" presetID="1" presetClass="entr" presetSubtype="0" fill="hold" nodeType="withEffect">
+                                  <p:stCondLst>
+                                    <p:cond delay="0"/>
+                                  </p:stCondLst>
+                                  <p:childTnLst>
+                                    <p:set>
+                                      <p:cBhvr>
+                                        <p:cTn id="16" dur="1" fill="hold">
+                                          <p:stCondLst>
+                                            <p:cond delay="0"/>
+                                          </p:stCondLst>
+                                        </p:cTn>
+                                        <p:tgtEl>
+                                          <p:spTgt spid="3">
+                                            <p:txEl>
+                                              <p:pRg st="3" end="3"/>
+                                            </p:txEl>
+                                          </p:spTgt>
+                                        </p:tgtEl>
+                                        <p:attrNameLst>
+                                          <p:attrName>style.visibility</p:attrName>
+                                        </p:attrNameLst>
+                                      </p:cBhvr>
+                                      <p:to>
+                                        <p:strVal val="visible"/>
+                                      </p:to>
+                                    </p:set>
+                                  </p:childTnLst>
+                                </p:cTn>
+                              </p:par>
+                            </p:childTnLst>
+                          </p:cTn>
+                        </p:par>
+                      </p:childTnLst>
+                    </p:cTn>
+                  </p:par>
+                  <p:par>
+                    <p:cTn id="17" fill="hold">
+                      <p:stCondLst>
+                        <p:cond delay="indefinite"/>
+                      </p:stCondLst>
+                      <p:childTnLst>
+                        <p:par>
+                          <p:cTn id="18" fill="hold">
+                            <p:stCondLst>
+                              <p:cond delay="0"/>
+                            </p:stCondLst>
+                            <p:childTnLst>
+                              <p:par>
+                                <p:cTn id="19" presetID="1" presetClass="entr" presetSubtype="0" fill="hold" nodeType="clickEffect">
+                                  <p:stCondLst>
+                                    <p:cond delay="0"/>
+                                  </p:stCondLst>
+                                  <p:childTnLst>
+                                    <p:set>
+                                      <p:cBhvr>
+                                        <p:cTn id="20" dur="1" fill="hold">
+                                          <p:stCondLst>
+                                            <p:cond delay="0"/>
+                                          </p:stCondLst>
+                                        </p:cTn>
+                                        <p:tgtEl>
+                                          <p:spTgt spid="3">
+                                            <p:txEl>
+                                              <p:pRg st="4" end="4"/>
+                                            </p:txEl>
+                                          </p:spTgt>
+                                        </p:tgtEl>
+                                        <p:attrNameLst>
+                                          <p:attrName>style.visibility</p:attrName>
+                                        </p:attrNameLst>
+                                      </p:cBhvr>
+                                      <p:to>
+                                        <p:strVal val="visible"/>
+                                      </p:to>
+                                    </p:set>
+                                  </p:childTnLst>
+                                </p:cTn>
+                              </p:par>
+                            </p:childTnLst>
+                          </p:cTn>
+                        </p:par>
+                      </p:childTnLst>
+                    </p:cTn>
+                  </p:par>
+                  <p:par>
+                    <p:cTn id="21" fill="hold">
+                      <p:stCondLst>
+                        <p:cond delay="indefinite"/>
+                      </p:stCondLst>
+                      <p:childTnLst>
+                        <p:par>
+                          <p:cTn id="22" fill="hold">
+                            <p:stCondLst>
+                              <p:cond delay="0"/>
+                            </p:stCondLst>
+                            <p:childTnLst>
+                              <p:par>
+                                <p:cTn id="23" presetID="1" presetClass="entr" presetSubtype="0" fill="hold" nodeType="clickEffect">
+                                  <p:stCondLst>
+                                    <p:cond delay="0"/>
+                                  </p:stCondLst>
+                                  <p:childTnLst>
+                                    <p:set>
+                                      <p:cBhvr>
+                                        <p:cTn id="24" dur="1" fill="hold">
+                                          <p:stCondLst>
+                                            <p:cond delay="0"/>
+                                          </p:stCondLst>
+                                        </p:cTn>
+                                        <p:tgtEl>
+                                          <p:spTgt spid="3">
+                                            <p:txEl>
+                                              <p:pRg st="5" end="5"/>
+                                            </p:txEl>
+                                          </p:spTgt>
+                                        </p:tgtEl>
+                                        <p:attrNameLst>
+                                          <p:attrName>style.visibility</p:attrName>
+                                        </p:attrNameLst>
+                                      </p:cBhvr>
+                                      <p:to>
+                                        <p:strVal val="visible"/>
+                                      </p:to>
+                                    </p:set>
+                                  </p:childTnLst>
+                                </p:cTn>
+                              </p:par>
+                            </p:childTnLst>
+                          </p:cTn>
+                        </p:par>
+                      </p:childTnLst>
+                    </p:cTn>
+                  </p:par>
+                  <p:par>
+                    <p:cTn id="25" fill="hold">
+                      <p:stCondLst>
+                        <p:cond delay="indefinite"/>
+                      </p:stCondLst>
+                      <p:childTnLst>
+                        <p:par>
+                          <p:cTn id="26" fill="hold">
+                            <p:stCondLst>
+                              <p:cond delay="0"/>
+                            </p:stCondLst>
+                            <p:childTnLst>
+                              <p:par>
+                                <p:cTn id="27" presetID="1" presetClass="entr" presetSubtype="0" fill="hold" nodeType="clickEffect">
+                                  <p:stCondLst>
+                                    <p:cond delay="0"/>
+                                  </p:stCondLst>
+                                  <p:childTnLst>
+                                    <p:set>
+                                      <p:cBhvr>
+                                        <p:cTn id="28" dur="1" fill="hold">
+                                          <p:stCondLst>
+                                            <p:cond delay="0"/>
+                                          </p:stCondLst>
+                                        </p:cTn>
+                                        <p:tgtEl>
+                                          <p:spTgt spid="3">
+                                            <p:txEl>
+                                              <p:pRg st="6" end="6"/>
+                                            </p:txEl>
+                                          </p:spTgt>
+                                        </p:tgtEl>
+                                        <p:attrNameLst>
+                                          <p:attrName>style.visibility</p:attrName>
+                                        </p:attrNameLst>
+                                      </p:cBhvr>
+                                      <p:to>
+                                        <p:strVal val="visible"/>
+                                      </p:to>
+                                    </p:set>
+                                  </p:childTnLst>
+                                </p:cTn>
+                              </p:par>
+                            </p:childTnLst>
+                          </p:cTn>
+                        </p:par>
+                      </p:childTnLst>
+                    </p:cTn>
+                  </p:par>
+                  <p:par>
+                    <p:cTn id="29" fill="hold">
+                      <p:stCondLst>
+                        <p:cond delay="indefinite"/>
+                      </p:stCondLst>
+                      <p:childTnLst>
+                        <p:par>
+                          <p:cTn id="30" fill="hold">
+                            <p:stCondLst>
+                              <p:cond delay="0"/>
+                            </p:stCondLst>
+                            <p:childTnLst>
+                              <p:par>
+                                <p:cTn id="31" presetID="1" presetClass="entr" presetSubtype="0" fill="hold" nodeType="clickEffect">
+                                  <p:stCondLst>
+                                    <p:cond delay="0"/>
+                                  </p:stCondLst>
+                                  <p:childTnLst>
+                                    <p:set>
+                                      <p:cBhvr>
+                                        <p:cTn id="32" dur="1" fill="hold">
+                                          <p:stCondLst>
+                                            <p:cond delay="0"/>
+                                          </p:stCondLst>
+                                        </p:cTn>
+                                        <p:tgtEl>
+                                          <p:spTgt spid="3">
+                                            <p:txEl>
+                                              <p:pRg st="7" end="7"/>
+                                            </p:txEl>
+                                          </p:spTgt>
+                                        </p:tgtEl>
+                                        <p:attrNameLst>
+                                          <p:attrName>style.visibility</p:attrName>
+                                        </p:attrNameLst>
+                                      </p:cBhvr>
+                                      <p:to>
+                                        <p:strVal val="visible"/>
+                                      </p:to>
+                                    </p:set>
+                                  </p:childTnLst>
+                                </p:cTn>
+                              </p:par>
+                            </p:childTnLst>
+                          </p:cTn>
+                        </p:par>
+                      </p:childTnLst>
+                    </p:cTn>
+                  </p:par>
+                  <p:par>
+                    <p:cTn id="33" fill="hold">
+                      <p:stCondLst>
+                        <p:cond delay="indefinite"/>
+                      </p:stCondLst>
+                      <p:childTnLst>
+                        <p:par>
+                          <p:cTn id="34" fill="hold">
+                            <p:stCondLst>
+                              <p:cond delay="0"/>
+                            </p:stCondLst>
+                            <p:childTnLst>
+                              <p:par>
+                                <p:cTn id="35" presetID="1" presetClass="entr" presetSubtype="0" fill="hold" nodeType="clickEffect">
+                                  <p:stCondLst>
+                                    <p:cond delay="0"/>
+                                  </p:stCondLst>
+                                  <p:childTnLst>
+                                    <p:set>
+                                      <p:cBhvr>
+                                        <p:cTn id="36" dur="1" fill="hold">
+                                          <p:stCondLst>
+                                            <p:cond delay="0"/>
+                                          </p:stCondLst>
+                                        </p:cTn>
+                                        <p:tgtEl>
+                                          <p:spTgt spid="3">
+                                            <p:txEl>
+                                              <p:pRg st="8" end="8"/>
+                                            </p:txEl>
+                                          </p:spTgt>
+                                        </p:tgtEl>
+                                        <p:attrNameLst>
+                                          <p:attrName>style.visibility</p:attrName>
+                                        </p:attrNameLst>
+                                      </p:cBhvr>
+                                      <p:to>
+                                        <p:strVal val="visible"/>
+                                      </p:to>
+                                    </p:set>
+                                  </p:childTnLst>
+                                </p:cTn>
+                              </p:par>
+                            </p:childTnLst>
+                          </p:cTn>
+                        </p:par>
+                      </p:childTnLst>
+                    </p:cTn>
+                  </p:par>
+                  <p:par>
+                    <p:cTn id="37" fill="hold">
+                      <p:stCondLst>
+                        <p:cond delay="indefinite"/>
+                      </p:stCondLst>
+                      <p:childTnLst>
+                        <p:par>
+                          <p:cTn id="38" fill="hold">
+                            <p:stCondLst>
+                              <p:cond delay="0"/>
+                            </p:stCondLst>
+                            <p:childTnLst>
+                              <p:par>
+                                <p:cTn id="39" presetID="1" presetClass="entr" presetSubtype="0" fill="hold" nodeType="clickEffect">
+                                  <p:stCondLst>
+                                    <p:cond delay="0"/>
+                                  </p:stCondLst>
+                                  <p:childTnLst>
+                                    <p:set>
+                                      <p:cBhvr>
+                                        <p:cTn id="40" dur="1" fill="hold">
+                                          <p:stCondLst>
+                                            <p:cond delay="0"/>
+                                          </p:stCondLst>
+                                        </p:cTn>
+                                        <p:tgtEl>
+                                          <p:spTgt spid="3">
+                                            <p:txEl>
+                                              <p:pRg st="9" end="9"/>
+                                            </p:txEl>
+                                          </p:spTgt>
+                                        </p:tgtEl>
+                                        <p:attrNameLst>
+                                          <p:attrName>style.visibility</p:attrName>
+                                        </p:attrNameLst>
+                                      </p:cBhvr>
+                                      <p:to>
+                                        <p:strVal val="visible"/>
+                                      </p:to>
+                                    </p:set>
+                                  </p:childTnLst>
+                                </p:cTn>
+                              </p:par>
+                            </p:childTnLst>
+                          </p:cTn>
+                        </p:par>
+                      </p:childTnLst>
+                    </p:cTn>
+                  </p:par>
+                  <p:par>
+                    <p:cTn id="41" fill="hold">
+                      <p:stCondLst>
+                        <p:cond delay="indefinite"/>
+                      </p:stCondLst>
+                      <p:childTnLst>
+                        <p:par>
+                          <p:cTn id="42" fill="hold">
+                            <p:stCondLst>
+                              <p:cond delay="0"/>
+                            </p:stCondLst>
+                            <p:childTnLst>
+                              <p:par>
+                                <p:cTn id="43" presetID="1" presetClass="entr" presetSubtype="0" fill="hold" nodeType="clickEffect">
+                                  <p:stCondLst>
+                                    <p:cond delay="0"/>
+                                  </p:stCondLst>
+                                  <p:childTnLst>
+                                    <p:set>
+                                      <p:cBhvr>
+                                        <p:cTn id="44" dur="1" fill="hold">
+                                          <p:stCondLst>
+                                            <p:cond delay="0"/>
+                                          </p:stCondLst>
+                                        </p:cTn>
+                                        <p:tgtEl>
+                                          <p:spTgt spid="3">
+                                            <p:txEl>
+                                              <p:pRg st="10" end="10"/>
+                                            </p:txEl>
+                                          </p:spTgt>
+                                        </p:tgtEl>
+                                        <p:attrNameLst>
+                                          <p:attrName>style.visibility</p:attrName>
+                                        </p:attrNameLst>
+                                      </p:cBhvr>
+                                      <p:to>
+                                        <p:strVal val="visible"/>
+                                      </p:to>
+                                    </p:set>
+                                  </p:childTnLst>
+                                </p:cTn>
+                              </p:par>
+                            </p:childTnLst>
+                          </p:cTn>
+                        </p:par>
+                      </p:childTnLst>
+                    </p:cTn>
+                  </p:par>
+                </p:childTnLst>
+              </p:cTn>
+              <p:prevCondLst>
+                <p:cond evt="onPrev" delay="0">
+                  <p:tgtEl>
+                    <p:sldTgt/>
+                  </p:tgtEl>
+                </p:cond>
+              </p:prevCondLst>
+              <p:nextCondLst>
+                <p:cond evt="onNext" delay="0">
+                  <p:tgtEl>
+                    <p:sldTgt/>
+                  </p:tgtEl>
+                </p:cond>
+              </p:nextCondLst>
+            </p:seq>
+          </p:childTnLst>
+        </p:cTn>
+      </p:par>
+    </p:tnLst>
+  </p:timing>
+</p:sld>
+</file>
+
+<file path=ppt/slides/slide8.xml><?xml version="1.0" encoding="utf-8"?>
+<p:sld xmlns:a="http://schemas.openxmlformats.org/drawingml/2006/main" xmlns:r="http://schemas.openxmlformats.org/officeDocument/2006/relationships" xmlns:p="http://schemas.openxmlformats.org/presentationml/2006/main">
+  <p:cSld>
+    <p:spTree>
+      <p:nvGrpSpPr>
+        <p:cNvPr id="1" name=""/>
+        <p:cNvGrpSpPr/>
+        <p:nvPr/>
+      </p:nvGrpSpPr>
+      <p:grpSpPr>
+        <a:xfrm>
+          <a:off x="0" y="0"/>
+          <a:ext cx="0" cy="0"/>
+          <a:chOff x="0" y="0"/>
+          <a:chExt cx="0" cy="0"/>
+        </a:xfrm>
+      </p:grpSpPr>
+      <p:sp>
+        <p:nvSpPr>
+          <p:cNvPr id="2" name="Title 1"/>
+          <p:cNvSpPr>
+            <a:spLocks noGrp="1"/>
+          </p:cNvSpPr>
+          <p:nvPr>
+            <p:ph type="title"/>
+          </p:nvPr>
+        </p:nvSpPr>
+        <p:spPr/>
+        <p:txBody>
+          <a:bodyPr/>
+          <a:lstStyle/>
+          <a:p>
+            <a:r>
+              <a:rPr lang="en-US" dirty="0"/>
+              <a:t>Tasks, Challenges &amp; Innovation</a:t>
+            </a:r>
+          </a:p>
+        </p:txBody>
+      </p:sp>
+      <p:sp>
+        <p:nvSpPr>
+          <p:cNvPr id="3" name="Content Placeholder 2"/>
+          <p:cNvSpPr>
+            <a:spLocks noGrp="1"/>
+          </p:cNvSpPr>
+          <p:nvPr>
+            <p:ph idx="1"/>
+          </p:nvPr>
+        </p:nvSpPr>
+        <p:spPr/>
+        <p:txBody>
+          <a:bodyPr/>
+          <a:lstStyle/>
+          <a:p>
+            <a:r>
+              <a:rPr lang="en-US" dirty="0" smtClean="0"/>
+              <a:t>Open CV</a:t>
+            </a:r>
+            <a:endParaRPr lang="en-US" dirty="0"/>
+          </a:p>
+          <a:p>
+            <a:pPr lvl="1"/>
+            <a:r>
+              <a:rPr lang="en-US" dirty="0"/>
+              <a:t>Installation on windows – a challenge by itself</a:t>
+            </a:r>
+          </a:p>
+          <a:p>
+            <a:pPr lvl="2"/>
+            <a:r>
+              <a:rPr lang="en-US" dirty="0"/>
+              <a:t>Tried many work </a:t>
+            </a:r>
+            <a:r>
+              <a:rPr lang="en-US" dirty="0" err="1"/>
+              <a:t>arounds</a:t>
+            </a:r>
+            <a:r>
+              <a:rPr lang="en-US" dirty="0"/>
+              <a:t>, online tutorials </a:t>
+            </a:r>
+          </a:p>
+          <a:p>
+            <a:pPr lvl="2"/>
+            <a:r>
+              <a:rPr lang="en-US" dirty="0"/>
+              <a:t>Finally could get it working – links in report</a:t>
+            </a:r>
+          </a:p>
+          <a:p>
+            <a:pPr lvl="1"/>
+            <a:r>
+              <a:rPr lang="en-US" dirty="0"/>
+              <a:t>Linking the </a:t>
+            </a:r>
+            <a:r>
+              <a:rPr lang="en-US" dirty="0" err="1"/>
+              <a:t>OpenCV</a:t>
+            </a:r>
+            <a:r>
+              <a:rPr lang="en-US" dirty="0"/>
+              <a:t> C++ code with Android Java</a:t>
+            </a:r>
+          </a:p>
+          <a:p>
+            <a:pPr lvl="2"/>
+            <a:r>
+              <a:rPr lang="en-US" dirty="0"/>
+              <a:t>Android </a:t>
+            </a:r>
+            <a:r>
+              <a:rPr lang="en-US" dirty="0" err="1"/>
+              <a:t>jni</a:t>
+            </a:r>
+            <a:r>
+              <a:rPr lang="en-US" dirty="0"/>
+              <a:t> – relatively simpler</a:t>
+            </a:r>
+          </a:p>
+          <a:p>
+            <a:pPr lvl="1"/>
+            <a:r>
+              <a:rPr lang="en-US" dirty="0"/>
+              <a:t>Usual approach using </a:t>
+            </a:r>
+            <a:r>
+              <a:rPr lang="en-US" dirty="0" err="1"/>
+              <a:t>cvHoughCircles</a:t>
+            </a:r>
+            <a:r>
+              <a:rPr lang="en-US" dirty="0"/>
+              <a:t> – slow</a:t>
+            </a:r>
+          </a:p>
+          <a:p>
+            <a:pPr lvl="2"/>
+            <a:r>
+              <a:rPr lang="en-US" dirty="0"/>
+              <a:t>Devised a new approach</a:t>
+            </a:r>
+          </a:p>
+          <a:p>
+            <a:pPr lvl="3"/>
+            <a:r>
+              <a:rPr lang="en-US" sz="1800" dirty="0"/>
+              <a:t>Pixel by pixel </a:t>
+            </a:r>
+            <a:r>
+              <a:rPr lang="en-US" sz="1800" dirty="0" smtClean="0"/>
+              <a:t>analysis</a:t>
+            </a:r>
+          </a:p>
+        </p:txBody>
+      </p:sp>
+    </p:spTree>
+    <p:extLst>
+      <p:ext uri="{BB962C8B-B14F-4D97-AF65-F5344CB8AC3E}">
+        <p14:creationId xmlns:p14="http://schemas.microsoft.com/office/powerpoint/2010/main" val="650436468"/>
+      </p:ext>
+    </p:extLst>
+  </p:cSld>
+  <p:clrMapOvr>
+    <a:masterClrMapping/>
+  </p:clrMapOvr>
+  <p:timing>
+    <p:tnLst>
+      <p:par>
+        <p:cTn id="1" dur="indefinite" restart="never" nodeType="tmRoot">
+          <p:childTnLst>
+            <p:seq concurrent="1" nextAc="seek">
+              <p:cTn id="2" dur="indefinite" nodeType="mainSeq">
+                <p:childTnLst>
+                  <p:par>
+                    <p:cTn id="3" fill="hold">
+                      <p:stCondLst>
+                        <p:cond delay="indefinite"/>
+                        <p:cond evt="onBegin" delay="0">
+                          <p:tn val="2"/>
+                        </p:cond>
+                      </p:stCondLst>
+                      <p:childTnLst>
+                        <p:par>
+                          <p:cTn id="4" fill="hold">
+                            <p:stCondLst>
+                              <p:cond delay="0"/>
+                            </p:stCondLst>
+                            <p:childTnLst>
+                              <p:par>
+                                <p:cTn id="5" presetID="1" presetClass="entr" presetSubtype="0" fill="hold" nodeType="withEffect">
+                                  <p:stCondLst>
+                                    <p:cond delay="0"/>
+                                  </p:stCondLst>
+                                  <p:childTnLst>
+                                    <p:set>
+                                      <p:cBhvr>
+                                        <p:cTn id="6" dur="1" fill="hold">
+                                          <p:stCondLst>
+                                            <p:cond delay="0"/>
+                                          </p:stCondLst>
+                                        </p:cTn>
+                                        <p:tgtEl>
+                                          <p:spTgt spid="3">
+                                            <p:txEl>
+                                              <p:pRg st="0" end="0"/>
+                                            </p:txEl>
+                                          </p:spTgt>
+                                        </p:tgtEl>
+                                        <p:attrNameLst>
+                                          <p:attrName>style.visibility</p:attrName>
+                                        </p:attrNameLst>
+                                      </p:cBhvr>
+                                      <p:to>
+                                        <p:strVal val="visible"/>
+                                      </p:to>
+                                    </p:set>
+                                  </p:childTnLst>
+                                </p:cTn>
+                              </p:par>
+                            </p:childTnLst>
+                          </p:cTn>
+                        </p:par>
+                      </p:childTnLst>
+                    </p:cTn>
+                  </p:par>
+                  <p:par>
+                    <p:cTn id="7" fill="hold">
+                      <p:stCondLst>
+                        <p:cond delay="indefinite"/>
+                      </p:stCondLst>
+                      <p:childTnLst>
+                        <p:par>
+                          <p:cTn id="8" fill="hold">
+                            <p:stCondLst>
+                              <p:cond delay="0"/>
+                            </p:stCondLst>
+                            <p:childTnLst>
+                              <p:par>
+                                <p:cTn id="9" presetID="1" presetClass="entr" presetSubtype="0" fill="hold" nodeType="clickEffect">
+                                  <p:stCondLst>
+                                    <p:cond delay="0"/>
+                                  </p:stCondLst>
+                                  <p:childTnLst>
+                                    <p:set>
+                                      <p:cBhvr>
+                                        <p:cTn id="10" dur="1" fill="hold">
+                                          <p:stCondLst>
+                                            <p:cond delay="0"/>
+                                          </p:stCondLst>
+                                        </p:cTn>
+                                        <p:tgtEl>
+                                          <p:spTgt spid="3">
+                                            <p:txEl>
+                                              <p:pRg st="1" end="1"/>
+                                            </p:txEl>
+                                          </p:spTgt>
+                                        </p:tgtEl>
+                                        <p:attrNameLst>
+                                          <p:attrName>style.visibility</p:attrName>
+                                        </p:attrNameLst>
+                                      </p:cBhvr>
+                                      <p:to>
+                                        <p:strVal val="visible"/>
+                                      </p:to>
+                                    </p:set>
+                                  </p:childTnLst>
+                                </p:cTn>
+                              </p:par>
+                            </p:childTnLst>
+                          </p:cTn>
+                        </p:par>
+                      </p:childTnLst>
+                    </p:cTn>
+                  </p:par>
+                  <p:par>
+                    <p:cTn id="11" fill="hold">
+                      <p:stCondLst>
+                        <p:cond delay="indefinite"/>
+                      </p:stCondLst>
+                      <p:childTnLst>
+                        <p:par>
+                          <p:cTn id="12" fill="hold">
+                            <p:stCondLst>
+                              <p:cond delay="0"/>
+                            </p:stCondLst>
+                            <p:childTnLst>
+                              <p:par>
+                                <p:cTn id="13" presetID="1" presetClass="entr" presetSubtype="0" fill="hold" nodeType="clickEffect">
+                                  <p:stCondLst>
+                                    <p:cond delay="0"/>
+                                  </p:stCondLst>
+                                  <p:childTnLst>
+                                    <p:set>
+                                      <p:cBhvr>
+                                        <p:cTn id="14" dur="1" fill="hold">
+                                          <p:stCondLst>
+                                            <p:cond delay="0"/>
+                                          </p:stCondLst>
+                                        </p:cTn>
+                                        <p:tgtEl>
+                                          <p:spTgt spid="3">
+                                            <p:txEl>
+                                              <p:pRg st="4" end="4"/>
+                                            </p:txEl>
+                                          </p:spTgt>
+                                        </p:tgtEl>
+                                        <p:attrNameLst>
+                                          <p:attrName>style.visibility</p:attrName>
+                                        </p:attrNameLst>
+                                      </p:cBhvr>
+                                      <p:to>
+                                        <p:strVal val="visible"/>
+                                      </p:to>
+                                    </p:set>
+                                  </p:childTnLst>
+                                </p:cTn>
+                              </p:par>
+                            </p:childTnLst>
+                          </p:cTn>
+                        </p:par>
+                      </p:childTnLst>
+                    </p:cTn>
+                  </p:par>
+                  <p:par>
+                    <p:cTn id="15" fill="hold">
+                      <p:stCondLst>
+                        <p:cond delay="indefinite"/>
+                      </p:stCondLst>
+                      <p:childTnLst>
+                        <p:par>
+                          <p:cTn id="16" fill="hold">
+                            <p:stCondLst>
+                              <p:cond delay="0"/>
+                            </p:stCondLst>
+                            <p:childTnLst>
+                              <p:par>
+                                <p:cTn id="17" presetID="1" presetClass="entr" presetSubtype="0" fill="hold" nodeType="clickEffect">
+                                  <p:stCondLst>
+                                    <p:cond delay="0"/>
+                                  </p:stCondLst>
+                                  <p:childTnLst>
+                                    <p:set>
+                                      <p:cBhvr>
+                                        <p:cTn id="18" dur="1" fill="hold">
+                                          <p:stCondLst>
+                                            <p:cond delay="0"/>
+                                          </p:stCondLst>
+                                        </p:cTn>
+                                        <p:tgtEl>
+                                          <p:spTgt spid="3">
+                                            <p:txEl>
+                                              <p:pRg st="6" end="6"/>
+                                            </p:txEl>
+                                          </p:spTgt>
+                                        </p:tgtEl>
+                                        <p:attrNameLst>
+                                          <p:attrName>style.visibility</p:attrName>
+                                        </p:attrNameLst>
+                                      </p:cBhvr>
+                                      <p:to>
+                                        <p:strVal val="visible"/>
+                                      </p:to>
+                                    </p:set>
+                                  </p:childTnLst>
+                                </p:cTn>
+                              </p:par>
+                            </p:childTnLst>
+                          </p:cTn>
+                        </p:par>
+                      </p:childTnLst>
+                    </p:cTn>
+                  </p:par>
+                  <p:par>
+                    <p:cTn id="19" fill="hold">
+                      <p:stCondLst>
+                        <p:cond delay="indefinite"/>
+                      </p:stCondLst>
+                      <p:childTnLst>
+                        <p:par>
+                          <p:cTn id="20" fill="hold">
+                            <p:stCondLst>
+                              <p:cond delay="0"/>
+                            </p:stCondLst>
+                            <p:childTnLst>
+                              <p:par>
+                                <p:cTn id="21" presetID="1" presetClass="entr" presetSubtype="0" fill="hold" nodeType="clickEffect">
+                                  <p:stCondLst>
+                                    <p:cond delay="0"/>
+                                  </p:stCondLst>
+                                  <p:childTnLst>
+                                    <p:set>
+                                      <p:cBhvr>
+                                        <p:cTn id="22" dur="1" fill="hold">
+                                          <p:stCondLst>
+                                            <p:cond delay="0"/>
+                                          </p:stCondLst>
+                                        </p:cTn>
+                                        <p:tgtEl>
+                                          <p:spTgt spid="3">
+                                            <p:txEl>
+                                              <p:pRg st="2" end="2"/>
+                                            </p:txEl>
+                                          </p:spTgt>
+                                        </p:tgtEl>
+                                        <p:attrNameLst>
+                                          <p:attrName>style.visibility</p:attrName>
+                                        </p:attrNameLst>
+                                      </p:cBhvr>
+                                      <p:to>
+                                        <p:strVal val="visible"/>
+                                      </p:to>
+                                    </p:set>
+                                  </p:childTnLst>
+                                </p:cTn>
+                              </p:par>
+                              <p:par>
+                                <p:cTn id="23" presetID="1" presetClass="entr" presetSubtype="0" fill="hold" nodeType="withEffect">
+                                  <p:stCondLst>
+                                    <p:cond delay="0"/>
+                                  </p:stCondLst>
+                                  <p:childTnLst>
+                                    <p:set>
+                                      <p:cBhvr>
+                                        <p:cTn id="24" dur="1" fill="hold">
+                                          <p:stCondLst>
+                                            <p:cond delay="0"/>
+                                          </p:stCondLst>
+                                        </p:cTn>
+                                        <p:tgtEl>
+                                          <p:spTgt spid="3">
+                                            <p:txEl>
+                                              <p:pRg st="3" end="3"/>
+                                            </p:txEl>
+                                          </p:spTgt>
+                                        </p:tgtEl>
+                                        <p:attrNameLst>
+                                          <p:attrName>style.visibility</p:attrName>
+                                        </p:attrNameLst>
+                                      </p:cBhvr>
+                                      <p:to>
+                                        <p:strVal val="visible"/>
+                                      </p:to>
+                                    </p:set>
+                                  </p:childTnLst>
+                                </p:cTn>
+                              </p:par>
+                            </p:childTnLst>
+                          </p:cTn>
+                        </p:par>
+                      </p:childTnLst>
+                    </p:cTn>
+                  </p:par>
+                  <p:par>
+                    <p:cTn id="25" fill="hold">
+                      <p:stCondLst>
+                        <p:cond delay="indefinite"/>
+                      </p:stCondLst>
+                      <p:childTnLst>
+                        <p:par>
+                          <p:cTn id="26" fill="hold">
+                            <p:stCondLst>
+                              <p:cond delay="0"/>
+                            </p:stCondLst>
+                            <p:childTnLst>
+                              <p:par>
+                                <p:cTn id="27" presetID="1" presetClass="entr" presetSubtype="0" fill="hold" nodeType="clickEffect">
+                                  <p:stCondLst>
+                                    <p:cond delay="0"/>
+                                  </p:stCondLst>
+                                  <p:childTnLst>
+                                    <p:set>
+                                      <p:cBhvr>
+                                        <p:cTn id="28" dur="1" fill="hold">
+                                          <p:stCondLst>
+                                            <p:cond delay="0"/>
+                                          </p:stCondLst>
+                                        </p:cTn>
+                                        <p:tgtEl>
+                                          <p:spTgt spid="3">
+                                            <p:txEl>
+                                              <p:pRg st="5" end="5"/>
+                                            </p:txEl>
+                                          </p:spTgt>
+                                        </p:tgtEl>
+                                        <p:attrNameLst>
+                                          <p:attrName>style.visibility</p:attrName>
+                                        </p:attrNameLst>
+                                      </p:cBhvr>
+                                      <p:to>
+                                        <p:strVal val="visible"/>
+                                      </p:to>
+                                    </p:set>
+                                  </p:childTnLst>
+                                </p:cTn>
+                              </p:par>
+                            </p:childTnLst>
+                          </p:cTn>
+                        </p:par>
+                      </p:childTnLst>
+                    </p:cTn>
+                  </p:par>
+                  <p:par>
+                    <p:cTn id="29" fill="hold">
+                      <p:stCondLst>
+                        <p:cond delay="indefinite"/>
+                      </p:stCondLst>
+                      <p:childTnLst>
+                        <p:par>
+                          <p:cTn id="30" fill="hold">
+                            <p:stCondLst>
+                              <p:cond delay="0"/>
+                            </p:stCondLst>
+                            <p:childTnLst>
+                              <p:par>
+                                <p:cTn id="31" presetID="1" presetClass="entr" presetSubtype="0" fill="hold" nodeType="clickEffect">
+                                  <p:stCondLst>
+                                    <p:cond delay="0"/>
+                                  </p:stCondLst>
+                                  <p:childTnLst>
+                                    <p:set>
+                                      <p:cBhvr>
+                                        <p:cTn id="32" dur="1" fill="hold">
+                                          <p:stCondLst>
+                                            <p:cond delay="0"/>
+                                          </p:stCondLst>
+                                        </p:cTn>
+                                        <p:tgtEl>
+                                          <p:spTgt spid="3">
+                                            <p:txEl>
+                                              <p:pRg st="7" end="7"/>
+                                            </p:txEl>
+                                          </p:spTgt>
+                                        </p:tgtEl>
+                                        <p:attrNameLst>
+                                          <p:attrName>style.visibility</p:attrName>
+                                        </p:attrNameLst>
+                                      </p:cBhvr>
+                                      <p:to>
+                                        <p:strVal val="visible"/>
+                                      </p:to>
+                                    </p:set>
+                                  </p:childTnLst>
+                                </p:cTn>
+                              </p:par>
+                              <p:par>
+                                <p:cTn id="33" presetID="1" presetClass="entr" presetSubtype="0" fill="hold" nodeType="withEffect">
+                                  <p:stCondLst>
+                                    <p:cond delay="0"/>
+                                  </p:stCondLst>
+                                  <p:childTnLst>
+                                    <p:set>
+                                      <p:cBhvr>
+                                        <p:cTn id="34" dur="1" fill="hold">
+                                          <p:stCondLst>
+                                            <p:cond delay="0"/>
+                                          </p:stCondLst>
+                                        </p:cTn>
+                                        <p:tgtEl>
+                                          <p:spTgt spid="3">
+                                            <p:txEl>
+                                              <p:pRg st="8" end="8"/>
+                                            </p:txEl>
+                                          </p:spTgt>
+                                        </p:tgtEl>
+                                        <p:attrNameLst>
+                                          <p:attrName>style.visibility</p:attrName>
+                                        </p:attrNameLst>
+                                      </p:cBhvr>
+                                      <p:to>
+                                        <p:strVal val="visible"/>
+                                      </p:to>
+                                    </p:set>
+                                  </p:childTnLst>
+                                </p:cTn>
+                              </p:par>
+                            </p:childTnLst>
+                          </p:cTn>
+                        </p:par>
+                      </p:childTnLst>
+                    </p:cTn>
+                  </p:par>
+                </p:childTnLst>
+              </p:cTn>
+              <p:prevCondLst>
+                <p:cond evt="onPrev" delay="0">
+                  <p:tgtEl>
+                    <p:sldTgt/>
+                  </p:tgtEl>
+                </p:cond>
+              </p:prevCondLst>
+              <p:nextCondLst>
+                <p:cond evt="onNext" delay="0">
+                  <p:tgtEl>
+                    <p:sldTgt/>
+                  </p:tgtEl>
+                </p:cond>
+              </p:nextCondLst>
+            </p:seq>
+          </p:childTnLst>
+        </p:cTn>
+      </p:par>
+    </p:tnLst>
+  </p:timing>
+</p:sld>
+</file>
+
+<file path=ppt/slides/slide9.xml><?xml version="1.0" encoding="utf-8"?>
+<p:sld xmlns:a="http://schemas.openxmlformats.org/drawingml/2006/main" xmlns:r="http://schemas.openxmlformats.org/officeDocument/2006/relationships" xmlns:p="http://schemas.openxmlformats.org/presentationml/2006/main">
+  <p:cSld>
+    <p:spTree>
+      <p:nvGrpSpPr>
+        <p:cNvPr id="1" name=""/>
+        <p:cNvGrpSpPr/>
+        <p:nvPr/>
+      </p:nvGrpSpPr>
+      <p:grpSpPr>
+        <a:xfrm>
+          <a:off x="0" y="0"/>
+          <a:ext cx="0" cy="0"/>
+          <a:chOff x="0" y="0"/>
+          <a:chExt cx="0" cy="0"/>
+        </a:xfrm>
+      </p:grpSpPr>
+      <p:sp>
+        <p:nvSpPr>
+          <p:cNvPr id="2" name="Title 1"/>
+          <p:cNvSpPr>
+            <a:spLocks noGrp="1"/>
+          </p:cNvSpPr>
+          <p:nvPr>
+            <p:ph type="title"/>
+          </p:nvPr>
+        </p:nvSpPr>
+        <p:spPr/>
+        <p:txBody>
+          <a:bodyPr/>
+          <a:lstStyle/>
+          <a:p>
+            <a:r>
+              <a:rPr lang="en-US" dirty="0"/>
+              <a:t>Tasks, Challenges &amp; Innovation</a:t>
+            </a:r>
+          </a:p>
+        </p:txBody>
+      </p:sp>
+      <p:sp>
+        <p:nvSpPr>
+          <p:cNvPr id="3" name="Content Placeholder 2"/>
+          <p:cNvSpPr>
+            <a:spLocks noGrp="1"/>
+          </p:cNvSpPr>
+          <p:nvPr>
+            <p:ph idx="1"/>
+          </p:nvPr>
+        </p:nvSpPr>
+        <p:spPr/>
+        <p:txBody>
+          <a:bodyPr/>
+          <a:lstStyle/>
+          <a:p>
+            <a:r>
+              <a:rPr lang="en-US" dirty="0" smtClean="0"/>
+              <a:t>Hardware</a:t>
+            </a:r>
+          </a:p>
+          <a:p>
+            <a:pPr lvl="1"/>
+            <a:r>
+              <a:rPr lang="en-US" dirty="0" smtClean="0"/>
+              <a:t>Camera mounting</a:t>
+            </a:r>
+            <a:endParaRPr lang="en-US" dirty="0"/>
+          </a:p>
+          <a:p>
+            <a:pPr lvl="2"/>
+            <a:r>
+              <a:rPr lang="en-US" dirty="0" smtClean="0"/>
+              <a:t>Front</a:t>
+            </a:r>
+          </a:p>
+          <a:p>
+            <a:pPr lvl="3"/>
+            <a:r>
+              <a:rPr lang="en-US" sz="1800" dirty="0" smtClean="0"/>
+              <a:t>will </a:t>
+            </a:r>
+            <a:r>
+              <a:rPr lang="en-US" sz="1800" dirty="0"/>
+              <a:t>block the sharp </a:t>
+            </a:r>
+            <a:r>
+              <a:rPr lang="en-US" sz="1800" dirty="0" smtClean="0"/>
+              <a:t>sensors</a:t>
+            </a:r>
+          </a:p>
+          <a:p>
+            <a:pPr lvl="3"/>
+            <a:r>
+              <a:rPr lang="en-US" sz="1800" dirty="0"/>
+              <a:t>w</a:t>
+            </a:r>
+            <a:r>
+              <a:rPr lang="en-US" sz="1800" dirty="0" smtClean="0"/>
+              <a:t>ill block grippers movement</a:t>
+            </a:r>
+            <a:endParaRPr lang="en-US" sz="1800" dirty="0"/>
+          </a:p>
+          <a:p>
+            <a:pPr lvl="2"/>
+            <a:r>
+              <a:rPr lang="en-US" dirty="0"/>
+              <a:t>Top </a:t>
+            </a:r>
+          </a:p>
+          <a:p>
+            <a:pPr lvl="3"/>
+            <a:r>
+              <a:rPr lang="en-US" sz="1800" dirty="0" smtClean="0"/>
+              <a:t>Gripper </a:t>
+            </a:r>
+            <a:r>
+              <a:rPr lang="en-US" sz="1800" dirty="0" err="1"/>
+              <a:t>arp</a:t>
+            </a:r>
+            <a:r>
+              <a:rPr lang="en-US" sz="1800" dirty="0"/>
+              <a:t> in its </a:t>
+            </a:r>
+            <a:r>
+              <a:rPr lang="en-US" sz="1800" dirty="0" smtClean="0"/>
+              <a:t>path</a:t>
+            </a:r>
+            <a:endParaRPr lang="en-US" sz="1800" dirty="0"/>
+          </a:p>
+          <a:p>
+            <a:pPr lvl="1"/>
+            <a:r>
+              <a:rPr lang="en-US" dirty="0" smtClean="0"/>
+              <a:t>Sensor</a:t>
+            </a:r>
+            <a:endParaRPr lang="en-US" dirty="0"/>
+          </a:p>
+          <a:p>
+            <a:pPr lvl="2"/>
+            <a:r>
+              <a:rPr lang="en-US" dirty="0"/>
+              <a:t>Single sensor – missed the ball many </a:t>
+            </a:r>
+            <a:r>
+              <a:rPr lang="en-US" dirty="0" smtClean="0"/>
+              <a:t>times</a:t>
+            </a:r>
+          </a:p>
+          <a:p>
+            <a:pPr lvl="1"/>
+            <a:r>
+              <a:rPr lang="en-US" dirty="0" smtClean="0"/>
+              <a:t>Solution</a:t>
+            </a:r>
+          </a:p>
+          <a:p>
+            <a:pPr lvl="2"/>
+            <a:r>
+              <a:rPr lang="en-US" dirty="0" smtClean="0"/>
+              <a:t>Increase the arm’s length</a:t>
+            </a:r>
+          </a:p>
+          <a:p>
+            <a:pPr lvl="2"/>
+            <a:r>
+              <a:rPr lang="en-US" dirty="0" smtClean="0"/>
+              <a:t>Place 2 sensors ON the Camera</a:t>
+            </a:r>
+          </a:p>
+          <a:p>
+            <a:pPr lvl="2"/>
+            <a:r>
+              <a:rPr lang="en-US" dirty="0" smtClean="0"/>
+              <a:t>Fix the Camera in front of bot</a:t>
+            </a:r>
+          </a:p>
+          <a:p>
+            <a:pPr lvl="2"/>
+            <a:endParaRPr lang="en-US" dirty="0"/>
+          </a:p>
+        </p:txBody>
+      </p:sp>
+      <p:pic>
+        <p:nvPicPr>
+          <p:cNvPr id="5" name="Picture 4"/>
+          <p:cNvPicPr>
+            <a:picLocks noChangeAspect="1"/>
+          </p:cNvPicPr>
+          <p:nvPr/>
+        </p:nvPicPr>
+        <p:blipFill>
+          <a:blip r:embed="rId3" cstate="print">
+            <a:extLst>
+              <a:ext uri="{28A0092B-C50C-407E-A947-70E740481C1C}">
+                <a14:useLocalDpi xmlns:a14="http://schemas.microsoft.com/office/drawing/2010/main" val="0"/>
+              </a:ext>
+            </a:extLst>
+          </a:blip>
+          <a:stretch>
+            <a:fillRect/>
+          </a:stretch>
+        </p:blipFill>
+        <p:spPr>
+          <a:xfrm>
+            <a:off x="4648200" y="1828800"/>
+            <a:ext cx="3886200" cy="2338665"/>
+          </a:xfrm>
+          <a:prstGeom prst="rect">
+            <a:avLst/>
+          </a:prstGeom>
+        </p:spPr>
+      </p:pic>
+    </p:spTree>
+    <p:extLst>
+      <p:ext uri="{BB962C8B-B14F-4D97-AF65-F5344CB8AC3E}">
+        <p14:creationId xmlns:p14="http://schemas.microsoft.com/office/powerpoint/2010/main" val="1602237527"/>
+      </p:ext>
+    </p:extLst>
+  </p:cSld>
+  <p:clrMapOvr>
+    <a:masterClrMapping/>
+  </p:clrMapOvr>
+  <p:timing>
+    <p:tnLst>
+      <p:par>
+        <p:cTn id="1" dur="indefinite" restart="never" nodeType="tmRoot">
+          <p:childTnLst>
+            <p:seq concurrent="1" nextAc="seek">
+              <p:cTn id="2" dur="indefinite" nodeType="mainSeq">
+                <p:childTnLst>
+                  <p:par>
+                    <p:cTn id="3" fill="hold">
+                      <p:stCondLst>
+                        <p:cond delay="indefinite"/>
+                        <p:cond evt="onBegin" delay="0">
+                          <p:tn val="2"/>
+                        </p:cond>
+                      </p:stCondLst>
+                      <p:childTnLst>
+                        <p:par>
+                          <p:cTn id="4" fill="hold">
+                            <p:stCondLst>
+                              <p:cond delay="0"/>
+                            </p:stCondLst>
+                            <p:childTnLst>
+                              <p:par>
+                                <p:cTn id="5" presetID="1" presetClass="entr" presetSubtype="0" fill="hold" nodeType="withEffect">
+                                  <p:stCondLst>
+                                    <p:cond delay="0"/>
+                                  </p:stCondLst>
+                                  <p:childTnLst>
+                                    <p:set>
+                                      <p:cBhvr>
+                                        <p:cTn id="6" dur="1" fill="hold">
+                                          <p:stCondLst>
+                                            <p:cond delay="0"/>
+                                          </p:stCondLst>
+                                        </p:cTn>
+                                        <p:tgtEl>
+                                          <p:spTgt spid="3">
+                                            <p:txEl>
+                                              <p:pRg st="0" end="0"/>
+                                            </p:txEl>
+                                          </p:spTgt>
+                                        </p:tgtEl>
+                                        <p:attrNameLst>
+                                          <p:attrName>style.visibility</p:attrName>
+                                        </p:attrNameLst>
+                                      </p:cBhvr>
+                                      <p:to>
+                                        <p:strVal val="visible"/>
+                                      </p:to>
+                                    </p:set>
+                                  </p:childTnLst>
+                                </p:cTn>
+                              </p:par>
+                            </p:childTnLst>
+                          </p:cTn>
+                        </p:par>
+                      </p:childTnLst>
+                    </p:cTn>
+                  </p:par>
+                  <p:par>
+                    <p:cTn id="7" fill="hold">
+                      <p:stCondLst>
+                        <p:cond delay="indefinite"/>
+                      </p:stCondLst>
+                      <p:childTnLst>
+                        <p:par>
+                          <p:cTn id="8" fill="hold">
+                            <p:stCondLst>
+                              <p:cond delay="0"/>
+                            </p:stCondLst>
+                            <p:childTnLst>
+                              <p:par>
+                                <p:cTn id="9" presetID="1" presetClass="entr" presetSubtype="0" fill="hold" nodeType="clickEffect">
+                                  <p:stCondLst>
+                                    <p:cond delay="0"/>
+                                  </p:stCondLst>
+                                  <p:childTnLst>
+                                    <p:set>
+                                      <p:cBhvr>
+                                        <p:cTn id="10" dur="1" fill="hold">
+                                          <p:stCondLst>
+                                            <p:cond delay="0"/>
+                                          </p:stCondLst>
+                                        </p:cTn>
+                                        <p:tgtEl>
+                                          <p:spTgt spid="3">
+                                            <p:txEl>
+                                              <p:pRg st="1" end="1"/>
+                                            </p:txEl>
+                                          </p:spTgt>
+                                        </p:tgtEl>
+                                        <p:attrNameLst>
+                                          <p:attrName>style.visibility</p:attrName>
+                                        </p:attrNameLst>
+                                      </p:cBhvr>
+                                      <p:to>
+                                        <p:strVal val="visible"/>
+                                      </p:to>
+                                    </p:set>
+                                  </p:childTnLst>
+                                </p:cTn>
+                              </p:par>
+                            </p:childTnLst>
+                          </p:cTn>
+                        </p:par>
+                      </p:childTnLst>
+                    </p:cTn>
+                  </p:par>
+                  <p:par>
+                    <p:cTn id="11" fill="hold">
+                      <p:stCondLst>
+                        <p:cond delay="indefinite"/>
+                      </p:stCondLst>
+                      <p:childTnLst>
+                        <p:par>
+                          <p:cTn id="12" fill="hold">
+                            <p:stCondLst>
+                              <p:cond delay="0"/>
+                            </p:stCondLst>
+                            <p:childTnLst>
+                              <p:par>
+                                <p:cTn id="13" presetID="1" presetClass="entr" presetSubtype="0" fill="hold" nodeType="clickEffect">
+                                  <p:stCondLst>
+                                    <p:cond delay="0"/>
+                                  </p:stCondLst>
+                                  <p:childTnLst>
+                                    <p:set>
+                                      <p:cBhvr>
+                                        <p:cTn id="14" dur="1" fill="hold">
+                                          <p:stCondLst>
+                                            <p:cond delay="0"/>
+                                          </p:stCondLst>
+                                        </p:cTn>
+                                        <p:tgtEl>
+                                          <p:spTgt spid="3">
+                                            <p:txEl>
+                                              <p:pRg st="2" end="2"/>
+                                            </p:txEl>
+                                          </p:spTgt>
+                                        </p:tgtEl>
+                                        <p:attrNameLst>
+                                          <p:attrName>style.visibility</p:attrName>
+                                        </p:attrNameLst>
+                                      </p:cBhvr>
+                                      <p:to>
+                                        <p:strVal val="visible"/>
+                                      </p:to>
+                                    </p:set>
+                                  </p:childTnLst>
+                                </p:cTn>
+                              </p:par>
+                              <p:par>
+                                <p:cTn id="15" presetID="1" presetClass="entr" presetSubtype="0" fill="hold" nodeType="withEffect">
+                                  <p:stCondLst>
+                                    <p:cond delay="0"/>
+                                  </p:stCondLst>
+                                  <p:childTnLst>
+                                    <p:set>
+                                      <p:cBhvr>
+                                        <p:cTn id="16" dur="1" fill="hold">
+                                          <p:stCondLst>
+                                            <p:cond delay="0"/>
+                                          </p:stCondLst>
+                                        </p:cTn>
+                                        <p:tgtEl>
+                                          <p:spTgt spid="3">
+                                            <p:txEl>
+                                              <p:pRg st="3" end="3"/>
+                                            </p:txEl>
+                                          </p:spTgt>
+                                        </p:tgtEl>
+                                        <p:attrNameLst>
+                                          <p:attrName>style.visibility</p:attrName>
+                                        </p:attrNameLst>
+                                      </p:cBhvr>
+                                      <p:to>
+                                        <p:strVal val="visible"/>
+                                      </p:to>
+                                    </p:set>
+                                  </p:childTnLst>
+                                </p:cTn>
+                              </p:par>
+                              <p:par>
+                                <p:cTn id="17" presetID="1" presetClass="entr" presetSubtype="0" fill="hold" nodeType="withEffect">
+                                  <p:stCondLst>
+                                    <p:cond delay="0"/>
+                                  </p:stCondLst>
+                                  <p:childTnLst>
+                                    <p:set>
+                                      <p:cBhvr>
+                                        <p:cTn id="18" dur="1" fill="hold">
+                                          <p:stCondLst>
+                                            <p:cond delay="0"/>
+                                          </p:stCondLst>
+                                        </p:cTn>
+                                        <p:tgtEl>
+                                          <p:spTgt spid="3">
+                                            <p:txEl>
+                                              <p:pRg st="4" end="4"/>
+                                            </p:txEl>
+                                          </p:spTgt>
+                                        </p:tgtEl>
+                                        <p:attrNameLst>
+                                          <p:attrName>style.visibility</p:attrName>
+                                        </p:attrNameLst>
+                                      </p:cBhvr>
+                                      <p:to>
+                                        <p:strVal val="visible"/>
+                                      </p:to>
+                                    </p:set>
+                                  </p:childTnLst>
+                                </p:cTn>
+                              </p:par>
+                            </p:childTnLst>
+                          </p:cTn>
+                        </p:par>
+                      </p:childTnLst>
+                    </p:cTn>
+                  </p:par>
+                  <p:par>
+                    <p:cTn id="19" fill="hold">
+                      <p:stCondLst>
+                        <p:cond delay="indefinite"/>
+                      </p:stCondLst>
+                      <p:childTnLst>
+                        <p:par>
+                          <p:cTn id="20" fill="hold">
+                            <p:stCondLst>
+                              <p:cond delay="0"/>
+                            </p:stCondLst>
+                            <p:childTnLst>
+                              <p:par>
+                                <p:cTn id="21" presetID="1" presetClass="entr" presetSubtype="0" fill="hold" nodeType="clickEffect">
+                                  <p:stCondLst>
+                                    <p:cond delay="0"/>
+                                  </p:stCondLst>
+                                  <p:childTnLst>
+                                    <p:set>
+                                      <p:cBhvr>
+                                        <p:cTn id="22" dur="1" fill="hold">
+                                          <p:stCondLst>
+                                            <p:cond delay="0"/>
+                                          </p:stCondLst>
+                                        </p:cTn>
+                                        <p:tgtEl>
+                                          <p:spTgt spid="3">
+                                            <p:txEl>
+                                              <p:pRg st="5" end="5"/>
+                                            </p:txEl>
+                                          </p:spTgt>
+                                        </p:tgtEl>
+                                        <p:attrNameLst>
+                                          <p:attrName>style.visibility</p:attrName>
+                                        </p:attrNameLst>
+                                      </p:cBhvr>
+                                      <p:to>
+                                        <p:strVal val="visible"/>
+                                      </p:to>
+                                    </p:set>
+                                  </p:childTnLst>
+                                </p:cTn>
+                              </p:par>
+                              <p:par>
+                                <p:cTn id="23" presetID="1" presetClass="entr" presetSubtype="0" fill="hold" nodeType="withEffect">
+                                  <p:stCondLst>
+                                    <p:cond delay="0"/>
+                                  </p:stCondLst>
+                                  <p:childTnLst>
+                                    <p:set>
+                                      <p:cBhvr>
+                                        <p:cTn id="24" dur="1" fill="hold">
+                                          <p:stCondLst>
+                                            <p:cond delay="0"/>
+                                          </p:stCondLst>
+                                        </p:cTn>
+                                        <p:tgtEl>
+                                          <p:spTgt spid="3">
+                                            <p:txEl>
+                                              <p:pRg st="6" end="6"/>
+                                            </p:txEl>
+                                          </p:spTgt>
+                                        </p:tgtEl>
+                                        <p:attrNameLst>
+                                          <p:attrName>style.visibility</p:attrName>
+                                        </p:attrNameLst>
+                                      </p:cBhvr>
+                                      <p:to>
+                                        <p:strVal val="visible"/>
+                                      </p:to>
+                                    </p:set>
+                                  </p:childTnLst>
+                                </p:cTn>
+                              </p:par>
+                            </p:childTnLst>
+                          </p:cTn>
+                        </p:par>
+                      </p:childTnLst>
+                    </p:cTn>
+                  </p:par>
+                  <p:par>
+                    <p:cTn id="25" fill="hold">
+                      <p:stCondLst>
+                        <p:cond delay="indefinite"/>
+                      </p:stCondLst>
+                      <p:childTnLst>
+                        <p:par>
+                          <p:cTn id="26" fill="hold">
+                            <p:stCondLst>
+                              <p:cond delay="0"/>
+                            </p:stCondLst>
+                            <p:childTnLst>
+                              <p:par>
+                                <p:cTn id="27" presetID="1" presetClass="entr" presetSubtype="0" fill="hold" nodeType="clickEffect">
+                                  <p:stCondLst>
+                                    <p:cond delay="0"/>
+                                  </p:stCondLst>
+                                  <p:childTnLst>
+                                    <p:set>
+                                      <p:cBhvr>
+                                        <p:cTn id="28" dur="1" fill="hold">
+                                          <p:stCondLst>
+                                            <p:cond delay="0"/>
+                                          </p:stCondLst>
+                                        </p:cTn>
+                                        <p:tgtEl>
+                                          <p:spTgt spid="3">
+                                            <p:txEl>
+                                              <p:pRg st="7" end="7"/>
+                                            </p:txEl>
+                                          </p:spTgt>
+                                        </p:tgtEl>
+                                        <p:attrNameLst>
+                                          <p:attrName>style.visibility</p:attrName>
+                                        </p:attrNameLst>
+                                      </p:cBhvr>
+                                      <p:to>
+                                        <p:strVal val="visible"/>
+                                      </p:to>
+                                    </p:set>
+                                  </p:childTnLst>
+                                </p:cTn>
+                              </p:par>
+                            </p:childTnLst>
+                          </p:cTn>
+                        </p:par>
+                      </p:childTnLst>
+                    </p:cTn>
+                  </p:par>
+                  <p:par>
+                    <p:cTn id="29" fill="hold">
+                      <p:stCondLst>
+                        <p:cond delay="indefinite"/>
+                      </p:stCondLst>
+                      <p:childTnLst>
+                        <p:par>
+                          <p:cTn id="30" fill="hold">
+                            <p:stCondLst>
+                              <p:cond delay="0"/>
+                            </p:stCondLst>
+                            <p:childTnLst>
+                              <p:par>
+                                <p:cTn id="31" presetID="1" presetClass="entr" presetSubtype="0" fill="hold" nodeType="clickEffect">
+                                  <p:stCondLst>
+                                    <p:cond delay="0"/>
+                                  </p:stCondLst>
+                                  <p:childTnLst>
+                                    <p:set>
+                                      <p:cBhvr>
+                                        <p:cTn id="32" dur="1" fill="hold">
+                                          <p:stCondLst>
+                                            <p:cond delay="0"/>
+                                          </p:stCondLst>
+                                        </p:cTn>
+                                        <p:tgtEl>
+                                          <p:spTgt spid="3">
+                                            <p:txEl>
+                                              <p:pRg st="8" end="8"/>
+                                            </p:txEl>
+                                          </p:spTgt>
+                                        </p:tgtEl>
+                                        <p:attrNameLst>
+                                          <p:attrName>style.visibility</p:attrName>
+                                        </p:attrNameLst>
+                                      </p:cBhvr>
+                                      <p:to>
+                                        <p:strVal val="visible"/>
+                                      </p:to>
+                                    </p:set>
+                                  </p:childTnLst>
+                                </p:cTn>
+                              </p:par>
+                            </p:childTnLst>
+                          </p:cTn>
+                        </p:par>
+                      </p:childTnLst>
+                    </p:cTn>
+                  </p:par>
+                  <p:par>
+                    <p:cTn id="33" fill="hold">
+                      <p:stCondLst>
+                        <p:cond delay="indefinite"/>
+                      </p:stCondLst>
+                      <p:childTnLst>
+                        <p:par>
+                          <p:cTn id="34" fill="hold">
+                            <p:stCondLst>
+                              <p:cond delay="0"/>
+                            </p:stCondLst>
+                            <p:childTnLst>
+                              <p:par>
+                                <p:cTn id="35" presetID="1" presetClass="entr" presetSubtype="0" fill="hold" nodeType="clickEffect">
+                                  <p:stCondLst>
+                                    <p:cond delay="0"/>
+                                  </p:stCondLst>
+                                  <p:childTnLst>
+                                    <p:set>
+                                      <p:cBhvr>
+                                        <p:cTn id="36" dur="1" fill="hold">
+                                          <p:stCondLst>
+                                            <p:cond delay="0"/>
+                                          </p:stCondLst>
+                                        </p:cTn>
+                                        <p:tgtEl>
+                                          <p:spTgt spid="3">
+                                            <p:txEl>
+                                              <p:pRg st="9" end="9"/>
+                                            </p:txEl>
+                                          </p:spTgt>
+                                        </p:tgtEl>
+                                        <p:attrNameLst>
+                                          <p:attrName>style.visibility</p:attrName>
+                                        </p:attrNameLst>
+                                      </p:cBhvr>
+                                      <p:to>
+                                        <p:strVal val="visible"/>
+                                      </p:to>
+                                    </p:set>
+                                  </p:childTnLst>
+                                </p:cTn>
+                              </p:par>
+                            </p:childTnLst>
+                          </p:cTn>
+                        </p:par>
+                      </p:childTnLst>
+                    </p:cTn>
+                  </p:par>
+                  <p:par>
+                    <p:cTn id="37" fill="hold">
+                      <p:stCondLst>
+                        <p:cond delay="indefinite"/>
+                      </p:stCondLst>
+                      <p:childTnLst>
+                        <p:par>
+                          <p:cTn id="38" fill="hold">
+                            <p:stCondLst>
+                              <p:cond delay="0"/>
+                            </p:stCondLst>
+                            <p:childTnLst>
+                              <p:par>
+                                <p:cTn id="39" presetID="2" presetClass="entr" presetSubtype="2" fill="hold" nodeType="clickEffect">
+                                  <p:stCondLst>
+                                    <p:cond delay="0"/>
+                                  </p:stCondLst>
+                                  <p:childTnLst>
+                                    <p:set>
+                                      <p:cBhvr>
+                                        <p:cTn id="40" dur="1" fill="hold">
+                                          <p:stCondLst>
+                                            <p:cond delay="0"/>
+                                          </p:stCondLst>
+                                        </p:cTn>
+                                        <p:tgtEl>
+                                          <p:spTgt spid="5"/>
+                                        </p:tgtEl>
+                                        <p:attrNameLst>
+                                          <p:attrName>style.visibility</p:attrName>
+                                        </p:attrNameLst>
+                                      </p:cBhvr>
+                                      <p:to>
+                                        <p:strVal val="visible"/>
+                                      </p:to>
+                                    </p:set>
+                                    <p:anim calcmode="lin" valueType="num">
+                                      <p:cBhvr additive="base">
+                                        <p:cTn id="41" dur="500" fill="hold"/>
+                                        <p:tgtEl>
+                                          <p:spTgt spid="5"/>
+                                        </p:tgtEl>
+                                        <p:attrNameLst>
+                                          <p:attrName>ppt_x</p:attrName>
+                                        </p:attrNameLst>
+                                      </p:cBhvr>
+                                      <p:tavLst>
+                                        <p:tav tm="0">
+                                          <p:val>
+                                            <p:strVal val="1+#ppt_w/2"/>
+                                          </p:val>
+                                        </p:tav>
+                                        <p:tav tm="100000">
+                                          <p:val>
+                                            <p:strVal val="#ppt_x"/>
+                                          </p:val>
+                                        </p:tav>
+                                      </p:tavLst>
+                                    </p:anim>
+                                    <p:anim calcmode="lin" valueType="num">
+                                      <p:cBhvr additive="base">
+                                        <p:cTn id="42" dur="500" fill="hold"/>
+                                        <p:tgtEl>
+                                          <p:spTgt spid="5"/>
+                                        </p:tgtEl>
+                                        <p:attrNameLst>
+                                          <p:attrName>ppt_y</p:attrName>
+                                        </p:attrNameLst>
+                                      </p:cBhvr>
+                                      <p:tavLst>
+                                        <p:tav tm="0">
+                                          <p:val>
+                                            <p:strVal val="#ppt_y"/>
+                                          </p:val>
+                                        </p:tav>
+                                        <p:tav tm="100000">
+                                          <p:val>
+                                            <p:strVal val="#ppt_y"/>
+                                          </p:val>
+                                        </p:tav>
+                                      </p:tavLst>
+                                    </p:anim>
+                                  </p:childTnLst>
+                                </p:cTn>
+                              </p:par>
+                            </p:childTnLst>
+                          </p:cTn>
+                        </p:par>
+                      </p:childTnLst>
+                    </p:cTn>
+                  </p:par>
+                  <p:par>
+                    <p:cTn id="43" fill="hold">
+                      <p:stCondLst>
+                        <p:cond delay="indefinite"/>
+                      </p:stCondLst>
+                      <p:childTnLst>
+                        <p:par>
+                          <p:cTn id="44" fill="hold">
+                            <p:stCondLst>
+                              <p:cond delay="0"/>
+                            </p:stCondLst>
+                            <p:childTnLst>
+                              <p:par>
+                                <p:cTn id="45" presetID="1" presetClass="entr" presetSubtype="0" fill="hold" nodeType="clickEffect">
+                                  <p:stCondLst>
+                                    <p:cond delay="0"/>
+                                  </p:stCondLst>
+                                  <p:childTnLst>
+                                    <p:set>
+                                      <p:cBhvr>
+                                        <p:cTn id="46" dur="1" fill="hold">
+                                          <p:stCondLst>
+                                            <p:cond delay="0"/>
+                                          </p:stCondLst>
+                                        </p:cTn>
+                                        <p:tgtEl>
+                                          <p:spTgt spid="3">
+                                            <p:txEl>
+                                              <p:pRg st="10" end="10"/>
+                                            </p:txEl>
+                                          </p:spTgt>
+                                        </p:tgtEl>
+                                        <p:attrNameLst>
+                                          <p:attrName>style.visibility</p:attrName>
+                                        </p:attrNameLst>
+                                      </p:cBhvr>
+                                      <p:to>
+                                        <p:strVal val="visible"/>
+                                      </p:to>
+                                    </p:set>
+                                  </p:childTnLst>
+                                </p:cTn>
+                              </p:par>
+                            </p:childTnLst>
+                          </p:cTn>
+                        </p:par>
+                      </p:childTnLst>
+                    </p:cTn>
+                  </p:par>
+                  <p:par>
+                    <p:cTn id="47" fill="hold">
+                      <p:stCondLst>
+                        <p:cond delay="indefinite"/>
+                      </p:stCondLst>
+                      <p:childTnLst>
+                        <p:par>
+                          <p:cTn id="48" fill="hold">
+                            <p:stCondLst>
+                              <p:cond delay="0"/>
+                            </p:stCondLst>
+                            <p:childTnLst>
+                              <p:par>
+                                <p:cTn id="49" presetID="1" presetClass="entr" presetSubtype="0" fill="hold" nodeType="clickEffect">
+                                  <p:stCondLst>
+                                    <p:cond delay="0"/>
+                                  </p:stCondLst>
+                                  <p:childTnLst>
+                                    <p:set>
+                                      <p:cBhvr>
+                                        <p:cTn id="50" dur="1" fill="hold">
+                                          <p:stCondLst>
+                                            <p:cond delay="0"/>
+                                          </p:stCondLst>
+                                        </p:cTn>
+                                        <p:tgtEl>
+                                          <p:spTgt spid="3">
+                                            <p:txEl>
+                                              <p:pRg st="11" end="11"/>
+                                            </p:txEl>
+                                          </p:spTgt>
+                                        </p:tgtEl>
+                                        <p:attrNameLst>
+                                          <p:attrName>style.visibility</p:attrName>
+                                        </p:attrNameLst>
+                                      </p:cBhvr>
+                                      <p:to>
+                                        <p:strVal val="visible"/>
+                                      </p:to>
+                                    </p:set>
+                                  </p:childTnLst>
+                                </p:cTn>
+                              </p:par>
+                            </p:childTnLst>
+                          </p:cTn>
+                        </p:par>
+                      </p:childTnLst>
+                    </p:cTn>
+                  </p:par>
+                  <p:par>
+                    <p:cTn id="51" fill="hold">
+                      <p:stCondLst>
+                        <p:cond delay="indefinite"/>
+                      </p:stCondLst>
+                      <p:childTnLst>
+                        <p:par>
+                          <p:cTn id="52" fill="hold">
+                            <p:stCondLst>
+                              <p:cond delay="0"/>
+                            </p:stCondLst>
+                            <p:childTnLst>
+                              <p:par>
+                                <p:cTn id="53" presetID="1" presetClass="entr" presetSubtype="0" fill="hold" nodeType="clickEffect">
+                                  <p:stCondLst>
+                                    <p:cond delay="0"/>
+                                  </p:stCondLst>
+                                  <p:childTnLst>
+                                    <p:set>
+                                      <p:cBhvr>
+                                        <p:cTn id="54" dur="1" fill="hold">
+                                          <p:stCondLst>
+                                            <p:cond delay="0"/>
+                                          </p:stCondLst>
+                                        </p:cTn>
+                                        <p:tgtEl>
+                                          <p:spTgt spid="3">
+                                            <p:txEl>
+                                              <p:pRg st="12" end="12"/>
+                                            </p:txEl>
+                                          </p:spTgt>
+                                        </p:tgtEl>
+                                        <p:attrNameLst>
+                                          <p:attrName>style.visibility</p:attrName>
+                                        </p:attrNameLst>
+                                      </p:cBhvr>
+                                      <p:to>
+                                        <p:strVal val="visible"/>
+                                      </p:to>
+                                    </p:set>
+                                  </p:childTnLst>
+                                </p:cTn>
+                              </p:par>
+                            </p:childTnLst>
+                          </p:cTn>
+                        </p:par>
+                      </p:childTnLst>
+                    </p:cTn>
+                  </p:par>
+                </p:childTnLst>
+              </p:cTn>
+              <p:prevCondLst>
+                <p:cond evt="onPrev" delay="0">
+                  <p:tgtEl>
+                    <p:sldTgt/>
+                  </p:tgtEl>
+                </p:cond>
+              </p:prevCondLst>
+              <p:nextCondLst>
+                <p:cond evt="onNext" delay="0">
+                  <p:tgtEl>
+                    <p:sldTgt/>
+                  </p:tgtEl>
+                </p:cond>
+              </p:nextCondLst>
+            </p:seq>
+          </p:childTnLst>
+        </p:cTn>
       </p:par>
     </p:tnLst>
   </p:timing>

--- a/Documentation/cs308_2012_team14_final_pres.pptx
+++ b/Documentation/cs308_2012_team14_final_pres.pptx
@@ -4966,8 +4966,12 @@
           <a:lstStyle/>
           <a:p>
             <a:r>
+              <a:rPr lang="en-US" sz="2800" smtClean="0"/>
+              <a:t>Android BASED</a:t>
+            </a:r>
+            <a:r>
               <a:rPr lang="en-US" sz="2800" dirty="0" smtClean="0"/>
-              <a:t>Android controlled</a:t>
+              <a:t/>
             </a:r>
             <a:br>
               <a:rPr lang="en-US" sz="2800" dirty="0" smtClean="0"/>

--- a/Documentation/cs308_2012_team14_final_pres.pptx
+++ b/Documentation/cs308_2012_team14_final_pres.pptx
@@ -10195,7 +10195,12 @@
             <p:ph type="title"/>
           </p:nvPr>
         </p:nvSpPr>
-        <p:spPr/>
+        <p:spPr>
+          <a:xfrm>
+            <a:off x="457200" y="233966"/>
+            <a:ext cx="8229600" cy="990600"/>
+          </a:xfrm>
+        </p:spPr>
         <p:txBody>
           <a:bodyPr/>
           <a:lstStyle/>
@@ -10210,24 +10215,1907 @@
       </p:sp>
       <p:sp>
         <p:nvSpPr>
-          <p:cNvPr id="3" name="Content Placeholder 2"/>
-          <p:cNvSpPr>
-            <a:spLocks noGrp="1"/>
-          </p:cNvSpPr>
-          <p:nvPr>
-            <p:ph idx="1"/>
-          </p:nvPr>
+          <p:cNvPr id="4" name="Oval 3"/>
+          <p:cNvSpPr/>
+          <p:nvPr/>
         </p:nvSpPr>
-        <p:spPr/>
+        <p:spPr>
+          <a:xfrm>
+            <a:off x="833907" y="3581400"/>
+            <a:ext cx="990600" cy="685800"/>
+          </a:xfrm>
+          <a:prstGeom prst="ellipse">
+            <a:avLst/>
+          </a:prstGeom>
+        </p:spPr>
+        <p:style>
+          <a:lnRef idx="2">
+            <a:schemeClr val="accent1">
+              <a:shade val="50000"/>
+            </a:schemeClr>
+          </a:lnRef>
+          <a:fillRef idx="1">
+            <a:schemeClr val="accent1"/>
+          </a:fillRef>
+          <a:effectRef idx="0">
+            <a:schemeClr val="accent1"/>
+          </a:effectRef>
+          <a:fontRef idx="minor">
+            <a:schemeClr val="lt1"/>
+          </a:fontRef>
+        </p:style>
         <p:txBody>
-          <a:bodyPr/>
+          <a:bodyPr rtlCol="0" anchor="ctr"/>
           <a:lstStyle/>
           <a:p>
+            <a:pPr algn="ctr"/>
+            <a:r>
+              <a:rPr lang="en-US" sz="1400" dirty="0" smtClean="0"/>
+              <a:t>Scan for ball</a:t>
+            </a:r>
+            <a:endParaRPr lang="en-US" sz="1400" dirty="0"/>
+          </a:p>
+        </p:txBody>
+      </p:sp>
+      <p:sp>
+        <p:nvSpPr>
+          <p:cNvPr id="5" name="Oval 4"/>
+          <p:cNvSpPr/>
+          <p:nvPr/>
+        </p:nvSpPr>
+        <p:spPr>
+          <a:xfrm>
+            <a:off x="2286000" y="1828800"/>
+            <a:ext cx="1828800" cy="762000"/>
+          </a:xfrm>
+          <a:prstGeom prst="ellipse">
+            <a:avLst/>
+          </a:prstGeom>
+        </p:spPr>
+        <p:style>
+          <a:lnRef idx="2">
+            <a:schemeClr val="accent1">
+              <a:shade val="50000"/>
+            </a:schemeClr>
+          </a:lnRef>
+          <a:fillRef idx="1">
+            <a:schemeClr val="accent1"/>
+          </a:fillRef>
+          <a:effectRef idx="0">
+            <a:schemeClr val="accent1"/>
+          </a:effectRef>
+          <a:fontRef idx="minor">
+            <a:schemeClr val="lt1"/>
+          </a:fontRef>
+        </p:style>
+        <p:txBody>
+          <a:bodyPr rtlCol="0" anchor="ctr"/>
+          <a:lstStyle/>
+          <a:p>
+            <a:pPr algn="ctr"/>
+            <a:r>
+              <a:rPr lang="en-US" sz="1400" dirty="0" smtClean="0"/>
+              <a:t>Rotate right</a:t>
+            </a:r>
+            <a:endParaRPr lang="en-US" sz="1400" dirty="0"/>
+          </a:p>
+        </p:txBody>
+      </p:sp>
+      <p:sp>
+        <p:nvSpPr>
+          <p:cNvPr id="9" name="Oval 8"/>
+          <p:cNvSpPr/>
+          <p:nvPr/>
+        </p:nvSpPr>
+        <p:spPr>
+          <a:xfrm>
+            <a:off x="2286000" y="3009900"/>
+            <a:ext cx="1828800" cy="762000"/>
+          </a:xfrm>
+          <a:prstGeom prst="ellipse">
+            <a:avLst/>
+          </a:prstGeom>
+        </p:spPr>
+        <p:style>
+          <a:lnRef idx="2">
+            <a:schemeClr val="accent1">
+              <a:shade val="50000"/>
+            </a:schemeClr>
+          </a:lnRef>
+          <a:fillRef idx="1">
+            <a:schemeClr val="accent1"/>
+          </a:fillRef>
+          <a:effectRef idx="0">
+            <a:schemeClr val="accent1"/>
+          </a:effectRef>
+          <a:fontRef idx="minor">
+            <a:schemeClr val="lt1"/>
+          </a:fontRef>
+        </p:style>
+        <p:txBody>
+          <a:bodyPr rtlCol="0" anchor="ctr"/>
+          <a:lstStyle/>
+          <a:p>
+            <a:pPr algn="ctr"/>
+            <a:r>
+              <a:rPr lang="en-US" sz="1400" dirty="0" smtClean="0"/>
+              <a:t>Rotate left</a:t>
+            </a:r>
+            <a:endParaRPr lang="en-US" sz="1400" dirty="0"/>
+          </a:p>
+        </p:txBody>
+      </p:sp>
+      <p:sp>
+        <p:nvSpPr>
+          <p:cNvPr id="10" name="Oval 9"/>
+          <p:cNvSpPr/>
+          <p:nvPr/>
+        </p:nvSpPr>
+        <p:spPr>
+          <a:xfrm>
+            <a:off x="2296732" y="4114800"/>
+            <a:ext cx="1828800" cy="762000"/>
+          </a:xfrm>
+          <a:prstGeom prst="ellipse">
+            <a:avLst/>
+          </a:prstGeom>
+        </p:spPr>
+        <p:style>
+          <a:lnRef idx="2">
+            <a:schemeClr val="accent1">
+              <a:shade val="50000"/>
+            </a:schemeClr>
+          </a:lnRef>
+          <a:fillRef idx="1">
+            <a:schemeClr val="accent1"/>
+          </a:fillRef>
+          <a:effectRef idx="0">
+            <a:schemeClr val="accent1"/>
+          </a:effectRef>
+          <a:fontRef idx="minor">
+            <a:schemeClr val="lt1"/>
+          </a:fontRef>
+        </p:style>
+        <p:txBody>
+          <a:bodyPr rtlCol="0" anchor="ctr"/>
+          <a:lstStyle/>
+          <a:p>
+            <a:pPr algn="ctr"/>
+            <a:r>
+              <a:rPr lang="en-US" sz="1400" dirty="0" smtClean="0"/>
+              <a:t>Move Forward</a:t>
+            </a:r>
+            <a:endParaRPr lang="en-US" sz="1400" dirty="0"/>
+          </a:p>
+        </p:txBody>
+      </p:sp>
+      <p:sp>
+        <p:nvSpPr>
+          <p:cNvPr id="11" name="Oval 10"/>
+          <p:cNvSpPr/>
+          <p:nvPr/>
+        </p:nvSpPr>
+        <p:spPr>
+          <a:xfrm>
+            <a:off x="2249510" y="5334000"/>
+            <a:ext cx="1828800" cy="762000"/>
+          </a:xfrm>
+          <a:prstGeom prst="ellipse">
+            <a:avLst/>
+          </a:prstGeom>
+        </p:spPr>
+        <p:style>
+          <a:lnRef idx="2">
+            <a:schemeClr val="accent1">
+              <a:shade val="50000"/>
+            </a:schemeClr>
+          </a:lnRef>
+          <a:fillRef idx="1">
+            <a:schemeClr val="accent1"/>
+          </a:fillRef>
+          <a:effectRef idx="0">
+            <a:schemeClr val="accent1"/>
+          </a:effectRef>
+          <a:fontRef idx="minor">
+            <a:schemeClr val="lt1"/>
+          </a:fontRef>
+        </p:style>
+        <p:txBody>
+          <a:bodyPr rtlCol="0" anchor="ctr"/>
+          <a:lstStyle/>
+          <a:p>
+            <a:pPr algn="ctr"/>
+            <a:r>
+              <a:rPr lang="en-US" sz="1400" dirty="0" smtClean="0"/>
+              <a:t>Pick the ball</a:t>
+            </a:r>
+            <a:endParaRPr lang="en-US" sz="1400" dirty="0"/>
+          </a:p>
+        </p:txBody>
+      </p:sp>
+      <p:sp>
+        <p:nvSpPr>
+          <p:cNvPr id="12" name="Rectangle 11"/>
+          <p:cNvSpPr/>
+          <p:nvPr/>
+        </p:nvSpPr>
+        <p:spPr>
+          <a:xfrm>
+            <a:off x="457200" y="1447800"/>
+            <a:ext cx="4419600" cy="4876800"/>
+          </a:xfrm>
+          <a:prstGeom prst="rect">
+            <a:avLst/>
+          </a:prstGeom>
+          <a:noFill/>
+        </p:spPr>
+        <p:style>
+          <a:lnRef idx="2">
+            <a:schemeClr val="accent1">
+              <a:shade val="50000"/>
+            </a:schemeClr>
+          </a:lnRef>
+          <a:fillRef idx="1">
+            <a:schemeClr val="accent1"/>
+          </a:fillRef>
+          <a:effectRef idx="0">
+            <a:schemeClr val="accent1"/>
+          </a:effectRef>
+          <a:fontRef idx="minor">
+            <a:schemeClr val="lt1"/>
+          </a:fontRef>
+        </p:style>
+        <p:txBody>
+          <a:bodyPr rtlCol="0" anchor="ctr"/>
+          <a:lstStyle/>
+          <a:p>
+            <a:pPr algn="ctr"/>
+            <a:endParaRPr lang="en-US" sz="1400"/>
+          </a:p>
+        </p:txBody>
+      </p:sp>
+      <p:sp>
+        <p:nvSpPr>
+          <p:cNvPr id="13" name="Rectangle 12"/>
+          <p:cNvSpPr/>
+          <p:nvPr/>
+        </p:nvSpPr>
+        <p:spPr>
+          <a:xfrm>
+            <a:off x="5029200" y="1447800"/>
+            <a:ext cx="3733800" cy="4876800"/>
+          </a:xfrm>
+          <a:prstGeom prst="rect">
+            <a:avLst/>
+          </a:prstGeom>
+          <a:noFill/>
+        </p:spPr>
+        <p:style>
+          <a:lnRef idx="2">
+            <a:schemeClr val="accent1">
+              <a:shade val="50000"/>
+            </a:schemeClr>
+          </a:lnRef>
+          <a:fillRef idx="1">
+            <a:schemeClr val="accent1"/>
+          </a:fillRef>
+          <a:effectRef idx="0">
+            <a:schemeClr val="accent1"/>
+          </a:effectRef>
+          <a:fontRef idx="minor">
+            <a:schemeClr val="lt1"/>
+          </a:fontRef>
+        </p:style>
+        <p:txBody>
+          <a:bodyPr rtlCol="0" anchor="ctr"/>
+          <a:lstStyle/>
+          <a:p>
+            <a:pPr algn="ctr"/>
+            <a:endParaRPr lang="en-US" sz="1400"/>
+          </a:p>
+        </p:txBody>
+      </p:sp>
+      <p:sp>
+        <p:nvSpPr>
+          <p:cNvPr id="14" name="Oval 13"/>
+          <p:cNvSpPr/>
+          <p:nvPr/>
+        </p:nvSpPr>
+        <p:spPr>
+          <a:xfrm>
+            <a:off x="6324600" y="3581400"/>
+            <a:ext cx="1238518" cy="914400"/>
+          </a:xfrm>
+          <a:prstGeom prst="ellipse">
+            <a:avLst/>
+          </a:prstGeom>
+        </p:spPr>
+        <p:style>
+          <a:lnRef idx="2">
+            <a:schemeClr val="accent1">
+              <a:shade val="50000"/>
+            </a:schemeClr>
+          </a:lnRef>
+          <a:fillRef idx="1">
+            <a:schemeClr val="accent1"/>
+          </a:fillRef>
+          <a:effectRef idx="0">
+            <a:schemeClr val="accent1"/>
+          </a:effectRef>
+          <a:fontRef idx="minor">
+            <a:schemeClr val="lt1"/>
+          </a:fontRef>
+        </p:style>
+        <p:txBody>
+          <a:bodyPr rtlCol="0" anchor="ctr"/>
+          <a:lstStyle/>
+          <a:p>
+            <a:pPr algn="ctr"/>
+            <a:r>
+              <a:rPr lang="en-US" sz="1400" dirty="0" smtClean="0"/>
+              <a:t>Take user input</a:t>
+            </a:r>
+            <a:endParaRPr lang="en-US" sz="1400" dirty="0"/>
+          </a:p>
+        </p:txBody>
+      </p:sp>
+      <p:sp>
+        <p:nvSpPr>
+          <p:cNvPr id="16" name="Oval 15"/>
+          <p:cNvSpPr/>
+          <p:nvPr/>
+        </p:nvSpPr>
+        <p:spPr>
+          <a:xfrm>
+            <a:off x="7315200" y="4800600"/>
+            <a:ext cx="1066800" cy="723900"/>
+          </a:xfrm>
+          <a:prstGeom prst="ellipse">
+            <a:avLst/>
+          </a:prstGeom>
+        </p:spPr>
+        <p:style>
+          <a:lnRef idx="2">
+            <a:schemeClr val="accent1">
+              <a:shade val="50000"/>
+            </a:schemeClr>
+          </a:lnRef>
+          <a:fillRef idx="1">
+            <a:schemeClr val="accent1"/>
+          </a:fillRef>
+          <a:effectRef idx="0">
+            <a:schemeClr val="accent1"/>
+          </a:effectRef>
+          <a:fontRef idx="minor">
+            <a:schemeClr val="lt1"/>
+          </a:fontRef>
+        </p:style>
+        <p:txBody>
+          <a:bodyPr rtlCol="0" anchor="ctr"/>
+          <a:lstStyle/>
+          <a:p>
+            <a:pPr algn="ctr"/>
+            <a:r>
+              <a:rPr lang="en-US" sz="1400" dirty="0" smtClean="0"/>
+              <a:t>Pick the ball</a:t>
+            </a:r>
+            <a:endParaRPr lang="en-US" sz="1400" dirty="0"/>
+          </a:p>
+        </p:txBody>
+      </p:sp>
+      <p:sp>
+        <p:nvSpPr>
+          <p:cNvPr id="17" name="Oval 16"/>
+          <p:cNvSpPr/>
+          <p:nvPr/>
+        </p:nvSpPr>
+        <p:spPr>
+          <a:xfrm>
+            <a:off x="5611969" y="4800600"/>
+            <a:ext cx="1066800" cy="723900"/>
+          </a:xfrm>
+          <a:prstGeom prst="ellipse">
+            <a:avLst/>
+          </a:prstGeom>
+        </p:spPr>
+        <p:style>
+          <a:lnRef idx="2">
+            <a:schemeClr val="accent1">
+              <a:shade val="50000"/>
+            </a:schemeClr>
+          </a:lnRef>
+          <a:fillRef idx="1">
+            <a:schemeClr val="accent1"/>
+          </a:fillRef>
+          <a:effectRef idx="0">
+            <a:schemeClr val="accent1"/>
+          </a:effectRef>
+          <a:fontRef idx="minor">
+            <a:schemeClr val="lt1"/>
+          </a:fontRef>
+        </p:style>
+        <p:txBody>
+          <a:bodyPr rtlCol="0" anchor="ctr"/>
+          <a:lstStyle/>
+          <a:p>
+            <a:pPr algn="ctr"/>
+            <a:r>
+              <a:rPr lang="en-US" sz="1400" dirty="0" smtClean="0"/>
+              <a:t>Rotate Right</a:t>
+            </a:r>
+            <a:endParaRPr lang="en-US" sz="1400" dirty="0"/>
+          </a:p>
+        </p:txBody>
+      </p:sp>
+      <p:sp>
+        <p:nvSpPr>
+          <p:cNvPr id="18" name="Oval 17"/>
+          <p:cNvSpPr/>
+          <p:nvPr/>
+        </p:nvSpPr>
+        <p:spPr>
+          <a:xfrm>
+            <a:off x="7471429" y="2691685"/>
+            <a:ext cx="1139171" cy="723900"/>
+          </a:xfrm>
+          <a:prstGeom prst="ellipse">
+            <a:avLst/>
+          </a:prstGeom>
+        </p:spPr>
+        <p:style>
+          <a:lnRef idx="2">
+            <a:schemeClr val="accent1">
+              <a:shade val="50000"/>
+            </a:schemeClr>
+          </a:lnRef>
+          <a:fillRef idx="1">
+            <a:schemeClr val="accent1"/>
+          </a:fillRef>
+          <a:effectRef idx="0">
+            <a:schemeClr val="accent1"/>
+          </a:effectRef>
+          <a:fontRef idx="minor">
+            <a:schemeClr val="lt1"/>
+          </a:fontRef>
+        </p:style>
+        <p:txBody>
+          <a:bodyPr rtlCol="0" anchor="ctr"/>
+          <a:lstStyle/>
+          <a:p>
+            <a:pPr algn="ctr"/>
+            <a:r>
+              <a:rPr lang="en-US" sz="1400" dirty="0" smtClean="0"/>
+              <a:t>Move forward</a:t>
+            </a:r>
+            <a:endParaRPr lang="en-US" sz="1400" dirty="0"/>
+          </a:p>
+        </p:txBody>
+      </p:sp>
+      <p:sp>
+        <p:nvSpPr>
+          <p:cNvPr id="19" name="Oval 18"/>
+          <p:cNvSpPr/>
+          <p:nvPr/>
+        </p:nvSpPr>
+        <p:spPr>
+          <a:xfrm>
+            <a:off x="6234983" y="1889438"/>
+            <a:ext cx="1380187" cy="723900"/>
+          </a:xfrm>
+          <a:prstGeom prst="ellipse">
+            <a:avLst/>
+          </a:prstGeom>
+        </p:spPr>
+        <p:style>
+          <a:lnRef idx="2">
+            <a:schemeClr val="accent1">
+              <a:shade val="50000"/>
+            </a:schemeClr>
+          </a:lnRef>
+          <a:fillRef idx="1">
+            <a:schemeClr val="accent1"/>
+          </a:fillRef>
+          <a:effectRef idx="0">
+            <a:schemeClr val="accent1"/>
+          </a:effectRef>
+          <a:fontRef idx="minor">
+            <a:schemeClr val="lt1"/>
+          </a:fontRef>
+        </p:style>
+        <p:txBody>
+          <a:bodyPr rtlCol="0" anchor="ctr"/>
+          <a:lstStyle/>
+          <a:p>
+            <a:pPr algn="ctr"/>
+            <a:r>
+              <a:rPr lang="en-US" sz="1400" dirty="0" smtClean="0"/>
+              <a:t>Move Backward</a:t>
+            </a:r>
+            <a:endParaRPr lang="en-US" sz="1400" dirty="0"/>
+          </a:p>
+        </p:txBody>
+      </p:sp>
+      <p:sp>
+        <p:nvSpPr>
+          <p:cNvPr id="20" name="Oval 19"/>
+          <p:cNvSpPr/>
+          <p:nvPr/>
+        </p:nvSpPr>
+        <p:spPr>
+          <a:xfrm>
+            <a:off x="5257800" y="2726028"/>
+            <a:ext cx="1066800" cy="723900"/>
+          </a:xfrm>
+          <a:prstGeom prst="ellipse">
+            <a:avLst/>
+          </a:prstGeom>
+        </p:spPr>
+        <p:style>
+          <a:lnRef idx="2">
+            <a:schemeClr val="accent1">
+              <a:shade val="50000"/>
+            </a:schemeClr>
+          </a:lnRef>
+          <a:fillRef idx="1">
+            <a:schemeClr val="accent1"/>
+          </a:fillRef>
+          <a:effectRef idx="0">
+            <a:schemeClr val="accent1"/>
+          </a:effectRef>
+          <a:fontRef idx="minor">
+            <a:schemeClr val="lt1"/>
+          </a:fontRef>
+        </p:style>
+        <p:txBody>
+          <a:bodyPr rtlCol="0" anchor="ctr"/>
+          <a:lstStyle/>
+          <a:p>
+            <a:pPr algn="ctr"/>
+            <a:r>
+              <a:rPr lang="en-US" sz="1400" dirty="0" smtClean="0"/>
+              <a:t>Rotate left</a:t>
+            </a:r>
+            <a:endParaRPr lang="en-US" sz="1400" dirty="0"/>
+          </a:p>
+        </p:txBody>
+      </p:sp>
+      <p:cxnSp>
+        <p:nvCxnSpPr>
+          <p:cNvPr id="24" name="Curved Connector 23"/>
+          <p:cNvCxnSpPr>
+            <a:stCxn id="4" idx="0"/>
+            <a:endCxn id="5" idx="2"/>
+          </p:cNvCxnSpPr>
+          <p:nvPr/>
+        </p:nvCxnSpPr>
+        <p:spPr>
+          <a:xfrm rot="5400000" flipH="1" flipV="1">
+            <a:off x="1121803" y="2417204"/>
+            <a:ext cx="1371600" cy="956793"/>
+          </a:xfrm>
+          <a:prstGeom prst="curvedConnector2">
+            <a:avLst/>
+          </a:prstGeom>
+          <a:ln>
+            <a:tailEnd type="arrow"/>
+          </a:ln>
+        </p:spPr>
+        <p:style>
+          <a:lnRef idx="1">
+            <a:schemeClr val="accent1"/>
+          </a:lnRef>
+          <a:fillRef idx="0">
+            <a:schemeClr val="accent1"/>
+          </a:fillRef>
+          <a:effectRef idx="0">
+            <a:schemeClr val="accent1"/>
+          </a:effectRef>
+          <a:fontRef idx="minor">
+            <a:schemeClr val="tx1"/>
+          </a:fontRef>
+        </p:style>
+      </p:cxnSp>
+      <p:cxnSp>
+        <p:nvCxnSpPr>
+          <p:cNvPr id="33" name="Curved Connector 32"/>
+          <p:cNvCxnSpPr>
+            <a:stCxn id="5" idx="3"/>
+          </p:cNvCxnSpPr>
+          <p:nvPr/>
+        </p:nvCxnSpPr>
+        <p:spPr>
+          <a:xfrm rot="5400000">
+            <a:off x="1449715" y="2477293"/>
+            <a:ext cx="1102193" cy="1106022"/>
+          </a:xfrm>
+          <a:prstGeom prst="curvedConnector2">
+            <a:avLst/>
+          </a:prstGeom>
+          <a:ln>
+            <a:tailEnd type="arrow"/>
+          </a:ln>
+        </p:spPr>
+        <p:style>
+          <a:lnRef idx="1">
+            <a:schemeClr val="accent1"/>
+          </a:lnRef>
+          <a:fillRef idx="0">
+            <a:schemeClr val="accent1"/>
+          </a:fillRef>
+          <a:effectRef idx="0">
+            <a:schemeClr val="accent1"/>
+          </a:effectRef>
+          <a:fontRef idx="minor">
+            <a:schemeClr val="tx1"/>
+          </a:fontRef>
+        </p:style>
+      </p:cxnSp>
+      <p:cxnSp>
+        <p:nvCxnSpPr>
+          <p:cNvPr id="35" name="Curved Connector 34"/>
+          <p:cNvCxnSpPr>
+            <a:stCxn id="4" idx="7"/>
+            <a:endCxn id="9" idx="2"/>
+          </p:cNvCxnSpPr>
+          <p:nvPr/>
+        </p:nvCxnSpPr>
+        <p:spPr>
+          <a:xfrm rot="5400000" flipH="1" flipV="1">
+            <a:off x="1837252" y="3233086"/>
+            <a:ext cx="290933" cy="606563"/>
+          </a:xfrm>
+          <a:prstGeom prst="curvedConnector2">
+            <a:avLst/>
+          </a:prstGeom>
+          <a:ln>
+            <a:tailEnd type="arrow"/>
+          </a:ln>
+        </p:spPr>
+        <p:style>
+          <a:lnRef idx="1">
+            <a:schemeClr val="accent1"/>
+          </a:lnRef>
+          <a:fillRef idx="0">
+            <a:schemeClr val="accent1"/>
+          </a:fillRef>
+          <a:effectRef idx="0">
+            <a:schemeClr val="accent1"/>
+          </a:effectRef>
+          <a:fontRef idx="minor">
+            <a:schemeClr val="tx1"/>
+          </a:fontRef>
+        </p:style>
+      </p:cxnSp>
+      <p:cxnSp>
+        <p:nvCxnSpPr>
+          <p:cNvPr id="39" name="Curved Connector 38"/>
+          <p:cNvCxnSpPr>
+            <a:stCxn id="9" idx="3"/>
+            <a:endCxn id="4" idx="6"/>
+          </p:cNvCxnSpPr>
+          <p:nvPr/>
+        </p:nvCxnSpPr>
+        <p:spPr>
+          <a:xfrm rot="5400000">
+            <a:off x="2057169" y="3427647"/>
+            <a:ext cx="263992" cy="729315"/>
+          </a:xfrm>
+          <a:prstGeom prst="curvedConnector2">
+            <a:avLst/>
+          </a:prstGeom>
+          <a:ln>
+            <a:tailEnd type="arrow"/>
+          </a:ln>
+        </p:spPr>
+        <p:style>
+          <a:lnRef idx="1">
+            <a:schemeClr val="accent1"/>
+          </a:lnRef>
+          <a:fillRef idx="0">
+            <a:schemeClr val="accent1"/>
+          </a:fillRef>
+          <a:effectRef idx="0">
+            <a:schemeClr val="accent1"/>
+          </a:effectRef>
+          <a:fontRef idx="minor">
+            <a:schemeClr val="tx1"/>
+          </a:fontRef>
+        </p:style>
+      </p:cxnSp>
+      <p:cxnSp>
+        <p:nvCxnSpPr>
+          <p:cNvPr id="41" name="Curved Connector 40"/>
+          <p:cNvCxnSpPr>
+            <a:stCxn id="4" idx="5"/>
+          </p:cNvCxnSpPr>
+          <p:nvPr/>
+        </p:nvCxnSpPr>
+        <p:spPr>
+          <a:xfrm rot="16200000" flipH="1">
+            <a:off x="1769785" y="4076419"/>
+            <a:ext cx="329033" cy="509728"/>
+          </a:xfrm>
+          <a:prstGeom prst="curvedConnector2">
+            <a:avLst/>
+          </a:prstGeom>
+          <a:ln>
+            <a:tailEnd type="arrow"/>
+          </a:ln>
+        </p:spPr>
+        <p:style>
+          <a:lnRef idx="1">
+            <a:schemeClr val="accent1"/>
+          </a:lnRef>
+          <a:fillRef idx="0">
+            <a:schemeClr val="accent1"/>
+          </a:fillRef>
+          <a:effectRef idx="0">
+            <a:schemeClr val="accent1"/>
+          </a:effectRef>
+          <a:fontRef idx="minor">
+            <a:schemeClr val="tx1"/>
+          </a:fontRef>
+        </p:style>
+      </p:cxnSp>
+      <p:cxnSp>
+        <p:nvCxnSpPr>
+          <p:cNvPr id="43" name="Curved Connector 42"/>
+          <p:cNvCxnSpPr>
+            <a:stCxn id="10" idx="1"/>
+            <a:endCxn id="4" idx="6"/>
+          </p:cNvCxnSpPr>
+          <p:nvPr/>
+        </p:nvCxnSpPr>
+        <p:spPr>
+          <a:xfrm rot="16200000" flipV="1">
+            <a:off x="2043485" y="3705322"/>
+            <a:ext cx="302092" cy="740047"/>
+          </a:xfrm>
+          <a:prstGeom prst="curvedConnector2">
+            <a:avLst/>
+          </a:prstGeom>
+          <a:ln>
+            <a:tailEnd type="arrow"/>
+          </a:ln>
+        </p:spPr>
+        <p:style>
+          <a:lnRef idx="1">
+            <a:schemeClr val="accent1"/>
+          </a:lnRef>
+          <a:fillRef idx="0">
+            <a:schemeClr val="accent1"/>
+          </a:fillRef>
+          <a:effectRef idx="0">
+            <a:schemeClr val="accent1"/>
+          </a:effectRef>
+          <a:fontRef idx="minor">
+            <a:schemeClr val="tx1"/>
+          </a:fontRef>
+        </p:style>
+      </p:cxnSp>
+      <p:cxnSp>
+        <p:nvCxnSpPr>
+          <p:cNvPr id="47" name="Curved Connector 46"/>
+          <p:cNvCxnSpPr>
+            <a:stCxn id="11" idx="2"/>
+          </p:cNvCxnSpPr>
+          <p:nvPr/>
+        </p:nvCxnSpPr>
+        <p:spPr>
+          <a:xfrm rot="10800000">
+            <a:off x="1447800" y="4331284"/>
+            <a:ext cx="801710" cy="1383717"/>
+          </a:xfrm>
+          <a:prstGeom prst="curvedConnector2">
+            <a:avLst/>
+          </a:prstGeom>
+          <a:ln>
+            <a:tailEnd type="arrow"/>
+          </a:ln>
+        </p:spPr>
+        <p:style>
+          <a:lnRef idx="1">
+            <a:schemeClr val="accent1"/>
+          </a:lnRef>
+          <a:fillRef idx="0">
+            <a:schemeClr val="accent1"/>
+          </a:fillRef>
+          <a:effectRef idx="0">
+            <a:schemeClr val="accent1"/>
+          </a:effectRef>
+          <a:fontRef idx="minor">
+            <a:schemeClr val="tx1"/>
+          </a:fontRef>
+        </p:style>
+      </p:cxnSp>
+      <p:cxnSp>
+        <p:nvCxnSpPr>
+          <p:cNvPr id="49" name="Curved Connector 48"/>
+          <p:cNvCxnSpPr>
+            <a:endCxn id="11" idx="1"/>
+          </p:cNvCxnSpPr>
+          <p:nvPr/>
+        </p:nvCxnSpPr>
+        <p:spPr>
+          <a:xfrm rot="16200000" flipH="1">
+            <a:off x="1425412" y="4353671"/>
+            <a:ext cx="1114309" cy="1069532"/>
+          </a:xfrm>
+          <a:prstGeom prst="curvedConnector3">
+            <a:avLst/>
+          </a:prstGeom>
+          <a:ln>
+            <a:tailEnd type="arrow"/>
+          </a:ln>
+        </p:spPr>
+        <p:style>
+          <a:lnRef idx="1">
+            <a:schemeClr val="accent1"/>
+          </a:lnRef>
+          <a:fillRef idx="0">
+            <a:schemeClr val="accent1"/>
+          </a:fillRef>
+          <a:effectRef idx="0">
+            <a:schemeClr val="accent1"/>
+          </a:effectRef>
+          <a:fontRef idx="minor">
+            <a:schemeClr val="tx1"/>
+          </a:fontRef>
+        </p:style>
+      </p:cxnSp>
+      <p:cxnSp>
+        <p:nvCxnSpPr>
+          <p:cNvPr id="51" name="Curved Connector 50"/>
+          <p:cNvCxnSpPr>
+            <a:stCxn id="4" idx="2"/>
+            <a:endCxn id="4" idx="3"/>
+          </p:cNvCxnSpPr>
+          <p:nvPr/>
+        </p:nvCxnSpPr>
+        <p:spPr>
+          <a:xfrm rot="10800000" flipH="1" flipV="1">
+            <a:off x="833907" y="3924299"/>
+            <a:ext cx="145070" cy="242467"/>
+          </a:xfrm>
+          <a:prstGeom prst="curvedConnector4">
+            <a:avLst>
+              <a:gd name="adj1" fmla="val -157579"/>
+              <a:gd name="adj2" fmla="val 235702"/>
+            </a:avLst>
+          </a:prstGeom>
+          <a:ln>
+            <a:tailEnd type="arrow"/>
+          </a:ln>
+        </p:spPr>
+        <p:style>
+          <a:lnRef idx="1">
+            <a:schemeClr val="accent1"/>
+          </a:lnRef>
+          <a:fillRef idx="0">
+            <a:schemeClr val="accent1"/>
+          </a:fillRef>
+          <a:effectRef idx="0">
+            <a:schemeClr val="accent1"/>
+          </a:effectRef>
+          <a:fontRef idx="minor">
+            <a:schemeClr val="tx1"/>
+          </a:fontRef>
+        </p:style>
+      </p:cxnSp>
+      <p:cxnSp>
+        <p:nvCxnSpPr>
+          <p:cNvPr id="55" name="Curved Connector 54"/>
+          <p:cNvCxnSpPr>
+            <a:stCxn id="14" idx="0"/>
+          </p:cNvCxnSpPr>
+          <p:nvPr/>
+        </p:nvCxnSpPr>
+        <p:spPr>
+          <a:xfrm rot="16200000" flipV="1">
+            <a:off x="6327283" y="2964824"/>
+            <a:ext cx="968062" cy="265090"/>
+          </a:xfrm>
+          <a:prstGeom prst="curvedConnector3">
+            <a:avLst/>
+          </a:prstGeom>
+          <a:ln>
+            <a:tailEnd type="arrow"/>
+          </a:ln>
+        </p:spPr>
+        <p:style>
+          <a:lnRef idx="1">
+            <a:schemeClr val="accent1"/>
+          </a:lnRef>
+          <a:fillRef idx="0">
+            <a:schemeClr val="accent1"/>
+          </a:fillRef>
+          <a:effectRef idx="0">
+            <a:schemeClr val="accent1"/>
+          </a:effectRef>
+          <a:fontRef idx="minor">
+            <a:schemeClr val="tx1"/>
+          </a:fontRef>
+        </p:style>
+      </p:cxnSp>
+      <p:cxnSp>
+        <p:nvCxnSpPr>
+          <p:cNvPr id="59" name="Curved Connector 58"/>
+          <p:cNvCxnSpPr>
+            <a:endCxn id="14" idx="0"/>
+          </p:cNvCxnSpPr>
+          <p:nvPr/>
+        </p:nvCxnSpPr>
+        <p:spPr>
+          <a:xfrm rot="5400000">
+            <a:off x="6634230" y="2900430"/>
+            <a:ext cx="990600" cy="371341"/>
+          </a:xfrm>
+          <a:prstGeom prst="curvedConnector3">
+            <a:avLst/>
+          </a:prstGeom>
+          <a:ln>
+            <a:tailEnd type="arrow"/>
+          </a:ln>
+        </p:spPr>
+        <p:style>
+          <a:lnRef idx="1">
+            <a:schemeClr val="accent1"/>
+          </a:lnRef>
+          <a:fillRef idx="0">
+            <a:schemeClr val="accent1"/>
+          </a:fillRef>
+          <a:effectRef idx="0">
+            <a:schemeClr val="accent1"/>
+          </a:effectRef>
+          <a:fontRef idx="minor">
+            <a:schemeClr val="tx1"/>
+          </a:fontRef>
+        </p:style>
+      </p:cxnSp>
+      <p:cxnSp>
+        <p:nvCxnSpPr>
+          <p:cNvPr id="61" name="Curved Connector 60"/>
+          <p:cNvCxnSpPr>
+            <a:stCxn id="14" idx="1"/>
+            <a:endCxn id="20" idx="6"/>
+          </p:cNvCxnSpPr>
+          <p:nvPr/>
+        </p:nvCxnSpPr>
+        <p:spPr>
+          <a:xfrm rot="16200000" flipV="1">
+            <a:off x="6101623" y="3310956"/>
+            <a:ext cx="627333" cy="181377"/>
+          </a:xfrm>
+          <a:prstGeom prst="curvedConnector2">
+            <a:avLst/>
+          </a:prstGeom>
+          <a:ln>
+            <a:tailEnd type="arrow"/>
+          </a:ln>
+        </p:spPr>
+        <p:style>
+          <a:lnRef idx="1">
+            <a:schemeClr val="accent1"/>
+          </a:lnRef>
+          <a:fillRef idx="0">
+            <a:schemeClr val="accent1"/>
+          </a:fillRef>
+          <a:effectRef idx="0">
+            <a:schemeClr val="accent1"/>
+          </a:effectRef>
+          <a:fontRef idx="minor">
+            <a:schemeClr val="tx1"/>
+          </a:fontRef>
+        </p:style>
+      </p:cxnSp>
+      <p:cxnSp>
+        <p:nvCxnSpPr>
+          <p:cNvPr id="63" name="Curved Connector 62"/>
+          <p:cNvCxnSpPr>
+            <a:stCxn id="20" idx="4"/>
+          </p:cNvCxnSpPr>
+          <p:nvPr/>
+        </p:nvCxnSpPr>
+        <p:spPr>
+          <a:xfrm rot="16200000" flipH="1">
+            <a:off x="6102293" y="3138834"/>
+            <a:ext cx="265383" cy="887569"/>
+          </a:xfrm>
+          <a:prstGeom prst="curvedConnector2">
+            <a:avLst/>
+          </a:prstGeom>
+          <a:ln>
+            <a:tailEnd type="arrow"/>
+          </a:ln>
+        </p:spPr>
+        <p:style>
+          <a:lnRef idx="1">
+            <a:schemeClr val="accent1"/>
+          </a:lnRef>
+          <a:fillRef idx="0">
+            <a:schemeClr val="accent1"/>
+          </a:fillRef>
+          <a:effectRef idx="0">
+            <a:schemeClr val="accent1"/>
+          </a:effectRef>
+          <a:fontRef idx="minor">
+            <a:schemeClr val="tx1"/>
+          </a:fontRef>
+        </p:style>
+      </p:cxnSp>
+      <p:cxnSp>
+        <p:nvCxnSpPr>
+          <p:cNvPr id="65" name="Curved Connector 64"/>
+          <p:cNvCxnSpPr>
+            <a:stCxn id="18" idx="2"/>
+            <a:endCxn id="14" idx="7"/>
+          </p:cNvCxnSpPr>
+          <p:nvPr/>
+        </p:nvCxnSpPr>
+        <p:spPr>
+          <a:xfrm rot="10800000" flipV="1">
+            <a:off x="7381741" y="3053635"/>
+            <a:ext cx="89688" cy="661676"/>
+          </a:xfrm>
+          <a:prstGeom prst="curvedConnector2">
+            <a:avLst/>
+          </a:prstGeom>
+          <a:ln>
+            <a:tailEnd type="arrow"/>
+          </a:ln>
+        </p:spPr>
+        <p:style>
+          <a:lnRef idx="1">
+            <a:schemeClr val="accent1"/>
+          </a:lnRef>
+          <a:fillRef idx="0">
+            <a:schemeClr val="accent1"/>
+          </a:fillRef>
+          <a:effectRef idx="0">
+            <a:schemeClr val="accent1"/>
+          </a:effectRef>
+          <a:fontRef idx="minor">
+            <a:schemeClr val="tx1"/>
+          </a:fontRef>
+        </p:style>
+      </p:cxnSp>
+      <p:cxnSp>
+        <p:nvCxnSpPr>
+          <p:cNvPr id="67" name="Curved Connector 66"/>
+          <p:cNvCxnSpPr>
+            <a:stCxn id="14" idx="7"/>
+            <a:endCxn id="18" idx="4"/>
+          </p:cNvCxnSpPr>
+          <p:nvPr/>
+        </p:nvCxnSpPr>
+        <p:spPr>
+          <a:xfrm rot="5400000" flipH="1" flipV="1">
+            <a:off x="7561515" y="3235811"/>
+            <a:ext cx="299726" cy="659274"/>
+          </a:xfrm>
+          <a:prstGeom prst="curvedConnector3">
+            <a:avLst/>
+          </a:prstGeom>
+          <a:ln>
+            <a:tailEnd type="arrow"/>
+          </a:ln>
+        </p:spPr>
+        <p:style>
+          <a:lnRef idx="1">
+            <a:schemeClr val="accent1"/>
+          </a:lnRef>
+          <a:fillRef idx="0">
+            <a:schemeClr val="accent1"/>
+          </a:fillRef>
+          <a:effectRef idx="0">
+            <a:schemeClr val="accent1"/>
+          </a:effectRef>
+          <a:fontRef idx="minor">
+            <a:schemeClr val="tx1"/>
+          </a:fontRef>
+        </p:style>
+      </p:cxnSp>
+      <p:cxnSp>
+        <p:nvCxnSpPr>
+          <p:cNvPr id="69" name="Curved Connector 68"/>
+          <p:cNvCxnSpPr>
+            <a:stCxn id="14" idx="3"/>
+            <a:endCxn id="17" idx="1"/>
+          </p:cNvCxnSpPr>
+          <p:nvPr/>
+        </p:nvCxnSpPr>
+        <p:spPr>
+          <a:xfrm rot="5400000">
+            <a:off x="5864726" y="4265362"/>
+            <a:ext cx="544724" cy="737779"/>
+          </a:xfrm>
+          <a:prstGeom prst="curvedConnector3">
+            <a:avLst>
+              <a:gd name="adj1" fmla="val 9807"/>
+            </a:avLst>
+          </a:prstGeom>
+          <a:ln>
+            <a:tailEnd type="arrow"/>
+          </a:ln>
+        </p:spPr>
+        <p:style>
+          <a:lnRef idx="1">
+            <a:schemeClr val="accent1"/>
+          </a:lnRef>
+          <a:fillRef idx="0">
+            <a:schemeClr val="accent1"/>
+          </a:fillRef>
+          <a:effectRef idx="0">
+            <a:schemeClr val="accent1"/>
+          </a:effectRef>
+          <a:fontRef idx="minor">
+            <a:schemeClr val="tx1"/>
+          </a:fontRef>
+        </p:style>
+      </p:cxnSp>
+      <p:cxnSp>
+        <p:nvCxnSpPr>
+          <p:cNvPr id="74" name="Curved Connector 73"/>
+          <p:cNvCxnSpPr>
+            <a:stCxn id="17" idx="7"/>
+            <a:endCxn id="14" idx="3"/>
+          </p:cNvCxnSpPr>
+          <p:nvPr/>
+        </p:nvCxnSpPr>
+        <p:spPr>
+          <a:xfrm rot="16200000" flipV="1">
+            <a:off x="6241897" y="4625969"/>
+            <a:ext cx="544724" cy="16563"/>
+          </a:xfrm>
+          <a:prstGeom prst="curvedConnector3">
+            <a:avLst/>
+          </a:prstGeom>
+          <a:ln>
+            <a:tailEnd type="arrow"/>
+          </a:ln>
+        </p:spPr>
+        <p:style>
+          <a:lnRef idx="1">
+            <a:schemeClr val="accent1"/>
+          </a:lnRef>
+          <a:fillRef idx="0">
+            <a:schemeClr val="accent1"/>
+          </a:fillRef>
+          <a:effectRef idx="0">
+            <a:schemeClr val="accent1"/>
+          </a:effectRef>
+          <a:fontRef idx="minor">
+            <a:schemeClr val="tx1"/>
+          </a:fontRef>
+        </p:style>
+      </p:cxnSp>
+      <p:cxnSp>
+        <p:nvCxnSpPr>
+          <p:cNvPr id="76" name="Curved Connector 75"/>
+          <p:cNvCxnSpPr>
+            <a:stCxn id="16" idx="1"/>
+            <a:endCxn id="14" idx="5"/>
+          </p:cNvCxnSpPr>
+          <p:nvPr/>
+        </p:nvCxnSpPr>
+        <p:spPr>
+          <a:xfrm rot="16200000" flipV="1">
+            <a:off x="7154223" y="4589407"/>
+            <a:ext cx="544724" cy="89688"/>
+          </a:xfrm>
+          <a:prstGeom prst="curvedConnector3">
+            <a:avLst/>
+          </a:prstGeom>
+          <a:ln>
+            <a:tailEnd type="arrow"/>
+          </a:ln>
+        </p:spPr>
+        <p:style>
+          <a:lnRef idx="1">
+            <a:schemeClr val="accent1"/>
+          </a:lnRef>
+          <a:fillRef idx="0">
+            <a:schemeClr val="accent1"/>
+          </a:fillRef>
+          <a:effectRef idx="0">
+            <a:schemeClr val="accent1"/>
+          </a:effectRef>
+          <a:fontRef idx="minor">
+            <a:schemeClr val="tx1"/>
+          </a:fontRef>
+        </p:style>
+      </p:cxnSp>
+      <p:cxnSp>
+        <p:nvCxnSpPr>
+          <p:cNvPr id="78" name="Curved Connector 77"/>
+          <p:cNvCxnSpPr>
+            <a:stCxn id="14" idx="5"/>
+            <a:endCxn id="16" idx="0"/>
+          </p:cNvCxnSpPr>
+          <p:nvPr/>
+        </p:nvCxnSpPr>
+        <p:spPr>
+          <a:xfrm rot="16200000" flipH="1">
+            <a:off x="7395815" y="4347814"/>
+            <a:ext cx="438711" cy="466859"/>
+          </a:xfrm>
+          <a:prstGeom prst="curvedConnector3">
+            <a:avLst/>
+          </a:prstGeom>
+          <a:ln>
+            <a:tailEnd type="arrow"/>
+          </a:ln>
+        </p:spPr>
+        <p:style>
+          <a:lnRef idx="1">
+            <a:schemeClr val="accent1"/>
+          </a:lnRef>
+          <a:fillRef idx="0">
+            <a:schemeClr val="accent1"/>
+          </a:fillRef>
+          <a:effectRef idx="0">
+            <a:schemeClr val="accent1"/>
+          </a:effectRef>
+          <a:fontRef idx="minor">
+            <a:schemeClr val="tx1"/>
+          </a:fontRef>
+        </p:style>
+      </p:cxnSp>
+      <p:cxnSp>
+        <p:nvCxnSpPr>
+          <p:cNvPr id="90" name="Curved Connector 89"/>
+          <p:cNvCxnSpPr>
+            <a:stCxn id="12" idx="2"/>
+          </p:cNvCxnSpPr>
+          <p:nvPr/>
+        </p:nvCxnSpPr>
+        <p:spPr>
+          <a:xfrm rot="16200000" flipH="1">
+            <a:off x="3467100" y="5524500"/>
+            <a:ext cx="457200" cy="2057400"/>
+          </a:xfrm>
+          <a:prstGeom prst="curvedConnector2">
+            <a:avLst/>
+          </a:prstGeom>
+          <a:ln>
+            <a:tailEnd type="arrow"/>
+          </a:ln>
+        </p:spPr>
+        <p:style>
+          <a:lnRef idx="1">
+            <a:schemeClr val="accent1"/>
+          </a:lnRef>
+          <a:fillRef idx="0">
+            <a:schemeClr val="accent1"/>
+          </a:fillRef>
+          <a:effectRef idx="0">
+            <a:schemeClr val="accent1"/>
+          </a:effectRef>
+          <a:fontRef idx="minor">
+            <a:schemeClr val="tx1"/>
+          </a:fontRef>
+        </p:style>
+      </p:cxnSp>
+      <p:cxnSp>
+        <p:nvCxnSpPr>
+          <p:cNvPr id="94" name="Curved Connector 93"/>
+          <p:cNvCxnSpPr>
+            <a:endCxn id="13" idx="2"/>
+          </p:cNvCxnSpPr>
+          <p:nvPr/>
+        </p:nvCxnSpPr>
+        <p:spPr>
+          <a:xfrm flipV="1">
+            <a:off x="4724400" y="6324600"/>
+            <a:ext cx="2171700" cy="457201"/>
+          </a:xfrm>
+          <a:prstGeom prst="curvedConnector2">
+            <a:avLst/>
+          </a:prstGeom>
+          <a:ln>
+            <a:tailEnd type="arrow"/>
+          </a:ln>
+        </p:spPr>
+        <p:style>
+          <a:lnRef idx="1">
+            <a:schemeClr val="accent1"/>
+          </a:lnRef>
+          <a:fillRef idx="0">
+            <a:schemeClr val="accent1"/>
+          </a:fillRef>
+          <a:effectRef idx="0">
+            <a:schemeClr val="accent1"/>
+          </a:effectRef>
+          <a:fontRef idx="minor">
+            <a:schemeClr val="tx1"/>
+          </a:fontRef>
+        </p:style>
+      </p:cxnSp>
+      <p:cxnSp>
+        <p:nvCxnSpPr>
+          <p:cNvPr id="97" name="Curved Connector 96"/>
+          <p:cNvCxnSpPr/>
+          <p:nvPr/>
+        </p:nvCxnSpPr>
+        <p:spPr>
+          <a:xfrm rot="10800000" flipV="1">
+            <a:off x="4876800" y="6324600"/>
+            <a:ext cx="533400" cy="304800"/>
+          </a:xfrm>
+          <a:prstGeom prst="curvedConnector3">
+            <a:avLst>
+              <a:gd name="adj1" fmla="val -41750"/>
+            </a:avLst>
+          </a:prstGeom>
+          <a:ln>
+            <a:tailEnd type="arrow"/>
+          </a:ln>
+        </p:spPr>
+        <p:style>
+          <a:lnRef idx="1">
+            <a:schemeClr val="accent1"/>
+          </a:lnRef>
+          <a:fillRef idx="0">
+            <a:schemeClr val="accent1"/>
+          </a:fillRef>
+          <a:effectRef idx="0">
+            <a:schemeClr val="accent1"/>
+          </a:effectRef>
+          <a:fontRef idx="minor">
+            <a:schemeClr val="tx1"/>
+          </a:fontRef>
+        </p:style>
+      </p:cxnSp>
+      <p:cxnSp>
+        <p:nvCxnSpPr>
+          <p:cNvPr id="101" name="Curved Connector 100"/>
+          <p:cNvCxnSpPr/>
+          <p:nvPr/>
+        </p:nvCxnSpPr>
+        <p:spPr>
+          <a:xfrm rot="10800000">
+            <a:off x="4191001" y="6324601"/>
+            <a:ext cx="685799" cy="304801"/>
+          </a:xfrm>
+          <a:prstGeom prst="curvedConnector3">
+            <a:avLst>
+              <a:gd name="adj1" fmla="val 126996"/>
+            </a:avLst>
+          </a:prstGeom>
+          <a:ln>
+            <a:tailEnd type="arrow"/>
+          </a:ln>
+        </p:spPr>
+        <p:style>
+          <a:lnRef idx="1">
+            <a:schemeClr val="accent1"/>
+          </a:lnRef>
+          <a:fillRef idx="0">
+            <a:schemeClr val="accent1"/>
+          </a:fillRef>
+          <a:effectRef idx="0">
+            <a:schemeClr val="accent1"/>
+          </a:effectRef>
+          <a:fontRef idx="minor">
+            <a:schemeClr val="tx1"/>
+          </a:fontRef>
+        </p:style>
+      </p:cxnSp>
+      <p:sp>
+        <p:nvSpPr>
+          <p:cNvPr id="103" name="TextBox 102"/>
+          <p:cNvSpPr txBox="1"/>
+          <p:nvPr/>
+        </p:nvSpPr>
+        <p:spPr>
+          <a:xfrm>
+            <a:off x="4724400" y="6324600"/>
+            <a:ext cx="377026" cy="369332"/>
+          </a:xfrm>
+          <a:prstGeom prst="rect">
+            <a:avLst/>
+          </a:prstGeom>
+          <a:noFill/>
+        </p:spPr>
+        <p:txBody>
+          <a:bodyPr wrap="none" rtlCol="0">
+            <a:spAutoFit/>
+          </a:bodyPr>
+          <a:lstStyle/>
+          <a:p>
             <a:r>
               <a:rPr lang="en-US" dirty="0" smtClean="0"/>
-              <a:t>Do Animation</a:t>
+              <a:t>M</a:t>
             </a:r>
             <a:endParaRPr lang="en-US" dirty="0"/>
+          </a:p>
+        </p:txBody>
+      </p:sp>
+      <p:sp>
+        <p:nvSpPr>
+          <p:cNvPr id="104" name="TextBox 103"/>
+          <p:cNvSpPr txBox="1"/>
+          <p:nvPr/>
+        </p:nvSpPr>
+        <p:spPr>
+          <a:xfrm>
+            <a:off x="5828561" y="6532946"/>
+            <a:ext cx="377026" cy="369332"/>
+          </a:xfrm>
+          <a:prstGeom prst="rect">
+            <a:avLst/>
+          </a:prstGeom>
+          <a:noFill/>
+        </p:spPr>
+        <p:txBody>
+          <a:bodyPr wrap="none" rtlCol="0">
+            <a:spAutoFit/>
+          </a:bodyPr>
+          <a:lstStyle/>
+          <a:p>
+            <a:r>
+              <a:rPr lang="en-US" dirty="0" smtClean="0"/>
+              <a:t>m</a:t>
+            </a:r>
+            <a:endParaRPr lang="en-US" dirty="0"/>
+          </a:p>
+        </p:txBody>
+      </p:sp>
+      <p:sp>
+        <p:nvSpPr>
+          <p:cNvPr id="105" name="TextBox 104"/>
+          <p:cNvSpPr txBox="1"/>
+          <p:nvPr/>
+        </p:nvSpPr>
+        <p:spPr>
+          <a:xfrm>
+            <a:off x="6287575" y="3230919"/>
+            <a:ext cx="312906" cy="369332"/>
+          </a:xfrm>
+          <a:prstGeom prst="rect">
+            <a:avLst/>
+          </a:prstGeom>
+          <a:noFill/>
+        </p:spPr>
+        <p:txBody>
+          <a:bodyPr wrap="none" rtlCol="0">
+            <a:spAutoFit/>
+          </a:bodyPr>
+          <a:lstStyle/>
+          <a:p>
+            <a:r>
+              <a:rPr lang="en-US" dirty="0" smtClean="0"/>
+              <a:t>L</a:t>
+            </a:r>
+            <a:endParaRPr lang="en-US" dirty="0"/>
+          </a:p>
+        </p:txBody>
+      </p:sp>
+      <p:sp>
+        <p:nvSpPr>
+          <p:cNvPr id="106" name="TextBox 105"/>
+          <p:cNvSpPr txBox="1"/>
+          <p:nvPr/>
+        </p:nvSpPr>
+        <p:spPr>
+          <a:xfrm>
+            <a:off x="6678769" y="2895600"/>
+            <a:ext cx="338554" cy="369332"/>
+          </a:xfrm>
+          <a:prstGeom prst="rect">
+            <a:avLst/>
+          </a:prstGeom>
+          <a:noFill/>
+        </p:spPr>
+        <p:txBody>
+          <a:bodyPr wrap="none" rtlCol="0">
+            <a:spAutoFit/>
+          </a:bodyPr>
+          <a:lstStyle/>
+          <a:p>
+            <a:r>
+              <a:rPr lang="en-US" dirty="0" smtClean="0"/>
+              <a:t>B</a:t>
+            </a:r>
+            <a:endParaRPr lang="en-US" dirty="0"/>
+          </a:p>
+        </p:txBody>
+      </p:sp>
+      <p:sp>
+        <p:nvSpPr>
+          <p:cNvPr id="107" name="TextBox 106"/>
+          <p:cNvSpPr txBox="1"/>
+          <p:nvPr/>
+        </p:nvSpPr>
+        <p:spPr>
+          <a:xfrm>
+            <a:off x="7426585" y="3384473"/>
+            <a:ext cx="325730" cy="369332"/>
+          </a:xfrm>
+          <a:prstGeom prst="rect">
+            <a:avLst/>
+          </a:prstGeom>
+          <a:noFill/>
+        </p:spPr>
+        <p:txBody>
+          <a:bodyPr wrap="none" rtlCol="0">
+            <a:spAutoFit/>
+          </a:bodyPr>
+          <a:lstStyle/>
+          <a:p>
+            <a:r>
+              <a:rPr lang="en-US" dirty="0" smtClean="0"/>
+              <a:t>F</a:t>
+            </a:r>
+            <a:endParaRPr lang="en-US" dirty="0"/>
+          </a:p>
+        </p:txBody>
+      </p:sp>
+      <p:sp>
+        <p:nvSpPr>
+          <p:cNvPr id="108" name="TextBox 107"/>
+          <p:cNvSpPr txBox="1"/>
+          <p:nvPr/>
+        </p:nvSpPr>
+        <p:spPr>
+          <a:xfrm>
+            <a:off x="5942440" y="4290504"/>
+            <a:ext cx="351378" cy="369332"/>
+          </a:xfrm>
+          <a:prstGeom prst="rect">
+            <a:avLst/>
+          </a:prstGeom>
+          <a:noFill/>
+        </p:spPr>
+        <p:txBody>
+          <a:bodyPr wrap="none" rtlCol="0">
+            <a:spAutoFit/>
+          </a:bodyPr>
+          <a:lstStyle/>
+          <a:p>
+            <a:r>
+              <a:rPr lang="en-US" dirty="0" smtClean="0"/>
+              <a:t>R</a:t>
+            </a:r>
+            <a:endParaRPr lang="en-US" dirty="0"/>
+          </a:p>
+        </p:txBody>
+      </p:sp>
+      <p:sp>
+        <p:nvSpPr>
+          <p:cNvPr id="109" name="TextBox 108"/>
+          <p:cNvSpPr txBox="1"/>
+          <p:nvPr/>
+        </p:nvSpPr>
+        <p:spPr>
+          <a:xfrm>
+            <a:off x="7639472" y="4411057"/>
+            <a:ext cx="338554" cy="369332"/>
+          </a:xfrm>
+          <a:prstGeom prst="rect">
+            <a:avLst/>
+          </a:prstGeom>
+          <a:noFill/>
+        </p:spPr>
+        <p:txBody>
+          <a:bodyPr wrap="none" rtlCol="0">
+            <a:spAutoFit/>
+          </a:bodyPr>
+          <a:lstStyle/>
+          <a:p>
+            <a:r>
+              <a:rPr lang="en-US" dirty="0" smtClean="0"/>
+              <a:t>P</a:t>
+            </a:r>
+            <a:endParaRPr lang="en-US" dirty="0"/>
+          </a:p>
+        </p:txBody>
+      </p:sp>
+      <p:sp>
+        <p:nvSpPr>
+          <p:cNvPr id="110" name="TextBox 109"/>
+          <p:cNvSpPr txBox="1"/>
+          <p:nvPr/>
+        </p:nvSpPr>
+        <p:spPr>
+          <a:xfrm>
+            <a:off x="972820" y="2418036"/>
+            <a:ext cx="934871" cy="461665"/>
+          </a:xfrm>
+          <a:prstGeom prst="rect">
+            <a:avLst/>
+          </a:prstGeom>
+          <a:noFill/>
+        </p:spPr>
+        <p:txBody>
+          <a:bodyPr wrap="none" rtlCol="0">
+            <a:spAutoFit/>
+          </a:bodyPr>
+          <a:lstStyle/>
+          <a:p>
+            <a:r>
+              <a:rPr lang="en-US" sz="1200" dirty="0" smtClean="0"/>
+              <a:t>Found the </a:t>
+            </a:r>
+          </a:p>
+          <a:p>
+            <a:r>
+              <a:rPr lang="en-US" sz="1200" dirty="0" smtClean="0"/>
+              <a:t>ball to right</a:t>
+            </a:r>
+            <a:endParaRPr lang="en-US" sz="1200" dirty="0"/>
+          </a:p>
+        </p:txBody>
+      </p:sp>
+      <p:sp>
+        <p:nvSpPr>
+          <p:cNvPr id="111" name="TextBox 110"/>
+          <p:cNvSpPr txBox="1"/>
+          <p:nvPr/>
+        </p:nvSpPr>
+        <p:spPr>
+          <a:xfrm>
+            <a:off x="1440255" y="3240042"/>
+            <a:ext cx="934871" cy="461665"/>
+          </a:xfrm>
+          <a:prstGeom prst="rect">
+            <a:avLst/>
+          </a:prstGeom>
+          <a:noFill/>
+        </p:spPr>
+        <p:txBody>
+          <a:bodyPr wrap="none" rtlCol="0">
+            <a:spAutoFit/>
+          </a:bodyPr>
+          <a:lstStyle/>
+          <a:p>
+            <a:r>
+              <a:rPr lang="en-US" sz="1200" dirty="0" smtClean="0"/>
+              <a:t>Found the </a:t>
+            </a:r>
+          </a:p>
+          <a:p>
+            <a:r>
+              <a:rPr lang="en-US" sz="1200" dirty="0" smtClean="0"/>
+              <a:t>ball to </a:t>
+            </a:r>
+            <a:r>
+              <a:rPr lang="en-US" sz="1200" dirty="0" err="1" smtClean="0"/>
+              <a:t>leftt</a:t>
+            </a:r>
+            <a:endParaRPr lang="en-US" sz="1200" dirty="0"/>
+          </a:p>
+        </p:txBody>
+      </p:sp>
+      <p:sp>
+        <p:nvSpPr>
+          <p:cNvPr id="112" name="TextBox 111"/>
+          <p:cNvSpPr txBox="1"/>
+          <p:nvPr/>
+        </p:nvSpPr>
+        <p:spPr>
+          <a:xfrm>
+            <a:off x="1533375" y="3995559"/>
+            <a:ext cx="1053494" cy="461665"/>
+          </a:xfrm>
+          <a:prstGeom prst="rect">
+            <a:avLst/>
+          </a:prstGeom>
+          <a:noFill/>
+        </p:spPr>
+        <p:txBody>
+          <a:bodyPr wrap="none" rtlCol="0">
+            <a:spAutoFit/>
+          </a:bodyPr>
+          <a:lstStyle/>
+          <a:p>
+            <a:r>
+              <a:rPr lang="en-US" sz="1200" dirty="0" smtClean="0"/>
+              <a:t>Found the </a:t>
+            </a:r>
+          </a:p>
+          <a:p>
+            <a:r>
+              <a:rPr lang="en-US" sz="1200" dirty="0" smtClean="0"/>
+              <a:t>ball in center</a:t>
+            </a:r>
+            <a:endParaRPr lang="en-US" sz="1200" dirty="0"/>
+          </a:p>
+        </p:txBody>
+      </p:sp>
+      <p:sp>
+        <p:nvSpPr>
+          <p:cNvPr id="113" name="TextBox 112"/>
+          <p:cNvSpPr txBox="1"/>
+          <p:nvPr/>
+        </p:nvSpPr>
+        <p:spPr>
+          <a:xfrm>
+            <a:off x="1394140" y="4931717"/>
+            <a:ext cx="1053494" cy="461665"/>
+          </a:xfrm>
+          <a:prstGeom prst="rect">
+            <a:avLst/>
+          </a:prstGeom>
+          <a:noFill/>
+        </p:spPr>
+        <p:txBody>
+          <a:bodyPr wrap="none" rtlCol="0">
+            <a:spAutoFit/>
+          </a:bodyPr>
+          <a:lstStyle/>
+          <a:p>
+            <a:r>
+              <a:rPr lang="en-US" sz="1200" dirty="0" smtClean="0"/>
+              <a:t>Found the </a:t>
+            </a:r>
+          </a:p>
+          <a:p>
+            <a:r>
+              <a:rPr lang="en-US" sz="1200" dirty="0" smtClean="0"/>
+              <a:t>ball in center</a:t>
+            </a:r>
+            <a:endParaRPr lang="en-US" sz="1200" dirty="0"/>
+          </a:p>
+        </p:txBody>
+      </p:sp>
+      <p:sp>
+        <p:nvSpPr>
+          <p:cNvPr id="114" name="TextBox 113"/>
+          <p:cNvSpPr txBox="1"/>
+          <p:nvPr/>
+        </p:nvSpPr>
+        <p:spPr>
+          <a:xfrm>
+            <a:off x="366471" y="4325943"/>
+            <a:ext cx="901209" cy="276999"/>
+          </a:xfrm>
+          <a:prstGeom prst="rect">
+            <a:avLst/>
+          </a:prstGeom>
+          <a:noFill/>
+        </p:spPr>
+        <p:txBody>
+          <a:bodyPr wrap="none" rtlCol="0">
+            <a:spAutoFit/>
+          </a:bodyPr>
+          <a:lstStyle/>
+          <a:p>
+            <a:r>
+              <a:rPr lang="en-US" sz="1200" dirty="0" smtClean="0"/>
+              <a:t>Not Found</a:t>
+            </a:r>
+          </a:p>
+        </p:txBody>
+      </p:sp>
+      <p:sp>
+        <p:nvSpPr>
+          <p:cNvPr id="115" name="TextBox 114"/>
+          <p:cNvSpPr txBox="1"/>
+          <p:nvPr/>
+        </p:nvSpPr>
+        <p:spPr>
+          <a:xfrm>
+            <a:off x="457200" y="1447800"/>
+            <a:ext cx="872006" cy="369332"/>
+          </a:xfrm>
+          <a:prstGeom prst="rect">
+            <a:avLst/>
+          </a:prstGeom>
+          <a:noFill/>
+        </p:spPr>
+        <p:txBody>
+          <a:bodyPr wrap="square" rtlCol="0">
+            <a:spAutoFit/>
+          </a:bodyPr>
+          <a:lstStyle/>
+          <a:p>
+            <a:r>
+              <a:rPr lang="en-US" dirty="0" smtClean="0"/>
+              <a:t>Auto</a:t>
+            </a:r>
+            <a:endParaRPr lang="en-US" dirty="0"/>
+          </a:p>
+        </p:txBody>
+      </p:sp>
+      <p:sp>
+        <p:nvSpPr>
+          <p:cNvPr id="116" name="TextBox 115"/>
+          <p:cNvSpPr txBox="1"/>
+          <p:nvPr/>
+        </p:nvSpPr>
+        <p:spPr>
+          <a:xfrm>
+            <a:off x="5055892" y="1446589"/>
+            <a:ext cx="941283" cy="369332"/>
+          </a:xfrm>
+          <a:prstGeom prst="rect">
+            <a:avLst/>
+          </a:prstGeom>
+          <a:noFill/>
+        </p:spPr>
+        <p:txBody>
+          <a:bodyPr wrap="none" rtlCol="0">
+            <a:spAutoFit/>
+          </a:bodyPr>
+          <a:lstStyle/>
+          <a:p>
+            <a:r>
+              <a:rPr lang="en-US" dirty="0" smtClean="0"/>
+              <a:t>Manual</a:t>
+            </a:r>
+            <a:endParaRPr lang="en-US" dirty="0"/>
+          </a:p>
+        </p:txBody>
+      </p:sp>
+      <p:sp>
+        <p:nvSpPr>
+          <p:cNvPr id="117" name="Rectangle 116"/>
+          <p:cNvSpPr/>
+          <p:nvPr/>
+        </p:nvSpPr>
+        <p:spPr>
+          <a:xfrm>
+            <a:off x="366471" y="1219200"/>
+            <a:ext cx="8548929" cy="5562601"/>
+          </a:xfrm>
+          <a:prstGeom prst="rect">
+            <a:avLst/>
+          </a:prstGeom>
+          <a:noFill/>
+        </p:spPr>
+        <p:style>
+          <a:lnRef idx="2">
+            <a:schemeClr val="accent1">
+              <a:shade val="50000"/>
+            </a:schemeClr>
+          </a:lnRef>
+          <a:fillRef idx="1">
+            <a:schemeClr val="accent1"/>
+          </a:fillRef>
+          <a:effectRef idx="0">
+            <a:schemeClr val="accent1"/>
+          </a:effectRef>
+          <a:fontRef idx="minor">
+            <a:schemeClr val="lt1"/>
+          </a:fontRef>
+        </p:style>
+        <p:txBody>
+          <a:bodyPr rtlCol="0" anchor="ctr"/>
+          <a:lstStyle/>
+          <a:p>
+            <a:pPr algn="ctr"/>
+            <a:endParaRPr lang="en-US"/>
+          </a:p>
+        </p:txBody>
+      </p:sp>
+      <p:sp>
+        <p:nvSpPr>
+          <p:cNvPr id="118" name="TextBox 117"/>
+          <p:cNvSpPr txBox="1"/>
+          <p:nvPr/>
+        </p:nvSpPr>
+        <p:spPr>
+          <a:xfrm>
+            <a:off x="431375" y="1216049"/>
+            <a:ext cx="562975" cy="307777"/>
+          </a:xfrm>
+          <a:prstGeom prst="rect">
+            <a:avLst/>
+          </a:prstGeom>
+          <a:noFill/>
+        </p:spPr>
+        <p:txBody>
+          <a:bodyPr wrap="none" rtlCol="0">
+            <a:spAutoFit/>
+          </a:bodyPr>
+          <a:lstStyle/>
+          <a:p>
+            <a:r>
+              <a:rPr lang="en-US" sz="1400" dirty="0" smtClean="0"/>
+              <a:t>Start</a:t>
+            </a:r>
+            <a:endParaRPr lang="en-US" sz="1400" dirty="0"/>
           </a:p>
         </p:txBody>
       </p:sp>
@@ -10244,9 +12132,1899 @@
   <p:timing>
     <p:tnLst>
       <p:par>
-        <p:cTn id="1" dur="indefinite" restart="never" nodeType="tmRoot"/>
+        <p:cTn id="1" dur="indefinite" restart="never" nodeType="tmRoot">
+          <p:childTnLst>
+            <p:seq concurrent="1" nextAc="seek">
+              <p:cTn id="2" dur="indefinite" nodeType="mainSeq">
+                <p:childTnLst>
+                  <p:par>
+                    <p:cTn id="3" fill="hold">
+                      <p:stCondLst>
+                        <p:cond delay="indefinite"/>
+                      </p:stCondLst>
+                      <p:childTnLst>
+                        <p:par>
+                          <p:cTn id="4" fill="hold">
+                            <p:stCondLst>
+                              <p:cond delay="0"/>
+                            </p:stCondLst>
+                            <p:childTnLst>
+                              <p:par>
+                                <p:cTn id="5" presetID="1" presetClass="entr" presetSubtype="0" fill="hold" grpId="0" nodeType="clickEffect">
+                                  <p:stCondLst>
+                                    <p:cond delay="0"/>
+                                  </p:stCondLst>
+                                  <p:childTnLst>
+                                    <p:set>
+                                      <p:cBhvr>
+                                        <p:cTn id="6" dur="1" fill="hold">
+                                          <p:stCondLst>
+                                            <p:cond delay="0"/>
+                                          </p:stCondLst>
+                                        </p:cTn>
+                                        <p:tgtEl>
+                                          <p:spTgt spid="117"/>
+                                        </p:tgtEl>
+                                        <p:attrNameLst>
+                                          <p:attrName>style.visibility</p:attrName>
+                                        </p:attrNameLst>
+                                      </p:cBhvr>
+                                      <p:to>
+                                        <p:strVal val="visible"/>
+                                      </p:to>
+                                    </p:set>
+                                  </p:childTnLst>
+                                </p:cTn>
+                              </p:par>
+                            </p:childTnLst>
+                          </p:cTn>
+                        </p:par>
+                      </p:childTnLst>
+                    </p:cTn>
+                  </p:par>
+                  <p:par>
+                    <p:cTn id="7" fill="hold">
+                      <p:stCondLst>
+                        <p:cond delay="indefinite"/>
+                      </p:stCondLst>
+                      <p:childTnLst>
+                        <p:par>
+                          <p:cTn id="8" fill="hold">
+                            <p:stCondLst>
+                              <p:cond delay="0"/>
+                            </p:stCondLst>
+                            <p:childTnLst>
+                              <p:par>
+                                <p:cTn id="9" presetID="1" presetClass="entr" presetSubtype="0" fill="hold" grpId="0" nodeType="clickEffect">
+                                  <p:stCondLst>
+                                    <p:cond delay="0"/>
+                                  </p:stCondLst>
+                                  <p:childTnLst>
+                                    <p:set>
+                                      <p:cBhvr>
+                                        <p:cTn id="10" dur="1" fill="hold">
+                                          <p:stCondLst>
+                                            <p:cond delay="0"/>
+                                          </p:stCondLst>
+                                        </p:cTn>
+                                        <p:tgtEl>
+                                          <p:spTgt spid="12"/>
+                                        </p:tgtEl>
+                                        <p:attrNameLst>
+                                          <p:attrName>style.visibility</p:attrName>
+                                        </p:attrNameLst>
+                                      </p:cBhvr>
+                                      <p:to>
+                                        <p:strVal val="visible"/>
+                                      </p:to>
+                                    </p:set>
+                                  </p:childTnLst>
+                                </p:cTn>
+                              </p:par>
+                              <p:par>
+                                <p:cTn id="11" presetID="1" presetClass="entr" presetSubtype="0" fill="hold" grpId="0" nodeType="withEffect">
+                                  <p:stCondLst>
+                                    <p:cond delay="0"/>
+                                  </p:stCondLst>
+                                  <p:childTnLst>
+                                    <p:set>
+                                      <p:cBhvr>
+                                        <p:cTn id="12" dur="1" fill="hold">
+                                          <p:stCondLst>
+                                            <p:cond delay="0"/>
+                                          </p:stCondLst>
+                                        </p:cTn>
+                                        <p:tgtEl>
+                                          <p:spTgt spid="13"/>
+                                        </p:tgtEl>
+                                        <p:attrNameLst>
+                                          <p:attrName>style.visibility</p:attrName>
+                                        </p:attrNameLst>
+                                      </p:cBhvr>
+                                      <p:to>
+                                        <p:strVal val="visible"/>
+                                      </p:to>
+                                    </p:set>
+                                  </p:childTnLst>
+                                </p:cTn>
+                              </p:par>
+                              <p:par>
+                                <p:cTn id="13" presetID="1" presetClass="entr" presetSubtype="0" fill="hold" grpId="0" nodeType="withEffect">
+                                  <p:stCondLst>
+                                    <p:cond delay="0"/>
+                                  </p:stCondLst>
+                                  <p:childTnLst>
+                                    <p:set>
+                                      <p:cBhvr>
+                                        <p:cTn id="14" dur="1" fill="hold">
+                                          <p:stCondLst>
+                                            <p:cond delay="0"/>
+                                          </p:stCondLst>
+                                        </p:cTn>
+                                        <p:tgtEl>
+                                          <p:spTgt spid="118"/>
+                                        </p:tgtEl>
+                                        <p:attrNameLst>
+                                          <p:attrName>style.visibility</p:attrName>
+                                        </p:attrNameLst>
+                                      </p:cBhvr>
+                                      <p:to>
+                                        <p:strVal val="visible"/>
+                                      </p:to>
+                                    </p:set>
+                                  </p:childTnLst>
+                                </p:cTn>
+                              </p:par>
+                            </p:childTnLst>
+                          </p:cTn>
+                        </p:par>
+                      </p:childTnLst>
+                    </p:cTn>
+                  </p:par>
+                  <p:par>
+                    <p:cTn id="15" fill="hold">
+                      <p:stCondLst>
+                        <p:cond delay="indefinite"/>
+                      </p:stCondLst>
+                      <p:childTnLst>
+                        <p:par>
+                          <p:cTn id="16" fill="hold">
+                            <p:stCondLst>
+                              <p:cond delay="0"/>
+                            </p:stCondLst>
+                            <p:childTnLst>
+                              <p:par>
+                                <p:cTn id="17" presetID="1" presetClass="entr" presetSubtype="0" fill="hold" grpId="0" nodeType="clickEffect">
+                                  <p:stCondLst>
+                                    <p:cond delay="0"/>
+                                  </p:stCondLst>
+                                  <p:childTnLst>
+                                    <p:set>
+                                      <p:cBhvr>
+                                        <p:cTn id="18" dur="1" fill="hold">
+                                          <p:stCondLst>
+                                            <p:cond delay="0"/>
+                                          </p:stCondLst>
+                                        </p:cTn>
+                                        <p:tgtEl>
+                                          <p:spTgt spid="115"/>
+                                        </p:tgtEl>
+                                        <p:attrNameLst>
+                                          <p:attrName>style.visibility</p:attrName>
+                                        </p:attrNameLst>
+                                      </p:cBhvr>
+                                      <p:to>
+                                        <p:strVal val="visible"/>
+                                      </p:to>
+                                    </p:set>
+                                  </p:childTnLst>
+                                </p:cTn>
+                              </p:par>
+                            </p:childTnLst>
+                          </p:cTn>
+                        </p:par>
+                      </p:childTnLst>
+                    </p:cTn>
+                  </p:par>
+                  <p:par>
+                    <p:cTn id="19" fill="hold">
+                      <p:stCondLst>
+                        <p:cond delay="indefinite"/>
+                      </p:stCondLst>
+                      <p:childTnLst>
+                        <p:par>
+                          <p:cTn id="20" fill="hold">
+                            <p:stCondLst>
+                              <p:cond delay="0"/>
+                            </p:stCondLst>
+                            <p:childTnLst>
+                              <p:par>
+                                <p:cTn id="21" presetID="1" presetClass="entr" presetSubtype="0" fill="hold" grpId="0" nodeType="clickEffect">
+                                  <p:stCondLst>
+                                    <p:cond delay="0"/>
+                                  </p:stCondLst>
+                                  <p:childTnLst>
+                                    <p:set>
+                                      <p:cBhvr>
+                                        <p:cTn id="22" dur="1" fill="hold">
+                                          <p:stCondLst>
+                                            <p:cond delay="0"/>
+                                          </p:stCondLst>
+                                        </p:cTn>
+                                        <p:tgtEl>
+                                          <p:spTgt spid="4"/>
+                                        </p:tgtEl>
+                                        <p:attrNameLst>
+                                          <p:attrName>style.visibility</p:attrName>
+                                        </p:attrNameLst>
+                                      </p:cBhvr>
+                                      <p:to>
+                                        <p:strVal val="visible"/>
+                                      </p:to>
+                                    </p:set>
+                                  </p:childTnLst>
+                                </p:cTn>
+                              </p:par>
+                              <p:par>
+                                <p:cTn id="23" presetID="1" presetClass="entr" presetSubtype="0" fill="hold" grpId="0" nodeType="withEffect">
+                                  <p:stCondLst>
+                                    <p:cond delay="0"/>
+                                  </p:stCondLst>
+                                  <p:childTnLst>
+                                    <p:set>
+                                      <p:cBhvr>
+                                        <p:cTn id="24" dur="1" fill="hold">
+                                          <p:stCondLst>
+                                            <p:cond delay="0"/>
+                                          </p:stCondLst>
+                                        </p:cTn>
+                                        <p:tgtEl>
+                                          <p:spTgt spid="110"/>
+                                        </p:tgtEl>
+                                        <p:attrNameLst>
+                                          <p:attrName>style.visibility</p:attrName>
+                                        </p:attrNameLst>
+                                      </p:cBhvr>
+                                      <p:to>
+                                        <p:strVal val="visible"/>
+                                      </p:to>
+                                    </p:set>
+                                  </p:childTnLst>
+                                </p:cTn>
+                              </p:par>
+                              <p:par>
+                                <p:cTn id="25" presetID="1" presetClass="entr" presetSubtype="0" fill="hold" nodeType="withEffect">
+                                  <p:stCondLst>
+                                    <p:cond delay="0"/>
+                                  </p:stCondLst>
+                                  <p:childTnLst>
+                                    <p:set>
+                                      <p:cBhvr>
+                                        <p:cTn id="26" dur="1" fill="hold">
+                                          <p:stCondLst>
+                                            <p:cond delay="0"/>
+                                          </p:stCondLst>
+                                        </p:cTn>
+                                        <p:tgtEl>
+                                          <p:spTgt spid="24"/>
+                                        </p:tgtEl>
+                                        <p:attrNameLst>
+                                          <p:attrName>style.visibility</p:attrName>
+                                        </p:attrNameLst>
+                                      </p:cBhvr>
+                                      <p:to>
+                                        <p:strVal val="visible"/>
+                                      </p:to>
+                                    </p:set>
+                                  </p:childTnLst>
+                                </p:cTn>
+                              </p:par>
+                            </p:childTnLst>
+                          </p:cTn>
+                        </p:par>
+                      </p:childTnLst>
+                    </p:cTn>
+                  </p:par>
+                  <p:par>
+                    <p:cTn id="27" fill="hold">
+                      <p:stCondLst>
+                        <p:cond delay="indefinite"/>
+                      </p:stCondLst>
+                      <p:childTnLst>
+                        <p:par>
+                          <p:cTn id="28" fill="hold">
+                            <p:stCondLst>
+                              <p:cond delay="0"/>
+                            </p:stCondLst>
+                            <p:childTnLst>
+                              <p:par>
+                                <p:cTn id="29" presetID="1" presetClass="entr" presetSubtype="0" fill="hold" grpId="0" nodeType="clickEffect">
+                                  <p:stCondLst>
+                                    <p:cond delay="0"/>
+                                  </p:stCondLst>
+                                  <p:childTnLst>
+                                    <p:set>
+                                      <p:cBhvr>
+                                        <p:cTn id="30" dur="1" fill="hold">
+                                          <p:stCondLst>
+                                            <p:cond delay="0"/>
+                                          </p:stCondLst>
+                                        </p:cTn>
+                                        <p:tgtEl>
+                                          <p:spTgt spid="5"/>
+                                        </p:tgtEl>
+                                        <p:attrNameLst>
+                                          <p:attrName>style.visibility</p:attrName>
+                                        </p:attrNameLst>
+                                      </p:cBhvr>
+                                      <p:to>
+                                        <p:strVal val="visible"/>
+                                      </p:to>
+                                    </p:set>
+                                  </p:childTnLst>
+                                </p:cTn>
+                              </p:par>
+                              <p:par>
+                                <p:cTn id="31" presetID="1" presetClass="entr" presetSubtype="0" fill="hold" nodeType="withEffect">
+                                  <p:stCondLst>
+                                    <p:cond delay="0"/>
+                                  </p:stCondLst>
+                                  <p:childTnLst>
+                                    <p:set>
+                                      <p:cBhvr>
+                                        <p:cTn id="32" dur="1" fill="hold">
+                                          <p:stCondLst>
+                                            <p:cond delay="0"/>
+                                          </p:stCondLst>
+                                        </p:cTn>
+                                        <p:tgtEl>
+                                          <p:spTgt spid="33"/>
+                                        </p:tgtEl>
+                                        <p:attrNameLst>
+                                          <p:attrName>style.visibility</p:attrName>
+                                        </p:attrNameLst>
+                                      </p:cBhvr>
+                                      <p:to>
+                                        <p:strVal val="visible"/>
+                                      </p:to>
+                                    </p:set>
+                                  </p:childTnLst>
+                                </p:cTn>
+                              </p:par>
+                            </p:childTnLst>
+                          </p:cTn>
+                        </p:par>
+                      </p:childTnLst>
+                    </p:cTn>
+                  </p:par>
+                  <p:par>
+                    <p:cTn id="33" fill="hold">
+                      <p:stCondLst>
+                        <p:cond delay="indefinite"/>
+                      </p:stCondLst>
+                      <p:childTnLst>
+                        <p:par>
+                          <p:cTn id="34" fill="hold">
+                            <p:stCondLst>
+                              <p:cond delay="0"/>
+                            </p:stCondLst>
+                            <p:childTnLst>
+                              <p:par>
+                                <p:cTn id="35" presetID="1" presetClass="entr" presetSubtype="0" fill="hold" grpId="0" nodeType="clickEffect">
+                                  <p:stCondLst>
+                                    <p:cond delay="0"/>
+                                  </p:stCondLst>
+                                  <p:childTnLst>
+                                    <p:set>
+                                      <p:cBhvr>
+                                        <p:cTn id="36" dur="1" fill="hold">
+                                          <p:stCondLst>
+                                            <p:cond delay="0"/>
+                                          </p:stCondLst>
+                                        </p:cTn>
+                                        <p:tgtEl>
+                                          <p:spTgt spid="111"/>
+                                        </p:tgtEl>
+                                        <p:attrNameLst>
+                                          <p:attrName>style.visibility</p:attrName>
+                                        </p:attrNameLst>
+                                      </p:cBhvr>
+                                      <p:to>
+                                        <p:strVal val="visible"/>
+                                      </p:to>
+                                    </p:set>
+                                  </p:childTnLst>
+                                </p:cTn>
+                              </p:par>
+                              <p:par>
+                                <p:cTn id="37" presetID="1" presetClass="entr" presetSubtype="0" fill="hold" nodeType="withEffect">
+                                  <p:stCondLst>
+                                    <p:cond delay="0"/>
+                                  </p:stCondLst>
+                                  <p:childTnLst>
+                                    <p:set>
+                                      <p:cBhvr>
+                                        <p:cTn id="38" dur="1" fill="hold">
+                                          <p:stCondLst>
+                                            <p:cond delay="0"/>
+                                          </p:stCondLst>
+                                        </p:cTn>
+                                        <p:tgtEl>
+                                          <p:spTgt spid="35"/>
+                                        </p:tgtEl>
+                                        <p:attrNameLst>
+                                          <p:attrName>style.visibility</p:attrName>
+                                        </p:attrNameLst>
+                                      </p:cBhvr>
+                                      <p:to>
+                                        <p:strVal val="visible"/>
+                                      </p:to>
+                                    </p:set>
+                                  </p:childTnLst>
+                                </p:cTn>
+                              </p:par>
+                            </p:childTnLst>
+                          </p:cTn>
+                        </p:par>
+                      </p:childTnLst>
+                    </p:cTn>
+                  </p:par>
+                  <p:par>
+                    <p:cTn id="39" fill="hold">
+                      <p:stCondLst>
+                        <p:cond delay="indefinite"/>
+                      </p:stCondLst>
+                      <p:childTnLst>
+                        <p:par>
+                          <p:cTn id="40" fill="hold">
+                            <p:stCondLst>
+                              <p:cond delay="0"/>
+                            </p:stCondLst>
+                            <p:childTnLst>
+                              <p:par>
+                                <p:cTn id="41" presetID="1" presetClass="entr" presetSubtype="0" fill="hold" grpId="0" nodeType="clickEffect">
+                                  <p:stCondLst>
+                                    <p:cond delay="0"/>
+                                  </p:stCondLst>
+                                  <p:childTnLst>
+                                    <p:set>
+                                      <p:cBhvr>
+                                        <p:cTn id="42" dur="1" fill="hold">
+                                          <p:stCondLst>
+                                            <p:cond delay="0"/>
+                                          </p:stCondLst>
+                                        </p:cTn>
+                                        <p:tgtEl>
+                                          <p:spTgt spid="9"/>
+                                        </p:tgtEl>
+                                        <p:attrNameLst>
+                                          <p:attrName>style.visibility</p:attrName>
+                                        </p:attrNameLst>
+                                      </p:cBhvr>
+                                      <p:to>
+                                        <p:strVal val="visible"/>
+                                      </p:to>
+                                    </p:set>
+                                  </p:childTnLst>
+                                </p:cTn>
+                              </p:par>
+                              <p:par>
+                                <p:cTn id="43" presetID="1" presetClass="entr" presetSubtype="0" fill="hold" nodeType="withEffect">
+                                  <p:stCondLst>
+                                    <p:cond delay="0"/>
+                                  </p:stCondLst>
+                                  <p:childTnLst>
+                                    <p:set>
+                                      <p:cBhvr>
+                                        <p:cTn id="44" dur="1" fill="hold">
+                                          <p:stCondLst>
+                                            <p:cond delay="0"/>
+                                          </p:stCondLst>
+                                        </p:cTn>
+                                        <p:tgtEl>
+                                          <p:spTgt spid="39"/>
+                                        </p:tgtEl>
+                                        <p:attrNameLst>
+                                          <p:attrName>style.visibility</p:attrName>
+                                        </p:attrNameLst>
+                                      </p:cBhvr>
+                                      <p:to>
+                                        <p:strVal val="visible"/>
+                                      </p:to>
+                                    </p:set>
+                                  </p:childTnLst>
+                                </p:cTn>
+                              </p:par>
+                            </p:childTnLst>
+                          </p:cTn>
+                        </p:par>
+                      </p:childTnLst>
+                    </p:cTn>
+                  </p:par>
+                  <p:par>
+                    <p:cTn id="45" fill="hold">
+                      <p:stCondLst>
+                        <p:cond delay="indefinite"/>
+                      </p:stCondLst>
+                      <p:childTnLst>
+                        <p:par>
+                          <p:cTn id="46" fill="hold">
+                            <p:stCondLst>
+                              <p:cond delay="0"/>
+                            </p:stCondLst>
+                            <p:childTnLst>
+                              <p:par>
+                                <p:cTn id="47" presetID="1" presetClass="entr" presetSubtype="0" fill="hold" nodeType="clickEffect">
+                                  <p:stCondLst>
+                                    <p:cond delay="0"/>
+                                  </p:stCondLst>
+                                  <p:childTnLst>
+                                    <p:set>
+                                      <p:cBhvr>
+                                        <p:cTn id="48" dur="1" fill="hold">
+                                          <p:stCondLst>
+                                            <p:cond delay="0"/>
+                                          </p:stCondLst>
+                                        </p:cTn>
+                                        <p:tgtEl>
+                                          <p:spTgt spid="43"/>
+                                        </p:tgtEl>
+                                        <p:attrNameLst>
+                                          <p:attrName>style.visibility</p:attrName>
+                                        </p:attrNameLst>
+                                      </p:cBhvr>
+                                      <p:to>
+                                        <p:strVal val="visible"/>
+                                      </p:to>
+                                    </p:set>
+                                  </p:childTnLst>
+                                </p:cTn>
+                              </p:par>
+                              <p:par>
+                                <p:cTn id="49" presetID="1" presetClass="entr" presetSubtype="0" fill="hold" grpId="0" nodeType="withEffect">
+                                  <p:stCondLst>
+                                    <p:cond delay="0"/>
+                                  </p:stCondLst>
+                                  <p:childTnLst>
+                                    <p:set>
+                                      <p:cBhvr>
+                                        <p:cTn id="50" dur="1" fill="hold">
+                                          <p:stCondLst>
+                                            <p:cond delay="0"/>
+                                          </p:stCondLst>
+                                        </p:cTn>
+                                        <p:tgtEl>
+                                          <p:spTgt spid="112"/>
+                                        </p:tgtEl>
+                                        <p:attrNameLst>
+                                          <p:attrName>style.visibility</p:attrName>
+                                        </p:attrNameLst>
+                                      </p:cBhvr>
+                                      <p:to>
+                                        <p:strVal val="visible"/>
+                                      </p:to>
+                                    </p:set>
+                                  </p:childTnLst>
+                                </p:cTn>
+                              </p:par>
+                            </p:childTnLst>
+                          </p:cTn>
+                        </p:par>
+                      </p:childTnLst>
+                    </p:cTn>
+                  </p:par>
+                  <p:par>
+                    <p:cTn id="51" fill="hold">
+                      <p:stCondLst>
+                        <p:cond delay="indefinite"/>
+                      </p:stCondLst>
+                      <p:childTnLst>
+                        <p:par>
+                          <p:cTn id="52" fill="hold">
+                            <p:stCondLst>
+                              <p:cond delay="0"/>
+                            </p:stCondLst>
+                            <p:childTnLst>
+                              <p:par>
+                                <p:cTn id="53" presetID="1" presetClass="entr" presetSubtype="0" fill="hold" grpId="0" nodeType="clickEffect">
+                                  <p:stCondLst>
+                                    <p:cond delay="0"/>
+                                  </p:stCondLst>
+                                  <p:childTnLst>
+                                    <p:set>
+                                      <p:cBhvr>
+                                        <p:cTn id="54" dur="1" fill="hold">
+                                          <p:stCondLst>
+                                            <p:cond delay="0"/>
+                                          </p:stCondLst>
+                                        </p:cTn>
+                                        <p:tgtEl>
+                                          <p:spTgt spid="10"/>
+                                        </p:tgtEl>
+                                        <p:attrNameLst>
+                                          <p:attrName>style.visibility</p:attrName>
+                                        </p:attrNameLst>
+                                      </p:cBhvr>
+                                      <p:to>
+                                        <p:strVal val="visible"/>
+                                      </p:to>
+                                    </p:set>
+                                  </p:childTnLst>
+                                </p:cTn>
+                              </p:par>
+                              <p:par>
+                                <p:cTn id="55" presetID="1" presetClass="entr" presetSubtype="0" fill="hold" nodeType="withEffect">
+                                  <p:stCondLst>
+                                    <p:cond delay="0"/>
+                                  </p:stCondLst>
+                                  <p:childTnLst>
+                                    <p:set>
+                                      <p:cBhvr>
+                                        <p:cTn id="56" dur="1" fill="hold">
+                                          <p:stCondLst>
+                                            <p:cond delay="0"/>
+                                          </p:stCondLst>
+                                        </p:cTn>
+                                        <p:tgtEl>
+                                          <p:spTgt spid="41"/>
+                                        </p:tgtEl>
+                                        <p:attrNameLst>
+                                          <p:attrName>style.visibility</p:attrName>
+                                        </p:attrNameLst>
+                                      </p:cBhvr>
+                                      <p:to>
+                                        <p:strVal val="visible"/>
+                                      </p:to>
+                                    </p:set>
+                                  </p:childTnLst>
+                                </p:cTn>
+                              </p:par>
+                            </p:childTnLst>
+                          </p:cTn>
+                        </p:par>
+                      </p:childTnLst>
+                    </p:cTn>
+                  </p:par>
+                  <p:par>
+                    <p:cTn id="57" fill="hold">
+                      <p:stCondLst>
+                        <p:cond delay="indefinite"/>
+                      </p:stCondLst>
+                      <p:childTnLst>
+                        <p:par>
+                          <p:cTn id="58" fill="hold">
+                            <p:stCondLst>
+                              <p:cond delay="0"/>
+                            </p:stCondLst>
+                            <p:childTnLst>
+                              <p:par>
+                                <p:cTn id="59" presetID="1" presetClass="entr" presetSubtype="0" fill="hold" grpId="0" nodeType="clickEffect">
+                                  <p:stCondLst>
+                                    <p:cond delay="0"/>
+                                  </p:stCondLst>
+                                  <p:childTnLst>
+                                    <p:set>
+                                      <p:cBhvr>
+                                        <p:cTn id="60" dur="1" fill="hold">
+                                          <p:stCondLst>
+                                            <p:cond delay="0"/>
+                                          </p:stCondLst>
+                                        </p:cTn>
+                                        <p:tgtEl>
+                                          <p:spTgt spid="113"/>
+                                        </p:tgtEl>
+                                        <p:attrNameLst>
+                                          <p:attrName>style.visibility</p:attrName>
+                                        </p:attrNameLst>
+                                      </p:cBhvr>
+                                      <p:to>
+                                        <p:strVal val="visible"/>
+                                      </p:to>
+                                    </p:set>
+                                  </p:childTnLst>
+                                </p:cTn>
+                              </p:par>
+                              <p:par>
+                                <p:cTn id="61" presetID="1" presetClass="entr" presetSubtype="0" fill="hold" nodeType="withEffect">
+                                  <p:stCondLst>
+                                    <p:cond delay="0"/>
+                                  </p:stCondLst>
+                                  <p:childTnLst>
+                                    <p:set>
+                                      <p:cBhvr>
+                                        <p:cTn id="62" dur="1" fill="hold">
+                                          <p:stCondLst>
+                                            <p:cond delay="0"/>
+                                          </p:stCondLst>
+                                        </p:cTn>
+                                        <p:tgtEl>
+                                          <p:spTgt spid="49"/>
+                                        </p:tgtEl>
+                                        <p:attrNameLst>
+                                          <p:attrName>style.visibility</p:attrName>
+                                        </p:attrNameLst>
+                                      </p:cBhvr>
+                                      <p:to>
+                                        <p:strVal val="visible"/>
+                                      </p:to>
+                                    </p:set>
+                                  </p:childTnLst>
+                                </p:cTn>
+                              </p:par>
+                            </p:childTnLst>
+                          </p:cTn>
+                        </p:par>
+                      </p:childTnLst>
+                    </p:cTn>
+                  </p:par>
+                  <p:par>
+                    <p:cTn id="63" fill="hold">
+                      <p:stCondLst>
+                        <p:cond delay="indefinite"/>
+                      </p:stCondLst>
+                      <p:childTnLst>
+                        <p:par>
+                          <p:cTn id="64" fill="hold">
+                            <p:stCondLst>
+                              <p:cond delay="0"/>
+                            </p:stCondLst>
+                            <p:childTnLst>
+                              <p:par>
+                                <p:cTn id="65" presetID="1" presetClass="entr" presetSubtype="0" fill="hold" grpId="0" nodeType="clickEffect">
+                                  <p:stCondLst>
+                                    <p:cond delay="0"/>
+                                  </p:stCondLst>
+                                  <p:childTnLst>
+                                    <p:set>
+                                      <p:cBhvr>
+                                        <p:cTn id="66" dur="1" fill="hold">
+                                          <p:stCondLst>
+                                            <p:cond delay="0"/>
+                                          </p:stCondLst>
+                                        </p:cTn>
+                                        <p:tgtEl>
+                                          <p:spTgt spid="11"/>
+                                        </p:tgtEl>
+                                        <p:attrNameLst>
+                                          <p:attrName>style.visibility</p:attrName>
+                                        </p:attrNameLst>
+                                      </p:cBhvr>
+                                      <p:to>
+                                        <p:strVal val="visible"/>
+                                      </p:to>
+                                    </p:set>
+                                  </p:childTnLst>
+                                </p:cTn>
+                              </p:par>
+                              <p:par>
+                                <p:cTn id="67" presetID="1" presetClass="entr" presetSubtype="0" fill="hold" nodeType="withEffect">
+                                  <p:stCondLst>
+                                    <p:cond delay="0"/>
+                                  </p:stCondLst>
+                                  <p:childTnLst>
+                                    <p:set>
+                                      <p:cBhvr>
+                                        <p:cTn id="68" dur="1" fill="hold">
+                                          <p:stCondLst>
+                                            <p:cond delay="0"/>
+                                          </p:stCondLst>
+                                        </p:cTn>
+                                        <p:tgtEl>
+                                          <p:spTgt spid="47"/>
+                                        </p:tgtEl>
+                                        <p:attrNameLst>
+                                          <p:attrName>style.visibility</p:attrName>
+                                        </p:attrNameLst>
+                                      </p:cBhvr>
+                                      <p:to>
+                                        <p:strVal val="visible"/>
+                                      </p:to>
+                                    </p:set>
+                                  </p:childTnLst>
+                                </p:cTn>
+                              </p:par>
+                            </p:childTnLst>
+                          </p:cTn>
+                        </p:par>
+                      </p:childTnLst>
+                    </p:cTn>
+                  </p:par>
+                  <p:par>
+                    <p:cTn id="69" fill="hold">
+                      <p:stCondLst>
+                        <p:cond delay="indefinite"/>
+                      </p:stCondLst>
+                      <p:childTnLst>
+                        <p:par>
+                          <p:cTn id="70" fill="hold">
+                            <p:stCondLst>
+                              <p:cond delay="0"/>
+                            </p:stCondLst>
+                            <p:childTnLst>
+                              <p:par>
+                                <p:cTn id="71" presetID="1" presetClass="entr" presetSubtype="0" fill="hold" nodeType="clickEffect">
+                                  <p:stCondLst>
+                                    <p:cond delay="0"/>
+                                  </p:stCondLst>
+                                  <p:childTnLst>
+                                    <p:set>
+                                      <p:cBhvr>
+                                        <p:cTn id="72" dur="1" fill="hold">
+                                          <p:stCondLst>
+                                            <p:cond delay="0"/>
+                                          </p:stCondLst>
+                                        </p:cTn>
+                                        <p:tgtEl>
+                                          <p:spTgt spid="51"/>
+                                        </p:tgtEl>
+                                        <p:attrNameLst>
+                                          <p:attrName>style.visibility</p:attrName>
+                                        </p:attrNameLst>
+                                      </p:cBhvr>
+                                      <p:to>
+                                        <p:strVal val="visible"/>
+                                      </p:to>
+                                    </p:set>
+                                  </p:childTnLst>
+                                </p:cTn>
+                              </p:par>
+                              <p:par>
+                                <p:cTn id="73" presetID="1" presetClass="entr" presetSubtype="0" fill="hold" grpId="0" nodeType="withEffect">
+                                  <p:stCondLst>
+                                    <p:cond delay="0"/>
+                                  </p:stCondLst>
+                                  <p:childTnLst>
+                                    <p:set>
+                                      <p:cBhvr>
+                                        <p:cTn id="74" dur="1" fill="hold">
+                                          <p:stCondLst>
+                                            <p:cond delay="0"/>
+                                          </p:stCondLst>
+                                        </p:cTn>
+                                        <p:tgtEl>
+                                          <p:spTgt spid="114"/>
+                                        </p:tgtEl>
+                                        <p:attrNameLst>
+                                          <p:attrName>style.visibility</p:attrName>
+                                        </p:attrNameLst>
+                                      </p:cBhvr>
+                                      <p:to>
+                                        <p:strVal val="visible"/>
+                                      </p:to>
+                                    </p:set>
+                                  </p:childTnLst>
+                                </p:cTn>
+                              </p:par>
+                            </p:childTnLst>
+                          </p:cTn>
+                        </p:par>
+                      </p:childTnLst>
+                    </p:cTn>
+                  </p:par>
+                  <p:par>
+                    <p:cTn id="75" fill="hold">
+                      <p:stCondLst>
+                        <p:cond delay="indefinite"/>
+                      </p:stCondLst>
+                      <p:childTnLst>
+                        <p:par>
+                          <p:cTn id="76" fill="hold">
+                            <p:stCondLst>
+                              <p:cond delay="0"/>
+                            </p:stCondLst>
+                            <p:childTnLst>
+                              <p:par>
+                                <p:cTn id="77" presetID="1" presetClass="entr" presetSubtype="0" fill="hold" grpId="0" nodeType="clickEffect">
+                                  <p:stCondLst>
+                                    <p:cond delay="0"/>
+                                  </p:stCondLst>
+                                  <p:childTnLst>
+                                    <p:set>
+                                      <p:cBhvr>
+                                        <p:cTn id="78" dur="1" fill="hold">
+                                          <p:stCondLst>
+                                            <p:cond delay="0"/>
+                                          </p:stCondLst>
+                                        </p:cTn>
+                                        <p:tgtEl>
+                                          <p:spTgt spid="116"/>
+                                        </p:tgtEl>
+                                        <p:attrNameLst>
+                                          <p:attrName>style.visibility</p:attrName>
+                                        </p:attrNameLst>
+                                      </p:cBhvr>
+                                      <p:to>
+                                        <p:strVal val="visible"/>
+                                      </p:to>
+                                    </p:set>
+                                  </p:childTnLst>
+                                </p:cTn>
+                              </p:par>
+                              <p:par>
+                                <p:cTn id="79" presetID="1" presetClass="entr" presetSubtype="0" fill="hold" grpId="0" nodeType="withEffect">
+                                  <p:stCondLst>
+                                    <p:cond delay="0"/>
+                                  </p:stCondLst>
+                                  <p:childTnLst>
+                                    <p:set>
+                                      <p:cBhvr>
+                                        <p:cTn id="80" dur="1" fill="hold">
+                                          <p:stCondLst>
+                                            <p:cond delay="0"/>
+                                          </p:stCondLst>
+                                        </p:cTn>
+                                        <p:tgtEl>
+                                          <p:spTgt spid="14"/>
+                                        </p:tgtEl>
+                                        <p:attrNameLst>
+                                          <p:attrName>style.visibility</p:attrName>
+                                        </p:attrNameLst>
+                                      </p:cBhvr>
+                                      <p:to>
+                                        <p:strVal val="visible"/>
+                                      </p:to>
+                                    </p:set>
+                                  </p:childTnLst>
+                                </p:cTn>
+                              </p:par>
+                            </p:childTnLst>
+                          </p:cTn>
+                        </p:par>
+                      </p:childTnLst>
+                    </p:cTn>
+                  </p:par>
+                  <p:par>
+                    <p:cTn id="81" fill="hold">
+                      <p:stCondLst>
+                        <p:cond delay="indefinite"/>
+                      </p:stCondLst>
+                      <p:childTnLst>
+                        <p:par>
+                          <p:cTn id="82" fill="hold">
+                            <p:stCondLst>
+                              <p:cond delay="0"/>
+                            </p:stCondLst>
+                            <p:childTnLst>
+                              <p:par>
+                                <p:cTn id="83" presetID="1" presetClass="entr" presetSubtype="0" fill="hold" grpId="0" nodeType="clickEffect">
+                                  <p:stCondLst>
+                                    <p:cond delay="0"/>
+                                  </p:stCondLst>
+                                  <p:childTnLst>
+                                    <p:set>
+                                      <p:cBhvr>
+                                        <p:cTn id="84" dur="1" fill="hold">
+                                          <p:stCondLst>
+                                            <p:cond delay="0"/>
+                                          </p:stCondLst>
+                                        </p:cTn>
+                                        <p:tgtEl>
+                                          <p:spTgt spid="105"/>
+                                        </p:tgtEl>
+                                        <p:attrNameLst>
+                                          <p:attrName>style.visibility</p:attrName>
+                                        </p:attrNameLst>
+                                      </p:cBhvr>
+                                      <p:to>
+                                        <p:strVal val="visible"/>
+                                      </p:to>
+                                    </p:set>
+                                  </p:childTnLst>
+                                </p:cTn>
+                              </p:par>
+                              <p:par>
+                                <p:cTn id="85" presetID="1" presetClass="entr" presetSubtype="0" fill="hold" nodeType="withEffect">
+                                  <p:stCondLst>
+                                    <p:cond delay="0"/>
+                                  </p:stCondLst>
+                                  <p:childTnLst>
+                                    <p:set>
+                                      <p:cBhvr>
+                                        <p:cTn id="86" dur="1" fill="hold">
+                                          <p:stCondLst>
+                                            <p:cond delay="0"/>
+                                          </p:stCondLst>
+                                        </p:cTn>
+                                        <p:tgtEl>
+                                          <p:spTgt spid="61"/>
+                                        </p:tgtEl>
+                                        <p:attrNameLst>
+                                          <p:attrName>style.visibility</p:attrName>
+                                        </p:attrNameLst>
+                                      </p:cBhvr>
+                                      <p:to>
+                                        <p:strVal val="visible"/>
+                                      </p:to>
+                                    </p:set>
+                                  </p:childTnLst>
+                                </p:cTn>
+                              </p:par>
+                            </p:childTnLst>
+                          </p:cTn>
+                        </p:par>
+                      </p:childTnLst>
+                    </p:cTn>
+                  </p:par>
+                  <p:par>
+                    <p:cTn id="87" fill="hold">
+                      <p:stCondLst>
+                        <p:cond delay="indefinite"/>
+                      </p:stCondLst>
+                      <p:childTnLst>
+                        <p:par>
+                          <p:cTn id="88" fill="hold">
+                            <p:stCondLst>
+                              <p:cond delay="0"/>
+                            </p:stCondLst>
+                            <p:childTnLst>
+                              <p:par>
+                                <p:cTn id="89" presetID="1" presetClass="entr" presetSubtype="0" fill="hold" grpId="0" nodeType="clickEffect">
+                                  <p:stCondLst>
+                                    <p:cond delay="0"/>
+                                  </p:stCondLst>
+                                  <p:childTnLst>
+                                    <p:set>
+                                      <p:cBhvr>
+                                        <p:cTn id="90" dur="1" fill="hold">
+                                          <p:stCondLst>
+                                            <p:cond delay="0"/>
+                                          </p:stCondLst>
+                                        </p:cTn>
+                                        <p:tgtEl>
+                                          <p:spTgt spid="20"/>
+                                        </p:tgtEl>
+                                        <p:attrNameLst>
+                                          <p:attrName>style.visibility</p:attrName>
+                                        </p:attrNameLst>
+                                      </p:cBhvr>
+                                      <p:to>
+                                        <p:strVal val="visible"/>
+                                      </p:to>
+                                    </p:set>
+                                  </p:childTnLst>
+                                </p:cTn>
+                              </p:par>
+                              <p:par>
+                                <p:cTn id="91" presetID="1" presetClass="entr" presetSubtype="0" fill="hold" nodeType="withEffect">
+                                  <p:stCondLst>
+                                    <p:cond delay="0"/>
+                                  </p:stCondLst>
+                                  <p:childTnLst>
+                                    <p:set>
+                                      <p:cBhvr>
+                                        <p:cTn id="92" dur="1" fill="hold">
+                                          <p:stCondLst>
+                                            <p:cond delay="0"/>
+                                          </p:stCondLst>
+                                        </p:cTn>
+                                        <p:tgtEl>
+                                          <p:spTgt spid="63"/>
+                                        </p:tgtEl>
+                                        <p:attrNameLst>
+                                          <p:attrName>style.visibility</p:attrName>
+                                        </p:attrNameLst>
+                                      </p:cBhvr>
+                                      <p:to>
+                                        <p:strVal val="visible"/>
+                                      </p:to>
+                                    </p:set>
+                                  </p:childTnLst>
+                                </p:cTn>
+                              </p:par>
+                            </p:childTnLst>
+                          </p:cTn>
+                        </p:par>
+                      </p:childTnLst>
+                    </p:cTn>
+                  </p:par>
+                  <p:par>
+                    <p:cTn id="93" fill="hold">
+                      <p:stCondLst>
+                        <p:cond delay="indefinite"/>
+                      </p:stCondLst>
+                      <p:childTnLst>
+                        <p:par>
+                          <p:cTn id="94" fill="hold">
+                            <p:stCondLst>
+                              <p:cond delay="0"/>
+                            </p:stCondLst>
+                            <p:childTnLst>
+                              <p:par>
+                                <p:cTn id="95" presetID="1" presetClass="entr" presetSubtype="0" fill="hold" grpId="0" nodeType="clickEffect">
+                                  <p:stCondLst>
+                                    <p:cond delay="0"/>
+                                  </p:stCondLst>
+                                  <p:childTnLst>
+                                    <p:set>
+                                      <p:cBhvr>
+                                        <p:cTn id="96" dur="1" fill="hold">
+                                          <p:stCondLst>
+                                            <p:cond delay="0"/>
+                                          </p:stCondLst>
+                                        </p:cTn>
+                                        <p:tgtEl>
+                                          <p:spTgt spid="106"/>
+                                        </p:tgtEl>
+                                        <p:attrNameLst>
+                                          <p:attrName>style.visibility</p:attrName>
+                                        </p:attrNameLst>
+                                      </p:cBhvr>
+                                      <p:to>
+                                        <p:strVal val="visible"/>
+                                      </p:to>
+                                    </p:set>
+                                  </p:childTnLst>
+                                </p:cTn>
+                              </p:par>
+                              <p:par>
+                                <p:cTn id="97" presetID="1" presetClass="entr" presetSubtype="0" fill="hold" nodeType="withEffect">
+                                  <p:stCondLst>
+                                    <p:cond delay="0"/>
+                                  </p:stCondLst>
+                                  <p:childTnLst>
+                                    <p:set>
+                                      <p:cBhvr>
+                                        <p:cTn id="98" dur="1" fill="hold">
+                                          <p:stCondLst>
+                                            <p:cond delay="0"/>
+                                          </p:stCondLst>
+                                        </p:cTn>
+                                        <p:tgtEl>
+                                          <p:spTgt spid="55"/>
+                                        </p:tgtEl>
+                                        <p:attrNameLst>
+                                          <p:attrName>style.visibility</p:attrName>
+                                        </p:attrNameLst>
+                                      </p:cBhvr>
+                                      <p:to>
+                                        <p:strVal val="visible"/>
+                                      </p:to>
+                                    </p:set>
+                                  </p:childTnLst>
+                                </p:cTn>
+                              </p:par>
+                            </p:childTnLst>
+                          </p:cTn>
+                        </p:par>
+                      </p:childTnLst>
+                    </p:cTn>
+                  </p:par>
+                  <p:par>
+                    <p:cTn id="99" fill="hold">
+                      <p:stCondLst>
+                        <p:cond delay="indefinite"/>
+                      </p:stCondLst>
+                      <p:childTnLst>
+                        <p:par>
+                          <p:cTn id="100" fill="hold">
+                            <p:stCondLst>
+                              <p:cond delay="0"/>
+                            </p:stCondLst>
+                            <p:childTnLst>
+                              <p:par>
+                                <p:cTn id="101" presetID="1" presetClass="entr" presetSubtype="0" fill="hold" grpId="0" nodeType="clickEffect">
+                                  <p:stCondLst>
+                                    <p:cond delay="0"/>
+                                  </p:stCondLst>
+                                  <p:childTnLst>
+                                    <p:set>
+                                      <p:cBhvr>
+                                        <p:cTn id="102" dur="1" fill="hold">
+                                          <p:stCondLst>
+                                            <p:cond delay="0"/>
+                                          </p:stCondLst>
+                                        </p:cTn>
+                                        <p:tgtEl>
+                                          <p:spTgt spid="19"/>
+                                        </p:tgtEl>
+                                        <p:attrNameLst>
+                                          <p:attrName>style.visibility</p:attrName>
+                                        </p:attrNameLst>
+                                      </p:cBhvr>
+                                      <p:to>
+                                        <p:strVal val="visible"/>
+                                      </p:to>
+                                    </p:set>
+                                  </p:childTnLst>
+                                </p:cTn>
+                              </p:par>
+                              <p:par>
+                                <p:cTn id="103" presetID="1" presetClass="entr" presetSubtype="0" fill="hold" nodeType="withEffect">
+                                  <p:stCondLst>
+                                    <p:cond delay="0"/>
+                                  </p:stCondLst>
+                                  <p:childTnLst>
+                                    <p:set>
+                                      <p:cBhvr>
+                                        <p:cTn id="104" dur="1" fill="hold">
+                                          <p:stCondLst>
+                                            <p:cond delay="0"/>
+                                          </p:stCondLst>
+                                        </p:cTn>
+                                        <p:tgtEl>
+                                          <p:spTgt spid="59"/>
+                                        </p:tgtEl>
+                                        <p:attrNameLst>
+                                          <p:attrName>style.visibility</p:attrName>
+                                        </p:attrNameLst>
+                                      </p:cBhvr>
+                                      <p:to>
+                                        <p:strVal val="visible"/>
+                                      </p:to>
+                                    </p:set>
+                                  </p:childTnLst>
+                                </p:cTn>
+                              </p:par>
+                            </p:childTnLst>
+                          </p:cTn>
+                        </p:par>
+                      </p:childTnLst>
+                    </p:cTn>
+                  </p:par>
+                  <p:par>
+                    <p:cTn id="105" fill="hold">
+                      <p:stCondLst>
+                        <p:cond delay="indefinite"/>
+                      </p:stCondLst>
+                      <p:childTnLst>
+                        <p:par>
+                          <p:cTn id="106" fill="hold">
+                            <p:stCondLst>
+                              <p:cond delay="0"/>
+                            </p:stCondLst>
+                            <p:childTnLst>
+                              <p:par>
+                                <p:cTn id="107" presetID="1" presetClass="entr" presetSubtype="0" fill="hold" nodeType="clickEffect">
+                                  <p:stCondLst>
+                                    <p:cond delay="0"/>
+                                  </p:stCondLst>
+                                  <p:childTnLst>
+                                    <p:set>
+                                      <p:cBhvr>
+                                        <p:cTn id="108" dur="1" fill="hold">
+                                          <p:stCondLst>
+                                            <p:cond delay="0"/>
+                                          </p:stCondLst>
+                                        </p:cTn>
+                                        <p:tgtEl>
+                                          <p:spTgt spid="67"/>
+                                        </p:tgtEl>
+                                        <p:attrNameLst>
+                                          <p:attrName>style.visibility</p:attrName>
+                                        </p:attrNameLst>
+                                      </p:cBhvr>
+                                      <p:to>
+                                        <p:strVal val="visible"/>
+                                      </p:to>
+                                    </p:set>
+                                  </p:childTnLst>
+                                </p:cTn>
+                              </p:par>
+                              <p:par>
+                                <p:cTn id="109" presetID="1" presetClass="entr" presetSubtype="0" fill="hold" grpId="0" nodeType="withEffect">
+                                  <p:stCondLst>
+                                    <p:cond delay="0"/>
+                                  </p:stCondLst>
+                                  <p:childTnLst>
+                                    <p:set>
+                                      <p:cBhvr>
+                                        <p:cTn id="110" dur="1" fill="hold">
+                                          <p:stCondLst>
+                                            <p:cond delay="0"/>
+                                          </p:stCondLst>
+                                        </p:cTn>
+                                        <p:tgtEl>
+                                          <p:spTgt spid="107"/>
+                                        </p:tgtEl>
+                                        <p:attrNameLst>
+                                          <p:attrName>style.visibility</p:attrName>
+                                        </p:attrNameLst>
+                                      </p:cBhvr>
+                                      <p:to>
+                                        <p:strVal val="visible"/>
+                                      </p:to>
+                                    </p:set>
+                                  </p:childTnLst>
+                                </p:cTn>
+                              </p:par>
+                            </p:childTnLst>
+                          </p:cTn>
+                        </p:par>
+                      </p:childTnLst>
+                    </p:cTn>
+                  </p:par>
+                  <p:par>
+                    <p:cTn id="111" fill="hold">
+                      <p:stCondLst>
+                        <p:cond delay="indefinite"/>
+                      </p:stCondLst>
+                      <p:childTnLst>
+                        <p:par>
+                          <p:cTn id="112" fill="hold">
+                            <p:stCondLst>
+                              <p:cond delay="0"/>
+                            </p:stCondLst>
+                            <p:childTnLst>
+                              <p:par>
+                                <p:cTn id="113" presetID="1" presetClass="entr" presetSubtype="0" fill="hold" grpId="0" nodeType="clickEffect">
+                                  <p:stCondLst>
+                                    <p:cond delay="0"/>
+                                  </p:stCondLst>
+                                  <p:childTnLst>
+                                    <p:set>
+                                      <p:cBhvr>
+                                        <p:cTn id="114" dur="1" fill="hold">
+                                          <p:stCondLst>
+                                            <p:cond delay="0"/>
+                                          </p:stCondLst>
+                                        </p:cTn>
+                                        <p:tgtEl>
+                                          <p:spTgt spid="18"/>
+                                        </p:tgtEl>
+                                        <p:attrNameLst>
+                                          <p:attrName>style.visibility</p:attrName>
+                                        </p:attrNameLst>
+                                      </p:cBhvr>
+                                      <p:to>
+                                        <p:strVal val="visible"/>
+                                      </p:to>
+                                    </p:set>
+                                  </p:childTnLst>
+                                </p:cTn>
+                              </p:par>
+                              <p:par>
+                                <p:cTn id="115" presetID="1" presetClass="entr" presetSubtype="0" fill="hold" nodeType="withEffect">
+                                  <p:stCondLst>
+                                    <p:cond delay="0"/>
+                                  </p:stCondLst>
+                                  <p:childTnLst>
+                                    <p:set>
+                                      <p:cBhvr>
+                                        <p:cTn id="116" dur="1" fill="hold">
+                                          <p:stCondLst>
+                                            <p:cond delay="0"/>
+                                          </p:stCondLst>
+                                        </p:cTn>
+                                        <p:tgtEl>
+                                          <p:spTgt spid="65"/>
+                                        </p:tgtEl>
+                                        <p:attrNameLst>
+                                          <p:attrName>style.visibility</p:attrName>
+                                        </p:attrNameLst>
+                                      </p:cBhvr>
+                                      <p:to>
+                                        <p:strVal val="visible"/>
+                                      </p:to>
+                                    </p:set>
+                                  </p:childTnLst>
+                                </p:cTn>
+                              </p:par>
+                            </p:childTnLst>
+                          </p:cTn>
+                        </p:par>
+                      </p:childTnLst>
+                    </p:cTn>
+                  </p:par>
+                  <p:par>
+                    <p:cTn id="117" fill="hold">
+                      <p:stCondLst>
+                        <p:cond delay="indefinite"/>
+                      </p:stCondLst>
+                      <p:childTnLst>
+                        <p:par>
+                          <p:cTn id="118" fill="hold">
+                            <p:stCondLst>
+                              <p:cond delay="0"/>
+                            </p:stCondLst>
+                            <p:childTnLst>
+                              <p:par>
+                                <p:cTn id="119" presetID="1" presetClass="entr" presetSubtype="0" fill="hold" grpId="0" nodeType="clickEffect">
+                                  <p:stCondLst>
+                                    <p:cond delay="0"/>
+                                  </p:stCondLst>
+                                  <p:childTnLst>
+                                    <p:set>
+                                      <p:cBhvr>
+                                        <p:cTn id="120" dur="1" fill="hold">
+                                          <p:stCondLst>
+                                            <p:cond delay="0"/>
+                                          </p:stCondLst>
+                                        </p:cTn>
+                                        <p:tgtEl>
+                                          <p:spTgt spid="109"/>
+                                        </p:tgtEl>
+                                        <p:attrNameLst>
+                                          <p:attrName>style.visibility</p:attrName>
+                                        </p:attrNameLst>
+                                      </p:cBhvr>
+                                      <p:to>
+                                        <p:strVal val="visible"/>
+                                      </p:to>
+                                    </p:set>
+                                  </p:childTnLst>
+                                </p:cTn>
+                              </p:par>
+                              <p:par>
+                                <p:cTn id="121" presetID="1" presetClass="entr" presetSubtype="0" fill="hold" nodeType="withEffect">
+                                  <p:stCondLst>
+                                    <p:cond delay="0"/>
+                                  </p:stCondLst>
+                                  <p:childTnLst>
+                                    <p:set>
+                                      <p:cBhvr>
+                                        <p:cTn id="122" dur="1" fill="hold">
+                                          <p:stCondLst>
+                                            <p:cond delay="0"/>
+                                          </p:stCondLst>
+                                        </p:cTn>
+                                        <p:tgtEl>
+                                          <p:spTgt spid="78"/>
+                                        </p:tgtEl>
+                                        <p:attrNameLst>
+                                          <p:attrName>style.visibility</p:attrName>
+                                        </p:attrNameLst>
+                                      </p:cBhvr>
+                                      <p:to>
+                                        <p:strVal val="visible"/>
+                                      </p:to>
+                                    </p:set>
+                                  </p:childTnLst>
+                                </p:cTn>
+                              </p:par>
+                            </p:childTnLst>
+                          </p:cTn>
+                        </p:par>
+                      </p:childTnLst>
+                    </p:cTn>
+                  </p:par>
+                  <p:par>
+                    <p:cTn id="123" fill="hold">
+                      <p:stCondLst>
+                        <p:cond delay="indefinite"/>
+                      </p:stCondLst>
+                      <p:childTnLst>
+                        <p:par>
+                          <p:cTn id="124" fill="hold">
+                            <p:stCondLst>
+                              <p:cond delay="0"/>
+                            </p:stCondLst>
+                            <p:childTnLst>
+                              <p:par>
+                                <p:cTn id="125" presetID="1" presetClass="entr" presetSubtype="0" fill="hold" nodeType="clickEffect">
+                                  <p:stCondLst>
+                                    <p:cond delay="0"/>
+                                  </p:stCondLst>
+                                  <p:childTnLst>
+                                    <p:set>
+                                      <p:cBhvr>
+                                        <p:cTn id="126" dur="1" fill="hold">
+                                          <p:stCondLst>
+                                            <p:cond delay="0"/>
+                                          </p:stCondLst>
+                                        </p:cTn>
+                                        <p:tgtEl>
+                                          <p:spTgt spid="76"/>
+                                        </p:tgtEl>
+                                        <p:attrNameLst>
+                                          <p:attrName>style.visibility</p:attrName>
+                                        </p:attrNameLst>
+                                      </p:cBhvr>
+                                      <p:to>
+                                        <p:strVal val="visible"/>
+                                      </p:to>
+                                    </p:set>
+                                  </p:childTnLst>
+                                </p:cTn>
+                              </p:par>
+                              <p:par>
+                                <p:cTn id="127" presetID="1" presetClass="entr" presetSubtype="0" fill="hold" grpId="0" nodeType="withEffect">
+                                  <p:stCondLst>
+                                    <p:cond delay="0"/>
+                                  </p:stCondLst>
+                                  <p:childTnLst>
+                                    <p:set>
+                                      <p:cBhvr>
+                                        <p:cTn id="128" dur="1" fill="hold">
+                                          <p:stCondLst>
+                                            <p:cond delay="0"/>
+                                          </p:stCondLst>
+                                        </p:cTn>
+                                        <p:tgtEl>
+                                          <p:spTgt spid="16"/>
+                                        </p:tgtEl>
+                                        <p:attrNameLst>
+                                          <p:attrName>style.visibility</p:attrName>
+                                        </p:attrNameLst>
+                                      </p:cBhvr>
+                                      <p:to>
+                                        <p:strVal val="visible"/>
+                                      </p:to>
+                                    </p:set>
+                                  </p:childTnLst>
+                                </p:cTn>
+                              </p:par>
+                            </p:childTnLst>
+                          </p:cTn>
+                        </p:par>
+                      </p:childTnLst>
+                    </p:cTn>
+                  </p:par>
+                  <p:par>
+                    <p:cTn id="129" fill="hold">
+                      <p:stCondLst>
+                        <p:cond delay="indefinite"/>
+                      </p:stCondLst>
+                      <p:childTnLst>
+                        <p:par>
+                          <p:cTn id="130" fill="hold">
+                            <p:stCondLst>
+                              <p:cond delay="0"/>
+                            </p:stCondLst>
+                            <p:childTnLst>
+                              <p:par>
+                                <p:cTn id="131" presetID="1" presetClass="entr" presetSubtype="0" fill="hold" grpId="0" nodeType="clickEffect">
+                                  <p:stCondLst>
+                                    <p:cond delay="0"/>
+                                  </p:stCondLst>
+                                  <p:childTnLst>
+                                    <p:set>
+                                      <p:cBhvr>
+                                        <p:cTn id="132" dur="1" fill="hold">
+                                          <p:stCondLst>
+                                            <p:cond delay="0"/>
+                                          </p:stCondLst>
+                                        </p:cTn>
+                                        <p:tgtEl>
+                                          <p:spTgt spid="108"/>
+                                        </p:tgtEl>
+                                        <p:attrNameLst>
+                                          <p:attrName>style.visibility</p:attrName>
+                                        </p:attrNameLst>
+                                      </p:cBhvr>
+                                      <p:to>
+                                        <p:strVal val="visible"/>
+                                      </p:to>
+                                    </p:set>
+                                  </p:childTnLst>
+                                </p:cTn>
+                              </p:par>
+                              <p:par>
+                                <p:cTn id="133" presetID="1" presetClass="entr" presetSubtype="0" fill="hold" nodeType="withEffect">
+                                  <p:stCondLst>
+                                    <p:cond delay="0"/>
+                                  </p:stCondLst>
+                                  <p:childTnLst>
+                                    <p:set>
+                                      <p:cBhvr>
+                                        <p:cTn id="134" dur="1" fill="hold">
+                                          <p:stCondLst>
+                                            <p:cond delay="0"/>
+                                          </p:stCondLst>
+                                        </p:cTn>
+                                        <p:tgtEl>
+                                          <p:spTgt spid="69"/>
+                                        </p:tgtEl>
+                                        <p:attrNameLst>
+                                          <p:attrName>style.visibility</p:attrName>
+                                        </p:attrNameLst>
+                                      </p:cBhvr>
+                                      <p:to>
+                                        <p:strVal val="visible"/>
+                                      </p:to>
+                                    </p:set>
+                                  </p:childTnLst>
+                                </p:cTn>
+                              </p:par>
+                            </p:childTnLst>
+                          </p:cTn>
+                        </p:par>
+                      </p:childTnLst>
+                    </p:cTn>
+                  </p:par>
+                  <p:par>
+                    <p:cTn id="135" fill="hold">
+                      <p:stCondLst>
+                        <p:cond delay="indefinite"/>
+                      </p:stCondLst>
+                      <p:childTnLst>
+                        <p:par>
+                          <p:cTn id="136" fill="hold">
+                            <p:stCondLst>
+                              <p:cond delay="0"/>
+                            </p:stCondLst>
+                            <p:childTnLst>
+                              <p:par>
+                                <p:cTn id="137" presetID="1" presetClass="entr" presetSubtype="0" fill="hold" grpId="0" nodeType="clickEffect">
+                                  <p:stCondLst>
+                                    <p:cond delay="0"/>
+                                  </p:stCondLst>
+                                  <p:childTnLst>
+                                    <p:set>
+                                      <p:cBhvr>
+                                        <p:cTn id="138" dur="1" fill="hold">
+                                          <p:stCondLst>
+                                            <p:cond delay="0"/>
+                                          </p:stCondLst>
+                                        </p:cTn>
+                                        <p:tgtEl>
+                                          <p:spTgt spid="17"/>
+                                        </p:tgtEl>
+                                        <p:attrNameLst>
+                                          <p:attrName>style.visibility</p:attrName>
+                                        </p:attrNameLst>
+                                      </p:cBhvr>
+                                      <p:to>
+                                        <p:strVal val="visible"/>
+                                      </p:to>
+                                    </p:set>
+                                  </p:childTnLst>
+                                </p:cTn>
+                              </p:par>
+                              <p:par>
+                                <p:cTn id="139" presetID="1" presetClass="entr" presetSubtype="0" fill="hold" nodeType="withEffect">
+                                  <p:stCondLst>
+                                    <p:cond delay="0"/>
+                                  </p:stCondLst>
+                                  <p:childTnLst>
+                                    <p:set>
+                                      <p:cBhvr>
+                                        <p:cTn id="140" dur="1" fill="hold">
+                                          <p:stCondLst>
+                                            <p:cond delay="0"/>
+                                          </p:stCondLst>
+                                        </p:cTn>
+                                        <p:tgtEl>
+                                          <p:spTgt spid="74"/>
+                                        </p:tgtEl>
+                                        <p:attrNameLst>
+                                          <p:attrName>style.visibility</p:attrName>
+                                        </p:attrNameLst>
+                                      </p:cBhvr>
+                                      <p:to>
+                                        <p:strVal val="visible"/>
+                                      </p:to>
+                                    </p:set>
+                                  </p:childTnLst>
+                                </p:cTn>
+                              </p:par>
+                            </p:childTnLst>
+                          </p:cTn>
+                        </p:par>
+                      </p:childTnLst>
+                    </p:cTn>
+                  </p:par>
+                  <p:par>
+                    <p:cTn id="141" fill="hold">
+                      <p:stCondLst>
+                        <p:cond delay="indefinite"/>
+                      </p:stCondLst>
+                      <p:childTnLst>
+                        <p:par>
+                          <p:cTn id="142" fill="hold">
+                            <p:stCondLst>
+                              <p:cond delay="0"/>
+                            </p:stCondLst>
+                            <p:childTnLst>
+                              <p:par>
+                                <p:cTn id="143" presetID="1" presetClass="entr" presetSubtype="0" fill="hold" nodeType="clickEffect">
+                                  <p:stCondLst>
+                                    <p:cond delay="0"/>
+                                  </p:stCondLst>
+                                  <p:childTnLst>
+                                    <p:set>
+                                      <p:cBhvr>
+                                        <p:cTn id="144" dur="1" fill="hold">
+                                          <p:stCondLst>
+                                            <p:cond delay="0"/>
+                                          </p:stCondLst>
+                                        </p:cTn>
+                                        <p:tgtEl>
+                                          <p:spTgt spid="101"/>
+                                        </p:tgtEl>
+                                        <p:attrNameLst>
+                                          <p:attrName>style.visibility</p:attrName>
+                                        </p:attrNameLst>
+                                      </p:cBhvr>
+                                      <p:to>
+                                        <p:strVal val="visible"/>
+                                      </p:to>
+                                    </p:set>
+                                  </p:childTnLst>
+                                </p:cTn>
+                              </p:par>
+                              <p:par>
+                                <p:cTn id="145" presetID="1" presetClass="entr" presetSubtype="0" fill="hold" nodeType="withEffect">
+                                  <p:stCondLst>
+                                    <p:cond delay="0"/>
+                                  </p:stCondLst>
+                                  <p:childTnLst>
+                                    <p:set>
+                                      <p:cBhvr>
+                                        <p:cTn id="146" dur="1" fill="hold">
+                                          <p:stCondLst>
+                                            <p:cond delay="0"/>
+                                          </p:stCondLst>
+                                        </p:cTn>
+                                        <p:tgtEl>
+                                          <p:spTgt spid="90"/>
+                                        </p:tgtEl>
+                                        <p:attrNameLst>
+                                          <p:attrName>style.visibility</p:attrName>
+                                        </p:attrNameLst>
+                                      </p:cBhvr>
+                                      <p:to>
+                                        <p:strVal val="visible"/>
+                                      </p:to>
+                                    </p:set>
+                                  </p:childTnLst>
+                                </p:cTn>
+                              </p:par>
+                              <p:par>
+                                <p:cTn id="147" presetID="1" presetClass="entr" presetSubtype="0" fill="hold" nodeType="withEffect">
+                                  <p:stCondLst>
+                                    <p:cond delay="0"/>
+                                  </p:stCondLst>
+                                  <p:childTnLst>
+                                    <p:set>
+                                      <p:cBhvr>
+                                        <p:cTn id="148" dur="1" fill="hold">
+                                          <p:stCondLst>
+                                            <p:cond delay="0"/>
+                                          </p:stCondLst>
+                                        </p:cTn>
+                                        <p:tgtEl>
+                                          <p:spTgt spid="97"/>
+                                        </p:tgtEl>
+                                        <p:attrNameLst>
+                                          <p:attrName>style.visibility</p:attrName>
+                                        </p:attrNameLst>
+                                      </p:cBhvr>
+                                      <p:to>
+                                        <p:strVal val="visible"/>
+                                      </p:to>
+                                    </p:set>
+                                  </p:childTnLst>
+                                </p:cTn>
+                              </p:par>
+                              <p:par>
+                                <p:cTn id="149" presetID="1" presetClass="entr" presetSubtype="0" fill="hold" nodeType="withEffect">
+                                  <p:stCondLst>
+                                    <p:cond delay="0"/>
+                                  </p:stCondLst>
+                                  <p:childTnLst>
+                                    <p:set>
+                                      <p:cBhvr>
+                                        <p:cTn id="150" dur="1" fill="hold">
+                                          <p:stCondLst>
+                                            <p:cond delay="0"/>
+                                          </p:stCondLst>
+                                        </p:cTn>
+                                        <p:tgtEl>
+                                          <p:spTgt spid="94"/>
+                                        </p:tgtEl>
+                                        <p:attrNameLst>
+                                          <p:attrName>style.visibility</p:attrName>
+                                        </p:attrNameLst>
+                                      </p:cBhvr>
+                                      <p:to>
+                                        <p:strVal val="visible"/>
+                                      </p:to>
+                                    </p:set>
+                                  </p:childTnLst>
+                                </p:cTn>
+                              </p:par>
+                              <p:par>
+                                <p:cTn id="151" presetID="1" presetClass="entr" presetSubtype="0" fill="hold" grpId="0" nodeType="withEffect">
+                                  <p:stCondLst>
+                                    <p:cond delay="0"/>
+                                  </p:stCondLst>
+                                  <p:childTnLst>
+                                    <p:set>
+                                      <p:cBhvr>
+                                        <p:cTn id="152" dur="1" fill="hold">
+                                          <p:stCondLst>
+                                            <p:cond delay="0"/>
+                                          </p:stCondLst>
+                                        </p:cTn>
+                                        <p:tgtEl>
+                                          <p:spTgt spid="103"/>
+                                        </p:tgtEl>
+                                        <p:attrNameLst>
+                                          <p:attrName>style.visibility</p:attrName>
+                                        </p:attrNameLst>
+                                      </p:cBhvr>
+                                      <p:to>
+                                        <p:strVal val="visible"/>
+                                      </p:to>
+                                    </p:set>
+                                  </p:childTnLst>
+                                </p:cTn>
+                              </p:par>
+                              <p:par>
+                                <p:cTn id="153" presetID="1" presetClass="entr" presetSubtype="0" fill="hold" grpId="0" nodeType="withEffect">
+                                  <p:stCondLst>
+                                    <p:cond delay="0"/>
+                                  </p:stCondLst>
+                                  <p:childTnLst>
+                                    <p:set>
+                                      <p:cBhvr>
+                                        <p:cTn id="154" dur="1" fill="hold">
+                                          <p:stCondLst>
+                                            <p:cond delay="0"/>
+                                          </p:stCondLst>
+                                        </p:cTn>
+                                        <p:tgtEl>
+                                          <p:spTgt spid="104"/>
+                                        </p:tgtEl>
+                                        <p:attrNameLst>
+                                          <p:attrName>style.visibility</p:attrName>
+                                        </p:attrNameLst>
+                                      </p:cBhvr>
+                                      <p:to>
+                                        <p:strVal val="visible"/>
+                                      </p:to>
+                                    </p:set>
+                                  </p:childTnLst>
+                                </p:cTn>
+                              </p:par>
+                            </p:childTnLst>
+                          </p:cTn>
+                        </p:par>
+                      </p:childTnLst>
+                    </p:cTn>
+                  </p:par>
+                </p:childTnLst>
+              </p:cTn>
+              <p:prevCondLst>
+                <p:cond evt="onPrev" delay="0">
+                  <p:tgtEl>
+                    <p:sldTgt/>
+                  </p:tgtEl>
+                </p:cond>
+              </p:prevCondLst>
+              <p:nextCondLst>
+                <p:cond evt="onNext" delay="0">
+                  <p:tgtEl>
+                    <p:sldTgt/>
+                  </p:tgtEl>
+                </p:cond>
+              </p:nextCondLst>
+            </p:seq>
+          </p:childTnLst>
+        </p:cTn>
       </p:par>
     </p:tnLst>
+    <p:bldLst>
+      <p:bldP spid="4" grpId="0" animBg="1"/>
+      <p:bldP spid="5" grpId="0" animBg="1"/>
+      <p:bldP spid="9" grpId="0" animBg="1"/>
+      <p:bldP spid="10" grpId="0" animBg="1"/>
+      <p:bldP spid="11" grpId="0" animBg="1"/>
+      <p:bldP spid="12" grpId="0" animBg="1"/>
+      <p:bldP spid="13" grpId="0" animBg="1"/>
+      <p:bldP spid="14" grpId="0" animBg="1"/>
+      <p:bldP spid="16" grpId="0" animBg="1"/>
+      <p:bldP spid="17" grpId="0" animBg="1"/>
+      <p:bldP spid="18" grpId="0" animBg="1"/>
+      <p:bldP spid="19" grpId="0" animBg="1"/>
+      <p:bldP spid="20" grpId="0" animBg="1"/>
+      <p:bldP spid="103" grpId="0"/>
+      <p:bldP spid="104" grpId="0"/>
+      <p:bldP spid="105" grpId="0"/>
+      <p:bldP spid="106" grpId="0"/>
+      <p:bldP spid="107" grpId="0"/>
+      <p:bldP spid="108" grpId="0"/>
+      <p:bldP spid="109" grpId="0"/>
+      <p:bldP spid="110" grpId="0"/>
+      <p:bldP spid="111" grpId="0"/>
+      <p:bldP spid="112" grpId="0"/>
+      <p:bldP spid="113" grpId="0"/>
+      <p:bldP spid="114" grpId="0"/>
+      <p:bldP spid="115" grpId="0"/>
+      <p:bldP spid="116" grpId="0"/>
+      <p:bldP spid="117" grpId="0" animBg="1"/>
+      <p:bldP spid="118" grpId="0"/>
+    </p:bldLst>
   </p:timing>
 </p:sld>
 </file>

--- a/Documentation/cs308_2012_team14_final_pres.pptx
+++ b/Documentation/cs308_2012_team14_final_pres.pptx
@@ -5,7 +5,7 @@
     <p:sldMasterId id="2147483660" r:id="rId1"/>
   </p:sldMasterIdLst>
   <p:notesMasterIdLst>
-    <p:notesMasterId r:id="rId16"/>
+    <p:notesMasterId r:id="rId17"/>
   </p:notesMasterIdLst>
   <p:sldIdLst>
     <p:sldId id="256" r:id="rId2"/>
@@ -15,13 +15,14 @@
     <p:sldId id="260" r:id="rId6"/>
     <p:sldId id="261" r:id="rId7"/>
     <p:sldId id="262" r:id="rId8"/>
-    <p:sldId id="263" r:id="rId9"/>
-    <p:sldId id="264" r:id="rId10"/>
-    <p:sldId id="265" r:id="rId11"/>
-    <p:sldId id="266" r:id="rId12"/>
-    <p:sldId id="267" r:id="rId13"/>
-    <p:sldId id="268" r:id="rId14"/>
-    <p:sldId id="269" r:id="rId15"/>
+    <p:sldId id="270" r:id="rId9"/>
+    <p:sldId id="263" r:id="rId10"/>
+    <p:sldId id="264" r:id="rId11"/>
+    <p:sldId id="265" r:id="rId12"/>
+    <p:sldId id="266" r:id="rId13"/>
+    <p:sldId id="267" r:id="rId14"/>
+    <p:sldId id="268" r:id="rId15"/>
+    <p:sldId id="269" r:id="rId16"/>
   </p:sldIdLst>
   <p:sldSz cx="9144000" cy="6858000" type="screen4x3"/>
   <p:notesSz cx="6858000" cy="9144000"/>
@@ -631,7 +632,7 @@
     </p:spTree>
     <p:extLst>
       <p:ext uri="{BB962C8B-B14F-4D97-AF65-F5344CB8AC3E}">
-        <p14:creationId xmlns:p14="http://schemas.microsoft.com/office/powerpoint/2010/main" val="1154857096"/>
+        <p14:creationId xmlns:p14="http://schemas.microsoft.com/office/powerpoint/2010/main" val="3804972589"/>
       </p:ext>
     </p:extLst>
   </p:cSld>
@@ -715,7 +716,7 @@
     </p:spTree>
     <p:extLst>
       <p:ext uri="{BB962C8B-B14F-4D97-AF65-F5344CB8AC3E}">
-        <p14:creationId xmlns:p14="http://schemas.microsoft.com/office/powerpoint/2010/main" val="2855482947"/>
+        <p14:creationId xmlns:p14="http://schemas.microsoft.com/office/powerpoint/2010/main" val="1154857096"/>
       </p:ext>
     </p:extLst>
   </p:cSld>
@@ -799,7 +800,7 @@
     </p:spTree>
     <p:extLst>
       <p:ext uri="{BB962C8B-B14F-4D97-AF65-F5344CB8AC3E}">
-        <p14:creationId xmlns:p14="http://schemas.microsoft.com/office/powerpoint/2010/main" val="1726585263"/>
+        <p14:creationId xmlns:p14="http://schemas.microsoft.com/office/powerpoint/2010/main" val="2855482947"/>
       </p:ext>
     </p:extLst>
   </p:cSld>
@@ -883,7 +884,7 @@
     </p:spTree>
     <p:extLst>
       <p:ext uri="{BB962C8B-B14F-4D97-AF65-F5344CB8AC3E}">
-        <p14:creationId xmlns:p14="http://schemas.microsoft.com/office/powerpoint/2010/main" val="928026298"/>
+        <p14:creationId xmlns:p14="http://schemas.microsoft.com/office/powerpoint/2010/main" val="1726585263"/>
       </p:ext>
     </p:extLst>
   </p:cSld>
@@ -959,6 +960,90 @@
             <a:fld id="{7755B56D-450F-4392-A26B-213930B4580E}" type="slidenum">
               <a:rPr lang="en-US" smtClean="0"/>
               <a:t>14</a:t>
+            </a:fld>
+            <a:endParaRPr lang="en-US"/>
+          </a:p>
+        </p:txBody>
+      </p:sp>
+    </p:spTree>
+    <p:extLst>
+      <p:ext uri="{BB962C8B-B14F-4D97-AF65-F5344CB8AC3E}">
+        <p14:creationId xmlns:p14="http://schemas.microsoft.com/office/powerpoint/2010/main" val="928026298"/>
+      </p:ext>
+    </p:extLst>
+  </p:cSld>
+  <p:clrMapOvr>
+    <a:masterClrMapping/>
+  </p:clrMapOvr>
+</p:notes>
+</file>
+
+<file path=ppt/notesSlides/notesSlide15.xml><?xml version="1.0" encoding="utf-8"?>
+<p:notes xmlns:a="http://schemas.openxmlformats.org/drawingml/2006/main" xmlns:r="http://schemas.openxmlformats.org/officeDocument/2006/relationships" xmlns:p="http://schemas.openxmlformats.org/presentationml/2006/main">
+  <p:cSld>
+    <p:spTree>
+      <p:nvGrpSpPr>
+        <p:cNvPr id="1" name=""/>
+        <p:cNvGrpSpPr/>
+        <p:nvPr/>
+      </p:nvGrpSpPr>
+      <p:grpSpPr>
+        <a:xfrm>
+          <a:off x="0" y="0"/>
+          <a:ext cx="0" cy="0"/>
+          <a:chOff x="0" y="0"/>
+          <a:chExt cx="0" cy="0"/>
+        </a:xfrm>
+      </p:grpSpPr>
+      <p:sp>
+        <p:nvSpPr>
+          <p:cNvPr id="2" name="Slide Image Placeholder 1"/>
+          <p:cNvSpPr>
+            <a:spLocks noGrp="1" noRot="1" noChangeAspect="1"/>
+          </p:cNvSpPr>
+          <p:nvPr>
+            <p:ph type="sldImg"/>
+          </p:nvPr>
+        </p:nvSpPr>
+        <p:spPr/>
+      </p:sp>
+      <p:sp>
+        <p:nvSpPr>
+          <p:cNvPr id="3" name="Notes Placeholder 2"/>
+          <p:cNvSpPr>
+            <a:spLocks noGrp="1"/>
+          </p:cNvSpPr>
+          <p:nvPr>
+            <p:ph type="body" idx="1"/>
+          </p:nvPr>
+        </p:nvSpPr>
+        <p:spPr/>
+        <p:txBody>
+          <a:bodyPr/>
+          <a:lstStyle/>
+          <a:p>
+            <a:endParaRPr lang="en-US"/>
+          </a:p>
+        </p:txBody>
+      </p:sp>
+      <p:sp>
+        <p:nvSpPr>
+          <p:cNvPr id="4" name="Slide Number Placeholder 3"/>
+          <p:cNvSpPr>
+            <a:spLocks noGrp="1"/>
+          </p:cNvSpPr>
+          <p:nvPr>
+            <p:ph type="sldNum" sz="quarter" idx="10"/>
+          </p:nvPr>
+        </p:nvSpPr>
+        <p:spPr/>
+        <p:txBody>
+          <a:bodyPr/>
+          <a:lstStyle/>
+          <a:p>
+            <a:fld id="{7755B56D-450F-4392-A26B-213930B4580E}" type="slidenum">
+              <a:rPr lang="en-US" smtClean="0"/>
+              <a:t>15</a:t>
             </a:fld>
             <a:endParaRPr lang="en-US"/>
           </a:p>
@@ -1555,7 +1640,7 @@
     </p:spTree>
     <p:extLst>
       <p:ext uri="{BB962C8B-B14F-4D97-AF65-F5344CB8AC3E}">
-        <p14:creationId xmlns:p14="http://schemas.microsoft.com/office/powerpoint/2010/main" val="2022523703"/>
+        <p14:creationId xmlns:p14="http://schemas.microsoft.com/office/powerpoint/2010/main" val="2735789575"/>
       </p:ext>
     </p:extLst>
   </p:cSld>
@@ -1639,7 +1724,7 @@
     </p:spTree>
     <p:extLst>
       <p:ext uri="{BB962C8B-B14F-4D97-AF65-F5344CB8AC3E}">
-        <p14:creationId xmlns:p14="http://schemas.microsoft.com/office/powerpoint/2010/main" val="3804972589"/>
+        <p14:creationId xmlns:p14="http://schemas.microsoft.com/office/powerpoint/2010/main" val="2022523703"/>
       </p:ext>
     </p:extLst>
   </p:cSld>
@@ -5232,6 +5317,937 @@
           <a:p>
             <a:r>
               <a:rPr lang="en-US" dirty="0" smtClean="0"/>
+              <a:t>Hardware</a:t>
+            </a:r>
+          </a:p>
+          <a:p>
+            <a:pPr lvl="1"/>
+            <a:r>
+              <a:rPr lang="en-US" dirty="0" smtClean="0"/>
+              <a:t>Camera mounting</a:t>
+            </a:r>
+            <a:endParaRPr lang="en-US" dirty="0"/>
+          </a:p>
+          <a:p>
+            <a:pPr lvl="2"/>
+            <a:r>
+              <a:rPr lang="en-US" dirty="0" smtClean="0"/>
+              <a:t>Front</a:t>
+            </a:r>
+          </a:p>
+          <a:p>
+            <a:pPr lvl="3"/>
+            <a:r>
+              <a:rPr lang="en-US" sz="1800" dirty="0" smtClean="0"/>
+              <a:t>will </a:t>
+            </a:r>
+            <a:r>
+              <a:rPr lang="en-US" sz="1800" dirty="0"/>
+              <a:t>block the sharp </a:t>
+            </a:r>
+            <a:r>
+              <a:rPr lang="en-US" sz="1800" dirty="0" smtClean="0"/>
+              <a:t>sensors</a:t>
+            </a:r>
+          </a:p>
+          <a:p>
+            <a:pPr lvl="3"/>
+            <a:r>
+              <a:rPr lang="en-US" sz="1800" dirty="0"/>
+              <a:t>w</a:t>
+            </a:r>
+            <a:r>
+              <a:rPr lang="en-US" sz="1800" dirty="0" smtClean="0"/>
+              <a:t>ill block grippers movement</a:t>
+            </a:r>
+            <a:endParaRPr lang="en-US" sz="1800" dirty="0"/>
+          </a:p>
+          <a:p>
+            <a:pPr lvl="2"/>
+            <a:r>
+              <a:rPr lang="en-US" dirty="0"/>
+              <a:t>Top </a:t>
+            </a:r>
+          </a:p>
+          <a:p>
+            <a:pPr lvl="3"/>
+            <a:r>
+              <a:rPr lang="en-US" sz="1800" dirty="0" smtClean="0"/>
+              <a:t>Gripper </a:t>
+            </a:r>
+            <a:r>
+              <a:rPr lang="en-US" sz="1800" dirty="0" err="1"/>
+              <a:t>arp</a:t>
+            </a:r>
+            <a:r>
+              <a:rPr lang="en-US" sz="1800" dirty="0"/>
+              <a:t> in its </a:t>
+            </a:r>
+            <a:r>
+              <a:rPr lang="en-US" sz="1800" dirty="0" smtClean="0"/>
+              <a:t>path</a:t>
+            </a:r>
+            <a:endParaRPr lang="en-US" sz="1800" dirty="0"/>
+          </a:p>
+          <a:p>
+            <a:pPr lvl="1"/>
+            <a:r>
+              <a:rPr lang="en-US" dirty="0" smtClean="0"/>
+              <a:t>Sensor</a:t>
+            </a:r>
+            <a:endParaRPr lang="en-US" dirty="0"/>
+          </a:p>
+          <a:p>
+            <a:pPr lvl="2"/>
+            <a:r>
+              <a:rPr lang="en-US" dirty="0"/>
+              <a:t>Single sensor – missed the ball many </a:t>
+            </a:r>
+            <a:r>
+              <a:rPr lang="en-US" dirty="0" smtClean="0"/>
+              <a:t>times</a:t>
+            </a:r>
+          </a:p>
+          <a:p>
+            <a:pPr lvl="1"/>
+            <a:r>
+              <a:rPr lang="en-US" dirty="0" smtClean="0"/>
+              <a:t>Solution</a:t>
+            </a:r>
+          </a:p>
+          <a:p>
+            <a:pPr lvl="2"/>
+            <a:r>
+              <a:rPr lang="en-US" dirty="0" smtClean="0"/>
+              <a:t>Increase the arm’s length</a:t>
+            </a:r>
+          </a:p>
+          <a:p>
+            <a:pPr lvl="2"/>
+            <a:r>
+              <a:rPr lang="en-US" dirty="0" smtClean="0"/>
+              <a:t>Place 2 sensors ON the Camera</a:t>
+            </a:r>
+          </a:p>
+          <a:p>
+            <a:pPr lvl="2"/>
+            <a:r>
+              <a:rPr lang="en-US" dirty="0" smtClean="0"/>
+              <a:t>Fix the Camera in front of bot</a:t>
+            </a:r>
+          </a:p>
+          <a:p>
+            <a:pPr lvl="2"/>
+            <a:endParaRPr lang="en-US" dirty="0"/>
+          </a:p>
+        </p:txBody>
+      </p:sp>
+      <p:pic>
+        <p:nvPicPr>
+          <p:cNvPr id="5" name="Picture 4"/>
+          <p:cNvPicPr>
+            <a:picLocks noChangeAspect="1"/>
+          </p:cNvPicPr>
+          <p:nvPr/>
+        </p:nvPicPr>
+        <p:blipFill>
+          <a:blip r:embed="rId3" cstate="print">
+            <a:extLst>
+              <a:ext uri="{28A0092B-C50C-407E-A947-70E740481C1C}">
+                <a14:useLocalDpi xmlns:a14="http://schemas.microsoft.com/office/drawing/2010/main" val="0"/>
+              </a:ext>
+            </a:extLst>
+          </a:blip>
+          <a:stretch>
+            <a:fillRect/>
+          </a:stretch>
+        </p:blipFill>
+        <p:spPr>
+          <a:xfrm>
+            <a:off x="4648200" y="1828800"/>
+            <a:ext cx="3886200" cy="2338665"/>
+          </a:xfrm>
+          <a:prstGeom prst="rect">
+            <a:avLst/>
+          </a:prstGeom>
+        </p:spPr>
+      </p:pic>
+    </p:spTree>
+    <p:extLst>
+      <p:ext uri="{BB962C8B-B14F-4D97-AF65-F5344CB8AC3E}">
+        <p14:creationId xmlns:p14="http://schemas.microsoft.com/office/powerpoint/2010/main" val="1602237527"/>
+      </p:ext>
+    </p:extLst>
+  </p:cSld>
+  <p:clrMapOvr>
+    <a:masterClrMapping/>
+  </p:clrMapOvr>
+  <p:timing>
+    <p:tnLst>
+      <p:par>
+        <p:cTn id="1" dur="indefinite" restart="never" nodeType="tmRoot">
+          <p:childTnLst>
+            <p:seq concurrent="1" nextAc="seek">
+              <p:cTn id="2" dur="indefinite" nodeType="mainSeq">
+                <p:childTnLst>
+                  <p:par>
+                    <p:cTn id="3" fill="hold">
+                      <p:stCondLst>
+                        <p:cond delay="indefinite"/>
+                        <p:cond evt="onBegin" delay="0">
+                          <p:tn val="2"/>
+                        </p:cond>
+                      </p:stCondLst>
+                      <p:childTnLst>
+                        <p:par>
+                          <p:cTn id="4" fill="hold">
+                            <p:stCondLst>
+                              <p:cond delay="0"/>
+                            </p:stCondLst>
+                            <p:childTnLst>
+                              <p:par>
+                                <p:cTn id="5" presetID="1" presetClass="entr" presetSubtype="0" fill="hold" nodeType="withEffect">
+                                  <p:stCondLst>
+                                    <p:cond delay="0"/>
+                                  </p:stCondLst>
+                                  <p:childTnLst>
+                                    <p:set>
+                                      <p:cBhvr>
+                                        <p:cTn id="6" dur="1" fill="hold">
+                                          <p:stCondLst>
+                                            <p:cond delay="0"/>
+                                          </p:stCondLst>
+                                        </p:cTn>
+                                        <p:tgtEl>
+                                          <p:spTgt spid="3">
+                                            <p:txEl>
+                                              <p:pRg st="0" end="0"/>
+                                            </p:txEl>
+                                          </p:spTgt>
+                                        </p:tgtEl>
+                                        <p:attrNameLst>
+                                          <p:attrName>style.visibility</p:attrName>
+                                        </p:attrNameLst>
+                                      </p:cBhvr>
+                                      <p:to>
+                                        <p:strVal val="visible"/>
+                                      </p:to>
+                                    </p:set>
+                                  </p:childTnLst>
+                                </p:cTn>
+                              </p:par>
+                            </p:childTnLst>
+                          </p:cTn>
+                        </p:par>
+                      </p:childTnLst>
+                    </p:cTn>
+                  </p:par>
+                  <p:par>
+                    <p:cTn id="7" fill="hold">
+                      <p:stCondLst>
+                        <p:cond delay="indefinite"/>
+                      </p:stCondLst>
+                      <p:childTnLst>
+                        <p:par>
+                          <p:cTn id="8" fill="hold">
+                            <p:stCondLst>
+                              <p:cond delay="0"/>
+                            </p:stCondLst>
+                            <p:childTnLst>
+                              <p:par>
+                                <p:cTn id="9" presetID="1" presetClass="entr" presetSubtype="0" fill="hold" nodeType="clickEffect">
+                                  <p:stCondLst>
+                                    <p:cond delay="0"/>
+                                  </p:stCondLst>
+                                  <p:childTnLst>
+                                    <p:set>
+                                      <p:cBhvr>
+                                        <p:cTn id="10" dur="1" fill="hold">
+                                          <p:stCondLst>
+                                            <p:cond delay="0"/>
+                                          </p:stCondLst>
+                                        </p:cTn>
+                                        <p:tgtEl>
+                                          <p:spTgt spid="3">
+                                            <p:txEl>
+                                              <p:pRg st="1" end="1"/>
+                                            </p:txEl>
+                                          </p:spTgt>
+                                        </p:tgtEl>
+                                        <p:attrNameLst>
+                                          <p:attrName>style.visibility</p:attrName>
+                                        </p:attrNameLst>
+                                      </p:cBhvr>
+                                      <p:to>
+                                        <p:strVal val="visible"/>
+                                      </p:to>
+                                    </p:set>
+                                  </p:childTnLst>
+                                </p:cTn>
+                              </p:par>
+                            </p:childTnLst>
+                          </p:cTn>
+                        </p:par>
+                      </p:childTnLst>
+                    </p:cTn>
+                  </p:par>
+                  <p:par>
+                    <p:cTn id="11" fill="hold">
+                      <p:stCondLst>
+                        <p:cond delay="indefinite"/>
+                      </p:stCondLst>
+                      <p:childTnLst>
+                        <p:par>
+                          <p:cTn id="12" fill="hold">
+                            <p:stCondLst>
+                              <p:cond delay="0"/>
+                            </p:stCondLst>
+                            <p:childTnLst>
+                              <p:par>
+                                <p:cTn id="13" presetID="1" presetClass="entr" presetSubtype="0" fill="hold" nodeType="clickEffect">
+                                  <p:stCondLst>
+                                    <p:cond delay="0"/>
+                                  </p:stCondLst>
+                                  <p:childTnLst>
+                                    <p:set>
+                                      <p:cBhvr>
+                                        <p:cTn id="14" dur="1" fill="hold">
+                                          <p:stCondLst>
+                                            <p:cond delay="0"/>
+                                          </p:stCondLst>
+                                        </p:cTn>
+                                        <p:tgtEl>
+                                          <p:spTgt spid="3">
+                                            <p:txEl>
+                                              <p:pRg st="2" end="2"/>
+                                            </p:txEl>
+                                          </p:spTgt>
+                                        </p:tgtEl>
+                                        <p:attrNameLst>
+                                          <p:attrName>style.visibility</p:attrName>
+                                        </p:attrNameLst>
+                                      </p:cBhvr>
+                                      <p:to>
+                                        <p:strVal val="visible"/>
+                                      </p:to>
+                                    </p:set>
+                                  </p:childTnLst>
+                                </p:cTn>
+                              </p:par>
+                              <p:par>
+                                <p:cTn id="15" presetID="1" presetClass="entr" presetSubtype="0" fill="hold" nodeType="withEffect">
+                                  <p:stCondLst>
+                                    <p:cond delay="0"/>
+                                  </p:stCondLst>
+                                  <p:childTnLst>
+                                    <p:set>
+                                      <p:cBhvr>
+                                        <p:cTn id="16" dur="1" fill="hold">
+                                          <p:stCondLst>
+                                            <p:cond delay="0"/>
+                                          </p:stCondLst>
+                                        </p:cTn>
+                                        <p:tgtEl>
+                                          <p:spTgt spid="3">
+                                            <p:txEl>
+                                              <p:pRg st="3" end="3"/>
+                                            </p:txEl>
+                                          </p:spTgt>
+                                        </p:tgtEl>
+                                        <p:attrNameLst>
+                                          <p:attrName>style.visibility</p:attrName>
+                                        </p:attrNameLst>
+                                      </p:cBhvr>
+                                      <p:to>
+                                        <p:strVal val="visible"/>
+                                      </p:to>
+                                    </p:set>
+                                  </p:childTnLst>
+                                </p:cTn>
+                              </p:par>
+                              <p:par>
+                                <p:cTn id="17" presetID="1" presetClass="entr" presetSubtype="0" fill="hold" nodeType="withEffect">
+                                  <p:stCondLst>
+                                    <p:cond delay="0"/>
+                                  </p:stCondLst>
+                                  <p:childTnLst>
+                                    <p:set>
+                                      <p:cBhvr>
+                                        <p:cTn id="18" dur="1" fill="hold">
+                                          <p:stCondLst>
+                                            <p:cond delay="0"/>
+                                          </p:stCondLst>
+                                        </p:cTn>
+                                        <p:tgtEl>
+                                          <p:spTgt spid="3">
+                                            <p:txEl>
+                                              <p:pRg st="4" end="4"/>
+                                            </p:txEl>
+                                          </p:spTgt>
+                                        </p:tgtEl>
+                                        <p:attrNameLst>
+                                          <p:attrName>style.visibility</p:attrName>
+                                        </p:attrNameLst>
+                                      </p:cBhvr>
+                                      <p:to>
+                                        <p:strVal val="visible"/>
+                                      </p:to>
+                                    </p:set>
+                                  </p:childTnLst>
+                                </p:cTn>
+                              </p:par>
+                            </p:childTnLst>
+                          </p:cTn>
+                        </p:par>
+                      </p:childTnLst>
+                    </p:cTn>
+                  </p:par>
+                  <p:par>
+                    <p:cTn id="19" fill="hold">
+                      <p:stCondLst>
+                        <p:cond delay="indefinite"/>
+                      </p:stCondLst>
+                      <p:childTnLst>
+                        <p:par>
+                          <p:cTn id="20" fill="hold">
+                            <p:stCondLst>
+                              <p:cond delay="0"/>
+                            </p:stCondLst>
+                            <p:childTnLst>
+                              <p:par>
+                                <p:cTn id="21" presetID="1" presetClass="entr" presetSubtype="0" fill="hold" nodeType="clickEffect">
+                                  <p:stCondLst>
+                                    <p:cond delay="0"/>
+                                  </p:stCondLst>
+                                  <p:childTnLst>
+                                    <p:set>
+                                      <p:cBhvr>
+                                        <p:cTn id="22" dur="1" fill="hold">
+                                          <p:stCondLst>
+                                            <p:cond delay="0"/>
+                                          </p:stCondLst>
+                                        </p:cTn>
+                                        <p:tgtEl>
+                                          <p:spTgt spid="3">
+                                            <p:txEl>
+                                              <p:pRg st="5" end="5"/>
+                                            </p:txEl>
+                                          </p:spTgt>
+                                        </p:tgtEl>
+                                        <p:attrNameLst>
+                                          <p:attrName>style.visibility</p:attrName>
+                                        </p:attrNameLst>
+                                      </p:cBhvr>
+                                      <p:to>
+                                        <p:strVal val="visible"/>
+                                      </p:to>
+                                    </p:set>
+                                  </p:childTnLst>
+                                </p:cTn>
+                              </p:par>
+                              <p:par>
+                                <p:cTn id="23" presetID="1" presetClass="entr" presetSubtype="0" fill="hold" nodeType="withEffect">
+                                  <p:stCondLst>
+                                    <p:cond delay="0"/>
+                                  </p:stCondLst>
+                                  <p:childTnLst>
+                                    <p:set>
+                                      <p:cBhvr>
+                                        <p:cTn id="24" dur="1" fill="hold">
+                                          <p:stCondLst>
+                                            <p:cond delay="0"/>
+                                          </p:stCondLst>
+                                        </p:cTn>
+                                        <p:tgtEl>
+                                          <p:spTgt spid="3">
+                                            <p:txEl>
+                                              <p:pRg st="6" end="6"/>
+                                            </p:txEl>
+                                          </p:spTgt>
+                                        </p:tgtEl>
+                                        <p:attrNameLst>
+                                          <p:attrName>style.visibility</p:attrName>
+                                        </p:attrNameLst>
+                                      </p:cBhvr>
+                                      <p:to>
+                                        <p:strVal val="visible"/>
+                                      </p:to>
+                                    </p:set>
+                                  </p:childTnLst>
+                                </p:cTn>
+                              </p:par>
+                            </p:childTnLst>
+                          </p:cTn>
+                        </p:par>
+                      </p:childTnLst>
+                    </p:cTn>
+                  </p:par>
+                  <p:par>
+                    <p:cTn id="25" fill="hold">
+                      <p:stCondLst>
+                        <p:cond delay="indefinite"/>
+                      </p:stCondLst>
+                      <p:childTnLst>
+                        <p:par>
+                          <p:cTn id="26" fill="hold">
+                            <p:stCondLst>
+                              <p:cond delay="0"/>
+                            </p:stCondLst>
+                            <p:childTnLst>
+                              <p:par>
+                                <p:cTn id="27" presetID="1" presetClass="entr" presetSubtype="0" fill="hold" nodeType="clickEffect">
+                                  <p:stCondLst>
+                                    <p:cond delay="0"/>
+                                  </p:stCondLst>
+                                  <p:childTnLst>
+                                    <p:set>
+                                      <p:cBhvr>
+                                        <p:cTn id="28" dur="1" fill="hold">
+                                          <p:stCondLst>
+                                            <p:cond delay="0"/>
+                                          </p:stCondLst>
+                                        </p:cTn>
+                                        <p:tgtEl>
+                                          <p:spTgt spid="3">
+                                            <p:txEl>
+                                              <p:pRg st="7" end="7"/>
+                                            </p:txEl>
+                                          </p:spTgt>
+                                        </p:tgtEl>
+                                        <p:attrNameLst>
+                                          <p:attrName>style.visibility</p:attrName>
+                                        </p:attrNameLst>
+                                      </p:cBhvr>
+                                      <p:to>
+                                        <p:strVal val="visible"/>
+                                      </p:to>
+                                    </p:set>
+                                  </p:childTnLst>
+                                </p:cTn>
+                              </p:par>
+                            </p:childTnLst>
+                          </p:cTn>
+                        </p:par>
+                      </p:childTnLst>
+                    </p:cTn>
+                  </p:par>
+                  <p:par>
+                    <p:cTn id="29" fill="hold">
+                      <p:stCondLst>
+                        <p:cond delay="indefinite"/>
+                      </p:stCondLst>
+                      <p:childTnLst>
+                        <p:par>
+                          <p:cTn id="30" fill="hold">
+                            <p:stCondLst>
+                              <p:cond delay="0"/>
+                            </p:stCondLst>
+                            <p:childTnLst>
+                              <p:par>
+                                <p:cTn id="31" presetID="1" presetClass="entr" presetSubtype="0" fill="hold" nodeType="clickEffect">
+                                  <p:stCondLst>
+                                    <p:cond delay="0"/>
+                                  </p:stCondLst>
+                                  <p:childTnLst>
+                                    <p:set>
+                                      <p:cBhvr>
+                                        <p:cTn id="32" dur="1" fill="hold">
+                                          <p:stCondLst>
+                                            <p:cond delay="0"/>
+                                          </p:stCondLst>
+                                        </p:cTn>
+                                        <p:tgtEl>
+                                          <p:spTgt spid="3">
+                                            <p:txEl>
+                                              <p:pRg st="8" end="8"/>
+                                            </p:txEl>
+                                          </p:spTgt>
+                                        </p:tgtEl>
+                                        <p:attrNameLst>
+                                          <p:attrName>style.visibility</p:attrName>
+                                        </p:attrNameLst>
+                                      </p:cBhvr>
+                                      <p:to>
+                                        <p:strVal val="visible"/>
+                                      </p:to>
+                                    </p:set>
+                                  </p:childTnLst>
+                                </p:cTn>
+                              </p:par>
+                            </p:childTnLst>
+                          </p:cTn>
+                        </p:par>
+                      </p:childTnLst>
+                    </p:cTn>
+                  </p:par>
+                  <p:par>
+                    <p:cTn id="33" fill="hold">
+                      <p:stCondLst>
+                        <p:cond delay="indefinite"/>
+                      </p:stCondLst>
+                      <p:childTnLst>
+                        <p:par>
+                          <p:cTn id="34" fill="hold">
+                            <p:stCondLst>
+                              <p:cond delay="0"/>
+                            </p:stCondLst>
+                            <p:childTnLst>
+                              <p:par>
+                                <p:cTn id="35" presetID="1" presetClass="entr" presetSubtype="0" fill="hold" nodeType="clickEffect">
+                                  <p:stCondLst>
+                                    <p:cond delay="0"/>
+                                  </p:stCondLst>
+                                  <p:childTnLst>
+                                    <p:set>
+                                      <p:cBhvr>
+                                        <p:cTn id="36" dur="1" fill="hold">
+                                          <p:stCondLst>
+                                            <p:cond delay="0"/>
+                                          </p:stCondLst>
+                                        </p:cTn>
+                                        <p:tgtEl>
+                                          <p:spTgt spid="3">
+                                            <p:txEl>
+                                              <p:pRg st="9" end="9"/>
+                                            </p:txEl>
+                                          </p:spTgt>
+                                        </p:tgtEl>
+                                        <p:attrNameLst>
+                                          <p:attrName>style.visibility</p:attrName>
+                                        </p:attrNameLst>
+                                      </p:cBhvr>
+                                      <p:to>
+                                        <p:strVal val="visible"/>
+                                      </p:to>
+                                    </p:set>
+                                  </p:childTnLst>
+                                </p:cTn>
+                              </p:par>
+                            </p:childTnLst>
+                          </p:cTn>
+                        </p:par>
+                      </p:childTnLst>
+                    </p:cTn>
+                  </p:par>
+                  <p:par>
+                    <p:cTn id="37" fill="hold">
+                      <p:stCondLst>
+                        <p:cond delay="indefinite"/>
+                      </p:stCondLst>
+                      <p:childTnLst>
+                        <p:par>
+                          <p:cTn id="38" fill="hold">
+                            <p:stCondLst>
+                              <p:cond delay="0"/>
+                            </p:stCondLst>
+                            <p:childTnLst>
+                              <p:par>
+                                <p:cTn id="39" presetID="2" presetClass="entr" presetSubtype="2" fill="hold" nodeType="clickEffect">
+                                  <p:stCondLst>
+                                    <p:cond delay="0"/>
+                                  </p:stCondLst>
+                                  <p:childTnLst>
+                                    <p:set>
+                                      <p:cBhvr>
+                                        <p:cTn id="40" dur="1" fill="hold">
+                                          <p:stCondLst>
+                                            <p:cond delay="0"/>
+                                          </p:stCondLst>
+                                        </p:cTn>
+                                        <p:tgtEl>
+                                          <p:spTgt spid="5"/>
+                                        </p:tgtEl>
+                                        <p:attrNameLst>
+                                          <p:attrName>style.visibility</p:attrName>
+                                        </p:attrNameLst>
+                                      </p:cBhvr>
+                                      <p:to>
+                                        <p:strVal val="visible"/>
+                                      </p:to>
+                                    </p:set>
+                                    <p:anim calcmode="lin" valueType="num">
+                                      <p:cBhvr additive="base">
+                                        <p:cTn id="41" dur="500" fill="hold"/>
+                                        <p:tgtEl>
+                                          <p:spTgt spid="5"/>
+                                        </p:tgtEl>
+                                        <p:attrNameLst>
+                                          <p:attrName>ppt_x</p:attrName>
+                                        </p:attrNameLst>
+                                      </p:cBhvr>
+                                      <p:tavLst>
+                                        <p:tav tm="0">
+                                          <p:val>
+                                            <p:strVal val="1+#ppt_w/2"/>
+                                          </p:val>
+                                        </p:tav>
+                                        <p:tav tm="100000">
+                                          <p:val>
+                                            <p:strVal val="#ppt_x"/>
+                                          </p:val>
+                                        </p:tav>
+                                      </p:tavLst>
+                                    </p:anim>
+                                    <p:anim calcmode="lin" valueType="num">
+                                      <p:cBhvr additive="base">
+                                        <p:cTn id="42" dur="500" fill="hold"/>
+                                        <p:tgtEl>
+                                          <p:spTgt spid="5"/>
+                                        </p:tgtEl>
+                                        <p:attrNameLst>
+                                          <p:attrName>ppt_y</p:attrName>
+                                        </p:attrNameLst>
+                                      </p:cBhvr>
+                                      <p:tavLst>
+                                        <p:tav tm="0">
+                                          <p:val>
+                                            <p:strVal val="#ppt_y"/>
+                                          </p:val>
+                                        </p:tav>
+                                        <p:tav tm="100000">
+                                          <p:val>
+                                            <p:strVal val="#ppt_y"/>
+                                          </p:val>
+                                        </p:tav>
+                                      </p:tavLst>
+                                    </p:anim>
+                                  </p:childTnLst>
+                                </p:cTn>
+                              </p:par>
+                            </p:childTnLst>
+                          </p:cTn>
+                        </p:par>
+                      </p:childTnLst>
+                    </p:cTn>
+                  </p:par>
+                  <p:par>
+                    <p:cTn id="43" fill="hold">
+                      <p:stCondLst>
+                        <p:cond delay="indefinite"/>
+                      </p:stCondLst>
+                      <p:childTnLst>
+                        <p:par>
+                          <p:cTn id="44" fill="hold">
+                            <p:stCondLst>
+                              <p:cond delay="0"/>
+                            </p:stCondLst>
+                            <p:childTnLst>
+                              <p:par>
+                                <p:cTn id="45" presetID="1" presetClass="entr" presetSubtype="0" fill="hold" nodeType="clickEffect">
+                                  <p:stCondLst>
+                                    <p:cond delay="0"/>
+                                  </p:stCondLst>
+                                  <p:childTnLst>
+                                    <p:set>
+                                      <p:cBhvr>
+                                        <p:cTn id="46" dur="1" fill="hold">
+                                          <p:stCondLst>
+                                            <p:cond delay="0"/>
+                                          </p:stCondLst>
+                                        </p:cTn>
+                                        <p:tgtEl>
+                                          <p:spTgt spid="3">
+                                            <p:txEl>
+                                              <p:pRg st="10" end="10"/>
+                                            </p:txEl>
+                                          </p:spTgt>
+                                        </p:tgtEl>
+                                        <p:attrNameLst>
+                                          <p:attrName>style.visibility</p:attrName>
+                                        </p:attrNameLst>
+                                      </p:cBhvr>
+                                      <p:to>
+                                        <p:strVal val="visible"/>
+                                      </p:to>
+                                    </p:set>
+                                  </p:childTnLst>
+                                </p:cTn>
+                              </p:par>
+                            </p:childTnLst>
+                          </p:cTn>
+                        </p:par>
+                      </p:childTnLst>
+                    </p:cTn>
+                  </p:par>
+                  <p:par>
+                    <p:cTn id="47" fill="hold">
+                      <p:stCondLst>
+                        <p:cond delay="indefinite"/>
+                      </p:stCondLst>
+                      <p:childTnLst>
+                        <p:par>
+                          <p:cTn id="48" fill="hold">
+                            <p:stCondLst>
+                              <p:cond delay="0"/>
+                            </p:stCondLst>
+                            <p:childTnLst>
+                              <p:par>
+                                <p:cTn id="49" presetID="1" presetClass="entr" presetSubtype="0" fill="hold" nodeType="clickEffect">
+                                  <p:stCondLst>
+                                    <p:cond delay="0"/>
+                                  </p:stCondLst>
+                                  <p:childTnLst>
+                                    <p:set>
+                                      <p:cBhvr>
+                                        <p:cTn id="50" dur="1" fill="hold">
+                                          <p:stCondLst>
+                                            <p:cond delay="0"/>
+                                          </p:stCondLst>
+                                        </p:cTn>
+                                        <p:tgtEl>
+                                          <p:spTgt spid="3">
+                                            <p:txEl>
+                                              <p:pRg st="11" end="11"/>
+                                            </p:txEl>
+                                          </p:spTgt>
+                                        </p:tgtEl>
+                                        <p:attrNameLst>
+                                          <p:attrName>style.visibility</p:attrName>
+                                        </p:attrNameLst>
+                                      </p:cBhvr>
+                                      <p:to>
+                                        <p:strVal val="visible"/>
+                                      </p:to>
+                                    </p:set>
+                                  </p:childTnLst>
+                                </p:cTn>
+                              </p:par>
+                            </p:childTnLst>
+                          </p:cTn>
+                        </p:par>
+                      </p:childTnLst>
+                    </p:cTn>
+                  </p:par>
+                  <p:par>
+                    <p:cTn id="51" fill="hold">
+                      <p:stCondLst>
+                        <p:cond delay="indefinite"/>
+                      </p:stCondLst>
+                      <p:childTnLst>
+                        <p:par>
+                          <p:cTn id="52" fill="hold">
+                            <p:stCondLst>
+                              <p:cond delay="0"/>
+                            </p:stCondLst>
+                            <p:childTnLst>
+                              <p:par>
+                                <p:cTn id="53" presetID="1" presetClass="entr" presetSubtype="0" fill="hold" nodeType="clickEffect">
+                                  <p:stCondLst>
+                                    <p:cond delay="0"/>
+                                  </p:stCondLst>
+                                  <p:childTnLst>
+                                    <p:set>
+                                      <p:cBhvr>
+                                        <p:cTn id="54" dur="1" fill="hold">
+                                          <p:stCondLst>
+                                            <p:cond delay="0"/>
+                                          </p:stCondLst>
+                                        </p:cTn>
+                                        <p:tgtEl>
+                                          <p:spTgt spid="3">
+                                            <p:txEl>
+                                              <p:pRg st="12" end="12"/>
+                                            </p:txEl>
+                                          </p:spTgt>
+                                        </p:tgtEl>
+                                        <p:attrNameLst>
+                                          <p:attrName>style.visibility</p:attrName>
+                                        </p:attrNameLst>
+                                      </p:cBhvr>
+                                      <p:to>
+                                        <p:strVal val="visible"/>
+                                      </p:to>
+                                    </p:set>
+                                  </p:childTnLst>
+                                </p:cTn>
+                              </p:par>
+                            </p:childTnLst>
+                          </p:cTn>
+                        </p:par>
+                      </p:childTnLst>
+                    </p:cTn>
+                  </p:par>
+                </p:childTnLst>
+              </p:cTn>
+              <p:prevCondLst>
+                <p:cond evt="onPrev" delay="0">
+                  <p:tgtEl>
+                    <p:sldTgt/>
+                  </p:tgtEl>
+                </p:cond>
+              </p:prevCondLst>
+              <p:nextCondLst>
+                <p:cond evt="onNext" delay="0">
+                  <p:tgtEl>
+                    <p:sldTgt/>
+                  </p:tgtEl>
+                </p:cond>
+              </p:nextCondLst>
+            </p:seq>
+          </p:childTnLst>
+        </p:cTn>
+      </p:par>
+    </p:tnLst>
+  </p:timing>
+</p:sld>
+</file>
+
+<file path=ppt/slides/slide11.xml><?xml version="1.0" encoding="utf-8"?>
+<p:sld xmlns:a="http://schemas.openxmlformats.org/drawingml/2006/main" xmlns:r="http://schemas.openxmlformats.org/officeDocument/2006/relationships" xmlns:p="http://schemas.openxmlformats.org/presentationml/2006/main">
+  <p:cSld>
+    <p:spTree>
+      <p:nvGrpSpPr>
+        <p:cNvPr id="1" name=""/>
+        <p:cNvGrpSpPr/>
+        <p:nvPr/>
+      </p:nvGrpSpPr>
+      <p:grpSpPr>
+        <a:xfrm>
+          <a:off x="0" y="0"/>
+          <a:ext cx="0" cy="0"/>
+          <a:chOff x="0" y="0"/>
+          <a:chExt cx="0" cy="0"/>
+        </a:xfrm>
+      </p:grpSpPr>
+      <p:sp>
+        <p:nvSpPr>
+          <p:cNvPr id="2" name="Title 1"/>
+          <p:cNvSpPr>
+            <a:spLocks noGrp="1"/>
+          </p:cNvSpPr>
+          <p:nvPr>
+            <p:ph type="title"/>
+          </p:nvPr>
+        </p:nvSpPr>
+        <p:spPr/>
+        <p:txBody>
+          <a:bodyPr/>
+          <a:lstStyle/>
+          <a:p>
+            <a:r>
+              <a:rPr lang="en-US" dirty="0"/>
+              <a:t>Tasks, Challenges &amp; Innovation</a:t>
+            </a:r>
+          </a:p>
+        </p:txBody>
+      </p:sp>
+      <p:sp>
+        <p:nvSpPr>
+          <p:cNvPr id="3" name="Content Placeholder 2"/>
+          <p:cNvSpPr>
+            <a:spLocks noGrp="1"/>
+          </p:cNvSpPr>
+          <p:nvPr>
+            <p:ph idx="1"/>
+          </p:nvPr>
+        </p:nvSpPr>
+        <p:spPr/>
+        <p:txBody>
+          <a:bodyPr/>
+          <a:lstStyle/>
+          <a:p>
+            <a:r>
+              <a:rPr lang="en-US" dirty="0" smtClean="0"/>
               <a:t>Bluetooth Setup</a:t>
             </a:r>
             <a:endParaRPr lang="en-US" dirty="0"/>
@@ -5611,7 +6627,7 @@
 </p:sld>
 </file>
 
-<file path=ppt/slides/slide11.xml><?xml version="1.0" encoding="utf-8"?>
+<file path=ppt/slides/slide12.xml><?xml version="1.0" encoding="utf-8"?>
 <p:sld xmlns:a="http://schemas.openxmlformats.org/drawingml/2006/main" xmlns:r="http://schemas.openxmlformats.org/officeDocument/2006/relationships" xmlns:p="http://schemas.openxmlformats.org/presentationml/2006/main">
   <p:cSld>
     <p:spTree>
@@ -5746,16 +6762,19 @@
             <a:pPr lvl="2"/>
             <a:r>
               <a:rPr lang="en-US" dirty="0" smtClean="0"/>
-              <a:t>Bluetooth and Wi-Fi capability – most smart phones have it</a:t>
-            </a:r>
-          </a:p>
-          <a:p>
-            <a:pPr marL="274320" lvl="1" indent="0">
-              <a:buNone/>
-            </a:pPr>
+              <a:t>Bluetooth and Wi-Fi capability – most smart phones have </a:t>
+            </a:r>
+            <a:r>
+              <a:rPr lang="en-US" dirty="0" smtClean="0"/>
+              <a:t>it</a:t>
+            </a:r>
             <a:endParaRPr lang="en-US" dirty="0" smtClean="0"/>
           </a:p>
           <a:p>
+            <a:r>
+              <a:rPr lang="en-US" dirty="0" smtClean="0"/>
+              <a:t>Basket not implemented</a:t>
+            </a:r>
             <a:endParaRPr lang="en-US" dirty="0"/>
           </a:p>
         </p:txBody>
@@ -5791,7 +6810,7 @@
                             </p:stCondLst>
                             <p:childTnLst>
                               <p:par>
-                                <p:cTn id="5" presetID="1" presetClass="entr" presetSubtype="0" fill="hold" nodeType="clickEffect">
+                                <p:cTn id="5" presetID="1" presetClass="entr" presetSubtype="0" fill="hold" grpId="0" nodeType="clickEffect">
                                   <p:stCondLst>
                                     <p:cond delay="0"/>
                                   </p:stCondLst>
@@ -5840,7 +6859,7 @@
                             </p:stCondLst>
                             <p:childTnLst>
                               <p:par>
-                                <p:cTn id="9" presetID="1" presetClass="entr" presetSubtype="0" fill="hold" nodeType="clickEffect">
+                                <p:cTn id="9" presetID="1" presetClass="entr" presetSubtype="0" fill="hold" grpId="0" nodeType="clickEffect">
                                   <p:stCondLst>
                                     <p:cond delay="0"/>
                                   </p:stCondLst>
@@ -5871,7 +6890,7 @@
                                 </p:cTn>
                               </p:par>
                               <p:par>
-                                <p:cTn id="11" presetID="1" presetClass="entr" presetSubtype="0" fill="hold" nodeType="withEffect">
+                                <p:cTn id="11" presetID="1" presetClass="entr" presetSubtype="0" fill="hold" grpId="0" nodeType="withEffect">
                                   <p:stCondLst>
                                     <p:cond delay="0"/>
                                   </p:stCondLst>
@@ -5920,7 +6939,7 @@
                             </p:stCondLst>
                             <p:childTnLst>
                               <p:par>
-                                <p:cTn id="15" presetID="1" presetClass="entr" presetSubtype="0" fill="hold" nodeType="clickEffect">
+                                <p:cTn id="15" presetID="1" presetClass="entr" presetSubtype="0" fill="hold" grpId="0" nodeType="clickEffect">
                                   <p:stCondLst>
                                     <p:cond delay="0"/>
                                   </p:stCondLst>
@@ -5969,7 +6988,7 @@
                             </p:stCondLst>
                             <p:childTnLst>
                               <p:par>
-                                <p:cTn id="19" presetID="1" presetClass="entr" presetSubtype="0" fill="hold" nodeType="clickEffect">
+                                <p:cTn id="19" presetID="1" presetClass="entr" presetSubtype="0" fill="hold" grpId="0" nodeType="clickEffect">
                                   <p:stCondLst>
                                     <p:cond delay="0"/>
                                   </p:stCondLst>
@@ -6000,7 +7019,7 @@
                                 </p:cTn>
                               </p:par>
                               <p:par>
-                                <p:cTn id="21" presetID="1" presetClass="entr" presetSubtype="0" fill="hold" nodeType="withEffect">
+                                <p:cTn id="21" presetID="1" presetClass="entr" presetSubtype="0" fill="hold" grpId="0" nodeType="withEffect">
                                   <p:stCondLst>
                                     <p:cond delay="0"/>
                                   </p:stCondLst>
@@ -6031,7 +7050,7 @@
                                 </p:cTn>
                               </p:par>
                               <p:par>
-                                <p:cTn id="23" presetID="1" presetClass="entr" presetSubtype="0" fill="hold" nodeType="withEffect">
+                                <p:cTn id="23" presetID="1" presetClass="entr" presetSubtype="0" fill="hold" grpId="0" nodeType="withEffect">
                                   <p:stCondLst>
                                     <p:cond delay="0"/>
                                   </p:stCondLst>
@@ -6062,7 +7081,7 @@
                                 </p:cTn>
                               </p:par>
                               <p:par>
-                                <p:cTn id="25" presetID="1" presetClass="entr" presetSubtype="0" fill="hold" nodeType="withEffect">
+                                <p:cTn id="25" presetID="1" presetClass="entr" presetSubtype="0" fill="hold" grpId="0" nodeType="withEffect">
                                   <p:stCondLst>
                                     <p:cond delay="0"/>
                                   </p:stCondLst>
@@ -6093,7 +7112,7 @@
                                 </p:cTn>
                               </p:par>
                               <p:par>
-                                <p:cTn id="27" presetID="1" presetClass="entr" presetSubtype="0" fill="hold" nodeType="withEffect">
+                                <p:cTn id="27" presetID="1" presetClass="entr" presetSubtype="0" fill="hold" grpId="0" nodeType="withEffect">
                                   <p:stCondLst>
                                     <p:cond delay="0"/>
                                   </p:stCondLst>
@@ -6109,6 +7128,55 @@
                                           <p:spTgt spid="3">
                                             <p:txEl>
                                               <p:pRg st="8" end="8"/>
+                                            </p:txEl>
+                                          </p:spTgt>
+                                        </p:tgtEl>
+                                        <p:attrNameLst>
+                                          <p:attrName>style.visibility</p:attrName>
+                                        </p:attrNameLst>
+                                      </p:cBhvr>
+                                      <p:to>
+                                        <p:strVal val="visible"/>
+                                      </p:to>
+                                    </p:set>
+                                  </p:childTnLst>
+                                </p:cTn>
+                              </p:par>
+                            </p:childTnLst>
+                          </p:cTn>
+                        </p:par>
+                      </p:childTnLst>
+                    </p:cTn>
+                  </p:par>
+                  <p:par>
+                    <p:cTn id="29" fill="hold">
+                      <p:stCondLst>
+                        <p:cond delay="indefinite"/>
+                      </p:stCondLst>
+                      <p:childTnLst>
+                        <p:par>
+                          <p:cTn id="30" fill="hold">
+                            <p:stCondLst>
+                              <p:cond delay="0"/>
+                            </p:stCondLst>
+                            <p:childTnLst>
+                              <p:par>
+                                <p:cTn id="31" presetID="1" presetClass="entr" presetSubtype="0" fill="hold" grpId="0" nodeType="clickEffect">
+                                  <p:stCondLst>
+                                    <p:cond delay="0"/>
+                                  </p:stCondLst>
+                                  <p:childTnLst>
+                                    <p:set>
+                                      <p:cBhvr>
+                                        <p:cTn id="32" dur="1" fill="hold">
+                                          <p:stCondLst>
+                                            <p:cond delay="0"/>
+                                          </p:stCondLst>
+                                        </p:cTn>
+                                        <p:tgtEl>
+                                          <p:spTgt spid="3">
+                                            <p:txEl>
+                                              <p:pRg st="9" end="9"/>
                                             </p:txEl>
                                           </p:spTgt>
                                         </p:tgtEl>
@@ -6150,11 +7218,14 @@
         </p:cTn>
       </p:par>
     </p:tnLst>
+    <p:bldLst>
+      <p:bldP spid="3" grpId="0" build="p"/>
+    </p:bldLst>
   </p:timing>
 </p:sld>
 </file>
 
-<file path=ppt/slides/slide12.xml><?xml version="1.0" encoding="utf-8"?>
+<file path=ppt/slides/slide13.xml><?xml version="1.0" encoding="utf-8"?>
 <p:sld xmlns:a="http://schemas.openxmlformats.org/drawingml/2006/main" xmlns:r="http://schemas.openxmlformats.org/officeDocument/2006/relationships" xmlns:p="http://schemas.openxmlformats.org/presentationml/2006/main">
   <p:cSld>
     <p:spTree>
@@ -6692,7 +7763,7 @@
 </p:sld>
 </file>
 
-<file path=ppt/slides/slide13.xml><?xml version="1.0" encoding="utf-8"?>
+<file path=ppt/slides/slide14.xml><?xml version="1.0" encoding="utf-8"?>
 <p:sld xmlns:a="http://schemas.openxmlformats.org/drawingml/2006/main" xmlns:r="http://schemas.openxmlformats.org/officeDocument/2006/relationships" xmlns:p="http://schemas.openxmlformats.org/presentationml/2006/main">
   <p:cSld>
     <p:spTree>
@@ -7298,7 +8369,7 @@
 </p:sld>
 </file>
 
-<file path=ppt/slides/slide14.xml><?xml version="1.0" encoding="utf-8"?>
+<file path=ppt/slides/slide15.xml><?xml version="1.0" encoding="utf-8"?>
 <p:sld xmlns:a="http://schemas.openxmlformats.org/drawingml/2006/main" xmlns:r="http://schemas.openxmlformats.org/officeDocument/2006/relationships" xmlns:p="http://schemas.openxmlformats.org/presentationml/2006/main">
   <p:cSld>
     <p:spTree>
@@ -14793,6 +15864,185 @@
           </a:p>
         </p:txBody>
       </p:sp>
+      <p:pic>
+        <p:nvPicPr>
+          <p:cNvPr id="4" name="Picture 3"/>
+          <p:cNvPicPr>
+            <a:picLocks noChangeAspect="1"/>
+          </p:cNvPicPr>
+          <p:nvPr/>
+        </p:nvPicPr>
+        <p:blipFill>
+          <a:blip r:embed="rId3">
+            <a:extLst>
+              <a:ext uri="{28A0092B-C50C-407E-A947-70E740481C1C}">
+                <a14:useLocalDpi xmlns:a14="http://schemas.microsoft.com/office/drawing/2010/main" val="0"/>
+              </a:ext>
+            </a:extLst>
+          </a:blip>
+          <a:stretch>
+            <a:fillRect/>
+          </a:stretch>
+        </p:blipFill>
+        <p:spPr>
+          <a:xfrm>
+            <a:off x="1592285" y="1447800"/>
+            <a:ext cx="2522515" cy="4487974"/>
+          </a:xfrm>
+          <a:prstGeom prst="rect">
+            <a:avLst/>
+          </a:prstGeom>
+        </p:spPr>
+      </p:pic>
+      <p:pic>
+        <p:nvPicPr>
+          <p:cNvPr id="5" name="Picture 4"/>
+          <p:cNvPicPr>
+            <a:picLocks noChangeAspect="1"/>
+          </p:cNvPicPr>
+          <p:nvPr/>
+        </p:nvPicPr>
+        <p:blipFill>
+          <a:blip r:embed="rId4">
+            <a:extLst>
+              <a:ext uri="{28A0092B-C50C-407E-A947-70E740481C1C}">
+                <a14:useLocalDpi xmlns:a14="http://schemas.microsoft.com/office/drawing/2010/main" val="0"/>
+              </a:ext>
+            </a:extLst>
+          </a:blip>
+          <a:stretch>
+            <a:fillRect/>
+          </a:stretch>
+        </p:blipFill>
+        <p:spPr>
+          <a:xfrm>
+            <a:off x="5105400" y="1447800"/>
+            <a:ext cx="2522515" cy="4487974"/>
+          </a:xfrm>
+          <a:prstGeom prst="rect">
+            <a:avLst/>
+          </a:prstGeom>
+        </p:spPr>
+      </p:pic>
+      <p:sp>
+        <p:nvSpPr>
+          <p:cNvPr id="6" name="TextBox 5"/>
+          <p:cNvSpPr txBox="1"/>
+          <p:nvPr/>
+        </p:nvSpPr>
+        <p:spPr>
+          <a:xfrm>
+            <a:off x="2062300" y="6224789"/>
+            <a:ext cx="1582484" cy="369332"/>
+          </a:xfrm>
+          <a:prstGeom prst="rect">
+            <a:avLst/>
+          </a:prstGeom>
+          <a:noFill/>
+        </p:spPr>
+        <p:txBody>
+          <a:bodyPr wrap="none" rtlCol="0">
+            <a:spAutoFit/>
+          </a:bodyPr>
+          <a:lstStyle/>
+          <a:p>
+            <a:r>
+              <a:rPr lang="en-US" dirty="0" smtClean="0"/>
+              <a:t>Manual Mode</a:t>
+            </a:r>
+            <a:endParaRPr lang="en-US" dirty="0"/>
+          </a:p>
+        </p:txBody>
+      </p:sp>
+      <p:sp>
+        <p:nvSpPr>
+          <p:cNvPr id="7" name="TextBox 6"/>
+          <p:cNvSpPr txBox="1"/>
+          <p:nvPr/>
+        </p:nvSpPr>
+        <p:spPr>
+          <a:xfrm>
+            <a:off x="5716479" y="6248400"/>
+            <a:ext cx="1300356" cy="369332"/>
+          </a:xfrm>
+          <a:prstGeom prst="rect">
+            <a:avLst/>
+          </a:prstGeom>
+          <a:noFill/>
+        </p:spPr>
+        <p:txBody>
+          <a:bodyPr wrap="none" rtlCol="0">
+            <a:spAutoFit/>
+          </a:bodyPr>
+          <a:lstStyle/>
+          <a:p>
+            <a:r>
+              <a:rPr lang="en-US" dirty="0" smtClean="0"/>
+              <a:t>Auto mode</a:t>
+            </a:r>
+            <a:endParaRPr lang="en-US" dirty="0"/>
+          </a:p>
+        </p:txBody>
+      </p:sp>
+    </p:spTree>
+    <p:extLst>
+      <p:ext uri="{BB962C8B-B14F-4D97-AF65-F5344CB8AC3E}">
+        <p14:creationId xmlns:p14="http://schemas.microsoft.com/office/powerpoint/2010/main" val="1710375954"/>
+      </p:ext>
+    </p:extLst>
+  </p:cSld>
+  <p:clrMapOvr>
+    <a:masterClrMapping/>
+  </p:clrMapOvr>
+  <p:timing>
+    <p:tnLst>
+      <p:par>
+        <p:cTn id="1" dur="indefinite" restart="never" nodeType="tmRoot"/>
+      </p:par>
+    </p:tnLst>
+  </p:timing>
+</p:sld>
+</file>
+
+<file path=ppt/slides/slide9.xml><?xml version="1.0" encoding="utf-8"?>
+<p:sld xmlns:a="http://schemas.openxmlformats.org/drawingml/2006/main" xmlns:r="http://schemas.openxmlformats.org/officeDocument/2006/relationships" xmlns:p="http://schemas.openxmlformats.org/presentationml/2006/main">
+  <p:cSld>
+    <p:spTree>
+      <p:nvGrpSpPr>
+        <p:cNvPr id="1" name=""/>
+        <p:cNvGrpSpPr/>
+        <p:nvPr/>
+      </p:nvGrpSpPr>
+      <p:grpSpPr>
+        <a:xfrm>
+          <a:off x="0" y="0"/>
+          <a:ext cx="0" cy="0"/>
+          <a:chOff x="0" y="0"/>
+          <a:chExt cx="0" cy="0"/>
+        </a:xfrm>
+      </p:grpSpPr>
+      <p:sp>
+        <p:nvSpPr>
+          <p:cNvPr id="2" name="Title 1"/>
+          <p:cNvSpPr>
+            <a:spLocks noGrp="1"/>
+          </p:cNvSpPr>
+          <p:nvPr>
+            <p:ph type="title"/>
+          </p:nvPr>
+        </p:nvSpPr>
+        <p:spPr/>
+        <p:txBody>
+          <a:bodyPr/>
+          <a:lstStyle/>
+          <a:p>
+            <a:r>
+              <a:rPr lang="en-US" dirty="0"/>
+              <a:t>Tasks, Challenges &amp; Innovation</a:t>
+            </a:r>
+          </a:p>
+        </p:txBody>
+      </p:sp>
       <p:sp>
         <p:nvSpPr>
           <p:cNvPr id="3" name="Content Placeholder 2"/>
@@ -15314,937 +16564,6 @@
                                           <p:spTgt spid="3">
                                             <p:txEl>
                                               <p:pRg st="8" end="8"/>
-                                            </p:txEl>
-                                          </p:spTgt>
-                                        </p:tgtEl>
-                                        <p:attrNameLst>
-                                          <p:attrName>style.visibility</p:attrName>
-                                        </p:attrNameLst>
-                                      </p:cBhvr>
-                                      <p:to>
-                                        <p:strVal val="visible"/>
-                                      </p:to>
-                                    </p:set>
-                                  </p:childTnLst>
-                                </p:cTn>
-                              </p:par>
-                            </p:childTnLst>
-                          </p:cTn>
-                        </p:par>
-                      </p:childTnLst>
-                    </p:cTn>
-                  </p:par>
-                </p:childTnLst>
-              </p:cTn>
-              <p:prevCondLst>
-                <p:cond evt="onPrev" delay="0">
-                  <p:tgtEl>
-                    <p:sldTgt/>
-                  </p:tgtEl>
-                </p:cond>
-              </p:prevCondLst>
-              <p:nextCondLst>
-                <p:cond evt="onNext" delay="0">
-                  <p:tgtEl>
-                    <p:sldTgt/>
-                  </p:tgtEl>
-                </p:cond>
-              </p:nextCondLst>
-            </p:seq>
-          </p:childTnLst>
-        </p:cTn>
-      </p:par>
-    </p:tnLst>
-  </p:timing>
-</p:sld>
-</file>
-
-<file path=ppt/slides/slide9.xml><?xml version="1.0" encoding="utf-8"?>
-<p:sld xmlns:a="http://schemas.openxmlformats.org/drawingml/2006/main" xmlns:r="http://schemas.openxmlformats.org/officeDocument/2006/relationships" xmlns:p="http://schemas.openxmlformats.org/presentationml/2006/main">
-  <p:cSld>
-    <p:spTree>
-      <p:nvGrpSpPr>
-        <p:cNvPr id="1" name=""/>
-        <p:cNvGrpSpPr/>
-        <p:nvPr/>
-      </p:nvGrpSpPr>
-      <p:grpSpPr>
-        <a:xfrm>
-          <a:off x="0" y="0"/>
-          <a:ext cx="0" cy="0"/>
-          <a:chOff x="0" y="0"/>
-          <a:chExt cx="0" cy="0"/>
-        </a:xfrm>
-      </p:grpSpPr>
-      <p:sp>
-        <p:nvSpPr>
-          <p:cNvPr id="2" name="Title 1"/>
-          <p:cNvSpPr>
-            <a:spLocks noGrp="1"/>
-          </p:cNvSpPr>
-          <p:nvPr>
-            <p:ph type="title"/>
-          </p:nvPr>
-        </p:nvSpPr>
-        <p:spPr/>
-        <p:txBody>
-          <a:bodyPr/>
-          <a:lstStyle/>
-          <a:p>
-            <a:r>
-              <a:rPr lang="en-US" dirty="0"/>
-              <a:t>Tasks, Challenges &amp; Innovation</a:t>
-            </a:r>
-          </a:p>
-        </p:txBody>
-      </p:sp>
-      <p:sp>
-        <p:nvSpPr>
-          <p:cNvPr id="3" name="Content Placeholder 2"/>
-          <p:cNvSpPr>
-            <a:spLocks noGrp="1"/>
-          </p:cNvSpPr>
-          <p:nvPr>
-            <p:ph idx="1"/>
-          </p:nvPr>
-        </p:nvSpPr>
-        <p:spPr/>
-        <p:txBody>
-          <a:bodyPr/>
-          <a:lstStyle/>
-          <a:p>
-            <a:r>
-              <a:rPr lang="en-US" dirty="0" smtClean="0"/>
-              <a:t>Hardware</a:t>
-            </a:r>
-          </a:p>
-          <a:p>
-            <a:pPr lvl="1"/>
-            <a:r>
-              <a:rPr lang="en-US" dirty="0" smtClean="0"/>
-              <a:t>Camera mounting</a:t>
-            </a:r>
-            <a:endParaRPr lang="en-US" dirty="0"/>
-          </a:p>
-          <a:p>
-            <a:pPr lvl="2"/>
-            <a:r>
-              <a:rPr lang="en-US" dirty="0" smtClean="0"/>
-              <a:t>Front</a:t>
-            </a:r>
-          </a:p>
-          <a:p>
-            <a:pPr lvl="3"/>
-            <a:r>
-              <a:rPr lang="en-US" sz="1800" dirty="0" smtClean="0"/>
-              <a:t>will </a:t>
-            </a:r>
-            <a:r>
-              <a:rPr lang="en-US" sz="1800" dirty="0"/>
-              <a:t>block the sharp </a:t>
-            </a:r>
-            <a:r>
-              <a:rPr lang="en-US" sz="1800" dirty="0" smtClean="0"/>
-              <a:t>sensors</a:t>
-            </a:r>
-          </a:p>
-          <a:p>
-            <a:pPr lvl="3"/>
-            <a:r>
-              <a:rPr lang="en-US" sz="1800" dirty="0"/>
-              <a:t>w</a:t>
-            </a:r>
-            <a:r>
-              <a:rPr lang="en-US" sz="1800" dirty="0" smtClean="0"/>
-              <a:t>ill block grippers movement</a:t>
-            </a:r>
-            <a:endParaRPr lang="en-US" sz="1800" dirty="0"/>
-          </a:p>
-          <a:p>
-            <a:pPr lvl="2"/>
-            <a:r>
-              <a:rPr lang="en-US" dirty="0"/>
-              <a:t>Top </a:t>
-            </a:r>
-          </a:p>
-          <a:p>
-            <a:pPr lvl="3"/>
-            <a:r>
-              <a:rPr lang="en-US" sz="1800" dirty="0" smtClean="0"/>
-              <a:t>Gripper </a:t>
-            </a:r>
-            <a:r>
-              <a:rPr lang="en-US" sz="1800" dirty="0" err="1"/>
-              <a:t>arp</a:t>
-            </a:r>
-            <a:r>
-              <a:rPr lang="en-US" sz="1800" dirty="0"/>
-              <a:t> in its </a:t>
-            </a:r>
-            <a:r>
-              <a:rPr lang="en-US" sz="1800" dirty="0" smtClean="0"/>
-              <a:t>path</a:t>
-            </a:r>
-            <a:endParaRPr lang="en-US" sz="1800" dirty="0"/>
-          </a:p>
-          <a:p>
-            <a:pPr lvl="1"/>
-            <a:r>
-              <a:rPr lang="en-US" dirty="0" smtClean="0"/>
-              <a:t>Sensor</a:t>
-            </a:r>
-            <a:endParaRPr lang="en-US" dirty="0"/>
-          </a:p>
-          <a:p>
-            <a:pPr lvl="2"/>
-            <a:r>
-              <a:rPr lang="en-US" dirty="0"/>
-              <a:t>Single sensor – missed the ball many </a:t>
-            </a:r>
-            <a:r>
-              <a:rPr lang="en-US" dirty="0" smtClean="0"/>
-              <a:t>times</a:t>
-            </a:r>
-          </a:p>
-          <a:p>
-            <a:pPr lvl="1"/>
-            <a:r>
-              <a:rPr lang="en-US" dirty="0" smtClean="0"/>
-              <a:t>Solution</a:t>
-            </a:r>
-          </a:p>
-          <a:p>
-            <a:pPr lvl="2"/>
-            <a:r>
-              <a:rPr lang="en-US" dirty="0" smtClean="0"/>
-              <a:t>Increase the arm’s length</a:t>
-            </a:r>
-          </a:p>
-          <a:p>
-            <a:pPr lvl="2"/>
-            <a:r>
-              <a:rPr lang="en-US" dirty="0" smtClean="0"/>
-              <a:t>Place 2 sensors ON the Camera</a:t>
-            </a:r>
-          </a:p>
-          <a:p>
-            <a:pPr lvl="2"/>
-            <a:r>
-              <a:rPr lang="en-US" dirty="0" smtClean="0"/>
-              <a:t>Fix the Camera in front of bot</a:t>
-            </a:r>
-          </a:p>
-          <a:p>
-            <a:pPr lvl="2"/>
-            <a:endParaRPr lang="en-US" dirty="0"/>
-          </a:p>
-        </p:txBody>
-      </p:sp>
-      <p:pic>
-        <p:nvPicPr>
-          <p:cNvPr id="5" name="Picture 4"/>
-          <p:cNvPicPr>
-            <a:picLocks noChangeAspect="1"/>
-          </p:cNvPicPr>
-          <p:nvPr/>
-        </p:nvPicPr>
-        <p:blipFill>
-          <a:blip r:embed="rId3" cstate="print">
-            <a:extLst>
-              <a:ext uri="{28A0092B-C50C-407E-A947-70E740481C1C}">
-                <a14:useLocalDpi xmlns:a14="http://schemas.microsoft.com/office/drawing/2010/main" val="0"/>
-              </a:ext>
-            </a:extLst>
-          </a:blip>
-          <a:stretch>
-            <a:fillRect/>
-          </a:stretch>
-        </p:blipFill>
-        <p:spPr>
-          <a:xfrm>
-            <a:off x="4648200" y="1828800"/>
-            <a:ext cx="3886200" cy="2338665"/>
-          </a:xfrm>
-          <a:prstGeom prst="rect">
-            <a:avLst/>
-          </a:prstGeom>
-        </p:spPr>
-      </p:pic>
-    </p:spTree>
-    <p:extLst>
-      <p:ext uri="{BB962C8B-B14F-4D97-AF65-F5344CB8AC3E}">
-        <p14:creationId xmlns:p14="http://schemas.microsoft.com/office/powerpoint/2010/main" val="1602237527"/>
-      </p:ext>
-    </p:extLst>
-  </p:cSld>
-  <p:clrMapOvr>
-    <a:masterClrMapping/>
-  </p:clrMapOvr>
-  <p:timing>
-    <p:tnLst>
-      <p:par>
-        <p:cTn id="1" dur="indefinite" restart="never" nodeType="tmRoot">
-          <p:childTnLst>
-            <p:seq concurrent="1" nextAc="seek">
-              <p:cTn id="2" dur="indefinite" nodeType="mainSeq">
-                <p:childTnLst>
-                  <p:par>
-                    <p:cTn id="3" fill="hold">
-                      <p:stCondLst>
-                        <p:cond delay="indefinite"/>
-                        <p:cond evt="onBegin" delay="0">
-                          <p:tn val="2"/>
-                        </p:cond>
-                      </p:stCondLst>
-                      <p:childTnLst>
-                        <p:par>
-                          <p:cTn id="4" fill="hold">
-                            <p:stCondLst>
-                              <p:cond delay="0"/>
-                            </p:stCondLst>
-                            <p:childTnLst>
-                              <p:par>
-                                <p:cTn id="5" presetID="1" presetClass="entr" presetSubtype="0" fill="hold" nodeType="withEffect">
-                                  <p:stCondLst>
-                                    <p:cond delay="0"/>
-                                  </p:stCondLst>
-                                  <p:childTnLst>
-                                    <p:set>
-                                      <p:cBhvr>
-                                        <p:cTn id="6" dur="1" fill="hold">
-                                          <p:stCondLst>
-                                            <p:cond delay="0"/>
-                                          </p:stCondLst>
-                                        </p:cTn>
-                                        <p:tgtEl>
-                                          <p:spTgt spid="3">
-                                            <p:txEl>
-                                              <p:pRg st="0" end="0"/>
-                                            </p:txEl>
-                                          </p:spTgt>
-                                        </p:tgtEl>
-                                        <p:attrNameLst>
-                                          <p:attrName>style.visibility</p:attrName>
-                                        </p:attrNameLst>
-                                      </p:cBhvr>
-                                      <p:to>
-                                        <p:strVal val="visible"/>
-                                      </p:to>
-                                    </p:set>
-                                  </p:childTnLst>
-                                </p:cTn>
-                              </p:par>
-                            </p:childTnLst>
-                          </p:cTn>
-                        </p:par>
-                      </p:childTnLst>
-                    </p:cTn>
-                  </p:par>
-                  <p:par>
-                    <p:cTn id="7" fill="hold">
-                      <p:stCondLst>
-                        <p:cond delay="indefinite"/>
-                      </p:stCondLst>
-                      <p:childTnLst>
-                        <p:par>
-                          <p:cTn id="8" fill="hold">
-                            <p:stCondLst>
-                              <p:cond delay="0"/>
-                            </p:stCondLst>
-                            <p:childTnLst>
-                              <p:par>
-                                <p:cTn id="9" presetID="1" presetClass="entr" presetSubtype="0" fill="hold" nodeType="clickEffect">
-                                  <p:stCondLst>
-                                    <p:cond delay="0"/>
-                                  </p:stCondLst>
-                                  <p:childTnLst>
-                                    <p:set>
-                                      <p:cBhvr>
-                                        <p:cTn id="10" dur="1" fill="hold">
-                                          <p:stCondLst>
-                                            <p:cond delay="0"/>
-                                          </p:stCondLst>
-                                        </p:cTn>
-                                        <p:tgtEl>
-                                          <p:spTgt spid="3">
-                                            <p:txEl>
-                                              <p:pRg st="1" end="1"/>
-                                            </p:txEl>
-                                          </p:spTgt>
-                                        </p:tgtEl>
-                                        <p:attrNameLst>
-                                          <p:attrName>style.visibility</p:attrName>
-                                        </p:attrNameLst>
-                                      </p:cBhvr>
-                                      <p:to>
-                                        <p:strVal val="visible"/>
-                                      </p:to>
-                                    </p:set>
-                                  </p:childTnLst>
-                                </p:cTn>
-                              </p:par>
-                            </p:childTnLst>
-                          </p:cTn>
-                        </p:par>
-                      </p:childTnLst>
-                    </p:cTn>
-                  </p:par>
-                  <p:par>
-                    <p:cTn id="11" fill="hold">
-                      <p:stCondLst>
-                        <p:cond delay="indefinite"/>
-                      </p:stCondLst>
-                      <p:childTnLst>
-                        <p:par>
-                          <p:cTn id="12" fill="hold">
-                            <p:stCondLst>
-                              <p:cond delay="0"/>
-                            </p:stCondLst>
-                            <p:childTnLst>
-                              <p:par>
-                                <p:cTn id="13" presetID="1" presetClass="entr" presetSubtype="0" fill="hold" nodeType="clickEffect">
-                                  <p:stCondLst>
-                                    <p:cond delay="0"/>
-                                  </p:stCondLst>
-                                  <p:childTnLst>
-                                    <p:set>
-                                      <p:cBhvr>
-                                        <p:cTn id="14" dur="1" fill="hold">
-                                          <p:stCondLst>
-                                            <p:cond delay="0"/>
-                                          </p:stCondLst>
-                                        </p:cTn>
-                                        <p:tgtEl>
-                                          <p:spTgt spid="3">
-                                            <p:txEl>
-                                              <p:pRg st="2" end="2"/>
-                                            </p:txEl>
-                                          </p:spTgt>
-                                        </p:tgtEl>
-                                        <p:attrNameLst>
-                                          <p:attrName>style.visibility</p:attrName>
-                                        </p:attrNameLst>
-                                      </p:cBhvr>
-                                      <p:to>
-                                        <p:strVal val="visible"/>
-                                      </p:to>
-                                    </p:set>
-                                  </p:childTnLst>
-                                </p:cTn>
-                              </p:par>
-                              <p:par>
-                                <p:cTn id="15" presetID="1" presetClass="entr" presetSubtype="0" fill="hold" nodeType="withEffect">
-                                  <p:stCondLst>
-                                    <p:cond delay="0"/>
-                                  </p:stCondLst>
-                                  <p:childTnLst>
-                                    <p:set>
-                                      <p:cBhvr>
-                                        <p:cTn id="16" dur="1" fill="hold">
-                                          <p:stCondLst>
-                                            <p:cond delay="0"/>
-                                          </p:stCondLst>
-                                        </p:cTn>
-                                        <p:tgtEl>
-                                          <p:spTgt spid="3">
-                                            <p:txEl>
-                                              <p:pRg st="3" end="3"/>
-                                            </p:txEl>
-                                          </p:spTgt>
-                                        </p:tgtEl>
-                                        <p:attrNameLst>
-                                          <p:attrName>style.visibility</p:attrName>
-                                        </p:attrNameLst>
-                                      </p:cBhvr>
-                                      <p:to>
-                                        <p:strVal val="visible"/>
-                                      </p:to>
-                                    </p:set>
-                                  </p:childTnLst>
-                                </p:cTn>
-                              </p:par>
-                              <p:par>
-                                <p:cTn id="17" presetID="1" presetClass="entr" presetSubtype="0" fill="hold" nodeType="withEffect">
-                                  <p:stCondLst>
-                                    <p:cond delay="0"/>
-                                  </p:stCondLst>
-                                  <p:childTnLst>
-                                    <p:set>
-                                      <p:cBhvr>
-                                        <p:cTn id="18" dur="1" fill="hold">
-                                          <p:stCondLst>
-                                            <p:cond delay="0"/>
-                                          </p:stCondLst>
-                                        </p:cTn>
-                                        <p:tgtEl>
-                                          <p:spTgt spid="3">
-                                            <p:txEl>
-                                              <p:pRg st="4" end="4"/>
-                                            </p:txEl>
-                                          </p:spTgt>
-                                        </p:tgtEl>
-                                        <p:attrNameLst>
-                                          <p:attrName>style.visibility</p:attrName>
-                                        </p:attrNameLst>
-                                      </p:cBhvr>
-                                      <p:to>
-                                        <p:strVal val="visible"/>
-                                      </p:to>
-                                    </p:set>
-                                  </p:childTnLst>
-                                </p:cTn>
-                              </p:par>
-                            </p:childTnLst>
-                          </p:cTn>
-                        </p:par>
-                      </p:childTnLst>
-                    </p:cTn>
-                  </p:par>
-                  <p:par>
-                    <p:cTn id="19" fill="hold">
-                      <p:stCondLst>
-                        <p:cond delay="indefinite"/>
-                      </p:stCondLst>
-                      <p:childTnLst>
-                        <p:par>
-                          <p:cTn id="20" fill="hold">
-                            <p:stCondLst>
-                              <p:cond delay="0"/>
-                            </p:stCondLst>
-                            <p:childTnLst>
-                              <p:par>
-                                <p:cTn id="21" presetID="1" presetClass="entr" presetSubtype="0" fill="hold" nodeType="clickEffect">
-                                  <p:stCondLst>
-                                    <p:cond delay="0"/>
-                                  </p:stCondLst>
-                                  <p:childTnLst>
-                                    <p:set>
-                                      <p:cBhvr>
-                                        <p:cTn id="22" dur="1" fill="hold">
-                                          <p:stCondLst>
-                                            <p:cond delay="0"/>
-                                          </p:stCondLst>
-                                        </p:cTn>
-                                        <p:tgtEl>
-                                          <p:spTgt spid="3">
-                                            <p:txEl>
-                                              <p:pRg st="5" end="5"/>
-                                            </p:txEl>
-                                          </p:spTgt>
-                                        </p:tgtEl>
-                                        <p:attrNameLst>
-                                          <p:attrName>style.visibility</p:attrName>
-                                        </p:attrNameLst>
-                                      </p:cBhvr>
-                                      <p:to>
-                                        <p:strVal val="visible"/>
-                                      </p:to>
-                                    </p:set>
-                                  </p:childTnLst>
-                                </p:cTn>
-                              </p:par>
-                              <p:par>
-                                <p:cTn id="23" presetID="1" presetClass="entr" presetSubtype="0" fill="hold" nodeType="withEffect">
-                                  <p:stCondLst>
-                                    <p:cond delay="0"/>
-                                  </p:stCondLst>
-                                  <p:childTnLst>
-                                    <p:set>
-                                      <p:cBhvr>
-                                        <p:cTn id="24" dur="1" fill="hold">
-                                          <p:stCondLst>
-                                            <p:cond delay="0"/>
-                                          </p:stCondLst>
-                                        </p:cTn>
-                                        <p:tgtEl>
-                                          <p:spTgt spid="3">
-                                            <p:txEl>
-                                              <p:pRg st="6" end="6"/>
-                                            </p:txEl>
-                                          </p:spTgt>
-                                        </p:tgtEl>
-                                        <p:attrNameLst>
-                                          <p:attrName>style.visibility</p:attrName>
-                                        </p:attrNameLst>
-                                      </p:cBhvr>
-                                      <p:to>
-                                        <p:strVal val="visible"/>
-                                      </p:to>
-                                    </p:set>
-                                  </p:childTnLst>
-                                </p:cTn>
-                              </p:par>
-                            </p:childTnLst>
-                          </p:cTn>
-                        </p:par>
-                      </p:childTnLst>
-                    </p:cTn>
-                  </p:par>
-                  <p:par>
-                    <p:cTn id="25" fill="hold">
-                      <p:stCondLst>
-                        <p:cond delay="indefinite"/>
-                      </p:stCondLst>
-                      <p:childTnLst>
-                        <p:par>
-                          <p:cTn id="26" fill="hold">
-                            <p:stCondLst>
-                              <p:cond delay="0"/>
-                            </p:stCondLst>
-                            <p:childTnLst>
-                              <p:par>
-                                <p:cTn id="27" presetID="1" presetClass="entr" presetSubtype="0" fill="hold" nodeType="clickEffect">
-                                  <p:stCondLst>
-                                    <p:cond delay="0"/>
-                                  </p:stCondLst>
-                                  <p:childTnLst>
-                                    <p:set>
-                                      <p:cBhvr>
-                                        <p:cTn id="28" dur="1" fill="hold">
-                                          <p:stCondLst>
-                                            <p:cond delay="0"/>
-                                          </p:stCondLst>
-                                        </p:cTn>
-                                        <p:tgtEl>
-                                          <p:spTgt spid="3">
-                                            <p:txEl>
-                                              <p:pRg st="7" end="7"/>
-                                            </p:txEl>
-                                          </p:spTgt>
-                                        </p:tgtEl>
-                                        <p:attrNameLst>
-                                          <p:attrName>style.visibility</p:attrName>
-                                        </p:attrNameLst>
-                                      </p:cBhvr>
-                                      <p:to>
-                                        <p:strVal val="visible"/>
-                                      </p:to>
-                                    </p:set>
-                                  </p:childTnLst>
-                                </p:cTn>
-                              </p:par>
-                            </p:childTnLst>
-                          </p:cTn>
-                        </p:par>
-                      </p:childTnLst>
-                    </p:cTn>
-                  </p:par>
-                  <p:par>
-                    <p:cTn id="29" fill="hold">
-                      <p:stCondLst>
-                        <p:cond delay="indefinite"/>
-                      </p:stCondLst>
-                      <p:childTnLst>
-                        <p:par>
-                          <p:cTn id="30" fill="hold">
-                            <p:stCondLst>
-                              <p:cond delay="0"/>
-                            </p:stCondLst>
-                            <p:childTnLst>
-                              <p:par>
-                                <p:cTn id="31" presetID="1" presetClass="entr" presetSubtype="0" fill="hold" nodeType="clickEffect">
-                                  <p:stCondLst>
-                                    <p:cond delay="0"/>
-                                  </p:stCondLst>
-                                  <p:childTnLst>
-                                    <p:set>
-                                      <p:cBhvr>
-                                        <p:cTn id="32" dur="1" fill="hold">
-                                          <p:stCondLst>
-                                            <p:cond delay="0"/>
-                                          </p:stCondLst>
-                                        </p:cTn>
-                                        <p:tgtEl>
-                                          <p:spTgt spid="3">
-                                            <p:txEl>
-                                              <p:pRg st="8" end="8"/>
-                                            </p:txEl>
-                                          </p:spTgt>
-                                        </p:tgtEl>
-                                        <p:attrNameLst>
-                                          <p:attrName>style.visibility</p:attrName>
-                                        </p:attrNameLst>
-                                      </p:cBhvr>
-                                      <p:to>
-                                        <p:strVal val="visible"/>
-                                      </p:to>
-                                    </p:set>
-                                  </p:childTnLst>
-                                </p:cTn>
-                              </p:par>
-                            </p:childTnLst>
-                          </p:cTn>
-                        </p:par>
-                      </p:childTnLst>
-                    </p:cTn>
-                  </p:par>
-                  <p:par>
-                    <p:cTn id="33" fill="hold">
-                      <p:stCondLst>
-                        <p:cond delay="indefinite"/>
-                      </p:stCondLst>
-                      <p:childTnLst>
-                        <p:par>
-                          <p:cTn id="34" fill="hold">
-                            <p:stCondLst>
-                              <p:cond delay="0"/>
-                            </p:stCondLst>
-                            <p:childTnLst>
-                              <p:par>
-                                <p:cTn id="35" presetID="1" presetClass="entr" presetSubtype="0" fill="hold" nodeType="clickEffect">
-                                  <p:stCondLst>
-                                    <p:cond delay="0"/>
-                                  </p:stCondLst>
-                                  <p:childTnLst>
-                                    <p:set>
-                                      <p:cBhvr>
-                                        <p:cTn id="36" dur="1" fill="hold">
-                                          <p:stCondLst>
-                                            <p:cond delay="0"/>
-                                          </p:stCondLst>
-                                        </p:cTn>
-                                        <p:tgtEl>
-                                          <p:spTgt spid="3">
-                                            <p:txEl>
-                                              <p:pRg st="9" end="9"/>
-                                            </p:txEl>
-                                          </p:spTgt>
-                                        </p:tgtEl>
-                                        <p:attrNameLst>
-                                          <p:attrName>style.visibility</p:attrName>
-                                        </p:attrNameLst>
-                                      </p:cBhvr>
-                                      <p:to>
-                                        <p:strVal val="visible"/>
-                                      </p:to>
-                                    </p:set>
-                                  </p:childTnLst>
-                                </p:cTn>
-                              </p:par>
-                            </p:childTnLst>
-                          </p:cTn>
-                        </p:par>
-                      </p:childTnLst>
-                    </p:cTn>
-                  </p:par>
-                  <p:par>
-                    <p:cTn id="37" fill="hold">
-                      <p:stCondLst>
-                        <p:cond delay="indefinite"/>
-                      </p:stCondLst>
-                      <p:childTnLst>
-                        <p:par>
-                          <p:cTn id="38" fill="hold">
-                            <p:stCondLst>
-                              <p:cond delay="0"/>
-                            </p:stCondLst>
-                            <p:childTnLst>
-                              <p:par>
-                                <p:cTn id="39" presetID="2" presetClass="entr" presetSubtype="2" fill="hold" nodeType="clickEffect">
-                                  <p:stCondLst>
-                                    <p:cond delay="0"/>
-                                  </p:stCondLst>
-                                  <p:childTnLst>
-                                    <p:set>
-                                      <p:cBhvr>
-                                        <p:cTn id="40" dur="1" fill="hold">
-                                          <p:stCondLst>
-                                            <p:cond delay="0"/>
-                                          </p:stCondLst>
-                                        </p:cTn>
-                                        <p:tgtEl>
-                                          <p:spTgt spid="5"/>
-                                        </p:tgtEl>
-                                        <p:attrNameLst>
-                                          <p:attrName>style.visibility</p:attrName>
-                                        </p:attrNameLst>
-                                      </p:cBhvr>
-                                      <p:to>
-                                        <p:strVal val="visible"/>
-                                      </p:to>
-                                    </p:set>
-                                    <p:anim calcmode="lin" valueType="num">
-                                      <p:cBhvr additive="base">
-                                        <p:cTn id="41" dur="500" fill="hold"/>
-                                        <p:tgtEl>
-                                          <p:spTgt spid="5"/>
-                                        </p:tgtEl>
-                                        <p:attrNameLst>
-                                          <p:attrName>ppt_x</p:attrName>
-                                        </p:attrNameLst>
-                                      </p:cBhvr>
-                                      <p:tavLst>
-                                        <p:tav tm="0">
-                                          <p:val>
-                                            <p:strVal val="1+#ppt_w/2"/>
-                                          </p:val>
-                                        </p:tav>
-                                        <p:tav tm="100000">
-                                          <p:val>
-                                            <p:strVal val="#ppt_x"/>
-                                          </p:val>
-                                        </p:tav>
-                                      </p:tavLst>
-                                    </p:anim>
-                                    <p:anim calcmode="lin" valueType="num">
-                                      <p:cBhvr additive="base">
-                                        <p:cTn id="42" dur="500" fill="hold"/>
-                                        <p:tgtEl>
-                                          <p:spTgt spid="5"/>
-                                        </p:tgtEl>
-                                        <p:attrNameLst>
-                                          <p:attrName>ppt_y</p:attrName>
-                                        </p:attrNameLst>
-                                      </p:cBhvr>
-                                      <p:tavLst>
-                                        <p:tav tm="0">
-                                          <p:val>
-                                            <p:strVal val="#ppt_y"/>
-                                          </p:val>
-                                        </p:tav>
-                                        <p:tav tm="100000">
-                                          <p:val>
-                                            <p:strVal val="#ppt_y"/>
-                                          </p:val>
-                                        </p:tav>
-                                      </p:tavLst>
-                                    </p:anim>
-                                  </p:childTnLst>
-                                </p:cTn>
-                              </p:par>
-                            </p:childTnLst>
-                          </p:cTn>
-                        </p:par>
-                      </p:childTnLst>
-                    </p:cTn>
-                  </p:par>
-                  <p:par>
-                    <p:cTn id="43" fill="hold">
-                      <p:stCondLst>
-                        <p:cond delay="indefinite"/>
-                      </p:stCondLst>
-                      <p:childTnLst>
-                        <p:par>
-                          <p:cTn id="44" fill="hold">
-                            <p:stCondLst>
-                              <p:cond delay="0"/>
-                            </p:stCondLst>
-                            <p:childTnLst>
-                              <p:par>
-                                <p:cTn id="45" presetID="1" presetClass="entr" presetSubtype="0" fill="hold" nodeType="clickEffect">
-                                  <p:stCondLst>
-                                    <p:cond delay="0"/>
-                                  </p:stCondLst>
-                                  <p:childTnLst>
-                                    <p:set>
-                                      <p:cBhvr>
-                                        <p:cTn id="46" dur="1" fill="hold">
-                                          <p:stCondLst>
-                                            <p:cond delay="0"/>
-                                          </p:stCondLst>
-                                        </p:cTn>
-                                        <p:tgtEl>
-                                          <p:spTgt spid="3">
-                                            <p:txEl>
-                                              <p:pRg st="10" end="10"/>
-                                            </p:txEl>
-                                          </p:spTgt>
-                                        </p:tgtEl>
-                                        <p:attrNameLst>
-                                          <p:attrName>style.visibility</p:attrName>
-                                        </p:attrNameLst>
-                                      </p:cBhvr>
-                                      <p:to>
-                                        <p:strVal val="visible"/>
-                                      </p:to>
-                                    </p:set>
-                                  </p:childTnLst>
-                                </p:cTn>
-                              </p:par>
-                            </p:childTnLst>
-                          </p:cTn>
-                        </p:par>
-                      </p:childTnLst>
-                    </p:cTn>
-                  </p:par>
-                  <p:par>
-                    <p:cTn id="47" fill="hold">
-                      <p:stCondLst>
-                        <p:cond delay="indefinite"/>
-                      </p:stCondLst>
-                      <p:childTnLst>
-                        <p:par>
-                          <p:cTn id="48" fill="hold">
-                            <p:stCondLst>
-                              <p:cond delay="0"/>
-                            </p:stCondLst>
-                            <p:childTnLst>
-                              <p:par>
-                                <p:cTn id="49" presetID="1" presetClass="entr" presetSubtype="0" fill="hold" nodeType="clickEffect">
-                                  <p:stCondLst>
-                                    <p:cond delay="0"/>
-                                  </p:stCondLst>
-                                  <p:childTnLst>
-                                    <p:set>
-                                      <p:cBhvr>
-                                        <p:cTn id="50" dur="1" fill="hold">
-                                          <p:stCondLst>
-                                            <p:cond delay="0"/>
-                                          </p:stCondLst>
-                                        </p:cTn>
-                                        <p:tgtEl>
-                                          <p:spTgt spid="3">
-                                            <p:txEl>
-                                              <p:pRg st="11" end="11"/>
-                                            </p:txEl>
-                                          </p:spTgt>
-                                        </p:tgtEl>
-                                        <p:attrNameLst>
-                                          <p:attrName>style.visibility</p:attrName>
-                                        </p:attrNameLst>
-                                      </p:cBhvr>
-                                      <p:to>
-                                        <p:strVal val="visible"/>
-                                      </p:to>
-                                    </p:set>
-                                  </p:childTnLst>
-                                </p:cTn>
-                              </p:par>
-                            </p:childTnLst>
-                          </p:cTn>
-                        </p:par>
-                      </p:childTnLst>
-                    </p:cTn>
-                  </p:par>
-                  <p:par>
-                    <p:cTn id="51" fill="hold">
-                      <p:stCondLst>
-                        <p:cond delay="indefinite"/>
-                      </p:stCondLst>
-                      <p:childTnLst>
-                        <p:par>
-                          <p:cTn id="52" fill="hold">
-                            <p:stCondLst>
-                              <p:cond delay="0"/>
-                            </p:stCondLst>
-                            <p:childTnLst>
-                              <p:par>
-                                <p:cTn id="53" presetID="1" presetClass="entr" presetSubtype="0" fill="hold" nodeType="clickEffect">
-                                  <p:stCondLst>
-                                    <p:cond delay="0"/>
-                                  </p:stCondLst>
-                                  <p:childTnLst>
-                                    <p:set>
-                                      <p:cBhvr>
-                                        <p:cTn id="54" dur="1" fill="hold">
-                                          <p:stCondLst>
-                                            <p:cond delay="0"/>
-                                          </p:stCondLst>
-                                        </p:cTn>
-                                        <p:tgtEl>
-                                          <p:spTgt spid="3">
-                                            <p:txEl>
-                                              <p:pRg st="12" end="12"/>
                                             </p:txEl>
                                           </p:spTgt>
                                         </p:tgtEl>

--- a/Documentation/cs308_2012_team14_final_pres.pptx
+++ b/Documentation/cs308_2012_team14_final_pres.pptx
@@ -206,7 +206,7 @@
           <a:p>
             <a:fld id="{BD213695-3E13-4CCE-9CA9-7A54FB703A77}" type="datetimeFigureOut">
               <a:rPr lang="en-US" smtClean="0"/>
-              <a:t>Thu, 19-04-12</a:t>
+              <a:t>Fri, 20-04-12</a:t>
             </a:fld>
             <a:endParaRPr lang="en-US"/>
           </a:p>
@@ -1923,7 +1923,7 @@
             <a:fld id="{1D8BD707-D9CF-40AE-B4C6-C98DA3205C09}" type="datetimeFigureOut">
               <a:rPr lang="en-US" smtClean="0"/>
               <a:pPr/>
-              <a:t>Thu, 19-04-12</a:t>
+              <a:t>Fri, 20-04-12</a:t>
             </a:fld>
             <a:endParaRPr lang="en-US"/>
           </a:p>
@@ -2125,7 +2125,7 @@
             <a:fld id="{1D8BD707-D9CF-40AE-B4C6-C98DA3205C09}" type="datetimeFigureOut">
               <a:rPr lang="en-US" smtClean="0"/>
               <a:pPr/>
-              <a:t>Thu, 19-04-12</a:t>
+              <a:t>Fri, 20-04-12</a:t>
             </a:fld>
             <a:endParaRPr lang="en-US"/>
           </a:p>
@@ -2302,7 +2302,7 @@
             <a:fld id="{1D8BD707-D9CF-40AE-B4C6-C98DA3205C09}" type="datetimeFigureOut">
               <a:rPr lang="en-US" smtClean="0"/>
               <a:pPr/>
-              <a:t>Thu, 19-04-12</a:t>
+              <a:t>Fri, 20-04-12</a:t>
             </a:fld>
             <a:endParaRPr lang="en-US"/>
           </a:p>
@@ -2469,7 +2469,7 @@
             <a:fld id="{1D8BD707-D9CF-40AE-B4C6-C98DA3205C09}" type="datetimeFigureOut">
               <a:rPr lang="en-US" smtClean="0"/>
               <a:pPr/>
-              <a:t>Thu, 19-04-12</a:t>
+              <a:t>Fri, 20-04-12</a:t>
             </a:fld>
             <a:endParaRPr lang="en-US"/>
           </a:p>
@@ -2719,7 +2719,7 @@
             <a:fld id="{1D8BD707-D9CF-40AE-B4C6-C98DA3205C09}" type="datetimeFigureOut">
               <a:rPr lang="en-US" smtClean="0"/>
               <a:pPr/>
-              <a:t>Thu, 19-04-12</a:t>
+              <a:t>Fri, 20-04-12</a:t>
             </a:fld>
             <a:endParaRPr lang="en-US"/>
           </a:p>
@@ -3039,7 +3039,7 @@
             <a:fld id="{1D8BD707-D9CF-40AE-B4C6-C98DA3205C09}" type="datetimeFigureOut">
               <a:rPr lang="en-US" smtClean="0"/>
               <a:pPr/>
-              <a:t>Thu, 19-04-12</a:t>
+              <a:t>Fri, 20-04-12</a:t>
             </a:fld>
             <a:endParaRPr lang="en-US"/>
           </a:p>
@@ -3507,7 +3507,7 @@
             <a:fld id="{1D8BD707-D9CF-40AE-B4C6-C98DA3205C09}" type="datetimeFigureOut">
               <a:rPr lang="en-US" smtClean="0"/>
               <a:pPr/>
-              <a:t>Thu, 19-04-12</a:t>
+              <a:t>Fri, 20-04-12</a:t>
             </a:fld>
             <a:endParaRPr lang="en-US"/>
           </a:p>
@@ -3657,7 +3657,7 @@
             <a:fld id="{1D8BD707-D9CF-40AE-B4C6-C98DA3205C09}" type="datetimeFigureOut">
               <a:rPr lang="en-US" smtClean="0"/>
               <a:pPr/>
-              <a:t>Thu, 19-04-12</a:t>
+              <a:t>Fri, 20-04-12</a:t>
             </a:fld>
             <a:endParaRPr lang="en-US"/>
           </a:p>
@@ -3749,7 +3749,7 @@
             <a:fld id="{1D8BD707-D9CF-40AE-B4C6-C98DA3205C09}" type="datetimeFigureOut">
               <a:rPr lang="en-US" smtClean="0"/>
               <a:pPr/>
-              <a:t>Thu, 19-04-12</a:t>
+              <a:t>Fri, 20-04-12</a:t>
             </a:fld>
             <a:endParaRPr lang="en-US"/>
           </a:p>
@@ -4025,7 +4025,7 @@
             <a:fld id="{1D8BD707-D9CF-40AE-B4C6-C98DA3205C09}" type="datetimeFigureOut">
               <a:rPr lang="en-US" smtClean="0"/>
               <a:pPr/>
-              <a:t>Thu, 19-04-12</a:t>
+              <a:t>Fri, 20-04-12</a:t>
             </a:fld>
             <a:endParaRPr lang="en-US"/>
           </a:p>
@@ -4332,7 +4332,7 @@
             <a:fld id="{1D8BD707-D9CF-40AE-B4C6-C98DA3205C09}" type="datetimeFigureOut">
               <a:rPr lang="en-US" smtClean="0"/>
               <a:pPr/>
-              <a:t>Thu, 19-04-12</a:t>
+              <a:t>Fri, 20-04-12</a:t>
             </a:fld>
             <a:endParaRPr lang="en-US"/>
           </a:p>
@@ -4632,7 +4632,7 @@
             <a:fld id="{1D8BD707-D9CF-40AE-B4C6-C98DA3205C09}" type="datetimeFigureOut">
               <a:rPr lang="en-US" smtClean="0"/>
               <a:pPr/>
-              <a:t>Thu, 19-04-12</a:t>
+              <a:t>Fri, 20-04-12</a:t>
             </a:fld>
             <a:endParaRPr lang="en-US"/>
           </a:p>
@@ -6679,7 +6679,9 @@
         </p:nvSpPr>
         <p:spPr/>
         <p:txBody>
-          <a:bodyPr/>
+          <a:bodyPr>
+            <a:normAutofit lnSpcReduction="10000"/>
+          </a:bodyPr>
           <a:lstStyle/>
           <a:p>
             <a:r>
@@ -6762,18 +6764,34 @@
             <a:pPr lvl="2"/>
             <a:r>
               <a:rPr lang="en-US" dirty="0" smtClean="0"/>
-              <a:t>Bluetooth and Wi-Fi capability – most smart phones have </a:t>
-            </a:r>
+              <a:t>Bluetooth and Wi-Fi capability – most smart phones have it</a:t>
+            </a:r>
+          </a:p>
+          <a:p>
             <a:r>
               <a:rPr lang="en-US" dirty="0" smtClean="0"/>
-              <a:t>it</a:t>
-            </a:r>
-            <a:endParaRPr lang="en-US" dirty="0" smtClean="0"/>
-          </a:p>
-          <a:p>
+              <a:t>Basket not </a:t>
+            </a:r>
             <a:r>
               <a:rPr lang="en-US" dirty="0" smtClean="0"/>
-              <a:t>Basket not implemented</a:t>
+              <a:t>implemented</a:t>
+            </a:r>
+          </a:p>
+          <a:p>
+            <a:r>
+              <a:rPr lang="en-US" dirty="0" smtClean="0"/>
+              <a:t>Build only for android v&gt;=2.3</a:t>
+            </a:r>
+          </a:p>
+          <a:p>
+            <a:pPr lvl="1"/>
+            <a:r>
+              <a:rPr lang="en-US" dirty="0" smtClean="0"/>
+              <a:t>Bug in 2.2 regarding </a:t>
+            </a:r>
+            <a:r>
+              <a:rPr lang="en-US" dirty="0" err="1" smtClean="0"/>
+              <a:t>BitmapFactory</a:t>
             </a:r>
             <a:endParaRPr lang="en-US" dirty="0"/>
           </a:p>
@@ -7197,6 +7215,86 @@
                       </p:childTnLst>
                     </p:cTn>
                   </p:par>
+                  <p:par>
+                    <p:cTn id="33" fill="hold">
+                      <p:stCondLst>
+                        <p:cond delay="indefinite"/>
+                      </p:stCondLst>
+                      <p:childTnLst>
+                        <p:par>
+                          <p:cTn id="34" fill="hold">
+                            <p:stCondLst>
+                              <p:cond delay="0"/>
+                            </p:stCondLst>
+                            <p:childTnLst>
+                              <p:par>
+                                <p:cTn id="35" presetID="1" presetClass="entr" presetSubtype="0" fill="hold" grpId="0" nodeType="clickEffect">
+                                  <p:stCondLst>
+                                    <p:cond delay="0"/>
+                                  </p:stCondLst>
+                                  <p:childTnLst>
+                                    <p:set>
+                                      <p:cBhvr>
+                                        <p:cTn id="36" dur="1" fill="hold">
+                                          <p:stCondLst>
+                                            <p:cond delay="0"/>
+                                          </p:stCondLst>
+                                        </p:cTn>
+                                        <p:tgtEl>
+                                          <p:spTgt spid="3">
+                                            <p:txEl>
+                                              <p:pRg st="10" end="10"/>
+                                            </p:txEl>
+                                          </p:spTgt>
+                                        </p:tgtEl>
+                                        <p:attrNameLst>
+                                          <p:attrName>style.visibility</p:attrName>
+                                        </p:attrNameLst>
+                                      </p:cBhvr>
+                                      <p:to>
+                                        <p:strVal val="visible"/>
+                                      </p:to>
+                                    </p:set>
+                                  </p:childTnLst>
+                                </p:cTn>
+                              </p:par>
+                              <p:par>
+                                <p:cTn id="37" presetID="1" presetClass="entr" presetSubtype="0" fill="hold" grpId="0" nodeType="withEffect">
+                                  <p:stCondLst>
+                                    <p:cond delay="0"/>
+                                  </p:stCondLst>
+                                  <p:childTnLst>
+                                    <p:set>
+                                      <p:cBhvr>
+                                        <p:cTn id="38" dur="1" fill="hold">
+                                          <p:stCondLst>
+                                            <p:cond delay="0"/>
+                                          </p:stCondLst>
+                                        </p:cTn>
+                                        <p:tgtEl>
+                                          <p:spTgt spid="3">
+                                            <p:txEl>
+                                              <p:pRg st="11" end="11"/>
+                                            </p:txEl>
+                                          </p:spTgt>
+                                        </p:tgtEl>
+                                        <p:attrNameLst>
+                                          <p:attrName>style.visibility</p:attrName>
+                                        </p:attrNameLst>
+                                      </p:cBhvr>
+                                      <p:to>
+                                        <p:strVal val="visible"/>
+                                      </p:to>
+                                    </p:set>
+                                  </p:childTnLst>
+                                </p:cTn>
+                              </p:par>
+                            </p:childTnLst>
+                          </p:cTn>
+                        </p:par>
+                      </p:childTnLst>
+                    </p:cTn>
+                  </p:par>
                 </p:childTnLst>
               </p:cTn>
               <p:prevCondLst>
@@ -7278,7 +7376,7 @@
         <p:spPr/>
         <p:txBody>
           <a:bodyPr>
-            <a:normAutofit fontScale="92500" lnSpcReduction="10000"/>
+            <a:normAutofit fontScale="92500" lnSpcReduction="20000"/>
           </a:bodyPr>
           <a:lstStyle/>
           <a:p>
@@ -7291,8 +7389,20 @@
             <a:pPr lvl="1"/>
             <a:r>
               <a:rPr lang="en-US" dirty="0" smtClean="0"/>
-              <a:t>Android (Sony MT11i) takes about 0.5 – 1s to download, process and transmit the signal</a:t>
-            </a:r>
+              <a:t>Android (Sony MT11i) takes about 0.5 – 1s to download, process and transmit the </a:t>
+            </a:r>
+            <a:r>
+              <a:rPr lang="en-US" dirty="0" smtClean="0"/>
+              <a:t>signal</a:t>
+            </a:r>
+          </a:p>
+          <a:p>
+            <a:pPr lvl="1"/>
+            <a:r>
+              <a:rPr lang="en-US" dirty="0" smtClean="0"/>
+              <a:t>Much less resources when compared to PC</a:t>
+            </a:r>
+            <a:endParaRPr lang="en-US" dirty="0" smtClean="0"/>
           </a:p>
           <a:p>
             <a:pPr lvl="1"/>
@@ -7510,33 +7620,15 @@
                                   </p:childTnLst>
                                 </p:cTn>
                               </p:par>
-                            </p:childTnLst>
-                          </p:cTn>
-                        </p:par>
-                      </p:childTnLst>
-                    </p:cTn>
-                  </p:par>
-                  <p:par>
-                    <p:cTn id="13" fill="hold">
-                      <p:stCondLst>
-                        <p:cond delay="indefinite"/>
-                      </p:stCondLst>
-                      <p:childTnLst>
-                        <p:par>
-                          <p:cTn id="14" fill="hold">
-                            <p:stCondLst>
-                              <p:cond delay="0"/>
-                            </p:stCondLst>
-                            <p:childTnLst>
                               <p:par>
-                                <p:cTn id="15" presetID="1" presetClass="entr" presetSubtype="0" fill="hold" nodeType="clickEffect">
+                                <p:cTn id="13" presetID="1" presetClass="entr" presetSubtype="0" fill="hold" nodeType="withEffect">
                                   <p:stCondLst>
                                     <p:cond delay="0"/>
                                   </p:stCondLst>
                                   <p:childTnLst>
                                     <p:set>
                                       <p:cBhvr>
-                                        <p:cTn id="16" dur="1" fill="hold">
+                                        <p:cTn id="14" dur="1" fill="hold">
                                           <p:stCondLst>
                                             <p:cond delay="0"/>
                                           </p:stCondLst>
@@ -7559,8 +7651,26 @@
                                   </p:childTnLst>
                                 </p:cTn>
                               </p:par>
+                            </p:childTnLst>
+                          </p:cTn>
+                        </p:par>
+                      </p:childTnLst>
+                    </p:cTn>
+                  </p:par>
+                  <p:par>
+                    <p:cTn id="15" fill="hold">
+                      <p:stCondLst>
+                        <p:cond delay="indefinite"/>
+                      </p:stCondLst>
+                      <p:childTnLst>
+                        <p:par>
+                          <p:cTn id="16" fill="hold">
+                            <p:stCondLst>
+                              <p:cond delay="0"/>
+                            </p:stCondLst>
+                            <p:childTnLst>
                               <p:par>
-                                <p:cTn id="17" presetID="1" presetClass="entr" presetSubtype="0" fill="hold" nodeType="withEffect">
+                                <p:cTn id="17" presetID="1" presetClass="entr" presetSubtype="0" fill="hold" nodeType="clickEffect">
                                   <p:stCondLst>
                                     <p:cond delay="0"/>
                                   </p:stCondLst>
@@ -7590,33 +7700,15 @@
                                   </p:childTnLst>
                                 </p:cTn>
                               </p:par>
-                            </p:childTnLst>
-                          </p:cTn>
-                        </p:par>
-                      </p:childTnLst>
-                    </p:cTn>
-                  </p:par>
-                  <p:par>
-                    <p:cTn id="19" fill="hold">
-                      <p:stCondLst>
-                        <p:cond delay="indefinite"/>
-                      </p:stCondLst>
-                      <p:childTnLst>
-                        <p:par>
-                          <p:cTn id="20" fill="hold">
-                            <p:stCondLst>
-                              <p:cond delay="0"/>
-                            </p:stCondLst>
-                            <p:childTnLst>
                               <p:par>
-                                <p:cTn id="21" presetID="1" presetClass="entr" presetSubtype="0" fill="hold" nodeType="clickEffect">
+                                <p:cTn id="19" presetID="1" presetClass="entr" presetSubtype="0" fill="hold" nodeType="withEffect">
                                   <p:stCondLst>
                                     <p:cond delay="0"/>
                                   </p:stCondLst>
                                   <p:childTnLst>
                                     <p:set>
                                       <p:cBhvr>
-                                        <p:cTn id="22" dur="1" fill="hold">
+                                        <p:cTn id="20" dur="1" fill="hold">
                                           <p:stCondLst>
                                             <p:cond delay="0"/>
                                           </p:stCondLst>
@@ -7639,8 +7731,26 @@
                                   </p:childTnLst>
                                 </p:cTn>
                               </p:par>
+                            </p:childTnLst>
+                          </p:cTn>
+                        </p:par>
+                      </p:childTnLst>
+                    </p:cTn>
+                  </p:par>
+                  <p:par>
+                    <p:cTn id="21" fill="hold">
+                      <p:stCondLst>
+                        <p:cond delay="indefinite"/>
+                      </p:stCondLst>
+                      <p:childTnLst>
+                        <p:par>
+                          <p:cTn id="22" fill="hold">
+                            <p:stCondLst>
+                              <p:cond delay="0"/>
+                            </p:stCondLst>
+                            <p:childTnLst>
                               <p:par>
-                                <p:cTn id="23" presetID="1" presetClass="entr" presetSubtype="0" fill="hold" nodeType="withEffect">
+                                <p:cTn id="23" presetID="1" presetClass="entr" presetSubtype="0" fill="hold" nodeType="clickEffect">
                                   <p:stCondLst>
                                     <p:cond delay="0"/>
                                   </p:stCondLst>
@@ -7718,6 +7828,37 @@
                                           <p:spTgt spid="3">
                                             <p:txEl>
                                               <p:pRg st="9" end="9"/>
+                                            </p:txEl>
+                                          </p:spTgt>
+                                        </p:tgtEl>
+                                        <p:attrNameLst>
+                                          <p:attrName>style.visibility</p:attrName>
+                                        </p:attrNameLst>
+                                      </p:cBhvr>
+                                      <p:to>
+                                        <p:strVal val="visible"/>
+                                      </p:to>
+                                    </p:set>
+                                  </p:childTnLst>
+                                </p:cTn>
+                              </p:par>
+                              <p:par>
+                                <p:cTn id="29" presetID="1" presetClass="entr" presetSubtype="0" fill="hold" nodeType="withEffect">
+                                  <p:stCondLst>
+                                    <p:cond delay="0"/>
+                                  </p:stCondLst>
+                                  <p:childTnLst>
+                                    <p:set>
+                                      <p:cBhvr>
+                                        <p:cTn id="30" dur="1" fill="hold">
+                                          <p:stCondLst>
+                                            <p:cond delay="0"/>
+                                          </p:stCondLst>
+                                        </p:cTn>
+                                        <p:tgtEl>
+                                          <p:spTgt spid="3">
+                                            <p:txEl>
+                                              <p:pRg st="10" end="10"/>
                                             </p:txEl>
                                           </p:spTgt>
                                         </p:tgtEl>
@@ -10346,7 +10487,7 @@
           <p:nvPr>
             <p:extLst>
               <p:ext uri="{D42A27DB-BD31-4B8C-83A1-F6EECF244321}">
-                <p14:modId xmlns:p14="http://schemas.microsoft.com/office/powerpoint/2010/main" val="3016222695"/>
+                <p14:modId xmlns:p14="http://schemas.microsoft.com/office/powerpoint/2010/main" val="3139080359"/>
               </p:ext>
             </p:extLst>
           </p:nvPr>
@@ -16130,12 +16271,16 @@
               <a:t>Usual approach using </a:t>
             </a:r>
             <a:r>
-              <a:rPr lang="en-US" dirty="0" err="1"/>
+              <a:rPr lang="en-US" dirty="0" err="1" smtClean="0"/>
               <a:t>cvHoughCircles</a:t>
             </a:r>
             <a:r>
+              <a:rPr lang="en-US" dirty="0" smtClean="0"/>
+              <a:t> – shape detection </a:t>
+            </a:r>
+            <a:r>
               <a:rPr lang="en-US" dirty="0"/>
-              <a:t> – slow</a:t>
+              <a:t>– slow</a:t>
             </a:r>
           </a:p>
           <a:p>
